--- a/courses/apcsp/lect11.pptx
+++ b/courses/apcsp/lect11.pptx
@@ -18,9 +18,7 @@
     <p:sldId id="324" r:id="rId12"/>
     <p:sldId id="325" r:id="rId13"/>
     <p:sldId id="331" r:id="rId14"/>
-    <p:sldId id="326" r:id="rId15"/>
-    <p:sldId id="317" r:id="rId16"/>
-    <p:sldId id="316" r:id="rId17"/>
+    <p:sldId id="316" r:id="rId15"/>
   </p:sldIdLst>
   <p:sldSz cx="9144000" cy="5715000" type="screen16x10"/>
   <p:notesSz cx="6858000" cy="9144000"/>
@@ -860,7 +858,7 @@
   <pc:docChgLst>
     <pc:chgData name="Long B Nguyen" userId="f59fb8f3-a021-417a-8bc1-65c8d471c621" providerId="ADAL" clId="{AA9102B5-DACA-D841-B260-AEEBF90FC60A}"/>
     <pc:docChg chg="custSel addSld delSld modSld">
-      <pc:chgData name="Long B Nguyen" userId="f59fb8f3-a021-417a-8bc1-65c8d471c621" providerId="ADAL" clId="{AA9102B5-DACA-D841-B260-AEEBF90FC60A}" dt="2020-01-06T02:00:17.493" v="815" actId="255"/>
+      <pc:chgData name="Long B Nguyen" userId="f59fb8f3-a021-417a-8bc1-65c8d471c621" providerId="ADAL" clId="{AA9102B5-DACA-D841-B260-AEEBF90FC60A}" dt="2020-01-06T15:37:30.346" v="948" actId="20577"/>
       <pc:docMkLst>
         <pc:docMk/>
       </pc:docMkLst>
@@ -1005,6 +1003,28 @@
           <pc:sldMk cId="2097059918" sldId="313"/>
         </pc:sldMkLst>
       </pc:sldChg>
+      <pc:sldChg chg="modSp">
+        <pc:chgData name="Long B Nguyen" userId="f59fb8f3-a021-417a-8bc1-65c8d471c621" providerId="ADAL" clId="{AA9102B5-DACA-D841-B260-AEEBF90FC60A}" dt="2020-01-06T15:37:30.346" v="948" actId="20577"/>
+        <pc:sldMkLst>
+          <pc:docMk/>
+          <pc:sldMk cId="1452600724" sldId="316"/>
+        </pc:sldMkLst>
+        <pc:spChg chg="mod">
+          <ac:chgData name="Long B Nguyen" userId="f59fb8f3-a021-417a-8bc1-65c8d471c621" providerId="ADAL" clId="{AA9102B5-DACA-D841-B260-AEEBF90FC60A}" dt="2020-01-06T15:37:30.346" v="948" actId="20577"/>
+          <ac:spMkLst>
+            <pc:docMk/>
+            <pc:sldMk cId="1452600724" sldId="316"/>
+            <ac:spMk id="9" creationId="{E3B2E017-30B2-884B-A113-B419A2ED51AD}"/>
+          </ac:spMkLst>
+        </pc:spChg>
+      </pc:sldChg>
+      <pc:sldChg chg="del">
+        <pc:chgData name="Long B Nguyen" userId="f59fb8f3-a021-417a-8bc1-65c8d471c621" providerId="ADAL" clId="{AA9102B5-DACA-D841-B260-AEEBF90FC60A}" dt="2020-01-06T15:03:11.354" v="848" actId="2696"/>
+        <pc:sldMkLst>
+          <pc:docMk/>
+          <pc:sldMk cId="1787114790" sldId="317"/>
+        </pc:sldMkLst>
+      </pc:sldChg>
       <pc:sldChg chg="del">
         <pc:chgData name="Long B Nguyen" userId="f59fb8f3-a021-417a-8bc1-65c8d471c621" providerId="ADAL" clId="{AA9102B5-DACA-D841-B260-AEEBF90FC60A}" dt="2020-01-05T22:06:12.101" v="42" actId="2696"/>
         <pc:sldMkLst>
@@ -1043,19 +1063,34 @@
         </pc:spChg>
       </pc:sldChg>
       <pc:sldChg chg="modSp">
-        <pc:chgData name="Long B Nguyen" userId="f59fb8f3-a021-417a-8bc1-65c8d471c621" providerId="ADAL" clId="{AA9102B5-DACA-D841-B260-AEEBF90FC60A}" dt="2020-01-06T02:00:05.901" v="814" actId="113"/>
+        <pc:chgData name="Long B Nguyen" userId="f59fb8f3-a021-417a-8bc1-65c8d471c621" providerId="ADAL" clId="{AA9102B5-DACA-D841-B260-AEEBF90FC60A}" dt="2020-01-06T15:35:11.658" v="853" actId="20577"/>
         <pc:sldMkLst>
           <pc:docMk/>
           <pc:sldMk cId="3314372952" sldId="325"/>
         </pc:sldMkLst>
         <pc:spChg chg="mod">
-          <ac:chgData name="Long B Nguyen" userId="f59fb8f3-a021-417a-8bc1-65c8d471c621" providerId="ADAL" clId="{AA9102B5-DACA-D841-B260-AEEBF90FC60A}" dt="2020-01-06T02:00:05.901" v="814" actId="113"/>
+          <ac:chgData name="Long B Nguyen" userId="f59fb8f3-a021-417a-8bc1-65c8d471c621" providerId="ADAL" clId="{AA9102B5-DACA-D841-B260-AEEBF90FC60A}" dt="2020-01-06T15:35:11.658" v="853" actId="20577"/>
+          <ac:spMkLst>
+            <pc:docMk/>
+            <pc:sldMk cId="3314372952" sldId="325"/>
+            <ac:spMk id="2" creationId="{AA3A228F-61D0-D949-A5E7-F83756230BF8}"/>
+          </ac:spMkLst>
+        </pc:spChg>
+        <pc:spChg chg="mod">
+          <ac:chgData name="Long B Nguyen" userId="f59fb8f3-a021-417a-8bc1-65c8d471c621" providerId="ADAL" clId="{AA9102B5-DACA-D841-B260-AEEBF90FC60A}" dt="2020-01-06T15:02:45.351" v="846" actId="20577"/>
           <ac:spMkLst>
             <pc:docMk/>
             <pc:sldMk cId="3314372952" sldId="325"/>
             <ac:spMk id="9" creationId="{E3B2E017-30B2-884B-A113-B419A2ED51AD}"/>
           </ac:spMkLst>
         </pc:spChg>
+      </pc:sldChg>
+      <pc:sldChg chg="del">
+        <pc:chgData name="Long B Nguyen" userId="f59fb8f3-a021-417a-8bc1-65c8d471c621" providerId="ADAL" clId="{AA9102B5-DACA-D841-B260-AEEBF90FC60A}" dt="2020-01-06T15:03:07.580" v="847" actId="2696"/>
+        <pc:sldMkLst>
+          <pc:docMk/>
+          <pc:sldMk cId="3117943122" sldId="326"/>
+        </pc:sldMkLst>
       </pc:sldChg>
       <pc:sldChg chg="del">
         <pc:chgData name="Long B Nguyen" userId="f59fb8f3-a021-417a-8bc1-65c8d471c621" providerId="ADAL" clId="{AA9102B5-DACA-D841-B260-AEEBF90FC60A}" dt="2020-01-06T01:49:27.456" v="111" actId="2696"/>
@@ -1065,13 +1100,13 @@
         </pc:sldMkLst>
       </pc:sldChg>
       <pc:sldChg chg="modSp add">
-        <pc:chgData name="Long B Nguyen" userId="f59fb8f3-a021-417a-8bc1-65c8d471c621" providerId="ADAL" clId="{AA9102B5-DACA-D841-B260-AEEBF90FC60A}" dt="2020-01-06T01:54:41.164" v="640" actId="207"/>
+        <pc:chgData name="Long B Nguyen" userId="f59fb8f3-a021-417a-8bc1-65c8d471c621" providerId="ADAL" clId="{AA9102B5-DACA-D841-B260-AEEBF90FC60A}" dt="2020-01-06T15:00:48.763" v="818" actId="113"/>
         <pc:sldMkLst>
           <pc:docMk/>
           <pc:sldMk cId="1724104636" sldId="327"/>
         </pc:sldMkLst>
         <pc:spChg chg="mod">
-          <ac:chgData name="Long B Nguyen" userId="f59fb8f3-a021-417a-8bc1-65c8d471c621" providerId="ADAL" clId="{AA9102B5-DACA-D841-B260-AEEBF90FC60A}" dt="2020-01-06T01:54:41.164" v="640" actId="207"/>
+          <ac:chgData name="Long B Nguyen" userId="f59fb8f3-a021-417a-8bc1-65c8d471c621" providerId="ADAL" clId="{AA9102B5-DACA-D841-B260-AEEBF90FC60A}" dt="2020-01-06T15:00:48.763" v="818" actId="113"/>
           <ac:spMkLst>
             <pc:docMk/>
             <pc:sldMk cId="1724104636" sldId="327"/>
@@ -1095,13 +1130,13 @@
         </pc:spChg>
       </pc:sldChg>
       <pc:sldChg chg="modSp add">
-        <pc:chgData name="Long B Nguyen" userId="f59fb8f3-a021-417a-8bc1-65c8d471c621" providerId="ADAL" clId="{AA9102B5-DACA-D841-B260-AEEBF90FC60A}" dt="2020-01-06T01:56:03.493" v="711" actId="20577"/>
+        <pc:chgData name="Long B Nguyen" userId="f59fb8f3-a021-417a-8bc1-65c8d471c621" providerId="ADAL" clId="{AA9102B5-DACA-D841-B260-AEEBF90FC60A}" dt="2020-01-06T15:01:01.638" v="819" actId="2711"/>
         <pc:sldMkLst>
           <pc:docMk/>
           <pc:sldMk cId="3594730708" sldId="330"/>
         </pc:sldMkLst>
         <pc:spChg chg="mod">
-          <ac:chgData name="Long B Nguyen" userId="f59fb8f3-a021-417a-8bc1-65c8d471c621" providerId="ADAL" clId="{AA9102B5-DACA-D841-B260-AEEBF90FC60A}" dt="2020-01-06T01:56:03.493" v="711" actId="20577"/>
+          <ac:chgData name="Long B Nguyen" userId="f59fb8f3-a021-417a-8bc1-65c8d471c621" providerId="ADAL" clId="{AA9102B5-DACA-D841-B260-AEEBF90FC60A}" dt="2020-01-06T15:01:01.638" v="819" actId="2711"/>
           <ac:spMkLst>
             <pc:docMk/>
             <pc:sldMk cId="3594730708" sldId="330"/>
@@ -1284,7 +1319,7 @@
           <a:p>
             <a:fld id="{4AAD347D-5ACD-4C99-B74B-A9C85AD731AF}" type="datetimeFigureOut">
               <a:rPr lang="en-US" smtClean="0"/>
-              <a:t>1/5/20</a:t>
+              <a:t>1/6/20</a:t>
             </a:fld>
             <a:endParaRPr lang="en-US" dirty="0"/>
           </a:p>
@@ -1454,7 +1489,7 @@
           <a:p>
             <a:fld id="{4509A250-FF31-4206-8172-F9D3106AACB1}" type="datetimeFigureOut">
               <a:rPr lang="en-US" smtClean="0"/>
-              <a:t>1/5/20</a:t>
+              <a:t>1/6/20</a:t>
             </a:fld>
             <a:endParaRPr lang="en-US" dirty="0"/>
           </a:p>
@@ -1634,7 +1669,7 @@
           <a:p>
             <a:fld id="{4509A250-FF31-4206-8172-F9D3106AACB1}" type="datetimeFigureOut">
               <a:rPr lang="en-US" smtClean="0"/>
-              <a:t>1/5/20</a:t>
+              <a:t>1/6/20</a:t>
             </a:fld>
             <a:endParaRPr lang="en-US" dirty="0"/>
           </a:p>
@@ -1804,7 +1839,7 @@
           <a:p>
             <a:fld id="{4509A250-FF31-4206-8172-F9D3106AACB1}" type="datetimeFigureOut">
               <a:rPr lang="en-US" smtClean="0"/>
-              <a:t>1/5/20</a:t>
+              <a:t>1/6/20</a:t>
             </a:fld>
             <a:endParaRPr lang="en-US" dirty="0"/>
           </a:p>
@@ -2050,7 +2085,7 @@
           <a:p>
             <a:fld id="{9796027F-7875-4030-9381-8BD8C4F21935}" type="datetimeFigureOut">
               <a:rPr lang="en-US" smtClean="0"/>
-              <a:t>1/5/20</a:t>
+              <a:t>1/6/20</a:t>
             </a:fld>
             <a:endParaRPr lang="en-US" dirty="0"/>
           </a:p>
@@ -2282,7 +2317,7 @@
           <a:p>
             <a:fld id="{9796027F-7875-4030-9381-8BD8C4F21935}" type="datetimeFigureOut">
               <a:rPr lang="en-US" smtClean="0"/>
-              <a:t>1/5/20</a:t>
+              <a:t>1/6/20</a:t>
             </a:fld>
             <a:endParaRPr lang="en-US" dirty="0"/>
           </a:p>
@@ -2649,7 +2684,7 @@
           <a:p>
             <a:fld id="{9796027F-7875-4030-9381-8BD8C4F21935}" type="datetimeFigureOut">
               <a:rPr lang="en-US" smtClean="0"/>
-              <a:t>1/5/20</a:t>
+              <a:t>1/6/20</a:t>
             </a:fld>
             <a:endParaRPr lang="en-US" dirty="0"/>
           </a:p>
@@ -2767,7 +2802,7 @@
           <a:p>
             <a:fld id="{4509A250-FF31-4206-8172-F9D3106AACB1}" type="datetimeFigureOut">
               <a:rPr lang="en-US" smtClean="0"/>
-              <a:t>1/5/20</a:t>
+              <a:t>1/6/20</a:t>
             </a:fld>
             <a:endParaRPr lang="en-US" dirty="0"/>
           </a:p>
@@ -2862,7 +2897,7 @@
           <a:p>
             <a:fld id="{4509A250-FF31-4206-8172-F9D3106AACB1}" type="datetimeFigureOut">
               <a:rPr lang="en-US" smtClean="0"/>
-              <a:t>1/5/20</a:t>
+              <a:t>1/6/20</a:t>
             </a:fld>
             <a:endParaRPr lang="en-US" dirty="0"/>
           </a:p>
@@ -3139,7 +3174,7 @@
           <a:p>
             <a:fld id="{4509A250-FF31-4206-8172-F9D3106AACB1}" type="datetimeFigureOut">
               <a:rPr lang="en-US" smtClean="0"/>
-              <a:t>1/5/20</a:t>
+              <a:t>1/6/20</a:t>
             </a:fld>
             <a:endParaRPr lang="en-US" dirty="0"/>
           </a:p>
@@ -3396,7 +3431,7 @@
           <a:p>
             <a:fld id="{4509A250-FF31-4206-8172-F9D3106AACB1}" type="datetimeFigureOut">
               <a:rPr lang="en-US" smtClean="0"/>
-              <a:t>1/5/20</a:t>
+              <a:t>1/6/20</a:t>
             </a:fld>
             <a:endParaRPr lang="en-US" dirty="0"/>
           </a:p>
@@ -3609,7 +3644,7 @@
           <a:p>
             <a:fld id="{4AAD347D-5ACD-4C99-B74B-A9C85AD731AF}" type="datetimeFigureOut">
               <a:rPr lang="en-US" smtClean="0"/>
-              <a:t>1/5/20</a:t>
+              <a:t>1/6/20</a:t>
             </a:fld>
             <a:endParaRPr lang="en-US" dirty="0"/>
           </a:p>
@@ -4386,13 +4421,13 @@
                 <a:solidFill>
                   <a:srgbClr val="FF4C00"/>
                 </a:solidFill>
-                <a:latin typeface="LucidaSansTypewriterStd"/>
+                <a:latin typeface="Inconsolata Medium" panose="020B0609030003000000" pitchFamily="49" charset="77"/>
               </a:rPr>
               <a:t>while True</a:t>
             </a:r>
             <a:r>
               <a:rPr lang="en-US" sz="2000" b="1" dirty="0">
-                <a:latin typeface="LucidaSansTypewriterStd"/>
+                <a:latin typeface="Inconsolata Medium" panose="020B0609030003000000" pitchFamily="49" charset="77"/>
               </a:rPr>
               <a:t>: </a:t>
             </a:r>
@@ -4403,7 +4438,7 @@
             </a:pPr>
             <a:r>
               <a:rPr lang="en-US" sz="2000" b="1" dirty="0">
-                <a:latin typeface="LucidaSansTypewriterStd"/>
+                <a:latin typeface="Inconsolata Medium" panose="020B0609030003000000" pitchFamily="49" charset="77"/>
               </a:rPr>
               <a:t>	number = </a:t>
             </a:r>
@@ -4412,13 +4447,13 @@
                 <a:solidFill>
                   <a:srgbClr val="990CFF"/>
                 </a:solidFill>
-                <a:latin typeface="LucidaSansTypewriterStd"/>
+                <a:latin typeface="Inconsolata Medium" panose="020B0609030003000000" pitchFamily="49" charset="77"/>
               </a:rPr>
               <a:t>int</a:t>
             </a:r>
             <a:r>
               <a:rPr lang="en-US" sz="2000" b="1" dirty="0">
-                <a:latin typeface="LucidaSansTypewriterStd"/>
+                <a:latin typeface="Inconsolata Medium" panose="020B0609030003000000" pitchFamily="49" charset="77"/>
               </a:rPr>
               <a:t>(</a:t>
             </a:r>
@@ -4427,13 +4462,13 @@
                 <a:solidFill>
                   <a:srgbClr val="990CFF"/>
                 </a:solidFill>
-                <a:latin typeface="LucidaSansTypewriterStd"/>
+                <a:latin typeface="Inconsolata Medium" panose="020B0609030003000000" pitchFamily="49" charset="77"/>
               </a:rPr>
               <a:t>input</a:t>
             </a:r>
             <a:r>
               <a:rPr lang="en-US" sz="2000" b="1" dirty="0">
-                <a:latin typeface="LucidaSansTypewriterStd"/>
+                <a:latin typeface="Inconsolata Medium" panose="020B0609030003000000" pitchFamily="49" charset="77"/>
               </a:rPr>
               <a:t>(</a:t>
             </a:r>
@@ -4442,13 +4477,13 @@
                 <a:solidFill>
                   <a:srgbClr val="0CFF00"/>
                 </a:solidFill>
-                <a:latin typeface="LucidaSansTypewriterStd"/>
+                <a:latin typeface="Inconsolata Medium" panose="020B0609030003000000" pitchFamily="49" charset="77"/>
               </a:rPr>
               <a:t>"Enter the numeric grade: "</a:t>
             </a:r>
             <a:r>
               <a:rPr lang="en-US" sz="2000" b="1" dirty="0">
-                <a:latin typeface="LucidaSansTypewriterStd"/>
+                <a:latin typeface="Inconsolata Medium" panose="020B0609030003000000" pitchFamily="49" charset="77"/>
               </a:rPr>
               <a:t>)) </a:t>
             </a:r>
@@ -4462,13 +4497,13 @@
                 <a:solidFill>
                   <a:srgbClr val="FF4C00"/>
                 </a:solidFill>
-                <a:latin typeface="LucidaSansTypewriterStd"/>
+                <a:latin typeface="Inconsolata Medium" panose="020B0609030003000000" pitchFamily="49" charset="77"/>
               </a:rPr>
               <a:t>	if </a:t>
             </a:r>
             <a:r>
               <a:rPr lang="en-US" sz="2000" b="1" dirty="0">
-                <a:latin typeface="LucidaSansTypewriterStd"/>
+                <a:latin typeface="Inconsolata Medium" panose="020B0609030003000000" pitchFamily="49" charset="77"/>
               </a:rPr>
               <a:t>number &gt;= 0 and number &lt;= 100: </a:t>
             </a:r>
@@ -4482,7 +4517,7 @@
                 <a:solidFill>
                   <a:srgbClr val="FF4C00"/>
                 </a:solidFill>
-                <a:latin typeface="LucidaSansTypewriterStd"/>
+                <a:latin typeface="Inconsolata Medium" panose="020B0609030003000000" pitchFamily="49" charset="77"/>
               </a:rPr>
               <a:t>		break </a:t>
             </a:r>
@@ -4496,17 +4531,19 @@
                 <a:solidFill>
                   <a:srgbClr val="FF4C00"/>
                 </a:solidFill>
-                <a:latin typeface="LucidaSansTypewriterStd"/>
+                <a:latin typeface="Inconsolata Medium" panose="020B0609030003000000" pitchFamily="49" charset="77"/>
               </a:rPr>
               <a:t>	else</a:t>
             </a:r>
             <a:r>
               <a:rPr lang="en-US" sz="2000" b="1" dirty="0">
-                <a:latin typeface="LucidaSansTypewriterStd"/>
+                <a:latin typeface="Inconsolata Medium" panose="020B0609030003000000" pitchFamily="49" charset="77"/>
               </a:rPr>
               <a:t>: </a:t>
             </a:r>
-            <a:endParaRPr lang="en-US" sz="2000" dirty="0"/>
+            <a:endParaRPr lang="en-US" sz="2000" dirty="0">
+              <a:latin typeface="Inconsolata Medium" panose="020B0609030003000000" pitchFamily="49" charset="77"/>
+            </a:endParaRPr>
           </a:p>
           <a:p>
             <a:pPr marL="0" indent="0">
@@ -4517,13 +4554,13 @@
                 <a:solidFill>
                   <a:srgbClr val="990CFF"/>
                 </a:solidFill>
-                <a:latin typeface="LucidaSansTypewriterStd"/>
+                <a:latin typeface="Inconsolata Medium" panose="020B0609030003000000" pitchFamily="49" charset="77"/>
               </a:rPr>
               <a:t>		print</a:t>
             </a:r>
             <a:r>
               <a:rPr lang="en-US" sz="2000" b="1" dirty="0">
-                <a:latin typeface="LucidaSansTypewriterStd"/>
+                <a:latin typeface="Inconsolata Medium" panose="020B0609030003000000" pitchFamily="49" charset="77"/>
               </a:rPr>
               <a:t>(</a:t>
             </a:r>
@@ -4532,13 +4569,13 @@
                 <a:solidFill>
                   <a:srgbClr val="0CFF00"/>
                 </a:solidFill>
-                <a:latin typeface="LucidaSansTypewriterStd"/>
+                <a:latin typeface="Inconsolata Medium" panose="020B0609030003000000" pitchFamily="49" charset="77"/>
               </a:rPr>
               <a:t>"Error: grade must be between 100 and 0"</a:t>
             </a:r>
             <a:r>
               <a:rPr lang="en-US" sz="2000" b="1" dirty="0">
-                <a:latin typeface="LucidaSansTypewriterStd"/>
+                <a:latin typeface="Inconsolata Medium" panose="020B0609030003000000" pitchFamily="49" charset="77"/>
               </a:rPr>
               <a:t>) </a:t>
             </a:r>
@@ -4552,13 +4589,13 @@
                 <a:solidFill>
                   <a:srgbClr val="990CFF"/>
                 </a:solidFill>
-                <a:latin typeface="LucidaSansTypewriterStd"/>
+                <a:latin typeface="Inconsolata Medium" panose="020B0609030003000000" pitchFamily="49" charset="77"/>
               </a:rPr>
               <a:t>print</a:t>
             </a:r>
             <a:r>
               <a:rPr lang="en-US" sz="2000" b="1" dirty="0">
-                <a:latin typeface="LucidaSansTypewriterStd"/>
+                <a:latin typeface="Inconsolata Medium" panose="020B0609030003000000" pitchFamily="49" charset="77"/>
               </a:rPr>
               <a:t>(number)   </a:t>
             </a:r>
@@ -4569,7 +4606,7 @@
                     <a:lumMod val="75000"/>
                   </a:schemeClr>
                 </a:solidFill>
-                <a:latin typeface="LucidaSansTypewriterStd"/>
+                <a:latin typeface="Inconsolata Medium" panose="020B0609030003000000" pitchFamily="49" charset="77"/>
               </a:rPr>
               <a:t># Just echo the valid input </a:t>
             </a:r>
@@ -4579,6 +4616,7 @@
                   <a:lumMod val="75000"/>
                 </a:schemeClr>
               </a:solidFill>
+              <a:latin typeface="Inconsolata Medium" panose="020B0609030003000000" pitchFamily="49" charset="77"/>
             </a:endParaRPr>
           </a:p>
           <a:p>
@@ -5202,7 +5240,7 @@
           <a:p>
             <a:r>
               <a:rPr lang="en-US" dirty="0"/>
-              <a:t>Guessing Game</a:t>
+              <a:t>Lab 1</a:t>
             </a:r>
           </a:p>
         </p:txBody>
@@ -5240,7 +5278,7 @@
             </a:pPr>
             <a:r>
               <a:rPr lang="en-US" dirty="0"/>
-              <a:t>Let's write a simple guessing game. </a:t>
+              <a:t>In this lab, we will write a simple guessing game. </a:t>
             </a:r>
           </a:p>
           <a:p>
@@ -5682,7 +5720,7 @@
         </p:nvSpPr>
         <p:spPr>
           <a:xfrm>
-            <a:off x="483848" y="0"/>
+            <a:off x="483848" y="467027"/>
             <a:ext cx="7053542" cy="683886"/>
           </a:xfrm>
         </p:spPr>
@@ -5692,7 +5730,7 @@
           <a:p>
             <a:r>
               <a:rPr lang="en-US" dirty="0"/>
-              <a:t>Guessing Game</a:t>
+              <a:t>References</a:t>
             </a:r>
           </a:p>
         </p:txBody>
@@ -5715,8 +5753,8 @@
         </p:nvSpPr>
         <p:spPr>
           <a:xfrm>
-            <a:off x="483848" y="516835"/>
-            <a:ext cx="8051725" cy="5102087"/>
+            <a:off x="483848" y="1150913"/>
+            <a:ext cx="8051725" cy="4440590"/>
           </a:xfrm>
         </p:spPr>
         <p:txBody>
@@ -5728,1085 +5766,6 @@
             <a:pPr marL="0" indent="0">
               <a:buNone/>
             </a:pPr>
-            <a:r>
-              <a:rPr lang="en-US" sz="1700" b="1" dirty="0">
-                <a:solidFill>
-                  <a:srgbClr val="FF4C00"/>
-                </a:solidFill>
-                <a:latin typeface="Inconsolata Medium" panose="020B0609030003000000" pitchFamily="49" charset="77"/>
-              </a:rPr>
-              <a:t>import </a:t>
-            </a:r>
-            <a:r>
-              <a:rPr lang="en-US" sz="1700" b="1" dirty="0">
-                <a:latin typeface="Inconsolata Medium" panose="020B0609030003000000" pitchFamily="49" charset="77"/>
-              </a:rPr>
-              <a:t>random </a:t>
-            </a:r>
-          </a:p>
-          <a:p>
-            <a:pPr marL="0" indent="0">
-              <a:buNone/>
-            </a:pPr>
-            <a:r>
-              <a:rPr lang="en-US" sz="1700" b="1" dirty="0">
-                <a:latin typeface="Inconsolata Medium" panose="020B0609030003000000" pitchFamily="49" charset="77"/>
-              </a:rPr>
-              <a:t>smaller = </a:t>
-            </a:r>
-            <a:r>
-              <a:rPr lang="en-US" sz="1700" b="1" dirty="0">
-                <a:solidFill>
-                  <a:srgbClr val="990CFF"/>
-                </a:solidFill>
-                <a:latin typeface="Inconsolata Medium" panose="020B0609030003000000" pitchFamily="49" charset="77"/>
-              </a:rPr>
-              <a:t>int</a:t>
-            </a:r>
-            <a:r>
-              <a:rPr lang="en-US" sz="1700" b="1" dirty="0">
-                <a:latin typeface="Inconsolata Medium" panose="020B0609030003000000" pitchFamily="49" charset="77"/>
-              </a:rPr>
-              <a:t>(</a:t>
-            </a:r>
-            <a:r>
-              <a:rPr lang="en-US" sz="1700" b="1" dirty="0">
-                <a:solidFill>
-                  <a:srgbClr val="990CFF"/>
-                </a:solidFill>
-                <a:latin typeface="Inconsolata Medium" panose="020B0609030003000000" pitchFamily="49" charset="77"/>
-              </a:rPr>
-              <a:t>input</a:t>
-            </a:r>
-            <a:r>
-              <a:rPr lang="en-US" sz="1700" b="1" dirty="0">
-                <a:latin typeface="Inconsolata Medium" panose="020B0609030003000000" pitchFamily="49" charset="77"/>
-              </a:rPr>
-              <a:t>(</a:t>
-            </a:r>
-            <a:r>
-              <a:rPr lang="en-US" sz="1700" b="1" dirty="0">
-                <a:solidFill>
-                  <a:srgbClr val="0CFF00"/>
-                </a:solidFill>
-                <a:latin typeface="Inconsolata Medium" panose="020B0609030003000000" pitchFamily="49" charset="77"/>
-              </a:rPr>
-              <a:t>"Enter the smaller number: "</a:t>
-            </a:r>
-            <a:r>
-              <a:rPr lang="en-US" sz="1700" b="1" dirty="0">
-                <a:latin typeface="Inconsolata Medium" panose="020B0609030003000000" pitchFamily="49" charset="77"/>
-              </a:rPr>
-              <a:t>)) </a:t>
-            </a:r>
-          </a:p>
-          <a:p>
-            <a:pPr marL="0" indent="0">
-              <a:buNone/>
-            </a:pPr>
-            <a:r>
-              <a:rPr lang="en-US" sz="1700" b="1" dirty="0">
-                <a:latin typeface="Inconsolata Medium" panose="020B0609030003000000" pitchFamily="49" charset="77"/>
-              </a:rPr>
-              <a:t>larger = </a:t>
-            </a:r>
-            <a:r>
-              <a:rPr lang="en-US" sz="1700" b="1" dirty="0">
-                <a:solidFill>
-                  <a:srgbClr val="990CFF"/>
-                </a:solidFill>
-                <a:latin typeface="Inconsolata Medium" panose="020B0609030003000000" pitchFamily="49" charset="77"/>
-              </a:rPr>
-              <a:t>int</a:t>
-            </a:r>
-            <a:r>
-              <a:rPr lang="en-US" sz="1700" b="1" dirty="0">
-                <a:latin typeface="Inconsolata Medium" panose="020B0609030003000000" pitchFamily="49" charset="77"/>
-              </a:rPr>
-              <a:t>(</a:t>
-            </a:r>
-            <a:r>
-              <a:rPr lang="en-US" sz="1700" b="1" dirty="0">
-                <a:solidFill>
-                  <a:srgbClr val="990CFF"/>
-                </a:solidFill>
-                <a:latin typeface="Inconsolata Medium" panose="020B0609030003000000" pitchFamily="49" charset="77"/>
-              </a:rPr>
-              <a:t>input</a:t>
-            </a:r>
-            <a:r>
-              <a:rPr lang="en-US" sz="1700" b="1" dirty="0">
-                <a:latin typeface="Inconsolata Medium" panose="020B0609030003000000" pitchFamily="49" charset="77"/>
-              </a:rPr>
-              <a:t>(</a:t>
-            </a:r>
-            <a:r>
-              <a:rPr lang="en-US" sz="1700" b="1" dirty="0">
-                <a:solidFill>
-                  <a:srgbClr val="0CFF00"/>
-                </a:solidFill>
-                <a:latin typeface="Inconsolata Medium" panose="020B0609030003000000" pitchFamily="49" charset="77"/>
-              </a:rPr>
-              <a:t>"Enter the larger number: "</a:t>
-            </a:r>
-            <a:r>
-              <a:rPr lang="en-US" sz="1700" b="1" dirty="0">
-                <a:latin typeface="Inconsolata Medium" panose="020B0609030003000000" pitchFamily="49" charset="77"/>
-              </a:rPr>
-              <a:t>)) </a:t>
-            </a:r>
-          </a:p>
-          <a:p>
-            <a:pPr marL="0" indent="0">
-              <a:buNone/>
-            </a:pPr>
-            <a:r>
-              <a:rPr lang="en-US" sz="1700" b="1" dirty="0" err="1">
-                <a:latin typeface="Inconsolata Medium" panose="020B0609030003000000" pitchFamily="49" charset="77"/>
-              </a:rPr>
-              <a:t>myNumber</a:t>
-            </a:r>
-            <a:r>
-              <a:rPr lang="en-US" sz="1700" b="1" dirty="0">
-                <a:latin typeface="Inconsolata Medium" panose="020B0609030003000000" pitchFamily="49" charset="77"/>
-              </a:rPr>
-              <a:t> = </a:t>
-            </a:r>
-            <a:r>
-              <a:rPr lang="en-US" sz="1700" b="1" dirty="0" err="1">
-                <a:latin typeface="Inconsolata Medium" panose="020B0609030003000000" pitchFamily="49" charset="77"/>
-              </a:rPr>
-              <a:t>random.randint</a:t>
-            </a:r>
-            <a:r>
-              <a:rPr lang="en-US" sz="1700" b="1" dirty="0">
-                <a:latin typeface="Inconsolata Medium" panose="020B0609030003000000" pitchFamily="49" charset="77"/>
-              </a:rPr>
-              <a:t>(smaller, larger) </a:t>
-            </a:r>
-          </a:p>
-          <a:p>
-            <a:pPr marL="0" indent="0">
-              <a:buNone/>
-            </a:pPr>
-            <a:r>
-              <a:rPr lang="en-US" sz="1700" b="1" dirty="0">
-                <a:latin typeface="Inconsolata Medium" panose="020B0609030003000000" pitchFamily="49" charset="77"/>
-              </a:rPr>
-              <a:t>count = 0 </a:t>
-            </a:r>
-          </a:p>
-          <a:p>
-            <a:pPr marL="0" indent="0">
-              <a:buNone/>
-            </a:pPr>
-            <a:r>
-              <a:rPr lang="en-US" sz="1700" b="1" dirty="0">
-                <a:solidFill>
-                  <a:srgbClr val="FF4C00"/>
-                </a:solidFill>
-                <a:latin typeface="Inconsolata Medium" panose="020B0609030003000000" pitchFamily="49" charset="77"/>
-              </a:rPr>
-              <a:t>while True</a:t>
-            </a:r>
-            <a:r>
-              <a:rPr lang="en-US" sz="1700" b="1" dirty="0">
-                <a:latin typeface="Inconsolata Medium" panose="020B0609030003000000" pitchFamily="49" charset="77"/>
-              </a:rPr>
-              <a:t>: </a:t>
-            </a:r>
-          </a:p>
-          <a:p>
-            <a:pPr marL="0" indent="0">
-              <a:buNone/>
-            </a:pPr>
-            <a:r>
-              <a:rPr lang="en-US" sz="1700" b="1" dirty="0">
-                <a:latin typeface="Inconsolata Medium" panose="020B0609030003000000" pitchFamily="49" charset="77"/>
-              </a:rPr>
-              <a:t>	count += 1 </a:t>
-            </a:r>
-          </a:p>
-          <a:p>
-            <a:pPr marL="0" indent="0">
-              <a:buNone/>
-            </a:pPr>
-            <a:r>
-              <a:rPr lang="en-US" sz="1700" b="1" dirty="0">
-                <a:latin typeface="Inconsolata Medium" panose="020B0609030003000000" pitchFamily="49" charset="77"/>
-              </a:rPr>
-              <a:t>	</a:t>
-            </a:r>
-            <a:r>
-              <a:rPr lang="en-US" sz="1700" b="1" dirty="0" err="1">
-                <a:latin typeface="Inconsolata Medium" panose="020B0609030003000000" pitchFamily="49" charset="77"/>
-              </a:rPr>
-              <a:t>userNumber</a:t>
-            </a:r>
-            <a:r>
-              <a:rPr lang="en-US" sz="1700" b="1" dirty="0">
-                <a:latin typeface="Inconsolata Medium" panose="020B0609030003000000" pitchFamily="49" charset="77"/>
-              </a:rPr>
-              <a:t> = </a:t>
-            </a:r>
-            <a:r>
-              <a:rPr lang="en-US" sz="1700" b="1" dirty="0">
-                <a:solidFill>
-                  <a:srgbClr val="990CFF"/>
-                </a:solidFill>
-                <a:latin typeface="Inconsolata Medium" panose="020B0609030003000000" pitchFamily="49" charset="77"/>
-              </a:rPr>
-              <a:t>int</a:t>
-            </a:r>
-            <a:r>
-              <a:rPr lang="en-US" sz="1700" b="1" dirty="0">
-                <a:latin typeface="Inconsolata Medium" panose="020B0609030003000000" pitchFamily="49" charset="77"/>
-              </a:rPr>
-              <a:t>(</a:t>
-            </a:r>
-            <a:r>
-              <a:rPr lang="en-US" sz="1700" b="1" dirty="0">
-                <a:solidFill>
-                  <a:srgbClr val="990CFF"/>
-                </a:solidFill>
-                <a:latin typeface="Inconsolata Medium" panose="020B0609030003000000" pitchFamily="49" charset="77"/>
-              </a:rPr>
-              <a:t>input</a:t>
-            </a:r>
-            <a:r>
-              <a:rPr lang="en-US" sz="1700" b="1" dirty="0">
-                <a:latin typeface="Inconsolata Medium" panose="020B0609030003000000" pitchFamily="49" charset="77"/>
-              </a:rPr>
-              <a:t>(</a:t>
-            </a:r>
-            <a:r>
-              <a:rPr lang="en-US" sz="1700" b="1" dirty="0">
-                <a:solidFill>
-                  <a:srgbClr val="0CFF00"/>
-                </a:solidFill>
-                <a:latin typeface="Inconsolata Medium" panose="020B0609030003000000" pitchFamily="49" charset="77"/>
-              </a:rPr>
-              <a:t>"Enter your guess: "</a:t>
-            </a:r>
-            <a:r>
-              <a:rPr lang="en-US" sz="1700" b="1" dirty="0">
-                <a:latin typeface="Inconsolata Medium" panose="020B0609030003000000" pitchFamily="49" charset="77"/>
-              </a:rPr>
-              <a:t>)) </a:t>
-            </a:r>
-          </a:p>
-          <a:p>
-            <a:pPr marL="0" indent="0">
-              <a:buNone/>
-            </a:pPr>
-            <a:r>
-              <a:rPr lang="en-US" sz="1700" b="1" dirty="0">
-                <a:solidFill>
-                  <a:srgbClr val="FF4C00"/>
-                </a:solidFill>
-                <a:latin typeface="Inconsolata Medium" panose="020B0609030003000000" pitchFamily="49" charset="77"/>
-              </a:rPr>
-              <a:t>	if </a:t>
-            </a:r>
-            <a:r>
-              <a:rPr lang="en-US" sz="1700" b="1" dirty="0" err="1">
-                <a:latin typeface="Inconsolata Medium" panose="020B0609030003000000" pitchFamily="49" charset="77"/>
-              </a:rPr>
-              <a:t>userNumber</a:t>
-            </a:r>
-            <a:r>
-              <a:rPr lang="en-US" sz="1700" b="1" dirty="0">
-                <a:latin typeface="Inconsolata Medium" panose="020B0609030003000000" pitchFamily="49" charset="77"/>
-              </a:rPr>
-              <a:t> &lt; </a:t>
-            </a:r>
-            <a:r>
-              <a:rPr lang="en-US" sz="1700" b="1" dirty="0" err="1">
-                <a:latin typeface="Inconsolata Medium" panose="020B0609030003000000" pitchFamily="49" charset="77"/>
-              </a:rPr>
-              <a:t>myNumber</a:t>
-            </a:r>
-            <a:r>
-              <a:rPr lang="en-US" sz="1700" b="1" dirty="0">
-                <a:latin typeface="Inconsolata Medium" panose="020B0609030003000000" pitchFamily="49" charset="77"/>
-              </a:rPr>
-              <a:t>: </a:t>
-            </a:r>
-          </a:p>
-          <a:p>
-            <a:pPr marL="0" indent="0">
-              <a:buNone/>
-            </a:pPr>
-            <a:r>
-              <a:rPr lang="en-US" sz="1700" b="1" dirty="0">
-                <a:solidFill>
-                  <a:srgbClr val="990CFF"/>
-                </a:solidFill>
-                <a:latin typeface="Inconsolata Medium" panose="020B0609030003000000" pitchFamily="49" charset="77"/>
-              </a:rPr>
-              <a:t>		print</a:t>
-            </a:r>
-            <a:r>
-              <a:rPr lang="en-US" sz="1700" b="1" dirty="0">
-                <a:latin typeface="Inconsolata Medium" panose="020B0609030003000000" pitchFamily="49" charset="77"/>
-              </a:rPr>
-              <a:t>(</a:t>
-            </a:r>
-            <a:r>
-              <a:rPr lang="en-US" sz="1700" b="1" dirty="0">
-                <a:solidFill>
-                  <a:srgbClr val="0CFF00"/>
-                </a:solidFill>
-                <a:latin typeface="Inconsolata Medium" panose="020B0609030003000000" pitchFamily="49" charset="77"/>
-              </a:rPr>
-              <a:t>"Too small!"</a:t>
-            </a:r>
-            <a:r>
-              <a:rPr lang="en-US" sz="1700" b="1" dirty="0">
-                <a:latin typeface="Inconsolata Medium" panose="020B0609030003000000" pitchFamily="49" charset="77"/>
-              </a:rPr>
-              <a:t>)</a:t>
-            </a:r>
-            <a:br>
-              <a:rPr lang="en-US" sz="1700" b="1" dirty="0">
-                <a:latin typeface="Inconsolata Medium" panose="020B0609030003000000" pitchFamily="49" charset="77"/>
-              </a:rPr>
-            </a:br>
-            <a:r>
-              <a:rPr lang="en-US" sz="1700" b="1" dirty="0">
-                <a:latin typeface="Inconsolata Medium" panose="020B0609030003000000" pitchFamily="49" charset="77"/>
-              </a:rPr>
-              <a:t>	</a:t>
-            </a:r>
-            <a:r>
-              <a:rPr lang="en-US" sz="1700" b="1" dirty="0" err="1">
-                <a:solidFill>
-                  <a:srgbClr val="FF4C00"/>
-                </a:solidFill>
-                <a:latin typeface="Inconsolata Medium" panose="020B0609030003000000" pitchFamily="49" charset="77"/>
-              </a:rPr>
-              <a:t>elif</a:t>
-            </a:r>
-            <a:r>
-              <a:rPr lang="en-US" sz="1700" b="1" dirty="0">
-                <a:solidFill>
-                  <a:srgbClr val="FF4C00"/>
-                </a:solidFill>
-                <a:latin typeface="Inconsolata Medium" panose="020B0609030003000000" pitchFamily="49" charset="77"/>
-              </a:rPr>
-              <a:t> </a:t>
-            </a:r>
-            <a:r>
-              <a:rPr lang="en-US" sz="1700" b="1" dirty="0" err="1">
-                <a:latin typeface="Inconsolata Medium" panose="020B0609030003000000" pitchFamily="49" charset="77"/>
-              </a:rPr>
-              <a:t>userNumber</a:t>
-            </a:r>
-            <a:r>
-              <a:rPr lang="en-US" sz="1700" b="1" dirty="0">
-                <a:latin typeface="Inconsolata Medium" panose="020B0609030003000000" pitchFamily="49" charset="77"/>
-              </a:rPr>
-              <a:t> &gt; </a:t>
-            </a:r>
-            <a:r>
-              <a:rPr lang="en-US" sz="1700" b="1" dirty="0" err="1">
-                <a:latin typeface="Inconsolata Medium" panose="020B0609030003000000" pitchFamily="49" charset="77"/>
-              </a:rPr>
-              <a:t>myNumber</a:t>
-            </a:r>
-            <a:r>
-              <a:rPr lang="en-US" sz="1700" b="1" dirty="0">
-                <a:latin typeface="Inconsolata Medium" panose="020B0609030003000000" pitchFamily="49" charset="77"/>
-              </a:rPr>
-              <a:t>: </a:t>
-            </a:r>
-          </a:p>
-          <a:p>
-            <a:pPr marL="0" indent="0">
-              <a:buNone/>
-            </a:pPr>
-            <a:r>
-              <a:rPr lang="en-US" sz="1700" b="1" dirty="0">
-                <a:solidFill>
-                  <a:srgbClr val="990CFF"/>
-                </a:solidFill>
-                <a:latin typeface="Inconsolata Medium" panose="020B0609030003000000" pitchFamily="49" charset="77"/>
-              </a:rPr>
-              <a:t>		print</a:t>
-            </a:r>
-            <a:r>
-              <a:rPr lang="en-US" sz="1700" b="1" dirty="0">
-                <a:latin typeface="Inconsolata Medium" panose="020B0609030003000000" pitchFamily="49" charset="77"/>
-              </a:rPr>
-              <a:t>(</a:t>
-            </a:r>
-            <a:r>
-              <a:rPr lang="en-US" sz="1700" b="1" dirty="0">
-                <a:solidFill>
-                  <a:srgbClr val="0CFF00"/>
-                </a:solidFill>
-                <a:latin typeface="Inconsolata Medium" panose="020B0609030003000000" pitchFamily="49" charset="77"/>
-              </a:rPr>
-              <a:t>"Too large!"</a:t>
-            </a:r>
-            <a:r>
-              <a:rPr lang="en-US" sz="1700" b="1" dirty="0">
-                <a:latin typeface="Inconsolata Medium" panose="020B0609030003000000" pitchFamily="49" charset="77"/>
-              </a:rPr>
-              <a:t>) </a:t>
-            </a:r>
-          </a:p>
-          <a:p>
-            <a:pPr marL="0" indent="0">
-              <a:buNone/>
-            </a:pPr>
-            <a:r>
-              <a:rPr lang="en-US" sz="1700" b="1" dirty="0">
-                <a:solidFill>
-                  <a:srgbClr val="FF4C00"/>
-                </a:solidFill>
-                <a:latin typeface="Inconsolata Medium" panose="020B0609030003000000" pitchFamily="49" charset="77"/>
-              </a:rPr>
-              <a:t>	else</a:t>
-            </a:r>
-            <a:r>
-              <a:rPr lang="en-US" sz="1700" b="1" dirty="0">
-                <a:latin typeface="Inconsolata Medium" panose="020B0609030003000000" pitchFamily="49" charset="77"/>
-              </a:rPr>
-              <a:t>: </a:t>
-            </a:r>
-          </a:p>
-          <a:p>
-            <a:pPr marL="0" indent="0">
-              <a:buNone/>
-            </a:pPr>
-            <a:r>
-              <a:rPr lang="en-US" sz="1700" b="1" dirty="0">
-                <a:solidFill>
-                  <a:srgbClr val="990CFF"/>
-                </a:solidFill>
-                <a:latin typeface="Inconsolata Medium" panose="020B0609030003000000" pitchFamily="49" charset="77"/>
-              </a:rPr>
-              <a:t>		print</a:t>
-            </a:r>
-            <a:r>
-              <a:rPr lang="en-US" sz="1700" b="1" dirty="0">
-                <a:latin typeface="Inconsolata Medium" panose="020B0609030003000000" pitchFamily="49" charset="77"/>
-              </a:rPr>
-              <a:t>(</a:t>
-            </a:r>
-            <a:r>
-              <a:rPr lang="en-US" sz="1700" b="1" dirty="0">
-                <a:solidFill>
-                  <a:srgbClr val="0CFF00"/>
-                </a:solidFill>
-                <a:latin typeface="Inconsolata Medium" panose="020B0609030003000000" pitchFamily="49" charset="77"/>
-              </a:rPr>
-              <a:t>"Congratulations! You've got it in"</a:t>
-            </a:r>
-            <a:r>
-              <a:rPr lang="en-US" sz="1700" b="1" dirty="0">
-                <a:latin typeface="Inconsolata Medium" panose="020B0609030003000000" pitchFamily="49" charset="77"/>
-              </a:rPr>
-              <a:t>, </a:t>
-            </a:r>
-          </a:p>
-          <a:p>
-            <a:pPr marL="0" indent="0">
-              <a:buNone/>
-            </a:pPr>
-            <a:r>
-              <a:rPr lang="en-US" sz="1700" b="1" dirty="0">
-                <a:latin typeface="Inconsolata Medium" panose="020B0609030003000000" pitchFamily="49" charset="77"/>
-              </a:rPr>
-              <a:t>			count, </a:t>
-            </a:r>
-            <a:r>
-              <a:rPr lang="en-US" sz="1700" b="1" dirty="0">
-                <a:solidFill>
-                  <a:srgbClr val="0CFF00"/>
-                </a:solidFill>
-                <a:latin typeface="Inconsolata Medium" panose="020B0609030003000000" pitchFamily="49" charset="77"/>
-              </a:rPr>
-              <a:t>"tries!"</a:t>
-            </a:r>
-            <a:r>
-              <a:rPr lang="en-US" sz="1700" b="1" dirty="0">
-                <a:latin typeface="Inconsolata Medium" panose="020B0609030003000000" pitchFamily="49" charset="77"/>
-              </a:rPr>
-              <a:t>) </a:t>
-            </a:r>
-          </a:p>
-          <a:p>
-            <a:pPr marL="0" indent="0">
-              <a:buNone/>
-            </a:pPr>
-            <a:r>
-              <a:rPr lang="en-US" sz="1700" b="1" dirty="0">
-                <a:solidFill>
-                  <a:srgbClr val="FF4C00"/>
-                </a:solidFill>
-                <a:latin typeface="Inconsolata Medium" panose="020B0609030003000000" pitchFamily="49" charset="77"/>
-              </a:rPr>
-              <a:t>		break </a:t>
-            </a:r>
-            <a:endParaRPr lang="en-US" sz="1700" b="1" dirty="0">
-              <a:latin typeface="Inconsolata Medium" panose="020B0609030003000000" pitchFamily="49" charset="77"/>
-            </a:endParaRPr>
-          </a:p>
-          <a:p>
-            <a:pPr marL="0" indent="0">
-              <a:buNone/>
-              <a:defRPr/>
-            </a:pPr>
-            <a:endParaRPr lang="en-US" sz="1700" b="1" dirty="0">
-              <a:latin typeface="Inconsolata Medium" panose="020B0609030003000000" pitchFamily="49" charset="77"/>
-            </a:endParaRPr>
-          </a:p>
-        </p:txBody>
-      </p:sp>
-    </p:spTree>
-    <p:extLst>
-      <p:ext uri="{BB962C8B-B14F-4D97-AF65-F5344CB8AC3E}">
-        <p14:creationId xmlns:p14="http://schemas.microsoft.com/office/powerpoint/2010/main" val="3117943122"/>
-      </p:ext>
-    </p:extLst>
-  </p:cSld>
-  <p:clrMapOvr>
-    <a:masterClrMapping/>
-  </p:clrMapOvr>
-</p:sld>
-</file>
-
-<file path=ppt/slides/slide15.xml><?xml version="1.0" encoding="utf-8"?>
-<p:sld xmlns:a="http://schemas.openxmlformats.org/drawingml/2006/main" xmlns:r="http://schemas.openxmlformats.org/officeDocument/2006/relationships" xmlns:p="http://schemas.openxmlformats.org/presentationml/2006/main">
-  <p:cSld>
-    <p:spTree>
-      <p:nvGrpSpPr>
-        <p:cNvPr id="1" name=""/>
-        <p:cNvGrpSpPr/>
-        <p:nvPr/>
-      </p:nvGrpSpPr>
-      <p:grpSpPr>
-        <a:xfrm>
-          <a:off x="0" y="0"/>
-          <a:ext cx="0" cy="0"/>
-          <a:chOff x="0" y="0"/>
-          <a:chExt cx="0" cy="0"/>
-        </a:xfrm>
-      </p:grpSpPr>
-      <p:sp>
-        <p:nvSpPr>
-          <p:cNvPr id="2" name="Title 1">
-            <a:extLst>
-              <a:ext uri="{FF2B5EF4-FFF2-40B4-BE49-F238E27FC236}">
-                <a16:creationId xmlns:a16="http://schemas.microsoft.com/office/drawing/2014/main" id="{AA3A228F-61D0-D949-A5E7-F83756230BF8}"/>
-              </a:ext>
-            </a:extLst>
-          </p:cNvPr>
-          <p:cNvSpPr>
-            <a:spLocks noGrp="1"/>
-          </p:cNvSpPr>
-          <p:nvPr>
-            <p:ph type="title"/>
-          </p:nvPr>
-        </p:nvSpPr>
-        <p:spPr>
-          <a:xfrm>
-            <a:off x="483848" y="467027"/>
-            <a:ext cx="7053542" cy="683886"/>
-          </a:xfrm>
-        </p:spPr>
-        <p:txBody>
-          <a:bodyPr/>
-          <a:lstStyle/>
-          <a:p>
-            <a:r>
-              <a:rPr lang="en-US" dirty="0"/>
-              <a:t>Lab 1 </a:t>
-            </a:r>
-          </a:p>
-        </p:txBody>
-      </p:sp>
-      <mc:AlternateContent xmlns:mc="http://schemas.openxmlformats.org/markup-compatibility/2006" xmlns:a14="http://schemas.microsoft.com/office/drawing/2010/main">
-        <mc:Choice Requires="a14">
-          <p:sp>
-            <p:nvSpPr>
-              <p:cNvPr id="9" name="Content Placeholder 8">
-                <a:extLst>
-                  <a:ext uri="{FF2B5EF4-FFF2-40B4-BE49-F238E27FC236}">
-                    <a16:creationId xmlns:a16="http://schemas.microsoft.com/office/drawing/2014/main" id="{E3B2E017-30B2-884B-A113-B419A2ED51AD}"/>
-                  </a:ext>
-                </a:extLst>
-              </p:cNvPr>
-              <p:cNvSpPr>
-                <a:spLocks noGrp="1"/>
-              </p:cNvSpPr>
-              <p:nvPr>
-                <p:ph idx="1"/>
-              </p:nvPr>
-            </p:nvSpPr>
-            <p:spPr>
-              <a:xfrm>
-                <a:off x="483848" y="1150913"/>
-                <a:ext cx="8051725" cy="4440590"/>
-              </a:xfrm>
-            </p:spPr>
-            <p:txBody>
-              <a:bodyPr>
-                <a:noAutofit/>
-              </a:bodyPr>
-              <a:lstStyle/>
-              <a:p>
-                <a:pPr marL="0" indent="0">
-                  <a:buNone/>
-                </a:pPr>
-                <a:r>
-                  <a:rPr lang="en-US" dirty="0"/>
-                  <a:t>Create a new </a:t>
-                </a:r>
-                <a:r>
-                  <a:rPr lang="en-US" dirty="0" err="1"/>
-                  <a:t>repl</a:t>
-                </a:r>
-                <a:r>
-                  <a:rPr lang="en-US" dirty="0"/>
-                  <a:t> on </a:t>
-                </a:r>
-                <a:r>
-                  <a:rPr lang="en-US" dirty="0" err="1"/>
-                  <a:t>repl.it</a:t>
-                </a:r>
-                <a:r>
-                  <a:rPr lang="en-US" dirty="0"/>
-                  <a:t>.</a:t>
-                </a:r>
-              </a:p>
-              <a:p>
-                <a:pPr marL="0" indent="0">
-                  <a:buNone/>
-                </a:pPr>
-                <a:r>
-                  <a:rPr lang="en-US" dirty="0"/>
-                  <a:t>Write </a:t>
-                </a:r>
-                <a:r>
-                  <a:rPr lang="en-US" b="1" dirty="0"/>
-                  <a:t>a for loop </a:t>
-                </a:r>
-                <a:r>
-                  <a:rPr lang="en-US" dirty="0"/>
-                  <a:t>to do each of the following:</a:t>
-                </a:r>
-              </a:p>
-              <a:p>
-                <a:pPr marL="0" indent="0">
-                  <a:buNone/>
-                </a:pPr>
-                <a:endParaRPr lang="en-US" dirty="0"/>
-              </a:p>
-              <a:p>
-                <a:pPr marL="457200" indent="-457200">
-                  <a:buAutoNum type="arabicParenR"/>
-                </a:pPr>
-                <a:r>
-                  <a:rPr lang="en-US" dirty="0"/>
-                  <a:t>Print out "Hello!" 10 times, each on a different line.</a:t>
-                </a:r>
-              </a:p>
-              <a:p>
-                <a:pPr marL="457200" indent="-457200">
-                  <a:buAutoNum type="arabicParenR"/>
-                </a:pPr>
-                <a:r>
-                  <a:rPr lang="en-US" dirty="0"/>
-                  <a:t>Alternate between printing "Hello" and "Hi" for a total of 20 times, each on a separate line. Use only one for loop. (Hint: Use and a conditional)</a:t>
-                </a:r>
-              </a:p>
-              <a:p>
-                <a:pPr marL="457200" indent="-457200">
-                  <a:buAutoNum type="arabicParenR"/>
-                </a:pPr>
-                <a:r>
-                  <a:rPr lang="en-US" dirty="0"/>
-                  <a:t>Print 1 4 9 16 … 100</a:t>
-                </a:r>
-              </a:p>
-              <a:p>
-                <a:pPr marL="457200" indent="-457200">
-                  <a:buAutoNum type="arabicParenR"/>
-                </a:pPr>
-                <a:r>
-                  <a:rPr lang="en-US" dirty="0"/>
-                  <a:t>Print 10 8 6 4 2 0 -2</a:t>
-                </a:r>
-              </a:p>
-              <a:p>
-                <a:pPr marL="457200" indent="-457200">
-                  <a:buAutoNum type="arabicParenR"/>
-                </a:pPr>
-                <a:r>
-                  <a:rPr lang="en-US" dirty="0"/>
-                  <a:t>Compute the sum: </a:t>
-                </a:r>
-                <a14:m>
-                  <m:oMath xmlns:m="http://schemas.openxmlformats.org/officeDocument/2006/math">
-                    <m:sSup>
-                      <m:sSupPr>
-                        <m:ctrlPr>
-                          <a:rPr lang="en-US" i="1" smtClean="0">
-                            <a:latin typeface="Cambria Math" panose="02040503050406030204" pitchFamily="18" charset="0"/>
-                          </a:rPr>
-                        </m:ctrlPr>
-                      </m:sSupPr>
-                      <m:e>
-                        <m:r>
-                          <a:rPr lang="en-US" b="0" i="1" smtClean="0">
-                            <a:latin typeface="Cambria Math" panose="02040503050406030204" pitchFamily="18" charset="0"/>
-                          </a:rPr>
-                          <m:t>1</m:t>
-                        </m:r>
-                      </m:e>
-                      <m:sup>
-                        <m:r>
-                          <a:rPr lang="en-US" b="0" i="1" smtClean="0">
-                            <a:latin typeface="Cambria Math" panose="02040503050406030204" pitchFamily="18" charset="0"/>
-                          </a:rPr>
-                          <m:t>2</m:t>
-                        </m:r>
-                      </m:sup>
-                    </m:sSup>
-                  </m:oMath>
-                </a14:m>
-                <a:r>
-                  <a:rPr lang="en-US" dirty="0"/>
-                  <a:t>+</a:t>
-                </a:r>
-                <a14:m>
-                  <m:oMath xmlns:m="http://schemas.openxmlformats.org/officeDocument/2006/math">
-                    <m:sSup>
-                      <m:sSupPr>
-                        <m:ctrlPr>
-                          <a:rPr lang="en-US" i="1">
-                            <a:latin typeface="Cambria Math" panose="02040503050406030204" pitchFamily="18" charset="0"/>
-                          </a:rPr>
-                        </m:ctrlPr>
-                      </m:sSupPr>
-                      <m:e>
-                        <m:r>
-                          <a:rPr lang="en-US" b="0" i="1" smtClean="0">
-                            <a:latin typeface="Cambria Math" panose="02040503050406030204" pitchFamily="18" charset="0"/>
-                          </a:rPr>
-                          <m:t>2</m:t>
-                        </m:r>
-                      </m:e>
-                      <m:sup>
-                        <m:r>
-                          <a:rPr lang="en-US" i="1">
-                            <a:latin typeface="Cambria Math" panose="02040503050406030204" pitchFamily="18" charset="0"/>
-                          </a:rPr>
-                          <m:t>2</m:t>
-                        </m:r>
-                      </m:sup>
-                    </m:sSup>
-                    <m:sSup>
-                      <m:sSupPr>
-                        <m:ctrlPr>
-                          <a:rPr lang="en-US" i="1">
-                            <a:latin typeface="Cambria Math" panose="02040503050406030204" pitchFamily="18" charset="0"/>
-                          </a:rPr>
-                        </m:ctrlPr>
-                      </m:sSupPr>
-                      <m:e>
-                        <m:r>
-                          <a:rPr lang="en-US" b="0" i="1" smtClean="0">
-                            <a:latin typeface="Cambria Math" panose="02040503050406030204" pitchFamily="18" charset="0"/>
-                          </a:rPr>
-                          <m:t>+3</m:t>
-                        </m:r>
-                      </m:e>
-                      <m:sup>
-                        <m:r>
-                          <a:rPr lang="en-US" i="1">
-                            <a:latin typeface="Cambria Math" panose="02040503050406030204" pitchFamily="18" charset="0"/>
-                          </a:rPr>
-                          <m:t>2</m:t>
-                        </m:r>
-                      </m:sup>
-                    </m:sSup>
-                    <m:r>
-                      <a:rPr lang="en-US" b="0" i="1" smtClean="0">
-                        <a:latin typeface="Cambria Math" panose="02040503050406030204" pitchFamily="18" charset="0"/>
-                      </a:rPr>
-                      <m:t>+</m:t>
-                    </m:r>
-                    <m:sSup>
-                      <m:sSupPr>
-                        <m:ctrlPr>
-                          <a:rPr lang="en-US" i="1">
-                            <a:latin typeface="Cambria Math" panose="02040503050406030204" pitchFamily="18" charset="0"/>
-                          </a:rPr>
-                        </m:ctrlPr>
-                      </m:sSupPr>
-                      <m:e>
-                        <m:r>
-                          <a:rPr lang="en-US" b="0" i="1" smtClean="0">
-                            <a:latin typeface="Cambria Math" panose="02040503050406030204" pitchFamily="18" charset="0"/>
-                          </a:rPr>
-                          <m:t>4</m:t>
-                        </m:r>
-                      </m:e>
-                      <m:sup>
-                        <m:r>
-                          <a:rPr lang="en-US" i="1">
-                            <a:latin typeface="Cambria Math" panose="02040503050406030204" pitchFamily="18" charset="0"/>
-                          </a:rPr>
-                          <m:t>2</m:t>
-                        </m:r>
-                      </m:sup>
-                    </m:sSup>
-                  </m:oMath>
-                </a14:m>
-                <a:r>
-                  <a:rPr lang="en-US" dirty="0"/>
-                  <a:t>+…+</a:t>
-                </a:r>
-                <a14:m>
-                  <m:oMath xmlns:m="http://schemas.openxmlformats.org/officeDocument/2006/math">
-                    <m:sSup>
-                      <m:sSupPr>
-                        <m:ctrlPr>
-                          <a:rPr lang="en-US" i="1">
-                            <a:latin typeface="Cambria Math" panose="02040503050406030204" pitchFamily="18" charset="0"/>
-                          </a:rPr>
-                        </m:ctrlPr>
-                      </m:sSupPr>
-                      <m:e>
-                        <m:r>
-                          <a:rPr lang="en-US" b="0" i="1" smtClean="0">
-                            <a:latin typeface="Cambria Math" panose="02040503050406030204" pitchFamily="18" charset="0"/>
-                          </a:rPr>
-                          <m:t>19</m:t>
-                        </m:r>
-                      </m:e>
-                      <m:sup>
-                        <m:r>
-                          <a:rPr lang="en-US" i="1">
-                            <a:latin typeface="Cambria Math" panose="02040503050406030204" pitchFamily="18" charset="0"/>
-                          </a:rPr>
-                          <m:t>2</m:t>
-                        </m:r>
-                      </m:sup>
-                    </m:sSup>
-                    <m:r>
-                      <a:rPr lang="en-US" b="0" i="1" smtClean="0">
-                        <a:latin typeface="Cambria Math" panose="02040503050406030204" pitchFamily="18" charset="0"/>
-                      </a:rPr>
-                      <m:t>+</m:t>
-                    </m:r>
-                    <m:sSup>
-                      <m:sSupPr>
-                        <m:ctrlPr>
-                          <a:rPr lang="en-US" i="1">
-                            <a:latin typeface="Cambria Math" panose="02040503050406030204" pitchFamily="18" charset="0"/>
-                          </a:rPr>
-                        </m:ctrlPr>
-                      </m:sSupPr>
-                      <m:e>
-                        <m:r>
-                          <a:rPr lang="en-US" b="0" i="1" smtClean="0">
-                            <a:latin typeface="Cambria Math" panose="02040503050406030204" pitchFamily="18" charset="0"/>
-                          </a:rPr>
-                          <m:t>20</m:t>
-                        </m:r>
-                      </m:e>
-                      <m:sup>
-                        <m:r>
-                          <a:rPr lang="en-US" i="1">
-                            <a:latin typeface="Cambria Math" panose="02040503050406030204" pitchFamily="18" charset="0"/>
-                          </a:rPr>
-                          <m:t>2</m:t>
-                        </m:r>
-                      </m:sup>
-                    </m:sSup>
-                  </m:oMath>
-                </a14:m>
-                <a:endParaRPr lang="en-US" dirty="0"/>
-              </a:p>
-              <a:p>
-                <a:pPr marL="0" indent="0">
-                  <a:buNone/>
-                </a:pPr>
-                <a:endParaRPr lang="en-US" dirty="0"/>
-              </a:p>
-              <a:p>
-                <a:pPr marL="0" indent="0">
-                  <a:buNone/>
-                </a:pPr>
-                <a:r>
-                  <a:rPr lang="en-US" dirty="0"/>
-                  <a:t>Continue on next page. </a:t>
-                </a:r>
-              </a:p>
-              <a:p>
-                <a:pPr marL="0" indent="0">
-                  <a:buNone/>
-                </a:pPr>
-                <a:endParaRPr lang="en-US" dirty="0"/>
-              </a:p>
-              <a:p>
-                <a:pPr marL="457200" indent="-457200">
-                  <a:buAutoNum type="arabicParenR"/>
-                </a:pPr>
-                <a:endParaRPr lang="en-US" dirty="0"/>
-              </a:p>
-              <a:p>
-                <a:pPr marL="457200" indent="-457200">
-                  <a:buAutoNum type="arabicParenR"/>
-                </a:pPr>
-                <a:endParaRPr lang="en-US" dirty="0"/>
-              </a:p>
-            </p:txBody>
-          </p:sp>
-        </mc:Choice>
-        <mc:Fallback xmlns="">
-          <p:sp>
-            <p:nvSpPr>
-              <p:cNvPr id="9" name="Content Placeholder 8">
-                <a:extLst>
-                  <a:ext uri="{FF2B5EF4-FFF2-40B4-BE49-F238E27FC236}">
-                    <a16:creationId xmlns:a16="http://schemas.microsoft.com/office/drawing/2014/main" id="{E3B2E017-30B2-884B-A113-B419A2ED51AD}"/>
-                  </a:ext>
-                </a:extLst>
-              </p:cNvPr>
-              <p:cNvSpPr>
-                <a:spLocks noGrp="1" noRot="1" noChangeAspect="1" noMove="1" noResize="1" noEditPoints="1" noAdjustHandles="1" noChangeArrowheads="1" noChangeShapeType="1" noTextEdit="1"/>
-              </p:cNvSpPr>
-              <p:nvPr>
-                <p:ph idx="1"/>
-              </p:nvPr>
-            </p:nvSpPr>
-            <p:spPr>
-              <a:xfrm>
-                <a:off x="483848" y="1150913"/>
-                <a:ext cx="8051725" cy="4440590"/>
-              </a:xfrm>
-              <a:blipFill>
-                <a:blip r:embed="rId2"/>
-                <a:stretch>
-                  <a:fillRect l="-787" t="-1429" b="-3143"/>
-                </a:stretch>
-              </a:blipFill>
-            </p:spPr>
-            <p:txBody>
-              <a:bodyPr/>
-              <a:lstStyle/>
-              <a:p>
-                <a:r>
-                  <a:rPr lang="en-US">
-                    <a:noFill/>
-                  </a:rPr>
-                  <a:t> </a:t>
-                </a:r>
-              </a:p>
-            </p:txBody>
-          </p:sp>
-        </mc:Fallback>
-      </mc:AlternateContent>
-    </p:spTree>
-    <p:extLst>
-      <p:ext uri="{BB962C8B-B14F-4D97-AF65-F5344CB8AC3E}">
-        <p14:creationId xmlns:p14="http://schemas.microsoft.com/office/powerpoint/2010/main" val="1787114790"/>
-      </p:ext>
-    </p:extLst>
-  </p:cSld>
-  <p:clrMapOvr>
-    <a:masterClrMapping/>
-  </p:clrMapOvr>
-</p:sld>
-</file>
-
-<file path=ppt/slides/slide16.xml><?xml version="1.0" encoding="utf-8"?>
-<p:sld xmlns:a="http://schemas.openxmlformats.org/drawingml/2006/main" xmlns:r="http://schemas.openxmlformats.org/officeDocument/2006/relationships" xmlns:p="http://schemas.openxmlformats.org/presentationml/2006/main">
-  <p:cSld>
-    <p:spTree>
-      <p:nvGrpSpPr>
-        <p:cNvPr id="1" name=""/>
-        <p:cNvGrpSpPr/>
-        <p:nvPr/>
-      </p:nvGrpSpPr>
-      <p:grpSpPr>
-        <a:xfrm>
-          <a:off x="0" y="0"/>
-          <a:ext cx="0" cy="0"/>
-          <a:chOff x="0" y="0"/>
-          <a:chExt cx="0" cy="0"/>
-        </a:xfrm>
-      </p:grpSpPr>
-      <p:sp>
-        <p:nvSpPr>
-          <p:cNvPr id="2" name="Title 1">
-            <a:extLst>
-              <a:ext uri="{FF2B5EF4-FFF2-40B4-BE49-F238E27FC236}">
-                <a16:creationId xmlns:a16="http://schemas.microsoft.com/office/drawing/2014/main" id="{AA3A228F-61D0-D949-A5E7-F83756230BF8}"/>
-              </a:ext>
-            </a:extLst>
-          </p:cNvPr>
-          <p:cNvSpPr>
-            <a:spLocks noGrp="1"/>
-          </p:cNvSpPr>
-          <p:nvPr>
-            <p:ph type="title"/>
-          </p:nvPr>
-        </p:nvSpPr>
-        <p:spPr>
-          <a:xfrm>
-            <a:off x="483848" y="467027"/>
-            <a:ext cx="7053542" cy="683886"/>
-          </a:xfrm>
-        </p:spPr>
-        <p:txBody>
-          <a:bodyPr/>
-          <a:lstStyle/>
-          <a:p>
-            <a:r>
-              <a:rPr lang="en-US" dirty="0"/>
-              <a:t>References</a:t>
-            </a:r>
-          </a:p>
-        </p:txBody>
-      </p:sp>
-      <p:sp>
-        <p:nvSpPr>
-          <p:cNvPr id="9" name="Content Placeholder 8">
-            <a:extLst>
-              <a:ext uri="{FF2B5EF4-FFF2-40B4-BE49-F238E27FC236}">
-                <a16:creationId xmlns:a16="http://schemas.microsoft.com/office/drawing/2014/main" id="{E3B2E017-30B2-884B-A113-B419A2ED51AD}"/>
-              </a:ext>
-            </a:extLst>
-          </p:cNvPr>
-          <p:cNvSpPr>
-            <a:spLocks noGrp="1"/>
-          </p:cNvSpPr>
-          <p:nvPr>
-            <p:ph idx="1"/>
-          </p:nvPr>
-        </p:nvSpPr>
-        <p:spPr>
-          <a:xfrm>
-            <a:off x="483848" y="1150913"/>
-            <a:ext cx="8051725" cy="4440590"/>
-          </a:xfrm>
-        </p:spPr>
-        <p:txBody>
-          <a:bodyPr>
-            <a:noAutofit/>
-          </a:bodyPr>
-          <a:lstStyle/>
-          <a:p>
-            <a:pPr marL="0" indent="0">
-              <a:buNone/>
-            </a:pPr>
             <a:endParaRPr lang="en-US" dirty="0"/>
           </a:p>
           <a:p>
@@ -6835,6 +5794,28 @@
               <a:rPr lang="en-US" dirty="0"/>
               <a:t> Media. </a:t>
             </a:r>
+          </a:p>
+          <a:p>
+            <a:pPr marL="457200" indent="-457200">
+              <a:buAutoNum type="arabicParenR"/>
+            </a:pPr>
+            <a:r>
+              <a:rPr lang="en-US" dirty="0"/>
+              <a:t>Lambert</a:t>
+            </a:r>
+            <a:r>
+              <a:rPr lang="en-US"/>
+              <a:t>, Kenneth, </a:t>
+            </a:r>
+            <a:r>
+              <a:rPr lang="en-US" dirty="0"/>
+              <a:t>Fundamentals of Python: First Programs, </a:t>
+            </a:r>
+            <a:r>
+              <a:rPr lang="en-US"/>
+              <a:t>Cengage Learning, 2017.</a:t>
+            </a:r>
+            <a:endParaRPr lang="en-US" dirty="0"/>
           </a:p>
           <a:p>
             <a:pPr marL="0" indent="0">
@@ -9194,13 +8175,13 @@
                 <a:solidFill>
                   <a:srgbClr val="FF4C00"/>
                 </a:solidFill>
-                <a:latin typeface="LucidaSansTypewriterStd"/>
+                <a:latin typeface="Inconsolata Medium" panose="020B0609030003000000" pitchFamily="49" charset="77"/>
               </a:rPr>
               <a:t>while True</a:t>
             </a:r>
             <a:r>
               <a:rPr lang="en-US" sz="2000" b="1" dirty="0">
-                <a:latin typeface="LucidaSansTypewriterStd"/>
+                <a:latin typeface="Inconsolata Medium" panose="020B0609030003000000" pitchFamily="49" charset="77"/>
               </a:rPr>
               <a:t>: </a:t>
             </a:r>
@@ -9211,7 +8192,7 @@
             </a:pPr>
             <a:r>
               <a:rPr lang="en-US" sz="2000" b="1" dirty="0">
-                <a:latin typeface="LucidaSansTypewriterStd"/>
+                <a:latin typeface="Inconsolata Medium" panose="020B0609030003000000" pitchFamily="49" charset="77"/>
               </a:rPr>
               <a:t>	number = </a:t>
             </a:r>
@@ -9220,13 +8201,13 @@
                 <a:solidFill>
                   <a:srgbClr val="990CFF"/>
                 </a:solidFill>
-                <a:latin typeface="LucidaSansTypewriterStd"/>
+                <a:latin typeface="Inconsolata Medium" panose="020B0609030003000000" pitchFamily="49" charset="77"/>
               </a:rPr>
               <a:t>int</a:t>
             </a:r>
             <a:r>
               <a:rPr lang="en-US" sz="2000" b="1" dirty="0">
-                <a:latin typeface="LucidaSansTypewriterStd"/>
+                <a:latin typeface="Inconsolata Medium" panose="020B0609030003000000" pitchFamily="49" charset="77"/>
               </a:rPr>
               <a:t>(</a:t>
             </a:r>
@@ -9235,13 +8216,13 @@
                 <a:solidFill>
                   <a:srgbClr val="990CFF"/>
                 </a:solidFill>
-                <a:latin typeface="LucidaSansTypewriterStd"/>
+                <a:latin typeface="Inconsolata Medium" panose="020B0609030003000000" pitchFamily="49" charset="77"/>
               </a:rPr>
               <a:t>input</a:t>
             </a:r>
             <a:r>
               <a:rPr lang="en-US" sz="2000" b="1" dirty="0">
-                <a:latin typeface="LucidaSansTypewriterStd"/>
+                <a:latin typeface="Inconsolata Medium" panose="020B0609030003000000" pitchFamily="49" charset="77"/>
               </a:rPr>
               <a:t>(</a:t>
             </a:r>
@@ -9250,13 +8231,13 @@
                 <a:solidFill>
                   <a:srgbClr val="0CFF00"/>
                 </a:solidFill>
-                <a:latin typeface="LucidaSansTypewriterStd"/>
+                <a:latin typeface="Inconsolata Medium" panose="020B0609030003000000" pitchFamily="49" charset="77"/>
               </a:rPr>
               <a:t>"Enter the numeric grade: "</a:t>
             </a:r>
             <a:r>
               <a:rPr lang="en-US" sz="2000" b="1" dirty="0">
-                <a:latin typeface="LucidaSansTypewriterStd"/>
+                <a:latin typeface="Inconsolata Medium" panose="020B0609030003000000" pitchFamily="49" charset="77"/>
               </a:rPr>
               <a:t>)) </a:t>
             </a:r>
@@ -9270,13 +8251,13 @@
                 <a:solidFill>
                   <a:srgbClr val="FF4C00"/>
                 </a:solidFill>
-                <a:latin typeface="LucidaSansTypewriterStd"/>
+                <a:latin typeface="Inconsolata Medium" panose="020B0609030003000000" pitchFamily="49" charset="77"/>
               </a:rPr>
               <a:t>	if </a:t>
             </a:r>
             <a:r>
               <a:rPr lang="en-US" sz="2000" b="1" dirty="0">
-                <a:latin typeface="LucidaSansTypewriterStd"/>
+                <a:latin typeface="Inconsolata Medium" panose="020B0609030003000000" pitchFamily="49" charset="77"/>
               </a:rPr>
               <a:t>number &gt;= 0 and number &lt;= 100: </a:t>
             </a:r>
@@ -9290,7 +8271,7 @@
                 <a:solidFill>
                   <a:srgbClr val="FF4C00"/>
                 </a:solidFill>
-                <a:latin typeface="LucidaSansTypewriterStd"/>
+                <a:latin typeface="Inconsolata Medium" panose="020B0609030003000000" pitchFamily="49" charset="77"/>
               </a:rPr>
               <a:t>		break </a:t>
             </a:r>
@@ -9304,17 +8285,16 @@
                 <a:solidFill>
                   <a:srgbClr val="FF4C00"/>
                 </a:solidFill>
-                <a:latin typeface="LucidaSansTypewriterStd"/>
+                <a:latin typeface="Inconsolata Medium" panose="020B0609030003000000" pitchFamily="49" charset="77"/>
               </a:rPr>
               <a:t>	else</a:t>
             </a:r>
             <a:r>
               <a:rPr lang="en-US" sz="2000" b="1" dirty="0">
-                <a:latin typeface="LucidaSansTypewriterStd"/>
+                <a:latin typeface="Inconsolata Medium" panose="020B0609030003000000" pitchFamily="49" charset="77"/>
               </a:rPr>
               <a:t>: </a:t>
             </a:r>
-            <a:endParaRPr lang="en-US" sz="2000" dirty="0"/>
           </a:p>
           <a:p>
             <a:pPr marL="0" indent="0">
@@ -9325,13 +8305,13 @@
                 <a:solidFill>
                   <a:srgbClr val="990CFF"/>
                 </a:solidFill>
-                <a:latin typeface="LucidaSansTypewriterStd"/>
+                <a:latin typeface="Inconsolata Medium" panose="020B0609030003000000" pitchFamily="49" charset="77"/>
               </a:rPr>
               <a:t>		print</a:t>
             </a:r>
             <a:r>
               <a:rPr lang="en-US" sz="2000" b="1" dirty="0">
-                <a:latin typeface="LucidaSansTypewriterStd"/>
+                <a:latin typeface="Inconsolata Medium" panose="020B0609030003000000" pitchFamily="49" charset="77"/>
               </a:rPr>
               <a:t>(</a:t>
             </a:r>
@@ -9340,13 +8320,13 @@
                 <a:solidFill>
                   <a:srgbClr val="0CFF00"/>
                 </a:solidFill>
-                <a:latin typeface="LucidaSansTypewriterStd"/>
+                <a:latin typeface="Inconsolata Medium" panose="020B0609030003000000" pitchFamily="49" charset="77"/>
               </a:rPr>
               <a:t>"Error: grade must be between 100 and 0"</a:t>
             </a:r>
             <a:r>
               <a:rPr lang="en-US" sz="2000" b="1" dirty="0">
-                <a:latin typeface="LucidaSansTypewriterStd"/>
+                <a:latin typeface="Inconsolata Medium" panose="020B0609030003000000" pitchFamily="49" charset="77"/>
               </a:rPr>
               <a:t>) </a:t>
             </a:r>
@@ -9360,13 +8340,13 @@
                 <a:solidFill>
                   <a:srgbClr val="990CFF"/>
                 </a:solidFill>
-                <a:latin typeface="LucidaSansTypewriterStd"/>
+                <a:latin typeface="Inconsolata Medium" panose="020B0609030003000000" pitchFamily="49" charset="77"/>
               </a:rPr>
               <a:t>print</a:t>
             </a:r>
             <a:r>
               <a:rPr lang="en-US" sz="2000" b="1" dirty="0">
-                <a:latin typeface="LucidaSansTypewriterStd"/>
+                <a:latin typeface="Inconsolata Medium" panose="020B0609030003000000" pitchFamily="49" charset="77"/>
               </a:rPr>
               <a:t>(number)    </a:t>
             </a:r>
@@ -9377,17 +8357,10 @@
                     <a:lumMod val="75000"/>
                   </a:schemeClr>
                 </a:solidFill>
-                <a:latin typeface="LucidaSansTypewriterStd"/>
+                <a:latin typeface="Inconsolata Medium" panose="020B0609030003000000" pitchFamily="49" charset="77"/>
               </a:rPr>
               <a:t># Just echo the valid input </a:t>
             </a:r>
-            <a:endParaRPr lang="en-US" sz="2000" dirty="0">
-              <a:solidFill>
-                <a:schemeClr val="accent1">
-                  <a:lumMod val="75000"/>
-                </a:schemeClr>
-              </a:solidFill>
-            </a:endParaRPr>
           </a:p>
           <a:p>
             <a:pPr marL="0" indent="0">
@@ -9397,7 +8370,7 @@
               <a:solidFill>
                 <a:srgbClr val="193FFF"/>
               </a:solidFill>
-              <a:latin typeface="LucidaSansTypewriterStd"/>
+              <a:latin typeface="Inconsolata Medium" panose="020B0609030003000000" pitchFamily="49" charset="77"/>
             </a:endParaRPr>
           </a:p>
           <a:p>

--- a/courses/apcsp/lect11.pptx
+++ b/courses/apcsp/lect11.pptx
@@ -16,9 +16,10 @@
     <p:sldId id="327" r:id="rId10"/>
     <p:sldId id="330" r:id="rId11"/>
     <p:sldId id="324" r:id="rId12"/>
-    <p:sldId id="325" r:id="rId13"/>
-    <p:sldId id="331" r:id="rId14"/>
-    <p:sldId id="316" r:id="rId15"/>
+    <p:sldId id="332" r:id="rId13"/>
+    <p:sldId id="325" r:id="rId14"/>
+    <p:sldId id="331" r:id="rId15"/>
+    <p:sldId id="316" r:id="rId16"/>
   </p:sldIdLst>
   <p:sldSz cx="9144000" cy="5715000" type="screen16x10"/>
   <p:notesSz cx="6858000" cy="9144000"/>
@@ -128,7 +129,7 @@
 <file path=ppt/revisionInfo.xml><?xml version="1.0" encoding="utf-8"?>
 <p1510:revInfo xmlns:a="http://schemas.openxmlformats.org/drawingml/2006/main" xmlns:r="http://schemas.openxmlformats.org/officeDocument/2006/relationships" xmlns:p1510="http://schemas.microsoft.com/office/powerpoint/2015/10/main">
   <p1510:revLst>
-    <p1510:client id="{AA9102B5-DACA-D841-B260-AEEBF90FC60A}" v="12" dt="2020-01-06T01:57:26.163"/>
+    <p1510:client id="{AA9102B5-DACA-D841-B260-AEEBF90FC60A}" v="16" dt="2020-01-06T17:06:18.962"/>
     <p1510:client id="{CC9C9D9A-5149-2947-86C0-576F501F60DC}" v="601" dt="2020-01-05T21:58:59.286"/>
   </p1510:revLst>
 </p1510:revInfo>
@@ -858,7 +859,7 @@
   <pc:docChgLst>
     <pc:chgData name="Long B Nguyen" userId="f59fb8f3-a021-417a-8bc1-65c8d471c621" providerId="ADAL" clId="{AA9102B5-DACA-D841-B260-AEEBF90FC60A}"/>
     <pc:docChg chg="custSel addSld delSld modSld">
-      <pc:chgData name="Long B Nguyen" userId="f59fb8f3-a021-417a-8bc1-65c8d471c621" providerId="ADAL" clId="{AA9102B5-DACA-D841-B260-AEEBF90FC60A}" dt="2020-01-06T15:37:30.346" v="948" actId="20577"/>
+      <pc:chgData name="Long B Nguyen" userId="f59fb8f3-a021-417a-8bc1-65c8d471c621" providerId="ADAL" clId="{AA9102B5-DACA-D841-B260-AEEBF90FC60A}" dt="2020-01-06T17:07:10.515" v="1519" actId="2711"/>
       <pc:docMkLst>
         <pc:docMk/>
       </pc:docMkLst>
@@ -1155,6 +1156,29 @@
           <ac:spMkLst>
             <pc:docMk/>
             <pc:sldMk cId="3870816631" sldId="331"/>
+            <ac:spMk id="9" creationId="{E3B2E017-30B2-884B-A113-B419A2ED51AD}"/>
+          </ac:spMkLst>
+        </pc:spChg>
+      </pc:sldChg>
+      <pc:sldChg chg="modSp add">
+        <pc:chgData name="Long B Nguyen" userId="f59fb8f3-a021-417a-8bc1-65c8d471c621" providerId="ADAL" clId="{AA9102B5-DACA-D841-B260-AEEBF90FC60A}" dt="2020-01-06T17:07:10.515" v="1519" actId="2711"/>
+        <pc:sldMkLst>
+          <pc:docMk/>
+          <pc:sldMk cId="3124353102" sldId="332"/>
+        </pc:sldMkLst>
+        <pc:spChg chg="mod">
+          <ac:chgData name="Long B Nguyen" userId="f59fb8f3-a021-417a-8bc1-65c8d471c621" providerId="ADAL" clId="{AA9102B5-DACA-D841-B260-AEEBF90FC60A}" dt="2020-01-06T17:03:36.721" v="1332" actId="20577"/>
+          <ac:spMkLst>
+            <pc:docMk/>
+            <pc:sldMk cId="3124353102" sldId="332"/>
+            <ac:spMk id="2" creationId="{AA3A228F-61D0-D949-A5E7-F83756230BF8}"/>
+          </ac:spMkLst>
+        </pc:spChg>
+        <pc:spChg chg="mod">
+          <ac:chgData name="Long B Nguyen" userId="f59fb8f3-a021-417a-8bc1-65c8d471c621" providerId="ADAL" clId="{AA9102B5-DACA-D841-B260-AEEBF90FC60A}" dt="2020-01-06T17:07:10.515" v="1519" actId="2711"/>
+          <ac:spMkLst>
+            <pc:docMk/>
+            <pc:sldMk cId="3124353102" sldId="332"/>
             <ac:spMk id="9" creationId="{E3B2E017-30B2-884B-A113-B419A2ED51AD}"/>
           </ac:spMkLst>
         </pc:spChg>
@@ -5240,7 +5264,7 @@
           <a:p>
             <a:r>
               <a:rPr lang="en-US" dirty="0"/>
-              <a:t>Lab 1</a:t>
+              <a:t>Generate random sequence</a:t>
             </a:r>
           </a:p>
         </p:txBody>
@@ -5263,8 +5287,8 @@
         </p:nvSpPr>
         <p:spPr>
           <a:xfrm>
-            <a:off x="483848" y="808383"/>
-            <a:ext cx="8051725" cy="4810539"/>
+            <a:off x="483848" y="683886"/>
+            <a:ext cx="8051725" cy="5088835"/>
           </a:xfrm>
         </p:spPr>
         <p:txBody>
@@ -5277,65 +5301,218 @@
               <a:buNone/>
             </a:pPr>
             <a:r>
-              <a:rPr lang="en-US" dirty="0"/>
-              <a:t>In this lab, we will write a simple guessing game. </a:t>
-            </a:r>
-          </a:p>
-          <a:p>
-            <a:pPr marL="0" indent="0">
-              <a:buNone/>
-            </a:pPr>
-            <a:endParaRPr lang="en-US" dirty="0"/>
-          </a:p>
-          <a:p>
-            <a:pPr marL="0" indent="0">
-              <a:buNone/>
-            </a:pPr>
-            <a:r>
-              <a:rPr lang="en-US" dirty="0"/>
-              <a:t>The computer randomly generate a number in some given range. On each pass through the loop, the user enters a number to attempt to guess the number selected by the computer. </a:t>
-            </a:r>
-          </a:p>
-          <a:p>
-            <a:pPr marL="0" indent="0">
-              <a:buNone/>
-            </a:pPr>
-            <a:endParaRPr lang="en-US" dirty="0"/>
-          </a:p>
-          <a:p>
-            <a:pPr marL="0" indent="0">
-              <a:buNone/>
-            </a:pPr>
-            <a:r>
-              <a:rPr lang="en-US" dirty="0"/>
-              <a:t>The program responds by saying “You’ve got it,” “Too large, try again,” or “Too small, try again.” When the user finally guesses the correct number, the program congratulates him and tells him the total number of guesses. </a:t>
-            </a:r>
-          </a:p>
-          <a:p>
-            <a:pPr marL="0" indent="0">
-              <a:buNone/>
-            </a:pPr>
-            <a:endParaRPr lang="en-US" sz="2000" b="1" dirty="0">
+              <a:rPr lang="en-US" sz="2000" dirty="0">
+                <a:latin typeface="Gill Sans MT" panose="020B0502020104020203" pitchFamily="34" charset="77"/>
+              </a:rPr>
+              <a:t>Write a segment of code that prints out a sequence of random numbers from 1 to 100. Stop once there are exactly 5 numbers from 1 to 10. </a:t>
+            </a:r>
+          </a:p>
+          <a:p>
+            <a:pPr marL="0" indent="0">
+              <a:buNone/>
+            </a:pPr>
+            <a:r>
+              <a:rPr lang="en-US" sz="2000" dirty="0">
+                <a:latin typeface="Gill Sans MT" panose="020B0502020104020203" pitchFamily="34" charset="77"/>
+              </a:rPr>
+              <a:t>Note that, we don't know how many iterations we need to get 5 numbers from 1 to 10. This is an indefinite loop. It's better to use a while loop.</a:t>
+            </a:r>
+          </a:p>
+          <a:p>
+            <a:pPr marL="0" indent="0">
+              <a:buNone/>
+            </a:pPr>
+            <a:r>
+              <a:rPr lang="en-US" sz="2000" b="1" dirty="0">
+                <a:latin typeface="Inconsolata Medium" panose="020B0609030003000000" pitchFamily="49" charset="77"/>
+              </a:rPr>
+              <a:t>import random</a:t>
+            </a:r>
+          </a:p>
+          <a:p>
+            <a:pPr marL="0" indent="0">
+              <a:buNone/>
+            </a:pPr>
+            <a:r>
+              <a:rPr lang="en-US" sz="2000" b="1" dirty="0">
+                <a:latin typeface="Inconsolata Medium" panose="020B0609030003000000" pitchFamily="49" charset="77"/>
+              </a:rPr>
+              <a:t>count = 0 </a:t>
+            </a:r>
+          </a:p>
+          <a:p>
+            <a:pPr marL="0" indent="0">
+              <a:buNone/>
+            </a:pPr>
+            <a:r>
+              <a:rPr lang="en-US" sz="2000" b="1" dirty="0">
+                <a:solidFill>
+                  <a:srgbClr val="FF4C00"/>
+                </a:solidFill>
+                <a:latin typeface="Inconsolata Medium" panose="020B0609030003000000" pitchFamily="49" charset="77"/>
+              </a:rPr>
+              <a:t>while count &lt;= 5</a:t>
+            </a:r>
+            <a:r>
+              <a:rPr lang="en-US" sz="2000" b="1" dirty="0">
+                <a:latin typeface="Inconsolata Medium" panose="020B0609030003000000" pitchFamily="49" charset="77"/>
+              </a:rPr>
+              <a:t>: </a:t>
+            </a:r>
+          </a:p>
+          <a:p>
+            <a:pPr marL="0" indent="0">
+              <a:buNone/>
+            </a:pPr>
+            <a:r>
+              <a:rPr lang="en-US" sz="2000" b="1" dirty="0">
+                <a:latin typeface="Inconsolata Medium" panose="020B0609030003000000" pitchFamily="49" charset="77"/>
+              </a:rPr>
+              <a:t>    num = </a:t>
+            </a:r>
+            <a:r>
+              <a:rPr lang="en-US" sz="2000" b="1" dirty="0" err="1">
+                <a:solidFill>
+                  <a:srgbClr val="990CFF"/>
+                </a:solidFill>
+                <a:latin typeface="Inconsolata Medium" panose="020B0609030003000000" pitchFamily="49" charset="77"/>
+              </a:rPr>
+              <a:t>random.randrange</a:t>
+            </a:r>
+            <a:r>
+              <a:rPr lang="en-US" sz="2000" b="1" dirty="0">
+                <a:solidFill>
+                  <a:srgbClr val="990CFF"/>
+                </a:solidFill>
+                <a:latin typeface="Inconsolata Medium" panose="020B0609030003000000" pitchFamily="49" charset="77"/>
+              </a:rPr>
+              <a:t>(1, 101)</a:t>
+            </a:r>
+          </a:p>
+          <a:p>
+            <a:pPr marL="0" indent="0">
+              <a:buNone/>
+            </a:pPr>
+            <a:r>
+              <a:rPr lang="en-US" sz="2000" b="1" dirty="0">
+                <a:solidFill>
+                  <a:srgbClr val="990CFF"/>
+                </a:solidFill>
+                <a:latin typeface="Inconsolata Medium" panose="020B0609030003000000" pitchFamily="49" charset="77"/>
+              </a:rPr>
+              <a:t>    </a:t>
+            </a:r>
+            <a:r>
+              <a:rPr lang="en-US" sz="2000" b="1" dirty="0">
+                <a:latin typeface="Inconsolata Medium" panose="020B0609030003000000" pitchFamily="49" charset="77"/>
+              </a:rPr>
+              <a:t>print(</a:t>
+            </a:r>
+            <a:r>
+              <a:rPr lang="en-US" sz="2000" b="1" dirty="0">
+                <a:solidFill>
+                  <a:srgbClr val="0CFF00"/>
+                </a:solidFill>
+                <a:latin typeface="Inconsolata Medium" panose="020B0609030003000000" pitchFamily="49" charset="77"/>
+              </a:rPr>
+              <a:t>num</a:t>
+            </a:r>
+            <a:r>
+              <a:rPr lang="en-US" sz="2000" b="1" dirty="0">
+                <a:latin typeface="Inconsolata Medium" panose="020B0609030003000000" pitchFamily="49" charset="77"/>
+              </a:rPr>
+              <a:t>, end=" ") </a:t>
+            </a:r>
+          </a:p>
+          <a:p>
+            <a:pPr marL="0" indent="0">
+              <a:buNone/>
+            </a:pPr>
+            <a:r>
+              <a:rPr lang="en-US" sz="2000" b="1" dirty="0">
+                <a:solidFill>
+                  <a:srgbClr val="FF4C00"/>
+                </a:solidFill>
+                <a:latin typeface="Inconsolata Medium" panose="020B0609030003000000" pitchFamily="49" charset="77"/>
+              </a:rPr>
+              <a:t>    if num</a:t>
+            </a:r>
+            <a:r>
+              <a:rPr lang="en-US" sz="2000" b="1" dirty="0">
+                <a:latin typeface="Inconsolata Medium" panose="020B0609030003000000" pitchFamily="49" charset="77"/>
+              </a:rPr>
+              <a:t> &lt;= </a:t>
+            </a:r>
+            <a:r>
+              <a:rPr lang="en-US" sz="2000" b="1" dirty="0">
+                <a:solidFill>
+                  <a:srgbClr val="0CFF00"/>
+                </a:solidFill>
+                <a:latin typeface="Inconsolata Medium" panose="020B0609030003000000" pitchFamily="49" charset="77"/>
+              </a:rPr>
+              <a:t>10</a:t>
+            </a:r>
+            <a:r>
+              <a:rPr lang="en-US" sz="2000" b="1" dirty="0">
+                <a:latin typeface="Inconsolata Medium" panose="020B0609030003000000" pitchFamily="49" charset="77"/>
+              </a:rPr>
+              <a:t>: </a:t>
+            </a:r>
+          </a:p>
+          <a:p>
+            <a:pPr marL="0" indent="0">
+              <a:buNone/>
+            </a:pPr>
+            <a:r>
+              <a:rPr lang="en-US" sz="2000" b="1" dirty="0">
+                <a:solidFill>
+                  <a:srgbClr val="FF4C00"/>
+                </a:solidFill>
+                <a:latin typeface="Inconsolata Medium" panose="020B0609030003000000" pitchFamily="49" charset="77"/>
+              </a:rPr>
+              <a:t>        count += 1 </a:t>
+            </a:r>
+            <a:endParaRPr lang="en-US" b="1" dirty="0">
+              <a:solidFill>
+                <a:srgbClr val="000000"/>
+              </a:solidFill>
               <a:latin typeface="Inconsolata Medium" panose="020B0609030003000000" pitchFamily="49" charset="77"/>
             </a:endParaRPr>
           </a:p>
           <a:p>
             <a:pPr marL="0" indent="0">
               <a:buNone/>
-            </a:pPr>
-            <a:r>
-              <a:rPr lang="en-US" sz="2000" dirty="0">
-                <a:latin typeface="Gill Sans MT" panose="020B0502020104020203" pitchFamily="34" charset="77"/>
-              </a:rPr>
-              <a:t>Let's look at a sample run. What's the strategy for guessing the number?</a:t>
-            </a:r>
+              <a:defRPr/>
+            </a:pPr>
+            <a:r>
+              <a:rPr lang="en-US" b="1" dirty="0"/>
+              <a:t>Output:</a:t>
+            </a:r>
+          </a:p>
+          <a:p>
+            <a:pPr marL="0" indent="0">
+              <a:buNone/>
+            </a:pPr>
+            <a:r>
+              <a:rPr lang="en-US" dirty="0"/>
+              <a:t>3 26 22 5 69 86 45 30 45 53 34 82 94 4 21 30 2 87 94 80 41 8 79 41 6</a:t>
+            </a:r>
+          </a:p>
+          <a:p>
+            <a:pPr marL="0" indent="0">
+              <a:buNone/>
+              <a:defRPr/>
+            </a:pPr>
+            <a:endParaRPr lang="en-US" dirty="0">
+              <a:latin typeface="Gill Sans MT" panose="020B0502020104020203" pitchFamily="34" charset="77"/>
+            </a:endParaRPr>
           </a:p>
         </p:txBody>
       </p:sp>
     </p:spTree>
     <p:extLst>
       <p:ext uri="{BB962C8B-B14F-4D97-AF65-F5344CB8AC3E}">
-        <p14:creationId xmlns:p14="http://schemas.microsoft.com/office/powerpoint/2010/main" val="3314372952"/>
+        <p14:creationId xmlns:p14="http://schemas.microsoft.com/office/powerpoint/2010/main" val="3124353102"/>
       </p:ext>
     </p:extLst>
   </p:cSld>
@@ -5390,6 +5567,156 @@
           <a:p>
             <a:r>
               <a:rPr lang="en-US" dirty="0"/>
+              <a:t>Lab 1</a:t>
+            </a:r>
+          </a:p>
+        </p:txBody>
+      </p:sp>
+      <p:sp>
+        <p:nvSpPr>
+          <p:cNvPr id="9" name="Content Placeholder 8">
+            <a:extLst>
+              <a:ext uri="{FF2B5EF4-FFF2-40B4-BE49-F238E27FC236}">
+                <a16:creationId xmlns:a16="http://schemas.microsoft.com/office/drawing/2014/main" id="{E3B2E017-30B2-884B-A113-B419A2ED51AD}"/>
+              </a:ext>
+            </a:extLst>
+          </p:cNvPr>
+          <p:cNvSpPr>
+            <a:spLocks noGrp="1"/>
+          </p:cNvSpPr>
+          <p:nvPr>
+            <p:ph idx="1"/>
+          </p:nvPr>
+        </p:nvSpPr>
+        <p:spPr>
+          <a:xfrm>
+            <a:off x="483848" y="808383"/>
+            <a:ext cx="8051725" cy="4810539"/>
+          </a:xfrm>
+        </p:spPr>
+        <p:txBody>
+          <a:bodyPr>
+            <a:normAutofit/>
+          </a:bodyPr>
+          <a:lstStyle/>
+          <a:p>
+            <a:pPr marL="0" indent="0">
+              <a:buNone/>
+            </a:pPr>
+            <a:r>
+              <a:rPr lang="en-US" dirty="0"/>
+              <a:t>In this lab, we will write a simple guessing game. </a:t>
+            </a:r>
+          </a:p>
+          <a:p>
+            <a:pPr marL="0" indent="0">
+              <a:buNone/>
+            </a:pPr>
+            <a:endParaRPr lang="en-US" dirty="0"/>
+          </a:p>
+          <a:p>
+            <a:pPr marL="0" indent="0">
+              <a:buNone/>
+            </a:pPr>
+            <a:r>
+              <a:rPr lang="en-US" dirty="0"/>
+              <a:t>The computer randomly generate a number in some given range. On each pass through the loop, the user enters a number to attempt to guess the number selected by the computer. </a:t>
+            </a:r>
+          </a:p>
+          <a:p>
+            <a:pPr marL="0" indent="0">
+              <a:buNone/>
+            </a:pPr>
+            <a:endParaRPr lang="en-US" dirty="0"/>
+          </a:p>
+          <a:p>
+            <a:pPr marL="0" indent="0">
+              <a:buNone/>
+            </a:pPr>
+            <a:r>
+              <a:rPr lang="en-US" dirty="0"/>
+              <a:t>The program responds by saying “You’ve got it,” “Too large, try again,” or “Too small, try again.” When the user finally guesses the correct number, the program congratulates him and tells him the total number of guesses. </a:t>
+            </a:r>
+          </a:p>
+          <a:p>
+            <a:pPr marL="0" indent="0">
+              <a:buNone/>
+            </a:pPr>
+            <a:endParaRPr lang="en-US" sz="2000" b="1" dirty="0">
+              <a:latin typeface="Inconsolata Medium" panose="020B0609030003000000" pitchFamily="49" charset="77"/>
+            </a:endParaRPr>
+          </a:p>
+          <a:p>
+            <a:pPr marL="0" indent="0">
+              <a:buNone/>
+            </a:pPr>
+            <a:r>
+              <a:rPr lang="en-US" sz="2000" dirty="0">
+                <a:latin typeface="Gill Sans MT" panose="020B0502020104020203" pitchFamily="34" charset="77"/>
+              </a:rPr>
+              <a:t>Let's look at a sample run. What's the strategy for guessing the number?</a:t>
+            </a:r>
+          </a:p>
+        </p:txBody>
+      </p:sp>
+    </p:spTree>
+    <p:extLst>
+      <p:ext uri="{BB962C8B-B14F-4D97-AF65-F5344CB8AC3E}">
+        <p14:creationId xmlns:p14="http://schemas.microsoft.com/office/powerpoint/2010/main" val="3314372952"/>
+      </p:ext>
+    </p:extLst>
+  </p:cSld>
+  <p:clrMapOvr>
+    <a:masterClrMapping/>
+  </p:clrMapOvr>
+</p:sld>
+</file>
+
+<file path=ppt/slides/slide14.xml><?xml version="1.0" encoding="utf-8"?>
+<p:sld xmlns:a="http://schemas.openxmlformats.org/drawingml/2006/main" xmlns:r="http://schemas.openxmlformats.org/officeDocument/2006/relationships" xmlns:p="http://schemas.openxmlformats.org/presentationml/2006/main">
+  <p:cSld>
+    <p:spTree>
+      <p:nvGrpSpPr>
+        <p:cNvPr id="1" name=""/>
+        <p:cNvGrpSpPr/>
+        <p:nvPr/>
+      </p:nvGrpSpPr>
+      <p:grpSpPr>
+        <a:xfrm>
+          <a:off x="0" y="0"/>
+          <a:ext cx="0" cy="0"/>
+          <a:chOff x="0" y="0"/>
+          <a:chExt cx="0" cy="0"/>
+        </a:xfrm>
+      </p:grpSpPr>
+      <p:sp>
+        <p:nvSpPr>
+          <p:cNvPr id="2" name="Title 1">
+            <a:extLst>
+              <a:ext uri="{FF2B5EF4-FFF2-40B4-BE49-F238E27FC236}">
+                <a16:creationId xmlns:a16="http://schemas.microsoft.com/office/drawing/2014/main" id="{AA3A228F-61D0-D949-A5E7-F83756230BF8}"/>
+              </a:ext>
+            </a:extLst>
+          </p:cNvPr>
+          <p:cNvSpPr>
+            <a:spLocks noGrp="1"/>
+          </p:cNvSpPr>
+          <p:nvPr>
+            <p:ph type="title"/>
+          </p:nvPr>
+        </p:nvSpPr>
+        <p:spPr>
+          <a:xfrm>
+            <a:off x="483848" y="0"/>
+            <a:ext cx="7053542" cy="683886"/>
+          </a:xfrm>
+        </p:spPr>
+        <p:txBody>
+          <a:bodyPr/>
+          <a:lstStyle/>
+          <a:p>
+            <a:r>
+              <a:rPr lang="en-US" dirty="0"/>
               <a:t>Guessing Game</a:t>
             </a:r>
           </a:p>
@@ -5685,7 +6012,7 @@
 </p:sld>
 </file>
 
-<file path=ppt/slides/slide14.xml><?xml version="1.0" encoding="utf-8"?>
+<file path=ppt/slides/slide15.xml><?xml version="1.0" encoding="utf-8"?>
 <p:sld xmlns:a="http://schemas.openxmlformats.org/drawingml/2006/main" xmlns:r="http://schemas.openxmlformats.org/officeDocument/2006/relationships" xmlns:p="http://schemas.openxmlformats.org/presentationml/2006/main">
   <p:cSld>
     <p:spTree>

--- a/courses/apcsp/lect11.pptx
+++ b/courses/apcsp/lect11.pptx
@@ -5,7 +5,7 @@
     <p:sldMasterId id="2147483791" r:id="rId1"/>
   </p:sldMasterIdLst>
   <p:notesMasterIdLst>
-    <p:notesMasterId r:id="rId32"/>
+    <p:notesMasterId r:id="rId33"/>
   </p:notesMasterIdLst>
   <p:sldIdLst>
     <p:sldId id="256" r:id="rId2"/>
@@ -38,6 +38,7 @@
     <p:sldId id="646" r:id="rId29"/>
     <p:sldId id="647" r:id="rId30"/>
     <p:sldId id="648" r:id="rId31"/>
+    <p:sldId id="284" r:id="rId32"/>
   </p:sldIdLst>
   <p:sldSz cx="9144000" cy="5715000" type="screen16x10"/>
   <p:notesSz cx="6858000" cy="9144000"/>
@@ -147,7 +148,7 @@
 <file path=ppt/revisionInfo.xml><?xml version="1.0" encoding="utf-8"?>
 <p1510:revInfo xmlns:a="http://schemas.openxmlformats.org/drawingml/2006/main" xmlns:r="http://schemas.openxmlformats.org/officeDocument/2006/relationships" xmlns:p1510="http://schemas.microsoft.com/office/powerpoint/2015/10/main">
   <p1510:revLst>
-    <p1510:client id="{4780D5B9-29B1-5B45-A483-4E94D3514570}" v="2083" dt="2020-07-24T02:17:54.553"/>
+    <p1510:client id="{B4A677F4-F5AC-CB41-87BC-6A2FC2E7E13C}" v="2" dt="2020-07-28T03:35:37.939"/>
   </p1510:revLst>
 </p1510:revInfo>
 </file>
@@ -443,8 +444,8 @@
   </pc:docChgLst>
   <pc:docChgLst>
     <pc:chgData name="Long B Nguyen" userId="f59fb8f3-a021-417a-8bc1-65c8d471c621" providerId="ADAL" clId="{B4A677F4-F5AC-CB41-87BC-6A2FC2E7E13C}"/>
-    <pc:docChg chg="delSld modSld">
-      <pc:chgData name="Long B Nguyen" userId="f59fb8f3-a021-417a-8bc1-65c8d471c621" providerId="ADAL" clId="{B4A677F4-F5AC-CB41-87BC-6A2FC2E7E13C}" dt="2020-07-24T02:20:01.362" v="43" actId="2696"/>
+    <pc:docChg chg="addSld delSld modSld">
+      <pc:chgData name="Long B Nguyen" userId="f59fb8f3-a021-417a-8bc1-65c8d471c621" providerId="ADAL" clId="{B4A677F4-F5AC-CB41-87BC-6A2FC2E7E13C}" dt="2020-07-28T03:35:52.091" v="77" actId="1076"/>
       <pc:docMkLst>
         <pc:docMk/>
       </pc:docMkLst>
@@ -463,14 +464,21 @@
           </ac:spMkLst>
         </pc:spChg>
       </pc:sldChg>
+      <pc:sldChg chg="add">
+        <pc:chgData name="Long B Nguyen" userId="f59fb8f3-a021-417a-8bc1-65c8d471c621" providerId="ADAL" clId="{B4A677F4-F5AC-CB41-87BC-6A2FC2E7E13C}" dt="2020-07-24T02:34:12.926" v="44"/>
+        <pc:sldMkLst>
+          <pc:docMk/>
+          <pc:sldMk cId="3402050025" sldId="284"/>
+        </pc:sldMkLst>
+      </pc:sldChg>
       <pc:sldChg chg="modSp">
-        <pc:chgData name="Long B Nguyen" userId="f59fb8f3-a021-417a-8bc1-65c8d471c621" providerId="ADAL" clId="{B4A677F4-F5AC-CB41-87BC-6A2FC2E7E13C}" dt="2020-07-24T02:19:51.151" v="25" actId="20577"/>
+        <pc:chgData name="Long B Nguyen" userId="f59fb8f3-a021-417a-8bc1-65c8d471c621" providerId="ADAL" clId="{B4A677F4-F5AC-CB41-87BC-6A2FC2E7E13C}" dt="2020-07-28T03:29:56.515" v="46" actId="20577"/>
         <pc:sldMkLst>
           <pc:docMk/>
           <pc:sldMk cId="131840209" sldId="286"/>
         </pc:sldMkLst>
         <pc:spChg chg="mod">
-          <ac:chgData name="Long B Nguyen" userId="f59fb8f3-a021-417a-8bc1-65c8d471c621" providerId="ADAL" clId="{B4A677F4-F5AC-CB41-87BC-6A2FC2E7E13C}" dt="2020-07-24T02:19:51.151" v="25" actId="20577"/>
+          <ac:chgData name="Long B Nguyen" userId="f59fb8f3-a021-417a-8bc1-65c8d471c621" providerId="ADAL" clId="{B4A677F4-F5AC-CB41-87BC-6A2FC2E7E13C}" dt="2020-07-28T03:29:56.515" v="46" actId="20577"/>
           <ac:spMkLst>
             <pc:docMk/>
             <pc:sldMk cId="131840209" sldId="286"/>
@@ -603,6 +611,59 @@
           <pc:docMk/>
           <pc:sldMk cId="173303509" sldId="618"/>
         </pc:sldMkLst>
+      </pc:sldChg>
+      <pc:sldChg chg="modSp">
+        <pc:chgData name="Long B Nguyen" userId="f59fb8f3-a021-417a-8bc1-65c8d471c621" providerId="ADAL" clId="{B4A677F4-F5AC-CB41-87BC-6A2FC2E7E13C}" dt="2020-07-28T03:34:21.868" v="66" actId="20577"/>
+        <pc:sldMkLst>
+          <pc:docMk/>
+          <pc:sldMk cId="1331808388" sldId="630"/>
+        </pc:sldMkLst>
+        <pc:spChg chg="mod">
+          <ac:chgData name="Long B Nguyen" userId="f59fb8f3-a021-417a-8bc1-65c8d471c621" providerId="ADAL" clId="{B4A677F4-F5AC-CB41-87BC-6A2FC2E7E13C}" dt="2020-07-28T03:34:21.868" v="66" actId="20577"/>
+          <ac:spMkLst>
+            <pc:docMk/>
+            <pc:sldMk cId="1331808388" sldId="630"/>
+            <ac:spMk id="16386" creationId="{B58E18ED-8D49-8844-A857-3DC2CAD817CB}"/>
+          </ac:spMkLst>
+        </pc:spChg>
+      </pc:sldChg>
+      <pc:sldChg chg="modSp">
+        <pc:chgData name="Long B Nguyen" userId="f59fb8f3-a021-417a-8bc1-65c8d471c621" providerId="ADAL" clId="{B4A677F4-F5AC-CB41-87BC-6A2FC2E7E13C}" dt="2020-07-28T03:35:09.226" v="68" actId="20577"/>
+        <pc:sldMkLst>
+          <pc:docMk/>
+          <pc:sldMk cId="4085649712" sldId="631"/>
+        </pc:sldMkLst>
+        <pc:spChg chg="mod">
+          <ac:chgData name="Long B Nguyen" userId="f59fb8f3-a021-417a-8bc1-65c8d471c621" providerId="ADAL" clId="{B4A677F4-F5AC-CB41-87BC-6A2FC2E7E13C}" dt="2020-07-28T03:35:09.226" v="68" actId="20577"/>
+          <ac:spMkLst>
+            <pc:docMk/>
+            <pc:sldMk cId="4085649712" sldId="631"/>
+            <ac:spMk id="16386" creationId="{B58E18ED-8D49-8844-A857-3DC2CAD817CB}"/>
+          </ac:spMkLst>
+        </pc:spChg>
+      </pc:sldChg>
+      <pc:sldChg chg="addSp modSp">
+        <pc:chgData name="Long B Nguyen" userId="f59fb8f3-a021-417a-8bc1-65c8d471c621" providerId="ADAL" clId="{B4A677F4-F5AC-CB41-87BC-6A2FC2E7E13C}" dt="2020-07-28T03:35:52.091" v="77" actId="1076"/>
+        <pc:sldMkLst>
+          <pc:docMk/>
+          <pc:sldMk cId="3658712694" sldId="632"/>
+        </pc:sldMkLst>
+        <pc:spChg chg="mod">
+          <ac:chgData name="Long B Nguyen" userId="f59fb8f3-a021-417a-8bc1-65c8d471c621" providerId="ADAL" clId="{B4A677F4-F5AC-CB41-87BC-6A2FC2E7E13C}" dt="2020-07-28T03:35:48.950" v="76" actId="1076"/>
+          <ac:spMkLst>
+            <pc:docMk/>
+            <pc:sldMk cId="3658712694" sldId="632"/>
+            <ac:spMk id="2" creationId="{7F1CE258-D9B1-2A4B-801F-C32E9C91B836}"/>
+          </ac:spMkLst>
+        </pc:spChg>
+        <pc:spChg chg="add mod">
+          <ac:chgData name="Long B Nguyen" userId="f59fb8f3-a021-417a-8bc1-65c8d471c621" providerId="ADAL" clId="{B4A677F4-F5AC-CB41-87BC-6A2FC2E7E13C}" dt="2020-07-28T03:35:52.091" v="77" actId="1076"/>
+          <ac:spMkLst>
+            <pc:docMk/>
+            <pc:sldMk cId="3658712694" sldId="632"/>
+            <ac:spMk id="5" creationId="{E66B23D1-127A-E140-B218-800261738BC5}"/>
+          </ac:spMkLst>
+        </pc:spChg>
       </pc:sldChg>
     </pc:docChg>
   </pc:docChgLst>
@@ -3373,7 +3434,7 @@
           <a:p>
             <a:fld id="{0F290A77-7A53-EE4F-8904-398FC04757F0}" type="datetimeFigureOut">
               <a:rPr lang="en-US" smtClean="0"/>
-              <a:t>7/23/20</a:t>
+              <a:t>7/27/20</a:t>
             </a:fld>
             <a:endParaRPr lang="en-US"/>
           </a:p>
@@ -11835,7 +11896,7 @@
           <a:p>
             <a:fld id="{4AAD347D-5ACD-4C99-B74B-A9C85AD731AF}" type="datetimeFigureOut">
               <a:rPr lang="en-US" smtClean="0"/>
-              <a:t>7/23/20</a:t>
+              <a:t>7/27/20</a:t>
             </a:fld>
             <a:endParaRPr lang="en-US" dirty="0"/>
           </a:p>
@@ -12005,7 +12066,7 @@
           <a:p>
             <a:fld id="{4509A250-FF31-4206-8172-F9D3106AACB1}" type="datetimeFigureOut">
               <a:rPr lang="en-US" smtClean="0"/>
-              <a:t>7/23/20</a:t>
+              <a:t>7/27/20</a:t>
             </a:fld>
             <a:endParaRPr lang="en-US" dirty="0"/>
           </a:p>
@@ -12185,7 +12246,7 @@
           <a:p>
             <a:fld id="{4509A250-FF31-4206-8172-F9D3106AACB1}" type="datetimeFigureOut">
               <a:rPr lang="en-US" smtClean="0"/>
-              <a:t>7/23/20</a:t>
+              <a:t>7/27/20</a:t>
             </a:fld>
             <a:endParaRPr lang="en-US" dirty="0"/>
           </a:p>
@@ -12355,7 +12416,7 @@
           <a:p>
             <a:fld id="{4509A250-FF31-4206-8172-F9D3106AACB1}" type="datetimeFigureOut">
               <a:rPr lang="en-US" smtClean="0"/>
-              <a:t>7/23/20</a:t>
+              <a:t>7/27/20</a:t>
             </a:fld>
             <a:endParaRPr lang="en-US" dirty="0"/>
           </a:p>
@@ -12601,7 +12662,7 @@
           <a:p>
             <a:fld id="{9796027F-7875-4030-9381-8BD8C4F21935}" type="datetimeFigureOut">
               <a:rPr lang="en-US" smtClean="0"/>
-              <a:t>7/23/20</a:t>
+              <a:t>7/27/20</a:t>
             </a:fld>
             <a:endParaRPr lang="en-US" dirty="0"/>
           </a:p>
@@ -12833,7 +12894,7 @@
           <a:p>
             <a:fld id="{9796027F-7875-4030-9381-8BD8C4F21935}" type="datetimeFigureOut">
               <a:rPr lang="en-US" smtClean="0"/>
-              <a:t>7/23/20</a:t>
+              <a:t>7/27/20</a:t>
             </a:fld>
             <a:endParaRPr lang="en-US" dirty="0"/>
           </a:p>
@@ -13200,7 +13261,7 @@
           <a:p>
             <a:fld id="{9796027F-7875-4030-9381-8BD8C4F21935}" type="datetimeFigureOut">
               <a:rPr lang="en-US" smtClean="0"/>
-              <a:t>7/23/20</a:t>
+              <a:t>7/27/20</a:t>
             </a:fld>
             <a:endParaRPr lang="en-US" dirty="0"/>
           </a:p>
@@ -13318,7 +13379,7 @@
           <a:p>
             <a:fld id="{4509A250-FF31-4206-8172-F9D3106AACB1}" type="datetimeFigureOut">
               <a:rPr lang="en-US" smtClean="0"/>
-              <a:t>7/23/20</a:t>
+              <a:t>7/27/20</a:t>
             </a:fld>
             <a:endParaRPr lang="en-US" dirty="0"/>
           </a:p>
@@ -13413,7 +13474,7 @@
           <a:p>
             <a:fld id="{4509A250-FF31-4206-8172-F9D3106AACB1}" type="datetimeFigureOut">
               <a:rPr lang="en-US" smtClean="0"/>
-              <a:t>7/23/20</a:t>
+              <a:t>7/27/20</a:t>
             </a:fld>
             <a:endParaRPr lang="en-US" dirty="0"/>
           </a:p>
@@ -13690,7 +13751,7 @@
           <a:p>
             <a:fld id="{4509A250-FF31-4206-8172-F9D3106AACB1}" type="datetimeFigureOut">
               <a:rPr lang="en-US" smtClean="0"/>
-              <a:t>7/23/20</a:t>
+              <a:t>7/27/20</a:t>
             </a:fld>
             <a:endParaRPr lang="en-US" dirty="0"/>
           </a:p>
@@ -13947,7 +14008,7 @@
           <a:p>
             <a:fld id="{4509A250-FF31-4206-8172-F9D3106AACB1}" type="datetimeFigureOut">
               <a:rPr lang="en-US" smtClean="0"/>
-              <a:t>7/23/20</a:t>
+              <a:t>7/27/20</a:t>
             </a:fld>
             <a:endParaRPr lang="en-US" dirty="0"/>
           </a:p>
@@ -14160,7 +14221,7 @@
           <a:p>
             <a:fld id="{4AAD347D-5ACD-4C99-B74B-A9C85AD731AF}" type="datetimeFigureOut">
               <a:rPr lang="en-US" smtClean="0"/>
-              <a:t>7/23/20</a:t>
+              <a:t>7/27/20</a:t>
             </a:fld>
             <a:endParaRPr lang="en-US" dirty="0"/>
           </a:p>
@@ -16908,7 +16969,7 @@
             </a:r>
             <a:r>
               <a:rPr lang="en-US" sz="2000" dirty="0"/>
-              <a:t> support indexing capabilities with [], the pandas documentation recommends using the attributes loc, </a:t>
+              <a:t> support indexing capabilities with [], the pandas documentation recommends using the attributes loc and </a:t>
             </a:r>
             <a:r>
               <a:rPr lang="en-US" sz="2000" dirty="0" err="1"/>
@@ -16916,15 +16977,7 @@
             </a:r>
             <a:r>
               <a:rPr lang="en-US" sz="2000" dirty="0"/>
-              <a:t>, at and </a:t>
-            </a:r>
-            <a:r>
-              <a:rPr lang="en-US" sz="2000" dirty="0" err="1"/>
-              <a:t>iat</a:t>
-            </a:r>
-            <a:r>
-              <a:rPr lang="en-US" sz="2000" dirty="0"/>
-              <a:t>, which are optimized to access </a:t>
+              <a:t> which are optimized to access </a:t>
             </a:r>
             <a:r>
               <a:rPr lang="en-US" sz="2000" dirty="0" err="1"/>
@@ -17498,7 +17551,7 @@
               <a:rPr lang="en-US" sz="2000" b="1" dirty="0">
                 <a:latin typeface="Inconsolata Medium" panose="020B0609030003000000" pitchFamily="49" charset="77"/>
               </a:rPr>
-              <a:t>[2] </a:t>
+              <a:t>[1] </a:t>
             </a:r>
             <a:endParaRPr lang="en-US" sz="2000" b="1" dirty="0">
               <a:solidFill>
@@ -18047,7 +18100,46 @@
         </p:nvSpPr>
         <p:spPr>
           <a:xfrm>
-            <a:off x="4942922" y="4503174"/>
+            <a:off x="4572000" y="3186880"/>
+            <a:ext cx="3423694" cy="400110"/>
+          </a:xfrm>
+          <a:prstGeom prst="rect">
+            <a:avLst/>
+          </a:prstGeom>
+          <a:noFill/>
+        </p:spPr>
+        <p:txBody>
+          <a:bodyPr wrap="none" rtlCol="0">
+            <a:spAutoFit/>
+          </a:bodyPr>
+          <a:lstStyle/>
+          <a:p>
+            <a:r>
+              <a:rPr lang="en-US" sz="2000" b="1" dirty="0">
+                <a:solidFill>
+                  <a:srgbClr val="FF0000"/>
+                </a:solidFill>
+              </a:rPr>
+              <a:t>Note that Test3 is included!</a:t>
+            </a:r>
+          </a:p>
+        </p:txBody>
+      </p:sp>
+      <p:sp>
+        <p:nvSpPr>
+          <p:cNvPr id="5" name="TextBox 4">
+            <a:extLst>
+              <a:ext uri="{FF2B5EF4-FFF2-40B4-BE49-F238E27FC236}">
+                <a16:creationId xmlns:a16="http://schemas.microsoft.com/office/drawing/2014/main" id="{E66B23D1-127A-E140-B218-800261738BC5}"/>
+              </a:ext>
+            </a:extLst>
+          </p:cNvPr>
+          <p:cNvSpPr txBox="1"/>
+          <p:nvPr/>
+        </p:nvSpPr>
+        <p:spPr>
+          <a:xfrm>
+            <a:off x="4572000" y="5245509"/>
             <a:ext cx="3485313" cy="400110"/>
           </a:xfrm>
           <a:prstGeom prst="rect">
@@ -19807,7 +19899,7 @@
               <a:rPr lang="en-US" dirty="0" err="1">
                 <a:latin typeface="Gill Sans MT" panose="020B0502020104020203" pitchFamily="34" charset="77"/>
               </a:rPr>
-              <a:t>Dataframe</a:t>
+              <a:t>DataFrame</a:t>
             </a:r>
             <a:endParaRPr lang="en-US" dirty="0">
               <a:latin typeface="Gill Sans MT" panose="020B0502020104020203" pitchFamily="34" charset="77"/>
@@ -24382,6 +24474,141 @@
     <a:masterClrMapping/>
   </p:clrMapOvr>
   <p:transition/>
+</p:sld>
+</file>
+
+<file path=ppt/slides/slide31.xml><?xml version="1.0" encoding="utf-8"?>
+<p:sld xmlns:a="http://schemas.openxmlformats.org/drawingml/2006/main" xmlns:r="http://schemas.openxmlformats.org/officeDocument/2006/relationships" xmlns:p="http://schemas.openxmlformats.org/presentationml/2006/main">
+  <p:cSld>
+    <p:spTree>
+      <p:nvGrpSpPr>
+        <p:cNvPr id="1" name=""/>
+        <p:cNvGrpSpPr/>
+        <p:nvPr/>
+      </p:nvGrpSpPr>
+      <p:grpSpPr>
+        <a:xfrm>
+          <a:off x="0" y="0"/>
+          <a:ext cx="0" cy="0"/>
+          <a:chOff x="0" y="0"/>
+          <a:chExt cx="0" cy="0"/>
+        </a:xfrm>
+      </p:grpSpPr>
+      <p:sp>
+        <p:nvSpPr>
+          <p:cNvPr id="2" name="Title 1">
+            <a:extLst>
+              <a:ext uri="{FF2B5EF4-FFF2-40B4-BE49-F238E27FC236}">
+                <a16:creationId xmlns:a16="http://schemas.microsoft.com/office/drawing/2014/main" id="{AA3A228F-61D0-D949-A5E7-F83756230BF8}"/>
+              </a:ext>
+            </a:extLst>
+          </p:cNvPr>
+          <p:cNvSpPr>
+            <a:spLocks noGrp="1"/>
+          </p:cNvSpPr>
+          <p:nvPr>
+            <p:ph type="title"/>
+          </p:nvPr>
+        </p:nvSpPr>
+        <p:spPr>
+          <a:xfrm>
+            <a:off x="483848" y="467027"/>
+            <a:ext cx="7053542" cy="683886"/>
+          </a:xfrm>
+        </p:spPr>
+        <p:txBody>
+          <a:bodyPr/>
+          <a:lstStyle/>
+          <a:p>
+            <a:r>
+              <a:rPr lang="en-US" dirty="0"/>
+              <a:t>References</a:t>
+            </a:r>
+          </a:p>
+        </p:txBody>
+      </p:sp>
+      <p:sp>
+        <p:nvSpPr>
+          <p:cNvPr id="9" name="Content Placeholder 8">
+            <a:extLst>
+              <a:ext uri="{FF2B5EF4-FFF2-40B4-BE49-F238E27FC236}">
+                <a16:creationId xmlns:a16="http://schemas.microsoft.com/office/drawing/2014/main" id="{E3B2E017-30B2-884B-A113-B419A2ED51AD}"/>
+              </a:ext>
+            </a:extLst>
+          </p:cNvPr>
+          <p:cNvSpPr>
+            <a:spLocks noGrp="1"/>
+          </p:cNvSpPr>
+          <p:nvPr>
+            <p:ph idx="1"/>
+          </p:nvPr>
+        </p:nvSpPr>
+        <p:spPr>
+          <a:xfrm>
+            <a:off x="483848" y="1150913"/>
+            <a:ext cx="8051725" cy="4440590"/>
+          </a:xfrm>
+        </p:spPr>
+        <p:txBody>
+          <a:bodyPr>
+            <a:noAutofit/>
+          </a:bodyPr>
+          <a:lstStyle/>
+          <a:p>
+            <a:pPr marL="0" indent="0">
+              <a:buNone/>
+            </a:pPr>
+            <a:endParaRPr lang="en-US" dirty="0"/>
+          </a:p>
+          <a:p>
+            <a:pPr marL="0" indent="0">
+              <a:buNone/>
+            </a:pPr>
+            <a:endParaRPr lang="en-US" dirty="0"/>
+          </a:p>
+          <a:p>
+            <a:pPr marL="457200" indent="-457200">
+              <a:buAutoNum type="arabicParenR"/>
+            </a:pPr>
+            <a:r>
+              <a:rPr lang="en-US" dirty="0"/>
+              <a:t>Paul </a:t>
+            </a:r>
+            <a:r>
+              <a:rPr lang="en-US" dirty="0" err="1"/>
+              <a:t>Deitel</a:t>
+            </a:r>
+            <a:r>
+              <a:rPr lang="en-US" dirty="0"/>
+              <a:t>, Harvey </a:t>
+            </a:r>
+            <a:r>
+              <a:rPr lang="en-US" dirty="0" err="1"/>
+              <a:t>Deitel</a:t>
+            </a:r>
+            <a:r>
+              <a:rPr lang="en-US" dirty="0"/>
+              <a:t>. Intro to Python for Computer Science and Data Science, Pearson. </a:t>
+            </a:r>
+          </a:p>
+          <a:p>
+            <a:pPr marL="0" indent="0">
+              <a:buNone/>
+            </a:pPr>
+            <a:endParaRPr lang="en-US" dirty="0"/>
+          </a:p>
+        </p:txBody>
+      </p:sp>
+    </p:spTree>
+    <p:extLst>
+      <p:ext uri="{BB962C8B-B14F-4D97-AF65-F5344CB8AC3E}">
+        <p14:creationId xmlns:p14="http://schemas.microsoft.com/office/powerpoint/2010/main" val="3402050025"/>
+      </p:ext>
+    </p:extLst>
+  </p:cSld>
+  <p:clrMapOvr>
+    <a:masterClrMapping/>
+  </p:clrMapOvr>
 </p:sld>
 </file>
 

--- a/courses/apcsp/lect11.pptx
+++ b/courses/apcsp/lect11.pptx
@@ -5,7 +5,7 @@
     <p:sldMasterId id="2147483791" r:id="rId1"/>
   </p:sldMasterIdLst>
   <p:notesMasterIdLst>
-    <p:notesMasterId r:id="rId33"/>
+    <p:notesMasterId r:id="rId34"/>
   </p:notesMasterIdLst>
   <p:sldIdLst>
     <p:sldId id="256" r:id="rId2"/>
@@ -38,7 +38,8 @@
     <p:sldId id="646" r:id="rId29"/>
     <p:sldId id="647" r:id="rId30"/>
     <p:sldId id="648" r:id="rId31"/>
-    <p:sldId id="284" r:id="rId32"/>
+    <p:sldId id="650" r:id="rId32"/>
+    <p:sldId id="284" r:id="rId33"/>
   </p:sldIdLst>
   <p:sldSz cx="9144000" cy="5715000" type="screen16x10"/>
   <p:notesSz cx="6858000" cy="9144000"/>
@@ -148,7 +149,7 @@
 <file path=ppt/revisionInfo.xml><?xml version="1.0" encoding="utf-8"?>
 <p1510:revInfo xmlns:a="http://schemas.openxmlformats.org/drawingml/2006/main" xmlns:r="http://schemas.openxmlformats.org/officeDocument/2006/relationships" xmlns:p1510="http://schemas.microsoft.com/office/powerpoint/2015/10/main">
   <p1510:revLst>
-    <p1510:client id="{B4A677F4-F5AC-CB41-87BC-6A2FC2E7E13C}" v="2" dt="2020-07-28T03:35:37.939"/>
+    <p1510:client id="{B4A677F4-F5AC-CB41-87BC-6A2FC2E7E13C}" v="5" dt="2020-08-12T03:43:18.437"/>
   </p1510:revLst>
 </p1510:revInfo>
 </file>
@@ -444,8 +445,8 @@
   </pc:docChgLst>
   <pc:docChgLst>
     <pc:chgData name="Long B Nguyen" userId="f59fb8f3-a021-417a-8bc1-65c8d471c621" providerId="ADAL" clId="{B4A677F4-F5AC-CB41-87BC-6A2FC2E7E13C}"/>
-    <pc:docChg chg="addSld delSld modSld">
-      <pc:chgData name="Long B Nguyen" userId="f59fb8f3-a021-417a-8bc1-65c8d471c621" providerId="ADAL" clId="{B4A677F4-F5AC-CB41-87BC-6A2FC2E7E13C}" dt="2020-07-28T03:35:52.091" v="77" actId="1076"/>
+    <pc:docChg chg="custSel addSld delSld modSld">
+      <pc:chgData name="Long B Nguyen" userId="f59fb8f3-a021-417a-8bc1-65c8d471c621" providerId="ADAL" clId="{B4A677F4-F5AC-CB41-87BC-6A2FC2E7E13C}" dt="2020-08-12T03:53:39.718" v="911" actId="20577"/>
       <pc:docMkLst>
         <pc:docMk/>
       </pc:docMkLst>
@@ -662,6 +663,51 @@
             <pc:docMk/>
             <pc:sldMk cId="3658712694" sldId="632"/>
             <ac:spMk id="5" creationId="{E66B23D1-127A-E140-B218-800261738BC5}"/>
+          </ac:spMkLst>
+        </pc:spChg>
+      </pc:sldChg>
+      <pc:sldChg chg="modSp mod">
+        <pc:chgData name="Long B Nguyen" userId="f59fb8f3-a021-417a-8bc1-65c8d471c621" providerId="ADAL" clId="{B4A677F4-F5AC-CB41-87BC-6A2FC2E7E13C}" dt="2020-08-12T03:36:07.771" v="130" actId="113"/>
+        <pc:sldMkLst>
+          <pc:docMk/>
+          <pc:sldMk cId="861471770" sldId="636"/>
+        </pc:sldMkLst>
+        <pc:spChg chg="mod">
+          <ac:chgData name="Long B Nguyen" userId="f59fb8f3-a021-417a-8bc1-65c8d471c621" providerId="ADAL" clId="{B4A677F4-F5AC-CB41-87BC-6A2FC2E7E13C}" dt="2020-08-12T03:36:07.771" v="130" actId="113"/>
+          <ac:spMkLst>
+            <pc:docMk/>
+            <pc:sldMk cId="861471770" sldId="636"/>
+            <ac:spMk id="16386" creationId="{B58E18ED-8D49-8844-A857-3DC2CAD817CB}"/>
+          </ac:spMkLst>
+        </pc:spChg>
+      </pc:sldChg>
+      <pc:sldChg chg="add del">
+        <pc:chgData name="Long B Nguyen" userId="f59fb8f3-a021-417a-8bc1-65c8d471c621" providerId="ADAL" clId="{B4A677F4-F5AC-CB41-87BC-6A2FC2E7E13C}" dt="2020-08-12T03:42:30.961" v="133" actId="2696"/>
+        <pc:sldMkLst>
+          <pc:docMk/>
+          <pc:sldMk cId="556573112" sldId="649"/>
+        </pc:sldMkLst>
+      </pc:sldChg>
+      <pc:sldChg chg="modSp add mod">
+        <pc:chgData name="Long B Nguyen" userId="f59fb8f3-a021-417a-8bc1-65c8d471c621" providerId="ADAL" clId="{B4A677F4-F5AC-CB41-87BC-6A2FC2E7E13C}" dt="2020-08-12T03:53:39.718" v="911" actId="20577"/>
+        <pc:sldMkLst>
+          <pc:docMk/>
+          <pc:sldMk cId="3091957207" sldId="650"/>
+        </pc:sldMkLst>
+        <pc:spChg chg="mod">
+          <ac:chgData name="Long B Nguyen" userId="f59fb8f3-a021-417a-8bc1-65c8d471c621" providerId="ADAL" clId="{B4A677F4-F5AC-CB41-87BC-6A2FC2E7E13C}" dt="2020-08-12T03:53:39.718" v="911" actId="20577"/>
+          <ac:spMkLst>
+            <pc:docMk/>
+            <pc:sldMk cId="3091957207" sldId="650"/>
+            <ac:spMk id="16386" creationId="{B58E18ED-8D49-8844-A857-3DC2CAD817CB}"/>
+          </ac:spMkLst>
+        </pc:spChg>
+        <pc:spChg chg="mod">
+          <ac:chgData name="Long B Nguyen" userId="f59fb8f3-a021-417a-8bc1-65c8d471c621" providerId="ADAL" clId="{B4A677F4-F5AC-CB41-87BC-6A2FC2E7E13C}" dt="2020-08-12T03:42:33.762" v="136" actId="20577"/>
+          <ac:spMkLst>
+            <pc:docMk/>
+            <pc:sldMk cId="3091957207" sldId="650"/>
+            <ac:spMk id="38913" creationId="{01ABAB85-1B1D-E842-8BF4-B8AF13377E9C}"/>
           </ac:spMkLst>
         </pc:spChg>
       </pc:sldChg>
@@ -3434,7 +3480,7 @@
           <a:p>
             <a:fld id="{0F290A77-7A53-EE4F-8904-398FC04757F0}" type="datetimeFigureOut">
               <a:rPr lang="en-US" smtClean="0"/>
-              <a:t>7/27/20</a:t>
+              <a:t>8/11/20</a:t>
             </a:fld>
             <a:endParaRPr lang="en-US"/>
           </a:p>
@@ -9749,6 +9795,294 @@
 </p:notes>
 </file>
 
+<file path=ppt/notesSlides/notesSlide29.xml><?xml version="1.0" encoding="utf-8"?>
+<p:notes xmlns:a="http://schemas.openxmlformats.org/drawingml/2006/main" xmlns:r="http://schemas.openxmlformats.org/officeDocument/2006/relationships" xmlns:p="http://schemas.openxmlformats.org/presentationml/2006/main">
+  <p:cSld>
+    <p:spTree>
+      <p:nvGrpSpPr>
+        <p:cNvPr id="1" name=""/>
+        <p:cNvGrpSpPr/>
+        <p:nvPr/>
+      </p:nvGrpSpPr>
+      <p:grpSpPr>
+        <a:xfrm>
+          <a:off x="0" y="0"/>
+          <a:ext cx="0" cy="0"/>
+          <a:chOff x="0" y="0"/>
+          <a:chExt cx="0" cy="0"/>
+        </a:xfrm>
+      </p:grpSpPr>
+      <p:sp>
+        <p:nvSpPr>
+          <p:cNvPr id="39937" name="Rectangle 7">
+            <a:extLst>
+              <a:ext uri="{FF2B5EF4-FFF2-40B4-BE49-F238E27FC236}">
+                <a16:creationId xmlns:a16="http://schemas.microsoft.com/office/drawing/2014/main" id="{7264E55D-2FAC-504E-8F76-AF69BC0338DF}"/>
+              </a:ext>
+            </a:extLst>
+          </p:cNvPr>
+          <p:cNvSpPr>
+            <a:spLocks noGrp="1" noChangeArrowheads="1"/>
+          </p:cNvSpPr>
+          <p:nvPr>
+            <p:ph type="sldNum" sz="quarter" idx="5"/>
+          </p:nvPr>
+        </p:nvSpPr>
+        <p:spPr bwMode="auto">
+          <a:noFill/>
+          <a:extLst>
+            <a:ext uri="{909E8E84-426E-40DD-AFC4-6F175D3DCCD1}">
+              <a14:hiddenFill xmlns:a14="http://schemas.microsoft.com/office/drawing/2010/main">
+                <a:solidFill>
+                  <a:srgbClr val="FFFFFF"/>
+                </a:solidFill>
+              </a14:hiddenFill>
+            </a:ext>
+            <a:ext uri="{91240B29-F687-4F45-9708-019B960494DF}">
+              <a14:hiddenLine xmlns:a14="http://schemas.microsoft.com/office/drawing/2010/main" w="9525">
+                <a:solidFill>
+                  <a:srgbClr val="000000"/>
+                </a:solidFill>
+                <a:miter lim="800000"/>
+                <a:headEnd/>
+                <a:tailEnd/>
+              </a14:hiddenLine>
+            </a:ext>
+          </a:extLst>
+        </p:spPr>
+        <p:txBody>
+          <a:bodyPr/>
+          <a:lstStyle>
+            <a:lvl1pPr>
+              <a:defRPr>
+                <a:solidFill>
+                  <a:schemeClr val="tx1"/>
+                </a:solidFill>
+                <a:latin typeface="Arial" panose="020B0604020202020204" pitchFamily="34" charset="0"/>
+                <a:ea typeface="ＭＳ Ｐゴシック" panose="020B0600070205080204" pitchFamily="34" charset="-128"/>
+              </a:defRPr>
+            </a:lvl1pPr>
+            <a:lvl2pPr marL="742950" indent="-285750">
+              <a:defRPr>
+                <a:solidFill>
+                  <a:schemeClr val="tx1"/>
+                </a:solidFill>
+                <a:latin typeface="Arial" panose="020B0604020202020204" pitchFamily="34" charset="0"/>
+                <a:ea typeface="ＭＳ Ｐゴシック" panose="020B0600070205080204" pitchFamily="34" charset="-128"/>
+              </a:defRPr>
+            </a:lvl2pPr>
+            <a:lvl3pPr marL="1143000" indent="-228600">
+              <a:defRPr>
+                <a:solidFill>
+                  <a:schemeClr val="tx1"/>
+                </a:solidFill>
+                <a:latin typeface="Arial" panose="020B0604020202020204" pitchFamily="34" charset="0"/>
+                <a:ea typeface="ＭＳ Ｐゴシック" panose="020B0600070205080204" pitchFamily="34" charset="-128"/>
+              </a:defRPr>
+            </a:lvl3pPr>
+            <a:lvl4pPr marL="1600200" indent="-228600">
+              <a:defRPr>
+                <a:solidFill>
+                  <a:schemeClr val="tx1"/>
+                </a:solidFill>
+                <a:latin typeface="Arial" panose="020B0604020202020204" pitchFamily="34" charset="0"/>
+                <a:ea typeface="ＭＳ Ｐゴシック" panose="020B0600070205080204" pitchFamily="34" charset="-128"/>
+              </a:defRPr>
+            </a:lvl4pPr>
+            <a:lvl5pPr marL="2057400" indent="-228600">
+              <a:defRPr>
+                <a:solidFill>
+                  <a:schemeClr val="tx1"/>
+                </a:solidFill>
+                <a:latin typeface="Arial" panose="020B0604020202020204" pitchFamily="34" charset="0"/>
+                <a:ea typeface="ＭＳ Ｐゴシック" panose="020B0600070205080204" pitchFamily="34" charset="-128"/>
+              </a:defRPr>
+            </a:lvl5pPr>
+            <a:lvl6pPr marL="2514600" indent="-228600" eaLnBrk="0" fontAlgn="base" hangingPunct="0">
+              <a:spcBef>
+                <a:spcPct val="0"/>
+              </a:spcBef>
+              <a:spcAft>
+                <a:spcPct val="0"/>
+              </a:spcAft>
+              <a:defRPr>
+                <a:solidFill>
+                  <a:schemeClr val="tx1"/>
+                </a:solidFill>
+                <a:latin typeface="Arial" panose="020B0604020202020204" pitchFamily="34" charset="0"/>
+                <a:ea typeface="ＭＳ Ｐゴシック" panose="020B0600070205080204" pitchFamily="34" charset="-128"/>
+              </a:defRPr>
+            </a:lvl6pPr>
+            <a:lvl7pPr marL="2971800" indent="-228600" eaLnBrk="0" fontAlgn="base" hangingPunct="0">
+              <a:spcBef>
+                <a:spcPct val="0"/>
+              </a:spcBef>
+              <a:spcAft>
+                <a:spcPct val="0"/>
+              </a:spcAft>
+              <a:defRPr>
+                <a:solidFill>
+                  <a:schemeClr val="tx1"/>
+                </a:solidFill>
+                <a:latin typeface="Arial" panose="020B0604020202020204" pitchFamily="34" charset="0"/>
+                <a:ea typeface="ＭＳ Ｐゴシック" panose="020B0600070205080204" pitchFamily="34" charset="-128"/>
+              </a:defRPr>
+            </a:lvl7pPr>
+            <a:lvl8pPr marL="3429000" indent="-228600" eaLnBrk="0" fontAlgn="base" hangingPunct="0">
+              <a:spcBef>
+                <a:spcPct val="0"/>
+              </a:spcBef>
+              <a:spcAft>
+                <a:spcPct val="0"/>
+              </a:spcAft>
+              <a:defRPr>
+                <a:solidFill>
+                  <a:schemeClr val="tx1"/>
+                </a:solidFill>
+                <a:latin typeface="Arial" panose="020B0604020202020204" pitchFamily="34" charset="0"/>
+                <a:ea typeface="ＭＳ Ｐゴシック" panose="020B0600070205080204" pitchFamily="34" charset="-128"/>
+              </a:defRPr>
+            </a:lvl8pPr>
+            <a:lvl9pPr marL="3886200" indent="-228600" eaLnBrk="0" fontAlgn="base" hangingPunct="0">
+              <a:spcBef>
+                <a:spcPct val="0"/>
+              </a:spcBef>
+              <a:spcAft>
+                <a:spcPct val="0"/>
+              </a:spcAft>
+              <a:defRPr>
+                <a:solidFill>
+                  <a:schemeClr val="tx1"/>
+                </a:solidFill>
+                <a:latin typeface="Arial" panose="020B0604020202020204" pitchFamily="34" charset="0"/>
+                <a:ea typeface="ＭＳ Ｐゴシック" panose="020B0600070205080204" pitchFamily="34" charset="-128"/>
+              </a:defRPr>
+            </a:lvl9pPr>
+          </a:lstStyle>
+          <a:p>
+            <a:fld id="{281680EB-C86D-2347-AE16-D730A41D6A9A}" type="slidenum">
+              <a:rPr lang="en-US" altLang="en-US" smtClean="0"/>
+              <a:pPr/>
+              <a:t>31</a:t>
+            </a:fld>
+            <a:endParaRPr lang="en-US" altLang="en-US"/>
+          </a:p>
+        </p:txBody>
+      </p:sp>
+      <p:sp>
+        <p:nvSpPr>
+          <p:cNvPr id="39938" name="Rectangle 2">
+            <a:extLst>
+              <a:ext uri="{FF2B5EF4-FFF2-40B4-BE49-F238E27FC236}">
+                <a16:creationId xmlns:a16="http://schemas.microsoft.com/office/drawing/2014/main" id="{65402874-F9B7-4D4A-9A88-499672169530}"/>
+              </a:ext>
+            </a:extLst>
+          </p:cNvPr>
+          <p:cNvSpPr>
+            <a:spLocks noGrp="1" noRot="1" noChangeAspect="1" noChangeArrowheads="1" noTextEdit="1"/>
+          </p:cNvSpPr>
+          <p:nvPr>
+            <p:ph type="sldImg"/>
+          </p:nvPr>
+        </p:nvSpPr>
+        <p:spPr bwMode="auto">
+          <a:xfrm>
+            <a:off x="687388" y="685800"/>
+            <a:ext cx="5486400" cy="3429000"/>
+          </a:xfrm>
+          <a:noFill/>
+          <a:ln>
+            <a:solidFill>
+              <a:srgbClr val="000000"/>
+            </a:solidFill>
+            <a:miter lim="800000"/>
+            <a:headEnd/>
+            <a:tailEnd/>
+          </a:ln>
+          <a:extLst>
+            <a:ext uri="{909E8E84-426E-40DD-AFC4-6F175D3DCCD1}">
+              <a14:hiddenFill xmlns:a14="http://schemas.microsoft.com/office/drawing/2010/main">
+                <a:solidFill>
+                  <a:srgbClr val="FFFFFF"/>
+                </a:solidFill>
+              </a14:hiddenFill>
+            </a:ext>
+          </a:extLst>
+        </p:spPr>
+      </p:sp>
+      <p:sp>
+        <p:nvSpPr>
+          <p:cNvPr id="39939" name="Rectangle 3">
+            <a:extLst>
+              <a:ext uri="{FF2B5EF4-FFF2-40B4-BE49-F238E27FC236}">
+                <a16:creationId xmlns:a16="http://schemas.microsoft.com/office/drawing/2014/main" id="{04232413-FB05-4844-B594-DAF3406D2463}"/>
+              </a:ext>
+            </a:extLst>
+          </p:cNvPr>
+          <p:cNvSpPr>
+            <a:spLocks noGrp="1" noChangeArrowheads="1"/>
+          </p:cNvSpPr>
+          <p:nvPr>
+            <p:ph type="body" idx="1"/>
+          </p:nvPr>
+        </p:nvSpPr>
+        <p:spPr bwMode="auto">
+          <a:xfrm>
+            <a:off x="914400" y="4343400"/>
+            <a:ext cx="5029200" cy="4114800"/>
+          </a:xfrm>
+          <a:noFill/>
+          <a:extLst>
+            <a:ext uri="{909E8E84-426E-40DD-AFC4-6F175D3DCCD1}">
+              <a14:hiddenFill xmlns:a14="http://schemas.microsoft.com/office/drawing/2010/main">
+                <a:solidFill>
+                  <a:srgbClr val="FFFFFF"/>
+                </a:solidFill>
+              </a14:hiddenFill>
+            </a:ext>
+            <a:ext uri="{91240B29-F687-4F45-9708-019B960494DF}">
+              <a14:hiddenLine xmlns:a14="http://schemas.microsoft.com/office/drawing/2010/main" w="9525">
+                <a:solidFill>
+                  <a:srgbClr val="000000"/>
+                </a:solidFill>
+                <a:miter lim="800000"/>
+                <a:headEnd/>
+                <a:tailEnd/>
+              </a14:hiddenLine>
+            </a:ext>
+          </a:extLst>
+        </p:spPr>
+        <p:txBody>
+          <a:bodyPr wrap="square" numCol="1" anchor="t" anchorCtr="0" compatLnSpc="1">
+            <a:prstTxWarp prst="textNoShape">
+              <a:avLst/>
+            </a:prstTxWarp>
+          </a:bodyPr>
+          <a:lstStyle/>
+          <a:p>
+            <a:pPr eaLnBrk="1" hangingPunct="1"/>
+            <a:r>
+              <a:rPr lang="en-US" altLang="en-US">
+                <a:ea typeface="ＭＳ Ｐゴシック" panose="020B0600070205080204" pitchFamily="34" charset="-128"/>
+              </a:rPr>
+              <a:t>Crash Course: Cybersecurity</a:t>
+            </a:r>
+          </a:p>
+        </p:txBody>
+      </p:sp>
+    </p:spTree>
+    <p:extLst>
+      <p:ext uri="{BB962C8B-B14F-4D97-AF65-F5344CB8AC3E}">
+        <p14:creationId xmlns:p14="http://schemas.microsoft.com/office/powerpoint/2010/main" val="181848904"/>
+      </p:ext>
+    </p:extLst>
+  </p:cSld>
+  <p:clrMapOvr>
+    <a:masterClrMapping/>
+  </p:clrMapOvr>
+</p:notes>
+</file>
+
 <file path=ppt/notesSlides/notesSlide3.xml><?xml version="1.0" encoding="utf-8"?>
 <p:notes xmlns:a="http://schemas.openxmlformats.org/drawingml/2006/main" xmlns:r="http://schemas.openxmlformats.org/officeDocument/2006/relationships" xmlns:p="http://schemas.openxmlformats.org/presentationml/2006/main">
   <p:cSld>
@@ -11896,7 +12230,7 @@
           <a:p>
             <a:fld id="{4AAD347D-5ACD-4C99-B74B-A9C85AD731AF}" type="datetimeFigureOut">
               <a:rPr lang="en-US" smtClean="0"/>
-              <a:t>7/27/20</a:t>
+              <a:t>8/11/20</a:t>
             </a:fld>
             <a:endParaRPr lang="en-US" dirty="0"/>
           </a:p>
@@ -12066,7 +12400,7 @@
           <a:p>
             <a:fld id="{4509A250-FF31-4206-8172-F9D3106AACB1}" type="datetimeFigureOut">
               <a:rPr lang="en-US" smtClean="0"/>
-              <a:t>7/27/20</a:t>
+              <a:t>8/11/20</a:t>
             </a:fld>
             <a:endParaRPr lang="en-US" dirty="0"/>
           </a:p>
@@ -12246,7 +12580,7 @@
           <a:p>
             <a:fld id="{4509A250-FF31-4206-8172-F9D3106AACB1}" type="datetimeFigureOut">
               <a:rPr lang="en-US" smtClean="0"/>
-              <a:t>7/27/20</a:t>
+              <a:t>8/11/20</a:t>
             </a:fld>
             <a:endParaRPr lang="en-US" dirty="0"/>
           </a:p>
@@ -12416,7 +12750,7 @@
           <a:p>
             <a:fld id="{4509A250-FF31-4206-8172-F9D3106AACB1}" type="datetimeFigureOut">
               <a:rPr lang="en-US" smtClean="0"/>
-              <a:t>7/27/20</a:t>
+              <a:t>8/11/20</a:t>
             </a:fld>
             <a:endParaRPr lang="en-US" dirty="0"/>
           </a:p>
@@ -12662,7 +12996,7 @@
           <a:p>
             <a:fld id="{9796027F-7875-4030-9381-8BD8C4F21935}" type="datetimeFigureOut">
               <a:rPr lang="en-US" smtClean="0"/>
-              <a:t>7/27/20</a:t>
+              <a:t>8/11/20</a:t>
             </a:fld>
             <a:endParaRPr lang="en-US" dirty="0"/>
           </a:p>
@@ -12894,7 +13228,7 @@
           <a:p>
             <a:fld id="{9796027F-7875-4030-9381-8BD8C4F21935}" type="datetimeFigureOut">
               <a:rPr lang="en-US" smtClean="0"/>
-              <a:t>7/27/20</a:t>
+              <a:t>8/11/20</a:t>
             </a:fld>
             <a:endParaRPr lang="en-US" dirty="0"/>
           </a:p>
@@ -13261,7 +13595,7 @@
           <a:p>
             <a:fld id="{9796027F-7875-4030-9381-8BD8C4F21935}" type="datetimeFigureOut">
               <a:rPr lang="en-US" smtClean="0"/>
-              <a:t>7/27/20</a:t>
+              <a:t>8/11/20</a:t>
             </a:fld>
             <a:endParaRPr lang="en-US" dirty="0"/>
           </a:p>
@@ -13379,7 +13713,7 @@
           <a:p>
             <a:fld id="{4509A250-FF31-4206-8172-F9D3106AACB1}" type="datetimeFigureOut">
               <a:rPr lang="en-US" smtClean="0"/>
-              <a:t>7/27/20</a:t>
+              <a:t>8/11/20</a:t>
             </a:fld>
             <a:endParaRPr lang="en-US" dirty="0"/>
           </a:p>
@@ -13474,7 +13808,7 @@
           <a:p>
             <a:fld id="{4509A250-FF31-4206-8172-F9D3106AACB1}" type="datetimeFigureOut">
               <a:rPr lang="en-US" smtClean="0"/>
-              <a:t>7/27/20</a:t>
+              <a:t>8/11/20</a:t>
             </a:fld>
             <a:endParaRPr lang="en-US" dirty="0"/>
           </a:p>
@@ -13751,7 +14085,7 @@
           <a:p>
             <a:fld id="{4509A250-FF31-4206-8172-F9D3106AACB1}" type="datetimeFigureOut">
               <a:rPr lang="en-US" smtClean="0"/>
-              <a:t>7/27/20</a:t>
+              <a:t>8/11/20</a:t>
             </a:fld>
             <a:endParaRPr lang="en-US" dirty="0"/>
           </a:p>
@@ -14008,7 +14342,7 @@
           <a:p>
             <a:fld id="{4509A250-FF31-4206-8172-F9D3106AACB1}" type="datetimeFigureOut">
               <a:rPr lang="en-US" smtClean="0"/>
-              <a:t>7/27/20</a:t>
+              <a:t>8/11/20</a:t>
             </a:fld>
             <a:endParaRPr lang="en-US" dirty="0"/>
           </a:p>
@@ -14221,7 +14555,7 @@
           <a:p>
             <a:fld id="{4AAD347D-5ACD-4C99-B74B-A9C85AD731AF}" type="datetimeFigureOut">
               <a:rPr lang="en-US" smtClean="0"/>
-              <a:t>7/27/20</a:t>
+              <a:t>8/11/20</a:t>
             </a:fld>
             <a:endParaRPr lang="en-US" dirty="0"/>
           </a:p>
@@ -19407,7 +19741,11 @@
             </a:pPr>
             <a:r>
               <a:rPr lang="en-US" sz="2000" dirty="0"/>
-              <a:t>Pandas Boolean indices combine multiple conditions with the Python operator &amp; (bitwise AND), not the and Boolean operator. For or conditions, use | (bitwise OR). </a:t>
+              <a:t>Pandas Boolean indices combine multiple conditions with the Python operator &amp; (bitwise AND), not the "and" Boolean operator. For or conditions, use | (bitwise OR). </a:t>
+            </a:r>
+            <a:r>
+              <a:rPr lang="en-US" sz="2000" b="1" dirty="0"/>
+              <a:t>These must be grouped using parenthesis.</a:t>
             </a:r>
           </a:p>
           <a:p>
@@ -24478,6 +24816,226 @@
 </file>
 
 <file path=ppt/slides/slide31.xml><?xml version="1.0" encoding="utf-8"?>
+<p:sld xmlns:a="http://schemas.openxmlformats.org/drawingml/2006/main" xmlns:r="http://schemas.openxmlformats.org/officeDocument/2006/relationships" xmlns:p="http://schemas.openxmlformats.org/presentationml/2006/main">
+  <p:cSld>
+    <p:spTree>
+      <p:nvGrpSpPr>
+        <p:cNvPr id="1" name=""/>
+        <p:cNvGrpSpPr/>
+        <p:nvPr/>
+      </p:nvGrpSpPr>
+      <p:grpSpPr>
+        <a:xfrm>
+          <a:off x="0" y="0"/>
+          <a:ext cx="0" cy="0"/>
+          <a:chOff x="0" y="0"/>
+          <a:chExt cx="0" cy="0"/>
+        </a:xfrm>
+      </p:grpSpPr>
+      <p:sp>
+        <p:nvSpPr>
+          <p:cNvPr id="38913" name="Rectangle 2">
+            <a:extLst>
+              <a:ext uri="{FF2B5EF4-FFF2-40B4-BE49-F238E27FC236}">
+                <a16:creationId xmlns:a16="http://schemas.microsoft.com/office/drawing/2014/main" id="{01ABAB85-1B1D-E842-8BF4-B8AF13377E9C}"/>
+              </a:ext>
+            </a:extLst>
+          </p:cNvPr>
+          <p:cNvSpPr>
+            <a:spLocks noGrp="1" noChangeArrowheads="1"/>
+          </p:cNvSpPr>
+          <p:nvPr>
+            <p:ph type="title"/>
+          </p:nvPr>
+        </p:nvSpPr>
+        <p:spPr>
+          <a:xfrm>
+            <a:off x="0" y="-14915"/>
+            <a:ext cx="7886700" cy="832591"/>
+          </a:xfrm>
+        </p:spPr>
+        <p:txBody>
+          <a:bodyPr/>
+          <a:lstStyle/>
+          <a:p>
+            <a:pPr eaLnBrk="1" hangingPunct="1"/>
+            <a:r>
+              <a:rPr lang="en-US" altLang="en-US" dirty="0">
+                <a:latin typeface="Tahoma" panose="020B0604030504040204" pitchFamily="34" charset="0"/>
+                <a:ea typeface="ＭＳ Ｐゴシック" panose="020B0600070205080204" pitchFamily="34" charset="-128"/>
+              </a:rPr>
+              <a:t>Lab</a:t>
+            </a:r>
+          </a:p>
+        </p:txBody>
+      </p:sp>
+      <p:sp>
+        <p:nvSpPr>
+          <p:cNvPr id="16386" name="Rectangle 3">
+            <a:extLst>
+              <a:ext uri="{FF2B5EF4-FFF2-40B4-BE49-F238E27FC236}">
+                <a16:creationId xmlns:a16="http://schemas.microsoft.com/office/drawing/2014/main" id="{B58E18ED-8D49-8844-A857-3DC2CAD817CB}"/>
+              </a:ext>
+            </a:extLst>
+          </p:cNvPr>
+          <p:cNvSpPr>
+            <a:spLocks noGrp="1" noChangeArrowheads="1"/>
+          </p:cNvSpPr>
+          <p:nvPr>
+            <p:ph type="body" idx="1"/>
+          </p:nvPr>
+        </p:nvSpPr>
+        <p:spPr>
+          <a:xfrm>
+            <a:off x="182880" y="658761"/>
+            <a:ext cx="8538210" cy="5056239"/>
+          </a:xfrm>
+        </p:spPr>
+        <p:txBody>
+          <a:bodyPr>
+            <a:normAutofit/>
+          </a:bodyPr>
+          <a:lstStyle/>
+          <a:p>
+            <a:pPr marL="0" indent="0">
+              <a:buNone/>
+            </a:pPr>
+            <a:endParaRPr lang="en-US" sz="1800" b="1" dirty="0">
+              <a:solidFill>
+                <a:srgbClr val="34A327"/>
+              </a:solidFill>
+              <a:latin typeface="Inconsolata Medium" panose="020B0609030003000000" pitchFamily="49" charset="77"/>
+            </a:endParaRPr>
+          </a:p>
+          <a:p>
+            <a:pPr marL="0" indent="0">
+              <a:buNone/>
+            </a:pPr>
+            <a:r>
+              <a:rPr lang="en-US" sz="2000" dirty="0">
+                <a:latin typeface="Gill Sans MT" panose="020B0502020104020203" pitchFamily="34" charset="77"/>
+              </a:rPr>
+              <a:t>In this lab, we will analyze a dataset from IMDB which contains approximately the top 1000 movies based on its ratings. </a:t>
+            </a:r>
+          </a:p>
+          <a:p>
+            <a:pPr marL="0" indent="0">
+              <a:buNone/>
+            </a:pPr>
+            <a:endParaRPr lang="en-US" sz="2000" dirty="0">
+              <a:latin typeface="Gill Sans MT" panose="020B0502020104020203" pitchFamily="34" charset="77"/>
+            </a:endParaRPr>
+          </a:p>
+          <a:p>
+            <a:pPr marL="0" indent="0">
+              <a:buNone/>
+            </a:pPr>
+            <a:r>
+              <a:rPr lang="en-US" sz="2000" dirty="0">
+                <a:latin typeface="Gill Sans MT" panose="020B0502020104020203" pitchFamily="34" charset="77"/>
+              </a:rPr>
+              <a:t>We will do basic selecting and indexing and filtering of this dataset. We'll answer questions such as:</a:t>
+            </a:r>
+          </a:p>
+          <a:p>
+            <a:pPr marL="457200" indent="-457200">
+              <a:buAutoNum type="arabicParenR"/>
+            </a:pPr>
+            <a:r>
+              <a:rPr lang="en-US" sz="2000" dirty="0">
+                <a:latin typeface="Gill Sans MT" panose="020B0502020104020203" pitchFamily="34" charset="77"/>
+              </a:rPr>
+              <a:t>What is the highest rated movies of all time?</a:t>
+            </a:r>
+          </a:p>
+          <a:p>
+            <a:pPr marL="457200" indent="-457200">
+              <a:buAutoNum type="arabicParenR"/>
+            </a:pPr>
+            <a:r>
+              <a:rPr lang="en-US" sz="2000" dirty="0">
+                <a:latin typeface="Gill Sans MT" panose="020B0502020104020203" pitchFamily="34" charset="77"/>
+              </a:rPr>
+              <a:t>Display only the "Crime" movies from this list.</a:t>
+            </a:r>
+          </a:p>
+          <a:p>
+            <a:pPr marL="457200" indent="-457200">
+              <a:buAutoNum type="arabicParenR"/>
+            </a:pPr>
+            <a:r>
+              <a:rPr lang="en-US" sz="2000" dirty="0">
+                <a:latin typeface="Gill Sans MT" panose="020B0502020104020203" pitchFamily="34" charset="77"/>
+              </a:rPr>
+              <a:t>What movie genre has the largest number of movies in this list?</a:t>
+            </a:r>
+          </a:p>
+          <a:p>
+            <a:pPr marL="457200" indent="-457200">
+              <a:buAutoNum type="arabicParenR"/>
+            </a:pPr>
+            <a:r>
+              <a:rPr lang="en-US" sz="2000" dirty="0">
+                <a:latin typeface="Gill Sans MT" panose="020B0502020104020203" pitchFamily="34" charset="77"/>
+              </a:rPr>
+              <a:t>Compute the average rating of movies from each genre.</a:t>
+            </a:r>
+          </a:p>
+          <a:p>
+            <a:pPr marL="457200" indent="-457200">
+              <a:buAutoNum type="arabicParenR"/>
+            </a:pPr>
+            <a:r>
+              <a:rPr lang="en-US" sz="2000" dirty="0">
+                <a:latin typeface="Gill Sans MT" panose="020B0502020104020203" pitchFamily="34" charset="77"/>
+              </a:rPr>
+              <a:t>Which movies from this list feature Christian Bale?</a:t>
+            </a:r>
+          </a:p>
+          <a:p>
+            <a:pPr marL="457200" indent="-457200">
+              <a:buAutoNum type="arabicParenR"/>
+            </a:pPr>
+            <a:endParaRPr lang="en-US" sz="2000" dirty="0">
+              <a:latin typeface="Gill Sans MT" panose="020B0502020104020203" pitchFamily="34" charset="77"/>
+            </a:endParaRPr>
+          </a:p>
+          <a:p>
+            <a:pPr marL="457200" indent="-457200">
+              <a:buAutoNum type="arabicParenR"/>
+            </a:pPr>
+            <a:endParaRPr lang="en-US" sz="2000" dirty="0">
+              <a:latin typeface="Gill Sans MT" panose="020B0502020104020203" pitchFamily="34" charset="77"/>
+            </a:endParaRPr>
+          </a:p>
+          <a:p>
+            <a:pPr marL="0" indent="0">
+              <a:buNone/>
+            </a:pPr>
+            <a:r>
+              <a:rPr lang="en-US" sz="2000" dirty="0">
+                <a:latin typeface="Gill Sans MT" panose="020B0502020104020203" pitchFamily="34" charset="77"/>
+              </a:rPr>
+              <a:t> </a:t>
+            </a:r>
+          </a:p>
+        </p:txBody>
+      </p:sp>
+    </p:spTree>
+    <p:extLst>
+      <p:ext uri="{BB962C8B-B14F-4D97-AF65-F5344CB8AC3E}">
+        <p14:creationId xmlns:p14="http://schemas.microsoft.com/office/powerpoint/2010/main" val="3091957207"/>
+      </p:ext>
+    </p:extLst>
+  </p:cSld>
+  <p:clrMapOvr>
+    <a:masterClrMapping/>
+  </p:clrMapOvr>
+  <p:transition/>
+</p:sld>
+</file>
+
+<file path=ppt/slides/slide32.xml><?xml version="1.0" encoding="utf-8"?>
 <p:sld xmlns:a="http://schemas.openxmlformats.org/drawingml/2006/main" xmlns:r="http://schemas.openxmlformats.org/officeDocument/2006/relationships" xmlns:p="http://schemas.openxmlformats.org/presentationml/2006/main">
   <p:cSld>
     <p:spTree>

--- a/courses/apcsp/lect11.pptx
+++ b/courses/apcsp/lect11.pptx
@@ -5,7 +5,7 @@
     <p:sldMasterId id="2147483791" r:id="rId1"/>
   </p:sldMasterIdLst>
   <p:notesMasterIdLst>
-    <p:notesMasterId r:id="rId34"/>
+    <p:notesMasterId r:id="rId35"/>
   </p:notesMasterIdLst>
   <p:sldIdLst>
     <p:sldId id="256" r:id="rId2"/>
@@ -27,19 +27,20 @@
     <p:sldId id="634" r:id="rId18"/>
     <p:sldId id="635" r:id="rId19"/>
     <p:sldId id="636" r:id="rId20"/>
-    <p:sldId id="637" r:id="rId21"/>
-    <p:sldId id="638" r:id="rId22"/>
-    <p:sldId id="639" r:id="rId23"/>
-    <p:sldId id="640" r:id="rId24"/>
-    <p:sldId id="641" r:id="rId25"/>
-    <p:sldId id="642" r:id="rId26"/>
-    <p:sldId id="643" r:id="rId27"/>
-    <p:sldId id="644" r:id="rId28"/>
-    <p:sldId id="646" r:id="rId29"/>
-    <p:sldId id="647" r:id="rId30"/>
-    <p:sldId id="648" r:id="rId31"/>
-    <p:sldId id="650" r:id="rId32"/>
-    <p:sldId id="284" r:id="rId33"/>
+    <p:sldId id="651" r:id="rId21"/>
+    <p:sldId id="637" r:id="rId22"/>
+    <p:sldId id="638" r:id="rId23"/>
+    <p:sldId id="639" r:id="rId24"/>
+    <p:sldId id="640" r:id="rId25"/>
+    <p:sldId id="641" r:id="rId26"/>
+    <p:sldId id="642" r:id="rId27"/>
+    <p:sldId id="643" r:id="rId28"/>
+    <p:sldId id="644" r:id="rId29"/>
+    <p:sldId id="646" r:id="rId30"/>
+    <p:sldId id="647" r:id="rId31"/>
+    <p:sldId id="648" r:id="rId32"/>
+    <p:sldId id="650" r:id="rId33"/>
+    <p:sldId id="284" r:id="rId34"/>
   </p:sldIdLst>
   <p:sldSz cx="9144000" cy="5715000" type="screen16x10"/>
   <p:notesSz cx="6858000" cy="9144000"/>
@@ -149,7 +150,7 @@
 <file path=ppt/revisionInfo.xml><?xml version="1.0" encoding="utf-8"?>
 <p1510:revInfo xmlns:a="http://schemas.openxmlformats.org/drawingml/2006/main" xmlns:r="http://schemas.openxmlformats.org/officeDocument/2006/relationships" xmlns:p1510="http://schemas.microsoft.com/office/powerpoint/2015/10/main">
   <p1510:revLst>
-    <p1510:client id="{B4A677F4-F5AC-CB41-87BC-6A2FC2E7E13C}" v="5" dt="2020-08-12T03:43:18.437"/>
+    <p1510:client id="{A1F93660-6D8D-A340-9687-A0738057EDB1}" v="2" dt="2021-05-23T11:04:39.439"/>
   </p1510:revLst>
 </p1510:revInfo>
 </file>
@@ -708,6 +709,45 @@
             <pc:docMk/>
             <pc:sldMk cId="3091957207" sldId="650"/>
             <ac:spMk id="38913" creationId="{01ABAB85-1B1D-E842-8BF4-B8AF13377E9C}"/>
+          </ac:spMkLst>
+        </pc:spChg>
+      </pc:sldChg>
+    </pc:docChg>
+  </pc:docChgLst>
+  <pc:docChgLst>
+    <pc:chgData name="Long B Nguyen" userId="f59fb8f3-a021-417a-8bc1-65c8d471c621" providerId="ADAL" clId="{A1F93660-6D8D-A340-9687-A0738057EDB1}"/>
+    <pc:docChg chg="addSld modSld">
+      <pc:chgData name="Long B Nguyen" userId="f59fb8f3-a021-417a-8bc1-65c8d471c621" providerId="ADAL" clId="{A1F93660-6D8D-A340-9687-A0738057EDB1}" dt="2021-05-23T11:23:29.742" v="641" actId="20577"/>
+      <pc:docMkLst>
+        <pc:docMk/>
+      </pc:docMkLst>
+      <pc:sldChg chg="modSp mod">
+        <pc:chgData name="Long B Nguyen" userId="f59fb8f3-a021-417a-8bc1-65c8d471c621" providerId="ADAL" clId="{A1F93660-6D8D-A340-9687-A0738057EDB1}" dt="2021-05-23T11:23:29.742" v="641" actId="20577"/>
+        <pc:sldMkLst>
+          <pc:docMk/>
+          <pc:sldMk cId="3091957207" sldId="650"/>
+        </pc:sldMkLst>
+        <pc:spChg chg="mod">
+          <ac:chgData name="Long B Nguyen" userId="f59fb8f3-a021-417a-8bc1-65c8d471c621" providerId="ADAL" clId="{A1F93660-6D8D-A340-9687-A0738057EDB1}" dt="2021-05-23T11:23:29.742" v="641" actId="20577"/>
+          <ac:spMkLst>
+            <pc:docMk/>
+            <pc:sldMk cId="3091957207" sldId="650"/>
+            <ac:spMk id="16386" creationId="{B58E18ED-8D49-8844-A857-3DC2CAD817CB}"/>
+          </ac:spMkLst>
+        </pc:spChg>
+      </pc:sldChg>
+      <pc:sldChg chg="modSp add mod">
+        <pc:chgData name="Long B Nguyen" userId="f59fb8f3-a021-417a-8bc1-65c8d471c621" providerId="ADAL" clId="{A1F93660-6D8D-A340-9687-A0738057EDB1}" dt="2021-05-23T11:06:15.767" v="488" actId="113"/>
+        <pc:sldMkLst>
+          <pc:docMk/>
+          <pc:sldMk cId="1749191800" sldId="651"/>
+        </pc:sldMkLst>
+        <pc:spChg chg="mod">
+          <ac:chgData name="Long B Nguyen" userId="f59fb8f3-a021-417a-8bc1-65c8d471c621" providerId="ADAL" clId="{A1F93660-6D8D-A340-9687-A0738057EDB1}" dt="2021-05-23T11:06:15.767" v="488" actId="113"/>
+          <ac:spMkLst>
+            <pc:docMk/>
+            <pc:sldMk cId="1749191800" sldId="651"/>
+            <ac:spMk id="16386" creationId="{B58E18ED-8D49-8844-A857-3DC2CAD817CB}"/>
           </ac:spMkLst>
         </pc:spChg>
       </pc:sldChg>
@@ -3480,7 +3520,7 @@
           <a:p>
             <a:fld id="{0F290A77-7A53-EE4F-8904-398FC04757F0}" type="datetimeFigureOut">
               <a:rPr lang="en-US" smtClean="0"/>
-              <a:t>8/11/20</a:t>
+              <a:t>5/22/21</a:t>
             </a:fld>
             <a:endParaRPr lang="en-US"/>
           </a:p>
@@ -6617,7 +6657,7 @@
     </p:spTree>
     <p:extLst>
       <p:ext uri="{BB962C8B-B14F-4D97-AF65-F5344CB8AC3E}">
-        <p14:creationId xmlns:p14="http://schemas.microsoft.com/office/powerpoint/2010/main" val="892518079"/>
+        <p14:creationId xmlns:p14="http://schemas.microsoft.com/office/powerpoint/2010/main" val="2912415534"/>
       </p:ext>
     </p:extLst>
   </p:cSld>
@@ -6905,7 +6945,7 @@
     </p:spTree>
     <p:extLst>
       <p:ext uri="{BB962C8B-B14F-4D97-AF65-F5344CB8AC3E}">
-        <p14:creationId xmlns:p14="http://schemas.microsoft.com/office/powerpoint/2010/main" val="597568591"/>
+        <p14:creationId xmlns:p14="http://schemas.microsoft.com/office/powerpoint/2010/main" val="892518079"/>
       </p:ext>
     </p:extLst>
   </p:cSld>
@@ -7481,7 +7521,7 @@
     </p:spTree>
     <p:extLst>
       <p:ext uri="{BB962C8B-B14F-4D97-AF65-F5344CB8AC3E}">
-        <p14:creationId xmlns:p14="http://schemas.microsoft.com/office/powerpoint/2010/main" val="3860911054"/>
+        <p14:creationId xmlns:p14="http://schemas.microsoft.com/office/powerpoint/2010/main" val="597568591"/>
       </p:ext>
     </p:extLst>
   </p:cSld>
@@ -7769,7 +7809,7 @@
     </p:spTree>
     <p:extLst>
       <p:ext uri="{BB962C8B-B14F-4D97-AF65-F5344CB8AC3E}">
-        <p14:creationId xmlns:p14="http://schemas.microsoft.com/office/powerpoint/2010/main" val="2625392998"/>
+        <p14:creationId xmlns:p14="http://schemas.microsoft.com/office/powerpoint/2010/main" val="3860911054"/>
       </p:ext>
     </p:extLst>
   </p:cSld>
@@ -8057,7 +8097,7 @@
     </p:spTree>
     <p:extLst>
       <p:ext uri="{BB962C8B-B14F-4D97-AF65-F5344CB8AC3E}">
-        <p14:creationId xmlns:p14="http://schemas.microsoft.com/office/powerpoint/2010/main" val="1135675078"/>
+        <p14:creationId xmlns:p14="http://schemas.microsoft.com/office/powerpoint/2010/main" val="2625392998"/>
       </p:ext>
     </p:extLst>
   </p:cSld>
@@ -8345,7 +8385,7 @@
     </p:spTree>
     <p:extLst>
       <p:ext uri="{BB962C8B-B14F-4D97-AF65-F5344CB8AC3E}">
-        <p14:creationId xmlns:p14="http://schemas.microsoft.com/office/powerpoint/2010/main" val="2882614597"/>
+        <p14:creationId xmlns:p14="http://schemas.microsoft.com/office/powerpoint/2010/main" val="1135675078"/>
       </p:ext>
     </p:extLst>
   </p:cSld>
@@ -8633,7 +8673,7 @@
     </p:spTree>
     <p:extLst>
       <p:ext uri="{BB962C8B-B14F-4D97-AF65-F5344CB8AC3E}">
-        <p14:creationId xmlns:p14="http://schemas.microsoft.com/office/powerpoint/2010/main" val="3176681151"/>
+        <p14:creationId xmlns:p14="http://schemas.microsoft.com/office/powerpoint/2010/main" val="2882614597"/>
       </p:ext>
     </p:extLst>
   </p:cSld>
@@ -8921,7 +8961,7 @@
     </p:spTree>
     <p:extLst>
       <p:ext uri="{BB962C8B-B14F-4D97-AF65-F5344CB8AC3E}">
-        <p14:creationId xmlns:p14="http://schemas.microsoft.com/office/powerpoint/2010/main" val="4249276002"/>
+        <p14:creationId xmlns:p14="http://schemas.microsoft.com/office/powerpoint/2010/main" val="3176681151"/>
       </p:ext>
     </p:extLst>
   </p:cSld>
@@ -9209,7 +9249,7 @@
     </p:spTree>
     <p:extLst>
       <p:ext uri="{BB962C8B-B14F-4D97-AF65-F5344CB8AC3E}">
-        <p14:creationId xmlns:p14="http://schemas.microsoft.com/office/powerpoint/2010/main" val="4028700772"/>
+        <p14:creationId xmlns:p14="http://schemas.microsoft.com/office/powerpoint/2010/main" val="4249276002"/>
       </p:ext>
     </p:extLst>
   </p:cSld>
@@ -9497,7 +9537,7 @@
     </p:spTree>
     <p:extLst>
       <p:ext uri="{BB962C8B-B14F-4D97-AF65-F5344CB8AC3E}">
-        <p14:creationId xmlns:p14="http://schemas.microsoft.com/office/powerpoint/2010/main" val="1340786644"/>
+        <p14:creationId xmlns:p14="http://schemas.microsoft.com/office/powerpoint/2010/main" val="4028700772"/>
       </p:ext>
     </p:extLst>
   </p:cSld>
@@ -9785,7 +9825,7 @@
     </p:spTree>
     <p:extLst>
       <p:ext uri="{BB962C8B-B14F-4D97-AF65-F5344CB8AC3E}">
-        <p14:creationId xmlns:p14="http://schemas.microsoft.com/office/powerpoint/2010/main" val="1394361003"/>
+        <p14:creationId xmlns:p14="http://schemas.microsoft.com/office/powerpoint/2010/main" val="1340786644"/>
       </p:ext>
     </p:extLst>
   </p:cSld>
@@ -10073,7 +10113,7 @@
     </p:spTree>
     <p:extLst>
       <p:ext uri="{BB962C8B-B14F-4D97-AF65-F5344CB8AC3E}">
-        <p14:creationId xmlns:p14="http://schemas.microsoft.com/office/powerpoint/2010/main" val="181848904"/>
+        <p14:creationId xmlns:p14="http://schemas.microsoft.com/office/powerpoint/2010/main" val="1394361003"/>
       </p:ext>
     </p:extLst>
   </p:cSld>
@@ -10362,6 +10402,294 @@
     <p:extLst>
       <p:ext uri="{BB962C8B-B14F-4D97-AF65-F5344CB8AC3E}">
         <p14:creationId xmlns:p14="http://schemas.microsoft.com/office/powerpoint/2010/main" val="1684323725"/>
+      </p:ext>
+    </p:extLst>
+  </p:cSld>
+  <p:clrMapOvr>
+    <a:masterClrMapping/>
+  </p:clrMapOvr>
+</p:notes>
+</file>
+
+<file path=ppt/notesSlides/notesSlide30.xml><?xml version="1.0" encoding="utf-8"?>
+<p:notes xmlns:a="http://schemas.openxmlformats.org/drawingml/2006/main" xmlns:r="http://schemas.openxmlformats.org/officeDocument/2006/relationships" xmlns:p="http://schemas.openxmlformats.org/presentationml/2006/main">
+  <p:cSld>
+    <p:spTree>
+      <p:nvGrpSpPr>
+        <p:cNvPr id="1" name=""/>
+        <p:cNvGrpSpPr/>
+        <p:nvPr/>
+      </p:nvGrpSpPr>
+      <p:grpSpPr>
+        <a:xfrm>
+          <a:off x="0" y="0"/>
+          <a:ext cx="0" cy="0"/>
+          <a:chOff x="0" y="0"/>
+          <a:chExt cx="0" cy="0"/>
+        </a:xfrm>
+      </p:grpSpPr>
+      <p:sp>
+        <p:nvSpPr>
+          <p:cNvPr id="39937" name="Rectangle 7">
+            <a:extLst>
+              <a:ext uri="{FF2B5EF4-FFF2-40B4-BE49-F238E27FC236}">
+                <a16:creationId xmlns:a16="http://schemas.microsoft.com/office/drawing/2014/main" id="{7264E55D-2FAC-504E-8F76-AF69BC0338DF}"/>
+              </a:ext>
+            </a:extLst>
+          </p:cNvPr>
+          <p:cNvSpPr>
+            <a:spLocks noGrp="1" noChangeArrowheads="1"/>
+          </p:cNvSpPr>
+          <p:nvPr>
+            <p:ph type="sldNum" sz="quarter" idx="5"/>
+          </p:nvPr>
+        </p:nvSpPr>
+        <p:spPr bwMode="auto">
+          <a:noFill/>
+          <a:extLst>
+            <a:ext uri="{909E8E84-426E-40DD-AFC4-6F175D3DCCD1}">
+              <a14:hiddenFill xmlns:a14="http://schemas.microsoft.com/office/drawing/2010/main">
+                <a:solidFill>
+                  <a:srgbClr val="FFFFFF"/>
+                </a:solidFill>
+              </a14:hiddenFill>
+            </a:ext>
+            <a:ext uri="{91240B29-F687-4F45-9708-019B960494DF}">
+              <a14:hiddenLine xmlns:a14="http://schemas.microsoft.com/office/drawing/2010/main" w="9525">
+                <a:solidFill>
+                  <a:srgbClr val="000000"/>
+                </a:solidFill>
+                <a:miter lim="800000"/>
+                <a:headEnd/>
+                <a:tailEnd/>
+              </a14:hiddenLine>
+            </a:ext>
+          </a:extLst>
+        </p:spPr>
+        <p:txBody>
+          <a:bodyPr/>
+          <a:lstStyle>
+            <a:lvl1pPr>
+              <a:defRPr>
+                <a:solidFill>
+                  <a:schemeClr val="tx1"/>
+                </a:solidFill>
+                <a:latin typeface="Arial" panose="020B0604020202020204" pitchFamily="34" charset="0"/>
+                <a:ea typeface="ＭＳ Ｐゴシック" panose="020B0600070205080204" pitchFamily="34" charset="-128"/>
+              </a:defRPr>
+            </a:lvl1pPr>
+            <a:lvl2pPr marL="742950" indent="-285750">
+              <a:defRPr>
+                <a:solidFill>
+                  <a:schemeClr val="tx1"/>
+                </a:solidFill>
+                <a:latin typeface="Arial" panose="020B0604020202020204" pitchFamily="34" charset="0"/>
+                <a:ea typeface="ＭＳ Ｐゴシック" panose="020B0600070205080204" pitchFamily="34" charset="-128"/>
+              </a:defRPr>
+            </a:lvl2pPr>
+            <a:lvl3pPr marL="1143000" indent="-228600">
+              <a:defRPr>
+                <a:solidFill>
+                  <a:schemeClr val="tx1"/>
+                </a:solidFill>
+                <a:latin typeface="Arial" panose="020B0604020202020204" pitchFamily="34" charset="0"/>
+                <a:ea typeface="ＭＳ Ｐゴシック" panose="020B0600070205080204" pitchFamily="34" charset="-128"/>
+              </a:defRPr>
+            </a:lvl3pPr>
+            <a:lvl4pPr marL="1600200" indent="-228600">
+              <a:defRPr>
+                <a:solidFill>
+                  <a:schemeClr val="tx1"/>
+                </a:solidFill>
+                <a:latin typeface="Arial" panose="020B0604020202020204" pitchFamily="34" charset="0"/>
+                <a:ea typeface="ＭＳ Ｐゴシック" panose="020B0600070205080204" pitchFamily="34" charset="-128"/>
+              </a:defRPr>
+            </a:lvl4pPr>
+            <a:lvl5pPr marL="2057400" indent="-228600">
+              <a:defRPr>
+                <a:solidFill>
+                  <a:schemeClr val="tx1"/>
+                </a:solidFill>
+                <a:latin typeface="Arial" panose="020B0604020202020204" pitchFamily="34" charset="0"/>
+                <a:ea typeface="ＭＳ Ｐゴシック" panose="020B0600070205080204" pitchFamily="34" charset="-128"/>
+              </a:defRPr>
+            </a:lvl5pPr>
+            <a:lvl6pPr marL="2514600" indent="-228600" eaLnBrk="0" fontAlgn="base" hangingPunct="0">
+              <a:spcBef>
+                <a:spcPct val="0"/>
+              </a:spcBef>
+              <a:spcAft>
+                <a:spcPct val="0"/>
+              </a:spcAft>
+              <a:defRPr>
+                <a:solidFill>
+                  <a:schemeClr val="tx1"/>
+                </a:solidFill>
+                <a:latin typeface="Arial" panose="020B0604020202020204" pitchFamily="34" charset="0"/>
+                <a:ea typeface="ＭＳ Ｐゴシック" panose="020B0600070205080204" pitchFamily="34" charset="-128"/>
+              </a:defRPr>
+            </a:lvl6pPr>
+            <a:lvl7pPr marL="2971800" indent="-228600" eaLnBrk="0" fontAlgn="base" hangingPunct="0">
+              <a:spcBef>
+                <a:spcPct val="0"/>
+              </a:spcBef>
+              <a:spcAft>
+                <a:spcPct val="0"/>
+              </a:spcAft>
+              <a:defRPr>
+                <a:solidFill>
+                  <a:schemeClr val="tx1"/>
+                </a:solidFill>
+                <a:latin typeface="Arial" panose="020B0604020202020204" pitchFamily="34" charset="0"/>
+                <a:ea typeface="ＭＳ Ｐゴシック" panose="020B0600070205080204" pitchFamily="34" charset="-128"/>
+              </a:defRPr>
+            </a:lvl7pPr>
+            <a:lvl8pPr marL="3429000" indent="-228600" eaLnBrk="0" fontAlgn="base" hangingPunct="0">
+              <a:spcBef>
+                <a:spcPct val="0"/>
+              </a:spcBef>
+              <a:spcAft>
+                <a:spcPct val="0"/>
+              </a:spcAft>
+              <a:defRPr>
+                <a:solidFill>
+                  <a:schemeClr val="tx1"/>
+                </a:solidFill>
+                <a:latin typeface="Arial" panose="020B0604020202020204" pitchFamily="34" charset="0"/>
+                <a:ea typeface="ＭＳ Ｐゴシック" panose="020B0600070205080204" pitchFamily="34" charset="-128"/>
+              </a:defRPr>
+            </a:lvl8pPr>
+            <a:lvl9pPr marL="3886200" indent="-228600" eaLnBrk="0" fontAlgn="base" hangingPunct="0">
+              <a:spcBef>
+                <a:spcPct val="0"/>
+              </a:spcBef>
+              <a:spcAft>
+                <a:spcPct val="0"/>
+              </a:spcAft>
+              <a:defRPr>
+                <a:solidFill>
+                  <a:schemeClr val="tx1"/>
+                </a:solidFill>
+                <a:latin typeface="Arial" panose="020B0604020202020204" pitchFamily="34" charset="0"/>
+                <a:ea typeface="ＭＳ Ｐゴシック" panose="020B0600070205080204" pitchFamily="34" charset="-128"/>
+              </a:defRPr>
+            </a:lvl9pPr>
+          </a:lstStyle>
+          <a:p>
+            <a:fld id="{281680EB-C86D-2347-AE16-D730A41D6A9A}" type="slidenum">
+              <a:rPr lang="en-US" altLang="en-US" smtClean="0"/>
+              <a:pPr/>
+              <a:t>32</a:t>
+            </a:fld>
+            <a:endParaRPr lang="en-US" altLang="en-US"/>
+          </a:p>
+        </p:txBody>
+      </p:sp>
+      <p:sp>
+        <p:nvSpPr>
+          <p:cNvPr id="39938" name="Rectangle 2">
+            <a:extLst>
+              <a:ext uri="{FF2B5EF4-FFF2-40B4-BE49-F238E27FC236}">
+                <a16:creationId xmlns:a16="http://schemas.microsoft.com/office/drawing/2014/main" id="{65402874-F9B7-4D4A-9A88-499672169530}"/>
+              </a:ext>
+            </a:extLst>
+          </p:cNvPr>
+          <p:cNvSpPr>
+            <a:spLocks noGrp="1" noRot="1" noChangeAspect="1" noChangeArrowheads="1" noTextEdit="1"/>
+          </p:cNvSpPr>
+          <p:nvPr>
+            <p:ph type="sldImg"/>
+          </p:nvPr>
+        </p:nvSpPr>
+        <p:spPr bwMode="auto">
+          <a:xfrm>
+            <a:off x="687388" y="685800"/>
+            <a:ext cx="5486400" cy="3429000"/>
+          </a:xfrm>
+          <a:noFill/>
+          <a:ln>
+            <a:solidFill>
+              <a:srgbClr val="000000"/>
+            </a:solidFill>
+            <a:miter lim="800000"/>
+            <a:headEnd/>
+            <a:tailEnd/>
+          </a:ln>
+          <a:extLst>
+            <a:ext uri="{909E8E84-426E-40DD-AFC4-6F175D3DCCD1}">
+              <a14:hiddenFill xmlns:a14="http://schemas.microsoft.com/office/drawing/2010/main">
+                <a:solidFill>
+                  <a:srgbClr val="FFFFFF"/>
+                </a:solidFill>
+              </a14:hiddenFill>
+            </a:ext>
+          </a:extLst>
+        </p:spPr>
+      </p:sp>
+      <p:sp>
+        <p:nvSpPr>
+          <p:cNvPr id="39939" name="Rectangle 3">
+            <a:extLst>
+              <a:ext uri="{FF2B5EF4-FFF2-40B4-BE49-F238E27FC236}">
+                <a16:creationId xmlns:a16="http://schemas.microsoft.com/office/drawing/2014/main" id="{04232413-FB05-4844-B594-DAF3406D2463}"/>
+              </a:ext>
+            </a:extLst>
+          </p:cNvPr>
+          <p:cNvSpPr>
+            <a:spLocks noGrp="1" noChangeArrowheads="1"/>
+          </p:cNvSpPr>
+          <p:nvPr>
+            <p:ph type="body" idx="1"/>
+          </p:nvPr>
+        </p:nvSpPr>
+        <p:spPr bwMode="auto">
+          <a:xfrm>
+            <a:off x="914400" y="4343400"/>
+            <a:ext cx="5029200" cy="4114800"/>
+          </a:xfrm>
+          <a:noFill/>
+          <a:extLst>
+            <a:ext uri="{909E8E84-426E-40DD-AFC4-6F175D3DCCD1}">
+              <a14:hiddenFill xmlns:a14="http://schemas.microsoft.com/office/drawing/2010/main">
+                <a:solidFill>
+                  <a:srgbClr val="FFFFFF"/>
+                </a:solidFill>
+              </a14:hiddenFill>
+            </a:ext>
+            <a:ext uri="{91240B29-F687-4F45-9708-019B960494DF}">
+              <a14:hiddenLine xmlns:a14="http://schemas.microsoft.com/office/drawing/2010/main" w="9525">
+                <a:solidFill>
+                  <a:srgbClr val="000000"/>
+                </a:solidFill>
+                <a:miter lim="800000"/>
+                <a:headEnd/>
+                <a:tailEnd/>
+              </a14:hiddenLine>
+            </a:ext>
+          </a:extLst>
+        </p:spPr>
+        <p:txBody>
+          <a:bodyPr wrap="square" numCol="1" anchor="t" anchorCtr="0" compatLnSpc="1">
+            <a:prstTxWarp prst="textNoShape">
+              <a:avLst/>
+            </a:prstTxWarp>
+          </a:bodyPr>
+          <a:lstStyle/>
+          <a:p>
+            <a:pPr eaLnBrk="1" hangingPunct="1"/>
+            <a:r>
+              <a:rPr lang="en-US" altLang="en-US">
+                <a:ea typeface="ＭＳ Ｐゴシック" panose="020B0600070205080204" pitchFamily="34" charset="-128"/>
+              </a:rPr>
+              <a:t>Crash Course: Cybersecurity</a:t>
+            </a:r>
+          </a:p>
+        </p:txBody>
+      </p:sp>
+    </p:spTree>
+    <p:extLst>
+      <p:ext uri="{BB962C8B-B14F-4D97-AF65-F5344CB8AC3E}">
+        <p14:creationId xmlns:p14="http://schemas.microsoft.com/office/powerpoint/2010/main" val="181848904"/>
       </p:ext>
     </p:extLst>
   </p:cSld>
@@ -12230,7 +12558,7 @@
           <a:p>
             <a:fld id="{4AAD347D-5ACD-4C99-B74B-A9C85AD731AF}" type="datetimeFigureOut">
               <a:rPr lang="en-US" smtClean="0"/>
-              <a:t>8/11/20</a:t>
+              <a:t>5/22/21</a:t>
             </a:fld>
             <a:endParaRPr lang="en-US" dirty="0"/>
           </a:p>
@@ -12400,7 +12728,7 @@
           <a:p>
             <a:fld id="{4509A250-FF31-4206-8172-F9D3106AACB1}" type="datetimeFigureOut">
               <a:rPr lang="en-US" smtClean="0"/>
-              <a:t>8/11/20</a:t>
+              <a:t>5/22/21</a:t>
             </a:fld>
             <a:endParaRPr lang="en-US" dirty="0"/>
           </a:p>
@@ -12580,7 +12908,7 @@
           <a:p>
             <a:fld id="{4509A250-FF31-4206-8172-F9D3106AACB1}" type="datetimeFigureOut">
               <a:rPr lang="en-US" smtClean="0"/>
-              <a:t>8/11/20</a:t>
+              <a:t>5/22/21</a:t>
             </a:fld>
             <a:endParaRPr lang="en-US" dirty="0"/>
           </a:p>
@@ -12750,7 +13078,7 @@
           <a:p>
             <a:fld id="{4509A250-FF31-4206-8172-F9D3106AACB1}" type="datetimeFigureOut">
               <a:rPr lang="en-US" smtClean="0"/>
-              <a:t>8/11/20</a:t>
+              <a:t>5/22/21</a:t>
             </a:fld>
             <a:endParaRPr lang="en-US" dirty="0"/>
           </a:p>
@@ -12996,7 +13324,7 @@
           <a:p>
             <a:fld id="{9796027F-7875-4030-9381-8BD8C4F21935}" type="datetimeFigureOut">
               <a:rPr lang="en-US" smtClean="0"/>
-              <a:t>8/11/20</a:t>
+              <a:t>5/22/21</a:t>
             </a:fld>
             <a:endParaRPr lang="en-US" dirty="0"/>
           </a:p>
@@ -13228,7 +13556,7 @@
           <a:p>
             <a:fld id="{9796027F-7875-4030-9381-8BD8C4F21935}" type="datetimeFigureOut">
               <a:rPr lang="en-US" smtClean="0"/>
-              <a:t>8/11/20</a:t>
+              <a:t>5/22/21</a:t>
             </a:fld>
             <a:endParaRPr lang="en-US" dirty="0"/>
           </a:p>
@@ -13595,7 +13923,7 @@
           <a:p>
             <a:fld id="{9796027F-7875-4030-9381-8BD8C4F21935}" type="datetimeFigureOut">
               <a:rPr lang="en-US" smtClean="0"/>
-              <a:t>8/11/20</a:t>
+              <a:t>5/22/21</a:t>
             </a:fld>
             <a:endParaRPr lang="en-US" dirty="0"/>
           </a:p>
@@ -13713,7 +14041,7 @@
           <a:p>
             <a:fld id="{4509A250-FF31-4206-8172-F9D3106AACB1}" type="datetimeFigureOut">
               <a:rPr lang="en-US" smtClean="0"/>
-              <a:t>8/11/20</a:t>
+              <a:t>5/22/21</a:t>
             </a:fld>
             <a:endParaRPr lang="en-US" dirty="0"/>
           </a:p>
@@ -13808,7 +14136,7 @@
           <a:p>
             <a:fld id="{4509A250-FF31-4206-8172-F9D3106AACB1}" type="datetimeFigureOut">
               <a:rPr lang="en-US" smtClean="0"/>
-              <a:t>8/11/20</a:t>
+              <a:t>5/22/21</a:t>
             </a:fld>
             <a:endParaRPr lang="en-US" dirty="0"/>
           </a:p>
@@ -14085,7 +14413,7 @@
           <a:p>
             <a:fld id="{4509A250-FF31-4206-8172-F9D3106AACB1}" type="datetimeFigureOut">
               <a:rPr lang="en-US" smtClean="0"/>
-              <a:t>8/11/20</a:t>
+              <a:t>5/22/21</a:t>
             </a:fld>
             <a:endParaRPr lang="en-US" dirty="0"/>
           </a:p>
@@ -14342,7 +14670,7 @@
           <a:p>
             <a:fld id="{4509A250-FF31-4206-8172-F9D3106AACB1}" type="datetimeFigureOut">
               <a:rPr lang="en-US" smtClean="0"/>
-              <a:t>8/11/20</a:t>
+              <a:t>5/22/21</a:t>
             </a:fld>
             <a:endParaRPr lang="en-US" dirty="0"/>
           </a:p>
@@ -14555,7 +14883,7 @@
           <a:p>
             <a:fld id="{4AAD347D-5ACD-4C99-B74B-A9C85AD731AF}" type="datetimeFigureOut">
               <a:rPr lang="en-US" smtClean="0"/>
-              <a:t>8/11/20</a:t>
+              <a:t>5/22/21</a:t>
             </a:fld>
             <a:endParaRPr lang="en-US" dirty="0"/>
           </a:p>
@@ -15333,7 +15661,7 @@
                 <a:solidFill>
                   <a:srgbClr val="34A327"/>
                 </a:solidFill>
-                <a:latin typeface="Inconsolata Medium" panose="020B0609030003000000" pitchFamily="49" charset="77"/>
+                <a:latin typeface="Inconsolata" panose="020B0609030003000000" pitchFamily="49" charset="77"/>
               </a:rPr>
               <a:t>import</a:t>
             </a:r>
@@ -15342,7 +15670,7 @@
                 <a:solidFill>
                   <a:srgbClr val="000000"/>
                 </a:solidFill>
-                <a:latin typeface="Inconsolata Medium" panose="020B0609030003000000" pitchFamily="49" charset="77"/>
+                <a:latin typeface="Inconsolata" panose="020B0609030003000000" pitchFamily="49" charset="77"/>
               </a:rPr>
               <a:t> </a:t>
             </a:r>
@@ -15351,7 +15679,7 @@
                 <a:solidFill>
                   <a:srgbClr val="3C9FF2"/>
                 </a:solidFill>
-                <a:latin typeface="Inconsolata Medium" panose="020B0609030003000000" pitchFamily="49" charset="77"/>
+                <a:latin typeface="Inconsolata" panose="020B0609030003000000" pitchFamily="49" charset="77"/>
               </a:rPr>
               <a:t>pandas</a:t>
             </a:r>
@@ -15360,7 +15688,7 @@
                 <a:solidFill>
                   <a:srgbClr val="000000"/>
                 </a:solidFill>
-                <a:latin typeface="Inconsolata Medium" panose="020B0609030003000000" pitchFamily="49" charset="77"/>
+                <a:latin typeface="Inconsolata" panose="020B0609030003000000" pitchFamily="49" charset="77"/>
               </a:rPr>
               <a:t> </a:t>
             </a:r>
@@ -15369,7 +15697,7 @@
                 <a:solidFill>
                   <a:srgbClr val="34A327"/>
                 </a:solidFill>
-                <a:latin typeface="Inconsolata Medium" panose="020B0609030003000000" pitchFamily="49" charset="77"/>
+                <a:latin typeface="Inconsolata" panose="020B0609030003000000" pitchFamily="49" charset="77"/>
               </a:rPr>
               <a:t>as</a:t>
             </a:r>
@@ -15378,7 +15706,7 @@
                 <a:solidFill>
                   <a:srgbClr val="000000"/>
                 </a:solidFill>
-                <a:latin typeface="Inconsolata Medium" panose="020B0609030003000000" pitchFamily="49" charset="77"/>
+                <a:latin typeface="Inconsolata" panose="020B0609030003000000" pitchFamily="49" charset="77"/>
               </a:rPr>
               <a:t> </a:t>
             </a:r>
@@ -15387,7 +15715,7 @@
                 <a:solidFill>
                   <a:srgbClr val="3C9FF2"/>
                 </a:solidFill>
-                <a:latin typeface="Inconsolata Medium" panose="020B0609030003000000" pitchFamily="49" charset="77"/>
+                <a:latin typeface="Inconsolata" panose="020B0609030003000000" pitchFamily="49" charset="77"/>
               </a:rPr>
               <a:t>pd</a:t>
             </a:r>
@@ -15396,7 +15724,7 @@
                 <a:solidFill>
                   <a:srgbClr val="000000"/>
                 </a:solidFill>
-                <a:latin typeface="Inconsolata Medium" panose="020B0609030003000000" pitchFamily="49" charset="77"/>
+                <a:latin typeface="Inconsolata" panose="020B0609030003000000" pitchFamily="49" charset="77"/>
               </a:rPr>
               <a:t> </a:t>
             </a:r>
@@ -15410,7 +15738,7 @@
                 <a:solidFill>
                   <a:srgbClr val="34A327"/>
                 </a:solidFill>
-                <a:latin typeface="Inconsolata Medium" panose="020B0609030003000000" pitchFamily="49" charset="77"/>
+                <a:latin typeface="Inconsolata" panose="020B0609030003000000" pitchFamily="49" charset="77"/>
               </a:rPr>
               <a:t>In[</a:t>
             </a:r>
@@ -15419,7 +15747,7 @@
                 <a:solidFill>
                   <a:srgbClr val="2EE721"/>
                 </a:solidFill>
-                <a:latin typeface="Inconsolata Medium" panose="020B0609030003000000" pitchFamily="49" charset="77"/>
+                <a:latin typeface="Inconsolata" panose="020B0609030003000000" pitchFamily="49" charset="77"/>
               </a:rPr>
               <a:t>1</a:t>
             </a:r>
@@ -15428,7 +15756,7 @@
                 <a:solidFill>
                   <a:srgbClr val="34A327"/>
                 </a:solidFill>
-                <a:latin typeface="Inconsolata Medium" panose="020B0609030003000000" pitchFamily="49" charset="77"/>
+                <a:latin typeface="Inconsolata" panose="020B0609030003000000" pitchFamily="49" charset="77"/>
               </a:rPr>
               <a:t>]:</a:t>
             </a:r>
@@ -15437,7 +15765,7 @@
                 <a:solidFill>
                   <a:srgbClr val="000000"/>
                 </a:solidFill>
-                <a:latin typeface="Inconsolata Medium" panose="020B0609030003000000" pitchFamily="49" charset="77"/>
+                <a:latin typeface="Inconsolata" panose="020B0609030003000000" pitchFamily="49" charset="77"/>
               </a:rPr>
               <a:t>grades_dict</a:t>
             </a:r>
@@ -15446,7 +15774,7 @@
                 <a:solidFill>
                   <a:srgbClr val="000000"/>
                 </a:solidFill>
-                <a:latin typeface="Inconsolata Medium" panose="020B0609030003000000" pitchFamily="49" charset="77"/>
+                <a:latin typeface="Inconsolata" panose="020B0609030003000000" pitchFamily="49" charset="77"/>
               </a:rPr>
               <a:t> = {</a:t>
             </a:r>
@@ -15455,7 +15783,7 @@
                 <a:solidFill>
                   <a:srgbClr val="CD7923"/>
                 </a:solidFill>
-                <a:latin typeface="Inconsolata Medium" panose="020B0609030003000000" pitchFamily="49" charset="77"/>
+                <a:latin typeface="Inconsolata" panose="020B0609030003000000" pitchFamily="49" charset="77"/>
               </a:rPr>
               <a:t>'Wally'</a:t>
             </a:r>
@@ -15464,7 +15792,7 @@
                 <a:solidFill>
                   <a:srgbClr val="000000"/>
                 </a:solidFill>
-                <a:latin typeface="Inconsolata Medium" panose="020B0609030003000000" pitchFamily="49" charset="77"/>
+                <a:latin typeface="Inconsolata" panose="020B0609030003000000" pitchFamily="49" charset="77"/>
               </a:rPr>
               <a:t>: [</a:t>
             </a:r>
@@ -15473,7 +15801,7 @@
                 <a:solidFill>
                   <a:srgbClr val="34A327"/>
                 </a:solidFill>
-                <a:latin typeface="Inconsolata Medium" panose="020B0609030003000000" pitchFamily="49" charset="77"/>
+                <a:latin typeface="Inconsolata" panose="020B0609030003000000" pitchFamily="49" charset="77"/>
               </a:rPr>
               <a:t>87</a:t>
             </a:r>
@@ -15482,7 +15810,7 @@
                 <a:solidFill>
                   <a:srgbClr val="000000"/>
                 </a:solidFill>
-                <a:latin typeface="Inconsolata Medium" panose="020B0609030003000000" pitchFamily="49" charset="77"/>
+                <a:latin typeface="Inconsolata" panose="020B0609030003000000" pitchFamily="49" charset="77"/>
               </a:rPr>
               <a:t>, </a:t>
             </a:r>
@@ -15491,7 +15819,7 @@
                 <a:solidFill>
                   <a:srgbClr val="34A327"/>
                 </a:solidFill>
-                <a:latin typeface="Inconsolata Medium" panose="020B0609030003000000" pitchFamily="49" charset="77"/>
+                <a:latin typeface="Inconsolata" panose="020B0609030003000000" pitchFamily="49" charset="77"/>
               </a:rPr>
               <a:t>96</a:t>
             </a:r>
@@ -15500,7 +15828,7 @@
                 <a:solidFill>
                   <a:srgbClr val="000000"/>
                 </a:solidFill>
-                <a:latin typeface="Inconsolata Medium" panose="020B0609030003000000" pitchFamily="49" charset="77"/>
+                <a:latin typeface="Inconsolata" panose="020B0609030003000000" pitchFamily="49" charset="77"/>
               </a:rPr>
               <a:t>, </a:t>
             </a:r>
@@ -15509,7 +15837,7 @@
                 <a:solidFill>
                   <a:srgbClr val="34A327"/>
                 </a:solidFill>
-                <a:latin typeface="Inconsolata Medium" panose="020B0609030003000000" pitchFamily="49" charset="77"/>
+                <a:latin typeface="Inconsolata" panose="020B0609030003000000" pitchFamily="49" charset="77"/>
               </a:rPr>
               <a:t>70</a:t>
             </a:r>
@@ -15518,7 +15846,7 @@
                 <a:solidFill>
                   <a:srgbClr val="000000"/>
                 </a:solidFill>
-                <a:latin typeface="Inconsolata Medium" panose="020B0609030003000000" pitchFamily="49" charset="77"/>
+                <a:latin typeface="Inconsolata" panose="020B0609030003000000" pitchFamily="49" charset="77"/>
               </a:rPr>
               <a:t>], </a:t>
             </a:r>
@@ -15532,7 +15860,7 @@
                 <a:solidFill>
                   <a:srgbClr val="000000"/>
                 </a:solidFill>
-                <a:latin typeface="Inconsolata Medium" panose="020B0609030003000000" pitchFamily="49" charset="77"/>
+                <a:latin typeface="Inconsolata" panose="020B0609030003000000" pitchFamily="49" charset="77"/>
               </a:rPr>
               <a:t>				</a:t>
             </a:r>
@@ -15541,7 +15869,7 @@
                 <a:solidFill>
                   <a:srgbClr val="CD7923"/>
                 </a:solidFill>
-                <a:latin typeface="Inconsolata Medium" panose="020B0609030003000000" pitchFamily="49" charset="77"/>
+                <a:latin typeface="Inconsolata" panose="020B0609030003000000" pitchFamily="49" charset="77"/>
               </a:rPr>
               <a:t>'Eva'</a:t>
             </a:r>
@@ -15550,7 +15878,7 @@
                 <a:solidFill>
                   <a:srgbClr val="000000"/>
                 </a:solidFill>
-                <a:latin typeface="Inconsolata Medium" panose="020B0609030003000000" pitchFamily="49" charset="77"/>
+                <a:latin typeface="Inconsolata" panose="020B0609030003000000" pitchFamily="49" charset="77"/>
               </a:rPr>
               <a:t>: [</a:t>
             </a:r>
@@ -15559,7 +15887,7 @@
                 <a:solidFill>
                   <a:srgbClr val="34A327"/>
                 </a:solidFill>
-                <a:latin typeface="Inconsolata Medium" panose="020B0609030003000000" pitchFamily="49" charset="77"/>
+                <a:latin typeface="Inconsolata" panose="020B0609030003000000" pitchFamily="49" charset="77"/>
               </a:rPr>
               <a:t>100</a:t>
             </a:r>
@@ -15568,7 +15896,7 @@
                 <a:solidFill>
                   <a:srgbClr val="000000"/>
                 </a:solidFill>
-                <a:latin typeface="Inconsolata Medium" panose="020B0609030003000000" pitchFamily="49" charset="77"/>
+                <a:latin typeface="Inconsolata" panose="020B0609030003000000" pitchFamily="49" charset="77"/>
               </a:rPr>
               <a:t>, </a:t>
             </a:r>
@@ -15577,7 +15905,7 @@
                 <a:solidFill>
                   <a:srgbClr val="34A327"/>
                 </a:solidFill>
-                <a:latin typeface="Inconsolata Medium" panose="020B0609030003000000" pitchFamily="49" charset="77"/>
+                <a:latin typeface="Inconsolata" panose="020B0609030003000000" pitchFamily="49" charset="77"/>
               </a:rPr>
               <a:t>87</a:t>
             </a:r>
@@ -15586,7 +15914,7 @@
                 <a:solidFill>
                   <a:srgbClr val="000000"/>
                 </a:solidFill>
-                <a:latin typeface="Inconsolata Medium" panose="020B0609030003000000" pitchFamily="49" charset="77"/>
+                <a:latin typeface="Inconsolata" panose="020B0609030003000000" pitchFamily="49" charset="77"/>
               </a:rPr>
               <a:t>,</a:t>
             </a:r>
@@ -15595,7 +15923,7 @@
                 <a:solidFill>
                   <a:srgbClr val="34A327"/>
                 </a:solidFill>
-                <a:latin typeface="Inconsolata Medium" panose="020B0609030003000000" pitchFamily="49" charset="77"/>
+                <a:latin typeface="Inconsolata" panose="020B0609030003000000" pitchFamily="49" charset="77"/>
               </a:rPr>
               <a:t>90</a:t>
             </a:r>
@@ -15604,7 +15932,7 @@
                 <a:solidFill>
                   <a:srgbClr val="000000"/>
                 </a:solidFill>
-                <a:latin typeface="Inconsolata Medium" panose="020B0609030003000000" pitchFamily="49" charset="77"/>
+                <a:latin typeface="Inconsolata" panose="020B0609030003000000" pitchFamily="49" charset="77"/>
               </a:rPr>
               <a:t>], </a:t>
             </a:r>
@@ -15618,7 +15946,7 @@
                 <a:solidFill>
                   <a:srgbClr val="34A327"/>
                 </a:solidFill>
-                <a:latin typeface="Inconsolata Medium" panose="020B0609030003000000" pitchFamily="49" charset="77"/>
+                <a:latin typeface="Inconsolata" panose="020B0609030003000000" pitchFamily="49" charset="77"/>
               </a:rPr>
               <a:t>  </a:t>
             </a:r>
@@ -15627,7 +15955,7 @@
                 <a:solidFill>
                   <a:srgbClr val="000000"/>
                 </a:solidFill>
-                <a:latin typeface="Inconsolata Medium" panose="020B0609030003000000" pitchFamily="49" charset="77"/>
+                <a:latin typeface="Inconsolata" panose="020B0609030003000000" pitchFamily="49" charset="77"/>
               </a:rPr>
               <a:t> 				</a:t>
             </a:r>
@@ -15636,7 +15964,7 @@
                 <a:solidFill>
                   <a:srgbClr val="CD7923"/>
                 </a:solidFill>
-                <a:latin typeface="Inconsolata Medium" panose="020B0609030003000000" pitchFamily="49" charset="77"/>
+                <a:latin typeface="Inconsolata" panose="020B0609030003000000" pitchFamily="49" charset="77"/>
               </a:rPr>
               <a:t>'Sam'</a:t>
             </a:r>
@@ -15645,7 +15973,7 @@
                 <a:solidFill>
                   <a:srgbClr val="000000"/>
                 </a:solidFill>
-                <a:latin typeface="Inconsolata Medium" panose="020B0609030003000000" pitchFamily="49" charset="77"/>
+                <a:latin typeface="Inconsolata" panose="020B0609030003000000" pitchFamily="49" charset="77"/>
               </a:rPr>
               <a:t>: [</a:t>
             </a:r>
@@ -15654,7 +15982,7 @@
                 <a:solidFill>
                   <a:srgbClr val="34A327"/>
                 </a:solidFill>
-                <a:latin typeface="Inconsolata Medium" panose="020B0609030003000000" pitchFamily="49" charset="77"/>
+                <a:latin typeface="Inconsolata" panose="020B0609030003000000" pitchFamily="49" charset="77"/>
               </a:rPr>
               <a:t>94</a:t>
             </a:r>
@@ -15663,7 +15991,7 @@
                 <a:solidFill>
                   <a:srgbClr val="000000"/>
                 </a:solidFill>
-                <a:latin typeface="Inconsolata Medium" panose="020B0609030003000000" pitchFamily="49" charset="77"/>
+                <a:latin typeface="Inconsolata" panose="020B0609030003000000" pitchFamily="49" charset="77"/>
               </a:rPr>
               <a:t>, </a:t>
             </a:r>
@@ -15672,7 +16000,7 @@
                 <a:solidFill>
                   <a:srgbClr val="34A327"/>
                 </a:solidFill>
-                <a:latin typeface="Inconsolata Medium" panose="020B0609030003000000" pitchFamily="49" charset="77"/>
+                <a:latin typeface="Inconsolata" panose="020B0609030003000000" pitchFamily="49" charset="77"/>
               </a:rPr>
               <a:t>77</a:t>
             </a:r>
@@ -15681,7 +16009,7 @@
                 <a:solidFill>
                   <a:srgbClr val="000000"/>
                 </a:solidFill>
-                <a:latin typeface="Inconsolata Medium" panose="020B0609030003000000" pitchFamily="49" charset="77"/>
+                <a:latin typeface="Inconsolata" panose="020B0609030003000000" pitchFamily="49" charset="77"/>
               </a:rPr>
               <a:t>, </a:t>
             </a:r>
@@ -15690,7 +16018,7 @@
                 <a:solidFill>
                   <a:srgbClr val="34A327"/>
                 </a:solidFill>
-                <a:latin typeface="Inconsolata Medium" panose="020B0609030003000000" pitchFamily="49" charset="77"/>
+                <a:latin typeface="Inconsolata" panose="020B0609030003000000" pitchFamily="49" charset="77"/>
               </a:rPr>
               <a:t>90</a:t>
             </a:r>
@@ -15699,7 +16027,7 @@
                 <a:solidFill>
                   <a:srgbClr val="000000"/>
                 </a:solidFill>
-                <a:latin typeface="Inconsolata Medium" panose="020B0609030003000000" pitchFamily="49" charset="77"/>
+                <a:latin typeface="Inconsolata" panose="020B0609030003000000" pitchFamily="49" charset="77"/>
               </a:rPr>
               <a:t>], </a:t>
             </a:r>
@@ -15713,7 +16041,7 @@
                 <a:solidFill>
                   <a:srgbClr val="000000"/>
                 </a:solidFill>
-                <a:latin typeface="Inconsolata Medium" panose="020B0609030003000000" pitchFamily="49" charset="77"/>
+                <a:latin typeface="Inconsolata" panose="020B0609030003000000" pitchFamily="49" charset="77"/>
               </a:rPr>
               <a:t>				</a:t>
             </a:r>
@@ -15722,7 +16050,7 @@
                 <a:solidFill>
                   <a:srgbClr val="CD7923"/>
                 </a:solidFill>
-                <a:latin typeface="Inconsolata Medium" panose="020B0609030003000000" pitchFamily="49" charset="77"/>
+                <a:latin typeface="Inconsolata" panose="020B0609030003000000" pitchFamily="49" charset="77"/>
               </a:rPr>
               <a:t>'Katie'</a:t>
             </a:r>
@@ -15731,7 +16059,7 @@
                 <a:solidFill>
                   <a:srgbClr val="000000"/>
                 </a:solidFill>
-                <a:latin typeface="Inconsolata Medium" panose="020B0609030003000000" pitchFamily="49" charset="77"/>
+                <a:latin typeface="Inconsolata" panose="020B0609030003000000" pitchFamily="49" charset="77"/>
               </a:rPr>
               <a:t>: [</a:t>
             </a:r>
@@ -15740,7 +16068,7 @@
                 <a:solidFill>
                   <a:srgbClr val="34A327"/>
                 </a:solidFill>
-                <a:latin typeface="Inconsolata Medium" panose="020B0609030003000000" pitchFamily="49" charset="77"/>
+                <a:latin typeface="Inconsolata" panose="020B0609030003000000" pitchFamily="49" charset="77"/>
               </a:rPr>
               <a:t>100</a:t>
             </a:r>
@@ -15749,7 +16077,7 @@
                 <a:solidFill>
                   <a:srgbClr val="000000"/>
                 </a:solidFill>
-                <a:latin typeface="Inconsolata Medium" panose="020B0609030003000000" pitchFamily="49" charset="77"/>
+                <a:latin typeface="Inconsolata" panose="020B0609030003000000" pitchFamily="49" charset="77"/>
               </a:rPr>
               <a:t>, </a:t>
             </a:r>
@@ -15758,7 +16086,7 @@
                 <a:solidFill>
                   <a:srgbClr val="34A327"/>
                 </a:solidFill>
-                <a:latin typeface="Inconsolata Medium" panose="020B0609030003000000" pitchFamily="49" charset="77"/>
+                <a:latin typeface="Inconsolata" panose="020B0609030003000000" pitchFamily="49" charset="77"/>
               </a:rPr>
               <a:t>81</a:t>
             </a:r>
@@ -15767,7 +16095,7 @@
                 <a:solidFill>
                   <a:srgbClr val="000000"/>
                 </a:solidFill>
-                <a:latin typeface="Inconsolata Medium" panose="020B0609030003000000" pitchFamily="49" charset="77"/>
+                <a:latin typeface="Inconsolata" panose="020B0609030003000000" pitchFamily="49" charset="77"/>
               </a:rPr>
               <a:t>, </a:t>
             </a:r>
@@ -15776,7 +16104,7 @@
                 <a:solidFill>
                   <a:srgbClr val="34A327"/>
                 </a:solidFill>
-                <a:latin typeface="Inconsolata Medium" panose="020B0609030003000000" pitchFamily="49" charset="77"/>
+                <a:latin typeface="Inconsolata" panose="020B0609030003000000" pitchFamily="49" charset="77"/>
               </a:rPr>
               <a:t>82</a:t>
             </a:r>
@@ -15785,7 +16113,7 @@
                 <a:solidFill>
                   <a:srgbClr val="000000"/>
                 </a:solidFill>
-                <a:latin typeface="Inconsolata Medium" panose="020B0609030003000000" pitchFamily="49" charset="77"/>
+                <a:latin typeface="Inconsolata" panose="020B0609030003000000" pitchFamily="49" charset="77"/>
               </a:rPr>
               <a:t>],  </a:t>
             </a:r>
@@ -15799,7 +16127,7 @@
                 <a:solidFill>
                   <a:srgbClr val="000000"/>
                 </a:solidFill>
-                <a:latin typeface="Inconsolata Medium" panose="020B0609030003000000" pitchFamily="49" charset="77"/>
+                <a:latin typeface="Inconsolata" panose="020B0609030003000000" pitchFamily="49" charset="77"/>
               </a:rPr>
               <a:t>				</a:t>
             </a:r>
@@ -15808,7 +16136,7 @@
                 <a:solidFill>
                   <a:srgbClr val="CD7923"/>
                 </a:solidFill>
-                <a:latin typeface="Inconsolata Medium" panose="020B0609030003000000" pitchFamily="49" charset="77"/>
+                <a:latin typeface="Inconsolata" panose="020B0609030003000000" pitchFamily="49" charset="77"/>
               </a:rPr>
               <a:t>'Bob'</a:t>
             </a:r>
@@ -15817,7 +16145,7 @@
                 <a:solidFill>
                   <a:srgbClr val="000000"/>
                 </a:solidFill>
-                <a:latin typeface="Inconsolata Medium" panose="020B0609030003000000" pitchFamily="49" charset="77"/>
+                <a:latin typeface="Inconsolata" panose="020B0609030003000000" pitchFamily="49" charset="77"/>
               </a:rPr>
               <a:t>: [</a:t>
             </a:r>
@@ -15826,7 +16154,7 @@
                 <a:solidFill>
                   <a:srgbClr val="34A327"/>
                 </a:solidFill>
-                <a:latin typeface="Inconsolata Medium" panose="020B0609030003000000" pitchFamily="49" charset="77"/>
+                <a:latin typeface="Inconsolata" panose="020B0609030003000000" pitchFamily="49" charset="77"/>
               </a:rPr>
               <a:t>83</a:t>
             </a:r>
@@ -15835,7 +16163,7 @@
                 <a:solidFill>
                   <a:srgbClr val="000000"/>
                 </a:solidFill>
-                <a:latin typeface="Inconsolata Medium" panose="020B0609030003000000" pitchFamily="49" charset="77"/>
+                <a:latin typeface="Inconsolata" panose="020B0609030003000000" pitchFamily="49" charset="77"/>
               </a:rPr>
               <a:t>, </a:t>
             </a:r>
@@ -15844,7 +16172,7 @@
                 <a:solidFill>
                   <a:srgbClr val="34A327"/>
                 </a:solidFill>
-                <a:latin typeface="Inconsolata Medium" panose="020B0609030003000000" pitchFamily="49" charset="77"/>
+                <a:latin typeface="Inconsolata" panose="020B0609030003000000" pitchFamily="49" charset="77"/>
               </a:rPr>
               <a:t>65</a:t>
             </a:r>
@@ -15853,7 +16181,7 @@
                 <a:solidFill>
                   <a:srgbClr val="000000"/>
                 </a:solidFill>
-                <a:latin typeface="Inconsolata Medium" panose="020B0609030003000000" pitchFamily="49" charset="77"/>
+                <a:latin typeface="Inconsolata" panose="020B0609030003000000" pitchFamily="49" charset="77"/>
               </a:rPr>
               <a:t>, </a:t>
             </a:r>
@@ -15862,7 +16190,7 @@
                 <a:solidFill>
                   <a:srgbClr val="34A327"/>
                 </a:solidFill>
-                <a:latin typeface="Inconsolata Medium" panose="020B0609030003000000" pitchFamily="49" charset="77"/>
+                <a:latin typeface="Inconsolata" panose="020B0609030003000000" pitchFamily="49" charset="77"/>
               </a:rPr>
               <a:t>85</a:t>
             </a:r>
@@ -15871,7 +16199,7 @@
                 <a:solidFill>
                   <a:srgbClr val="000000"/>
                 </a:solidFill>
-                <a:latin typeface="Inconsolata Medium" panose="020B0609030003000000" pitchFamily="49" charset="77"/>
+                <a:latin typeface="Inconsolata" panose="020B0609030003000000" pitchFamily="49" charset="77"/>
               </a:rPr>
               <a:t>]} </a:t>
             </a:r>
@@ -15885,7 +16213,7 @@
                 <a:solidFill>
                   <a:srgbClr val="34A327"/>
                 </a:solidFill>
-                <a:latin typeface="Inconsolata Medium" panose="020B0609030003000000" pitchFamily="49" charset="77"/>
+                <a:latin typeface="Inconsolata" panose="020B0609030003000000" pitchFamily="49" charset="77"/>
               </a:rPr>
               <a:t>In[</a:t>
             </a:r>
@@ -15894,7 +16222,7 @@
                 <a:solidFill>
                   <a:srgbClr val="2EE721"/>
                 </a:solidFill>
-                <a:latin typeface="Inconsolata Medium" panose="020B0609030003000000" pitchFamily="49" charset="77"/>
+                <a:latin typeface="Inconsolata" panose="020B0609030003000000" pitchFamily="49" charset="77"/>
               </a:rPr>
               <a:t>1</a:t>
             </a:r>
@@ -15903,7 +16231,7 @@
                 <a:solidFill>
                   <a:srgbClr val="34A327"/>
                 </a:solidFill>
-                <a:latin typeface="Inconsolata Medium" panose="020B0609030003000000" pitchFamily="49" charset="77"/>
+                <a:latin typeface="Inconsolata" panose="020B0609030003000000" pitchFamily="49" charset="77"/>
               </a:rPr>
               <a:t>]: </a:t>
             </a:r>
@@ -15912,7 +16240,7 @@
                 <a:solidFill>
                   <a:srgbClr val="000000"/>
                 </a:solidFill>
-                <a:latin typeface="Inconsolata Medium" panose="020B0609030003000000" pitchFamily="49" charset="77"/>
+                <a:latin typeface="Inconsolata" panose="020B0609030003000000" pitchFamily="49" charset="77"/>
               </a:rPr>
               <a:t>grades = </a:t>
             </a:r>
@@ -15921,7 +16249,7 @@
                 <a:solidFill>
                   <a:srgbClr val="000000"/>
                 </a:solidFill>
-                <a:latin typeface="Inconsolata Medium" panose="020B0609030003000000" pitchFamily="49" charset="77"/>
+                <a:latin typeface="Inconsolata" panose="020B0609030003000000" pitchFamily="49" charset="77"/>
               </a:rPr>
               <a:t>pd.DataFrame</a:t>
             </a:r>
@@ -15930,7 +16258,7 @@
                 <a:solidFill>
                   <a:srgbClr val="000000"/>
                 </a:solidFill>
-                <a:latin typeface="Inconsolata Medium" panose="020B0609030003000000" pitchFamily="49" charset="77"/>
+                <a:latin typeface="Inconsolata" panose="020B0609030003000000" pitchFamily="49" charset="77"/>
               </a:rPr>
               <a:t>(</a:t>
             </a:r>
@@ -15939,7 +16267,7 @@
                 <a:solidFill>
                   <a:srgbClr val="000000"/>
                 </a:solidFill>
-                <a:latin typeface="Inconsolata Medium" panose="020B0609030003000000" pitchFamily="49" charset="77"/>
+                <a:latin typeface="Inconsolata" panose="020B0609030003000000" pitchFamily="49" charset="77"/>
               </a:rPr>
               <a:t>grades_dict</a:t>
             </a:r>
@@ -15948,7 +16276,7 @@
                 <a:solidFill>
                   <a:srgbClr val="000000"/>
                 </a:solidFill>
-                <a:latin typeface="Inconsolata Medium" panose="020B0609030003000000" pitchFamily="49" charset="77"/>
+                <a:latin typeface="Inconsolata" panose="020B0609030003000000" pitchFamily="49" charset="77"/>
               </a:rPr>
               <a:t>) </a:t>
             </a:r>
@@ -15962,7 +16290,7 @@
                 <a:solidFill>
                   <a:srgbClr val="34A327"/>
                 </a:solidFill>
-                <a:latin typeface="Inconsolata Medium" panose="020B0609030003000000" pitchFamily="49" charset="77"/>
+                <a:latin typeface="Inconsolata" panose="020B0609030003000000" pitchFamily="49" charset="77"/>
               </a:rPr>
               <a:t>In[</a:t>
             </a:r>
@@ -15971,7 +16299,7 @@
                 <a:solidFill>
                   <a:srgbClr val="2EE721"/>
                 </a:solidFill>
-                <a:latin typeface="Inconsolata Medium" panose="020B0609030003000000" pitchFamily="49" charset="77"/>
+                <a:latin typeface="Inconsolata" panose="020B0609030003000000" pitchFamily="49" charset="77"/>
               </a:rPr>
               <a:t>1</a:t>
             </a:r>
@@ -15980,7 +16308,7 @@
                 <a:solidFill>
                   <a:srgbClr val="34A327"/>
                 </a:solidFill>
-                <a:latin typeface="Inconsolata Medium" panose="020B0609030003000000" pitchFamily="49" charset="77"/>
+                <a:latin typeface="Inconsolata" panose="020B0609030003000000" pitchFamily="49" charset="77"/>
               </a:rPr>
               <a:t>]: </a:t>
             </a:r>
@@ -15989,7 +16317,7 @@
                 <a:solidFill>
                   <a:srgbClr val="000000"/>
                 </a:solidFill>
-                <a:latin typeface="Inconsolata Medium" panose="020B0609030003000000" pitchFamily="49" charset="77"/>
+                <a:latin typeface="Inconsolata" panose="020B0609030003000000" pitchFamily="49" charset="77"/>
               </a:rPr>
               <a:t>grades </a:t>
             </a:r>
@@ -16003,7 +16331,7 @@
                 <a:solidFill>
                   <a:srgbClr val="B23622"/>
                 </a:solidFill>
-                <a:latin typeface="Inconsolata Medium" panose="020B0609030003000000" pitchFamily="49" charset="77"/>
+                <a:latin typeface="Inconsolata" panose="020B0609030003000000" pitchFamily="49" charset="77"/>
               </a:rPr>
               <a:t>Out[</a:t>
             </a:r>
@@ -16012,7 +16340,7 @@
                 <a:solidFill>
                   <a:srgbClr val="FF3B1E"/>
                 </a:solidFill>
-                <a:latin typeface="Inconsolata Medium" panose="020B0609030003000000" pitchFamily="49" charset="77"/>
+                <a:latin typeface="Inconsolata" panose="020B0609030003000000" pitchFamily="49" charset="77"/>
               </a:rPr>
               <a:t>25</a:t>
             </a:r>
@@ -16021,7 +16349,7 @@
                 <a:solidFill>
                   <a:srgbClr val="B23622"/>
                 </a:solidFill>
-                <a:latin typeface="Inconsolata Medium" panose="020B0609030003000000" pitchFamily="49" charset="77"/>
+                <a:latin typeface="Inconsolata" panose="020B0609030003000000" pitchFamily="49" charset="77"/>
               </a:rPr>
               <a:t>]: </a:t>
             </a:r>
@@ -16044,7 +16372,7 @@
                 <a:solidFill>
                   <a:srgbClr val="000000"/>
                 </a:solidFill>
-                <a:latin typeface="Inconsolata Medium" panose="020B0609030003000000" pitchFamily="49" charset="77"/>
+                <a:latin typeface="Inconsolata" panose="020B0609030003000000" pitchFamily="49" charset="77"/>
               </a:rPr>
               <a:t>Wally  Eva  Sam  Katie  Bob</a:t>
             </a:r>
@@ -16058,7 +16386,7 @@
                 <a:solidFill>
                   <a:srgbClr val="000000"/>
                 </a:solidFill>
-                <a:latin typeface="Inconsolata Medium" panose="020B0609030003000000" pitchFamily="49" charset="77"/>
+                <a:latin typeface="Inconsolata" panose="020B0609030003000000" pitchFamily="49" charset="77"/>
               </a:rPr>
               <a:t>0     87  100   94    100   83</a:t>
             </a:r>
@@ -16072,7 +16400,7 @@
                 <a:solidFill>
                   <a:srgbClr val="000000"/>
                 </a:solidFill>
-                <a:latin typeface="Inconsolata Medium" panose="020B0609030003000000" pitchFamily="49" charset="77"/>
+                <a:latin typeface="Inconsolata" panose="020B0609030003000000" pitchFamily="49" charset="77"/>
               </a:rPr>
               <a:t>1     96   87   77     81   65</a:t>
             </a:r>
@@ -16086,7 +16414,7 @@
                 <a:solidFill>
                   <a:srgbClr val="000000"/>
                 </a:solidFill>
-                <a:latin typeface="Inconsolata Medium" panose="020B0609030003000000" pitchFamily="49" charset="77"/>
+                <a:latin typeface="Inconsolata" panose="020B0609030003000000" pitchFamily="49" charset="77"/>
               </a:rPr>
               <a:t>2     70   90   90     82   85</a:t>
             </a:r>
@@ -16096,7 +16424,7 @@
               <a:buNone/>
             </a:pPr>
             <a:endParaRPr lang="en-US" sz="2000" b="1" dirty="0">
-              <a:latin typeface="Inconsolata Medium" panose="020B0609030003000000" pitchFamily="49" charset="77"/>
+              <a:latin typeface="Inconsolata" panose="020B0609030003000000" pitchFamily="49" charset="77"/>
             </a:endParaRPr>
           </a:p>
           <a:p>
@@ -16104,7 +16432,7 @@
               <a:buNone/>
             </a:pPr>
             <a:endParaRPr lang="en-US" altLang="en-US" sz="2000" b="1" dirty="0">
-              <a:latin typeface="Inconsolata Medium" panose="020B0609030003000000" pitchFamily="49" charset="77"/>
+              <a:latin typeface="Inconsolata" panose="020B0609030003000000" pitchFamily="49" charset="77"/>
               <a:ea typeface="ＭＳ Ｐゴシック" panose="020B0600070205080204" pitchFamily="34" charset="-128"/>
             </a:endParaRPr>
           </a:p>
@@ -16324,7 +16652,7 @@
               <a:solidFill>
                 <a:srgbClr val="34A327"/>
               </a:solidFill>
-              <a:latin typeface="Inconsolata Medium" panose="020B0609030003000000" pitchFamily="49" charset="77"/>
+              <a:latin typeface="Inconsolata" panose="020B0609030003000000" pitchFamily="49" charset="77"/>
             </a:endParaRPr>
           </a:p>
           <a:p>
@@ -16335,7 +16663,7 @@
               <a:solidFill>
                 <a:srgbClr val="34A327"/>
               </a:solidFill>
-              <a:latin typeface="Inconsolata Medium" panose="020B0609030003000000" pitchFamily="49" charset="77"/>
+              <a:latin typeface="Inconsolata" panose="020B0609030003000000" pitchFamily="49" charset="77"/>
             </a:endParaRPr>
           </a:p>
           <a:p>
@@ -16347,7 +16675,7 @@
                 <a:solidFill>
                   <a:srgbClr val="34A327"/>
                 </a:solidFill>
-                <a:latin typeface="Inconsolata Medium" panose="020B0609030003000000" pitchFamily="49" charset="77"/>
+                <a:latin typeface="Inconsolata" panose="020B0609030003000000" pitchFamily="49" charset="77"/>
               </a:rPr>
               <a:t>import</a:t>
             </a:r>
@@ -16356,7 +16684,7 @@
                 <a:solidFill>
                   <a:srgbClr val="000000"/>
                 </a:solidFill>
-                <a:latin typeface="Inconsolata Medium" panose="020B0609030003000000" pitchFamily="49" charset="77"/>
+                <a:latin typeface="Inconsolata" panose="020B0609030003000000" pitchFamily="49" charset="77"/>
               </a:rPr>
               <a:t> </a:t>
             </a:r>
@@ -16365,7 +16693,7 @@
                 <a:solidFill>
                   <a:srgbClr val="3C9FF2"/>
                 </a:solidFill>
-                <a:latin typeface="Inconsolata Medium" panose="020B0609030003000000" pitchFamily="49" charset="77"/>
+                <a:latin typeface="Inconsolata" panose="020B0609030003000000" pitchFamily="49" charset="77"/>
               </a:rPr>
               <a:t>pandas</a:t>
             </a:r>
@@ -16374,7 +16702,7 @@
                 <a:solidFill>
                   <a:srgbClr val="000000"/>
                 </a:solidFill>
-                <a:latin typeface="Inconsolata Medium" panose="020B0609030003000000" pitchFamily="49" charset="77"/>
+                <a:latin typeface="Inconsolata" panose="020B0609030003000000" pitchFamily="49" charset="77"/>
               </a:rPr>
               <a:t> </a:t>
             </a:r>
@@ -16383,7 +16711,7 @@
                 <a:solidFill>
                   <a:srgbClr val="34A327"/>
                 </a:solidFill>
-                <a:latin typeface="Inconsolata Medium" panose="020B0609030003000000" pitchFamily="49" charset="77"/>
+                <a:latin typeface="Inconsolata" panose="020B0609030003000000" pitchFamily="49" charset="77"/>
               </a:rPr>
               <a:t>as</a:t>
             </a:r>
@@ -16392,7 +16720,7 @@
                 <a:solidFill>
                   <a:srgbClr val="000000"/>
                 </a:solidFill>
-                <a:latin typeface="Inconsolata Medium" panose="020B0609030003000000" pitchFamily="49" charset="77"/>
+                <a:latin typeface="Inconsolata" panose="020B0609030003000000" pitchFamily="49" charset="77"/>
               </a:rPr>
               <a:t> </a:t>
             </a:r>
@@ -16401,7 +16729,7 @@
                 <a:solidFill>
                   <a:srgbClr val="3C9FF2"/>
                 </a:solidFill>
-                <a:latin typeface="Inconsolata Medium" panose="020B0609030003000000" pitchFamily="49" charset="77"/>
+                <a:latin typeface="Inconsolata" panose="020B0609030003000000" pitchFamily="49" charset="77"/>
               </a:rPr>
               <a:t>pd</a:t>
             </a:r>
@@ -16410,7 +16738,7 @@
                 <a:solidFill>
                   <a:srgbClr val="000000"/>
                 </a:solidFill>
-                <a:latin typeface="Inconsolata Medium" panose="020B0609030003000000" pitchFamily="49" charset="77"/>
+                <a:latin typeface="Inconsolata" panose="020B0609030003000000" pitchFamily="49" charset="77"/>
               </a:rPr>
               <a:t> </a:t>
             </a:r>
@@ -16418,7 +16746,7 @@
               <a:solidFill>
                 <a:srgbClr val="34A327"/>
               </a:solidFill>
-              <a:latin typeface="Inconsolata Medium" panose="020B0609030003000000" pitchFamily="49" charset="77"/>
+              <a:latin typeface="Inconsolata" panose="020B0609030003000000" pitchFamily="49" charset="77"/>
             </a:endParaRPr>
           </a:p>
           <a:p>
@@ -16430,7 +16758,7 @@
                 <a:solidFill>
                   <a:srgbClr val="34A327"/>
                 </a:solidFill>
-                <a:latin typeface="Inconsolata Medium" panose="020B0609030003000000" pitchFamily="49" charset="77"/>
+                <a:latin typeface="Inconsolata" panose="020B0609030003000000" pitchFamily="49" charset="77"/>
               </a:rPr>
               <a:t>In[</a:t>
             </a:r>
@@ -16439,7 +16767,7 @@
                 <a:solidFill>
                   <a:srgbClr val="2EE721"/>
                 </a:solidFill>
-                <a:latin typeface="Inconsolata Medium" panose="020B0609030003000000" pitchFamily="49" charset="77"/>
+                <a:latin typeface="Inconsolata" panose="020B0609030003000000" pitchFamily="49" charset="77"/>
               </a:rPr>
               <a:t>1</a:t>
             </a:r>
@@ -16448,7 +16776,7 @@
                 <a:solidFill>
                   <a:srgbClr val="34A327"/>
                 </a:solidFill>
-                <a:latin typeface="Inconsolata Medium" panose="020B0609030003000000" pitchFamily="49" charset="77"/>
+                <a:latin typeface="Inconsolata" panose="020B0609030003000000" pitchFamily="49" charset="77"/>
               </a:rPr>
               <a:t>]: </a:t>
             </a:r>
@@ -16457,7 +16785,7 @@
                 <a:solidFill>
                   <a:srgbClr val="000000"/>
                 </a:solidFill>
-                <a:latin typeface="Inconsolata Medium" panose="020B0609030003000000" pitchFamily="49" charset="77"/>
+                <a:latin typeface="Inconsolata" panose="020B0609030003000000" pitchFamily="49" charset="77"/>
               </a:rPr>
               <a:t>grades.index</a:t>
             </a:r>
@@ -16466,7 +16794,7 @@
                 <a:solidFill>
                   <a:srgbClr val="000000"/>
                 </a:solidFill>
-                <a:latin typeface="Inconsolata Medium" panose="020B0609030003000000" pitchFamily="49" charset="77"/>
+                <a:latin typeface="Inconsolata" panose="020B0609030003000000" pitchFamily="49" charset="77"/>
               </a:rPr>
               <a:t> = [</a:t>
             </a:r>
@@ -16475,7 +16803,7 @@
                 <a:solidFill>
                   <a:srgbClr val="CD7923"/>
                 </a:solidFill>
-                <a:latin typeface="Inconsolata Medium" panose="020B0609030003000000" pitchFamily="49" charset="77"/>
+                <a:latin typeface="Inconsolata" panose="020B0609030003000000" pitchFamily="49" charset="77"/>
               </a:rPr>
               <a:t>'Test1'</a:t>
             </a:r>
@@ -16484,7 +16812,7 @@
                 <a:solidFill>
                   <a:srgbClr val="000000"/>
                 </a:solidFill>
-                <a:latin typeface="Inconsolata Medium" panose="020B0609030003000000" pitchFamily="49" charset="77"/>
+                <a:latin typeface="Inconsolata" panose="020B0609030003000000" pitchFamily="49" charset="77"/>
               </a:rPr>
               <a:t>, </a:t>
             </a:r>
@@ -16493,7 +16821,7 @@
                 <a:solidFill>
                   <a:srgbClr val="CD7923"/>
                 </a:solidFill>
-                <a:latin typeface="Inconsolata Medium" panose="020B0609030003000000" pitchFamily="49" charset="77"/>
+                <a:latin typeface="Inconsolata" panose="020B0609030003000000" pitchFamily="49" charset="77"/>
               </a:rPr>
               <a:t>'Test2'</a:t>
             </a:r>
@@ -16502,7 +16830,7 @@
                 <a:solidFill>
                   <a:srgbClr val="000000"/>
                 </a:solidFill>
-                <a:latin typeface="Inconsolata Medium" panose="020B0609030003000000" pitchFamily="49" charset="77"/>
+                <a:latin typeface="Inconsolata" panose="020B0609030003000000" pitchFamily="49" charset="77"/>
               </a:rPr>
               <a:t>, </a:t>
             </a:r>
@@ -16511,7 +16839,7 @@
                 <a:solidFill>
                   <a:srgbClr val="CD7923"/>
                 </a:solidFill>
-                <a:latin typeface="Inconsolata Medium" panose="020B0609030003000000" pitchFamily="49" charset="77"/>
+                <a:latin typeface="Inconsolata" panose="020B0609030003000000" pitchFamily="49" charset="77"/>
               </a:rPr>
               <a:t>'Test3'</a:t>
             </a:r>
@@ -16520,7 +16848,7 @@
                 <a:solidFill>
                   <a:srgbClr val="000000"/>
                 </a:solidFill>
-                <a:latin typeface="Inconsolata Medium" panose="020B0609030003000000" pitchFamily="49" charset="77"/>
+                <a:latin typeface="Inconsolata" panose="020B0609030003000000" pitchFamily="49" charset="77"/>
               </a:rPr>
               <a:t>] </a:t>
             </a:r>
@@ -16534,7 +16862,7 @@
                 <a:solidFill>
                   <a:srgbClr val="34A327"/>
                 </a:solidFill>
-                <a:latin typeface="Inconsolata Medium" panose="020B0609030003000000" pitchFamily="49" charset="77"/>
+                <a:latin typeface="Inconsolata" panose="020B0609030003000000" pitchFamily="49" charset="77"/>
               </a:rPr>
               <a:t>In[</a:t>
             </a:r>
@@ -16543,7 +16871,7 @@
                 <a:solidFill>
                   <a:srgbClr val="2EE721"/>
                 </a:solidFill>
-                <a:latin typeface="Inconsolata Medium" panose="020B0609030003000000" pitchFamily="49" charset="77"/>
+                <a:latin typeface="Inconsolata" panose="020B0609030003000000" pitchFamily="49" charset="77"/>
               </a:rPr>
               <a:t>1</a:t>
             </a:r>
@@ -16552,7 +16880,7 @@
                 <a:solidFill>
                   <a:srgbClr val="34A327"/>
                 </a:solidFill>
-                <a:latin typeface="Inconsolata Medium" panose="020B0609030003000000" pitchFamily="49" charset="77"/>
+                <a:latin typeface="Inconsolata" panose="020B0609030003000000" pitchFamily="49" charset="77"/>
               </a:rPr>
               <a:t>]: </a:t>
             </a:r>
@@ -16561,7 +16889,7 @@
                 <a:solidFill>
                   <a:srgbClr val="000000"/>
                 </a:solidFill>
-                <a:latin typeface="Inconsolata Medium" panose="020B0609030003000000" pitchFamily="49" charset="77"/>
+                <a:latin typeface="Inconsolata" panose="020B0609030003000000" pitchFamily="49" charset="77"/>
               </a:rPr>
               <a:t>grades </a:t>
             </a:r>
@@ -16575,7 +16903,7 @@
                 <a:solidFill>
                   <a:srgbClr val="B23622"/>
                 </a:solidFill>
-                <a:latin typeface="Inconsolata Medium" panose="020B0609030003000000" pitchFamily="49" charset="77"/>
+                <a:latin typeface="Inconsolata" panose="020B0609030003000000" pitchFamily="49" charset="77"/>
               </a:rPr>
               <a:t>Out[</a:t>
             </a:r>
@@ -16584,7 +16912,7 @@
                 <a:solidFill>
                   <a:srgbClr val="FF3B1E"/>
                 </a:solidFill>
-                <a:latin typeface="Inconsolata Medium" panose="020B0609030003000000" pitchFamily="49" charset="77"/>
+                <a:latin typeface="Inconsolata" panose="020B0609030003000000" pitchFamily="49" charset="77"/>
               </a:rPr>
               <a:t>25</a:t>
             </a:r>
@@ -16593,7 +16921,7 @@
                 <a:solidFill>
                   <a:srgbClr val="B23622"/>
                 </a:solidFill>
-                <a:latin typeface="Inconsolata Medium" panose="020B0609030003000000" pitchFamily="49" charset="77"/>
+                <a:latin typeface="Inconsolata" panose="020B0609030003000000" pitchFamily="49" charset="77"/>
               </a:rPr>
               <a:t>]: </a:t>
             </a:r>
@@ -16607,7 +16935,7 @@
                 <a:solidFill>
                   <a:srgbClr val="000000"/>
                 </a:solidFill>
-                <a:latin typeface="Inconsolata Medium" panose="020B0609030003000000" pitchFamily="49" charset="77"/>
+                <a:latin typeface="Inconsolata" panose="020B0609030003000000" pitchFamily="49" charset="77"/>
               </a:rPr>
               <a:t>       Wally  Eva  Sam  Katie  Bob</a:t>
             </a:r>
@@ -16621,7 +16949,7 @@
                 <a:solidFill>
                   <a:srgbClr val="000000"/>
                 </a:solidFill>
-                <a:latin typeface="Inconsolata Medium" panose="020B0609030003000000" pitchFamily="49" charset="77"/>
+                <a:latin typeface="Inconsolata" panose="020B0609030003000000" pitchFamily="49" charset="77"/>
               </a:rPr>
               <a:t>Test1     87  100   94    100   83</a:t>
             </a:r>
@@ -16635,7 +16963,7 @@
                 <a:solidFill>
                   <a:srgbClr val="000000"/>
                 </a:solidFill>
-                <a:latin typeface="Inconsolata Medium" panose="020B0609030003000000" pitchFamily="49" charset="77"/>
+                <a:latin typeface="Inconsolata" panose="020B0609030003000000" pitchFamily="49" charset="77"/>
               </a:rPr>
               <a:t>Test2     96   87   77     81   65</a:t>
             </a:r>
@@ -16649,7 +16977,7 @@
                 <a:solidFill>
                   <a:srgbClr val="000000"/>
                 </a:solidFill>
-                <a:latin typeface="Inconsolata Medium" panose="020B0609030003000000" pitchFamily="49" charset="77"/>
+                <a:latin typeface="Inconsolata" panose="020B0609030003000000" pitchFamily="49" charset="77"/>
               </a:rPr>
               <a:t>Test3     70   90   90     82   85</a:t>
             </a:r>
@@ -16659,7 +16987,7 @@
               <a:buNone/>
             </a:pPr>
             <a:endParaRPr lang="en-US" altLang="en-US" sz="2000" b="1" dirty="0">
-              <a:latin typeface="Inconsolata Medium" panose="020B0609030003000000" pitchFamily="49" charset="77"/>
+              <a:latin typeface="Inconsolata" panose="020B0609030003000000" pitchFamily="49" charset="77"/>
               <a:ea typeface="ＭＳ Ｐゴシック" panose="020B0600070205080204" pitchFamily="34" charset="-128"/>
             </a:endParaRPr>
           </a:p>
@@ -16698,7 +17026,7 @@
                 <a:solidFill>
                   <a:srgbClr val="FF0000"/>
                 </a:solidFill>
-                <a:latin typeface="Inconsolata Medium" panose="020B0609030003000000" pitchFamily="49" charset="77"/>
+                <a:latin typeface="Inconsolata" panose="020B0609030003000000" pitchFamily="49" charset="77"/>
               </a:rPr>
               <a:t>Equivalently, we could have done this </a:t>
             </a:r>
@@ -16709,7 +17037,7 @@
                 <a:solidFill>
                   <a:srgbClr val="FF0000"/>
                 </a:solidFill>
-                <a:latin typeface="Inconsolata Medium" panose="020B0609030003000000" pitchFamily="49" charset="77"/>
+                <a:latin typeface="Inconsolata" panose="020B0609030003000000" pitchFamily="49" charset="77"/>
               </a:rPr>
               <a:t>using an index keyword argument as </a:t>
             </a:r>
@@ -16720,7 +17048,7 @@
                 <a:solidFill>
                   <a:srgbClr val="FF0000"/>
                 </a:solidFill>
-                <a:latin typeface="Inconsolata Medium" panose="020B0609030003000000" pitchFamily="49" charset="77"/>
+                <a:latin typeface="Inconsolata" panose="020B0609030003000000" pitchFamily="49" charset="77"/>
               </a:rPr>
               <a:t>in the Series case(see slide 26).</a:t>
             </a:r>
@@ -16731,7 +17059,7 @@
                 <a:solidFill>
                   <a:srgbClr val="000000"/>
                 </a:solidFill>
-                <a:latin typeface="Inconsolata Medium" panose="020B0609030003000000" pitchFamily="49" charset="77"/>
+                <a:latin typeface="Inconsolata" panose="020B0609030003000000" pitchFamily="49" charset="77"/>
               </a:rPr>
               <a:t>grades = </a:t>
             </a:r>
@@ -16740,7 +17068,7 @@
                 <a:solidFill>
                   <a:srgbClr val="000000"/>
                 </a:solidFill>
-                <a:latin typeface="Inconsolata Medium" panose="020B0609030003000000" pitchFamily="49" charset="77"/>
+                <a:latin typeface="Inconsolata" panose="020B0609030003000000" pitchFamily="49" charset="77"/>
               </a:rPr>
               <a:t>pd.DataFrame</a:t>
             </a:r>
@@ -16749,7 +17077,7 @@
                 <a:solidFill>
                   <a:srgbClr val="000000"/>
                 </a:solidFill>
-                <a:latin typeface="Inconsolata Medium" panose="020B0609030003000000" pitchFamily="49" charset="77"/>
+                <a:latin typeface="Inconsolata" panose="020B0609030003000000" pitchFamily="49" charset="77"/>
               </a:rPr>
               <a:t>(</a:t>
             </a:r>
@@ -16758,7 +17086,7 @@
                 <a:solidFill>
                   <a:srgbClr val="000000"/>
                 </a:solidFill>
-                <a:latin typeface="Inconsolata Medium" panose="020B0609030003000000" pitchFamily="49" charset="77"/>
+                <a:latin typeface="Inconsolata" panose="020B0609030003000000" pitchFamily="49" charset="77"/>
               </a:rPr>
               <a:t>grades_dict</a:t>
             </a:r>
@@ -16767,7 +17095,7 @@
                 <a:solidFill>
                   <a:srgbClr val="000000"/>
                 </a:solidFill>
-                <a:latin typeface="Inconsolata Medium" panose="020B0609030003000000" pitchFamily="49" charset="77"/>
+                <a:latin typeface="Inconsolata" panose="020B0609030003000000" pitchFamily="49" charset="77"/>
               </a:rPr>
               <a:t>, </a:t>
             </a:r>
@@ -16778,7 +17106,7 @@
                 <a:solidFill>
                   <a:srgbClr val="000000"/>
                 </a:solidFill>
-                <a:latin typeface="Inconsolata Medium" panose="020B0609030003000000" pitchFamily="49" charset="77"/>
+                <a:latin typeface="Inconsolata" panose="020B0609030003000000" pitchFamily="49" charset="77"/>
               </a:rPr>
               <a:t>		index=[</a:t>
             </a:r>
@@ -16787,7 +17115,7 @@
                 <a:solidFill>
                   <a:srgbClr val="CD7923"/>
                 </a:solidFill>
-                <a:latin typeface="Inconsolata Medium" panose="020B0609030003000000" pitchFamily="49" charset="77"/>
+                <a:latin typeface="Inconsolata" panose="020B0609030003000000" pitchFamily="49" charset="77"/>
               </a:rPr>
               <a:t>'Test1'</a:t>
             </a:r>
@@ -16796,7 +17124,7 @@
                 <a:solidFill>
                   <a:srgbClr val="000000"/>
                 </a:solidFill>
-                <a:latin typeface="Inconsolata Medium" panose="020B0609030003000000" pitchFamily="49" charset="77"/>
+                <a:latin typeface="Inconsolata" panose="020B0609030003000000" pitchFamily="49" charset="77"/>
               </a:rPr>
               <a:t>, </a:t>
             </a:r>
@@ -16805,7 +17133,7 @@
                 <a:solidFill>
                   <a:srgbClr val="CD7923"/>
                 </a:solidFill>
-                <a:latin typeface="Inconsolata Medium" panose="020B0609030003000000" pitchFamily="49" charset="77"/>
+                <a:latin typeface="Inconsolata" panose="020B0609030003000000" pitchFamily="49" charset="77"/>
               </a:rPr>
               <a:t>'Test2'</a:t>
             </a:r>
@@ -16814,7 +17142,7 @@
                 <a:solidFill>
                   <a:srgbClr val="000000"/>
                 </a:solidFill>
-                <a:latin typeface="Inconsolata Medium" panose="020B0609030003000000" pitchFamily="49" charset="77"/>
+                <a:latin typeface="Inconsolata" panose="020B0609030003000000" pitchFamily="49" charset="77"/>
               </a:rPr>
               <a:t>, </a:t>
             </a:r>
@@ -16823,7 +17151,7 @@
                 <a:solidFill>
                   <a:srgbClr val="CD7923"/>
                 </a:solidFill>
-                <a:latin typeface="Inconsolata Medium" panose="020B0609030003000000" pitchFamily="49" charset="77"/>
+                <a:latin typeface="Inconsolata" panose="020B0609030003000000" pitchFamily="49" charset="77"/>
               </a:rPr>
               <a:t>'Test3'</a:t>
             </a:r>
@@ -16832,7 +17160,7 @@
                 <a:solidFill>
                   <a:srgbClr val="000000"/>
                 </a:solidFill>
-                <a:latin typeface="Inconsolata Medium" panose="020B0609030003000000" pitchFamily="49" charset="77"/>
+                <a:latin typeface="Inconsolata" panose="020B0609030003000000" pitchFamily="49" charset="77"/>
               </a:rPr>
               <a:t>]) </a:t>
             </a:r>
@@ -16950,7 +17278,7 @@
               <a:solidFill>
                 <a:srgbClr val="34A327"/>
               </a:solidFill>
-              <a:latin typeface="Inconsolata Medium" panose="020B0609030003000000" pitchFamily="49" charset="77"/>
+              <a:latin typeface="Inconsolata" panose="020B0609030003000000" pitchFamily="49" charset="77"/>
             </a:endParaRPr>
           </a:p>
           <a:p>
@@ -16962,7 +17290,7 @@
                 <a:solidFill>
                   <a:srgbClr val="34A327"/>
                 </a:solidFill>
-                <a:latin typeface="Inconsolata Medium" panose="020B0609030003000000" pitchFamily="49" charset="77"/>
+                <a:latin typeface="Inconsolata" panose="020B0609030003000000" pitchFamily="49" charset="77"/>
               </a:rPr>
               <a:t>import</a:t>
             </a:r>
@@ -16971,7 +17299,7 @@
                 <a:solidFill>
                   <a:srgbClr val="000000"/>
                 </a:solidFill>
-                <a:latin typeface="Inconsolata Medium" panose="020B0609030003000000" pitchFamily="49" charset="77"/>
+                <a:latin typeface="Inconsolata" panose="020B0609030003000000" pitchFamily="49" charset="77"/>
               </a:rPr>
               <a:t> </a:t>
             </a:r>
@@ -16980,7 +17308,7 @@
                 <a:solidFill>
                   <a:srgbClr val="3C9FF2"/>
                 </a:solidFill>
-                <a:latin typeface="Inconsolata Medium" panose="020B0609030003000000" pitchFamily="49" charset="77"/>
+                <a:latin typeface="Inconsolata" panose="020B0609030003000000" pitchFamily="49" charset="77"/>
               </a:rPr>
               <a:t>pandas</a:t>
             </a:r>
@@ -16989,7 +17317,7 @@
                 <a:solidFill>
                   <a:srgbClr val="000000"/>
                 </a:solidFill>
-                <a:latin typeface="Inconsolata Medium" panose="020B0609030003000000" pitchFamily="49" charset="77"/>
+                <a:latin typeface="Inconsolata" panose="020B0609030003000000" pitchFamily="49" charset="77"/>
               </a:rPr>
               <a:t> </a:t>
             </a:r>
@@ -16998,7 +17326,7 @@
                 <a:solidFill>
                   <a:srgbClr val="34A327"/>
                 </a:solidFill>
-                <a:latin typeface="Inconsolata Medium" panose="020B0609030003000000" pitchFamily="49" charset="77"/>
+                <a:latin typeface="Inconsolata" panose="020B0609030003000000" pitchFamily="49" charset="77"/>
               </a:rPr>
               <a:t>as</a:t>
             </a:r>
@@ -17007,7 +17335,7 @@
                 <a:solidFill>
                   <a:srgbClr val="000000"/>
                 </a:solidFill>
-                <a:latin typeface="Inconsolata Medium" panose="020B0609030003000000" pitchFamily="49" charset="77"/>
+                <a:latin typeface="Inconsolata" panose="020B0609030003000000" pitchFamily="49" charset="77"/>
               </a:rPr>
               <a:t> </a:t>
             </a:r>
@@ -17016,7 +17344,7 @@
                 <a:solidFill>
                   <a:srgbClr val="3C9FF2"/>
                 </a:solidFill>
-                <a:latin typeface="Inconsolata Medium" panose="020B0609030003000000" pitchFamily="49" charset="77"/>
+                <a:latin typeface="Inconsolata" panose="020B0609030003000000" pitchFamily="49" charset="77"/>
               </a:rPr>
               <a:t>pd</a:t>
             </a:r>
@@ -17025,7 +17353,7 @@
                 <a:solidFill>
                   <a:srgbClr val="000000"/>
                 </a:solidFill>
-                <a:latin typeface="Inconsolata Medium" panose="020B0609030003000000" pitchFamily="49" charset="77"/>
+                <a:latin typeface="Inconsolata" panose="020B0609030003000000" pitchFamily="49" charset="77"/>
               </a:rPr>
               <a:t> </a:t>
             </a:r>
@@ -17039,7 +17367,7 @@
                 <a:solidFill>
                   <a:srgbClr val="34A327"/>
                 </a:solidFill>
-                <a:latin typeface="Inconsolata Medium" panose="020B0609030003000000" pitchFamily="49" charset="77"/>
+                <a:latin typeface="Inconsolata" panose="020B0609030003000000" pitchFamily="49" charset="77"/>
               </a:rPr>
               <a:t>In[</a:t>
             </a:r>
@@ -17048,7 +17376,7 @@
                 <a:solidFill>
                   <a:srgbClr val="2EE721"/>
                 </a:solidFill>
-                <a:latin typeface="Inconsolata Medium" panose="020B0609030003000000" pitchFamily="49" charset="77"/>
+                <a:latin typeface="Inconsolata" panose="020B0609030003000000" pitchFamily="49" charset="77"/>
               </a:rPr>
               <a:t>1</a:t>
             </a:r>
@@ -17057,7 +17385,7 @@
                 <a:solidFill>
                   <a:srgbClr val="34A327"/>
                 </a:solidFill>
-                <a:latin typeface="Inconsolata Medium" panose="020B0609030003000000" pitchFamily="49" charset="77"/>
+                <a:latin typeface="Inconsolata" panose="020B0609030003000000" pitchFamily="49" charset="77"/>
               </a:rPr>
               <a:t>]: </a:t>
             </a:r>
@@ -17066,7 +17394,7 @@
                 <a:solidFill>
                   <a:srgbClr val="000000"/>
                 </a:solidFill>
-                <a:latin typeface="Inconsolata Medium" panose="020B0609030003000000" pitchFamily="49" charset="77"/>
+                <a:latin typeface="Inconsolata" panose="020B0609030003000000" pitchFamily="49" charset="77"/>
               </a:rPr>
               <a:t>grades['Eva'] </a:t>
             </a:r>
@@ -17080,7 +17408,7 @@
                 <a:solidFill>
                   <a:srgbClr val="B23622"/>
                 </a:solidFill>
-                <a:latin typeface="Inconsolata Medium" panose="020B0609030003000000" pitchFamily="49" charset="77"/>
+                <a:latin typeface="Inconsolata" panose="020B0609030003000000" pitchFamily="49" charset="77"/>
               </a:rPr>
               <a:t>Out[</a:t>
             </a:r>
@@ -17089,7 +17417,7 @@
                 <a:solidFill>
                   <a:srgbClr val="FF3B1E"/>
                 </a:solidFill>
-                <a:latin typeface="Inconsolata Medium" panose="020B0609030003000000" pitchFamily="49" charset="77"/>
+                <a:latin typeface="Inconsolata" panose="020B0609030003000000" pitchFamily="49" charset="77"/>
               </a:rPr>
               <a:t>25</a:t>
             </a:r>
@@ -17098,7 +17426,7 @@
                 <a:solidFill>
                   <a:srgbClr val="B23622"/>
                 </a:solidFill>
-                <a:latin typeface="Inconsolata Medium" panose="020B0609030003000000" pitchFamily="49" charset="77"/>
+                <a:latin typeface="Inconsolata" panose="020B0609030003000000" pitchFamily="49" charset="77"/>
               </a:rPr>
               <a:t>]: </a:t>
             </a:r>
@@ -17112,7 +17440,7 @@
                 <a:solidFill>
                   <a:srgbClr val="000000"/>
                 </a:solidFill>
-                <a:latin typeface="Inconsolata Medium" panose="020B0609030003000000" pitchFamily="49" charset="77"/>
+                <a:latin typeface="Inconsolata" panose="020B0609030003000000" pitchFamily="49" charset="77"/>
               </a:rPr>
               <a:t>Test1    100</a:t>
             </a:r>
@@ -17126,7 +17454,7 @@
                 <a:solidFill>
                   <a:srgbClr val="000000"/>
                 </a:solidFill>
-                <a:latin typeface="Inconsolata Medium" panose="020B0609030003000000" pitchFamily="49" charset="77"/>
+                <a:latin typeface="Inconsolata" panose="020B0609030003000000" pitchFamily="49" charset="77"/>
               </a:rPr>
               <a:t>Test2     87</a:t>
             </a:r>
@@ -17140,7 +17468,7 @@
                 <a:solidFill>
                   <a:srgbClr val="000000"/>
                 </a:solidFill>
-                <a:latin typeface="Inconsolata Medium" panose="020B0609030003000000" pitchFamily="49" charset="77"/>
+                <a:latin typeface="Inconsolata" panose="020B0609030003000000" pitchFamily="49" charset="77"/>
               </a:rPr>
               <a:t>Test3     90</a:t>
             </a:r>
@@ -17154,7 +17482,7 @@
                 <a:solidFill>
                   <a:srgbClr val="000000"/>
                 </a:solidFill>
-                <a:latin typeface="Inconsolata Medium" panose="020B0609030003000000" pitchFamily="49" charset="77"/>
+                <a:latin typeface="Inconsolata" panose="020B0609030003000000" pitchFamily="49" charset="77"/>
               </a:rPr>
               <a:t>Name: Eva, </a:t>
             </a:r>
@@ -17163,7 +17491,7 @@
                 <a:solidFill>
                   <a:srgbClr val="000000"/>
                 </a:solidFill>
-                <a:latin typeface="Inconsolata Medium" panose="020B0609030003000000" pitchFamily="49" charset="77"/>
+                <a:latin typeface="Inconsolata" panose="020B0609030003000000" pitchFamily="49" charset="77"/>
               </a:rPr>
               <a:t>dtype</a:t>
             </a:r>
@@ -17172,7 +17500,7 @@
                 <a:solidFill>
                   <a:srgbClr val="000000"/>
                 </a:solidFill>
-                <a:latin typeface="Inconsolata Medium" panose="020B0609030003000000" pitchFamily="49" charset="77"/>
+                <a:latin typeface="Inconsolata" panose="020B0609030003000000" pitchFamily="49" charset="77"/>
               </a:rPr>
               <a:t>: int64</a:t>
             </a:r>
@@ -17182,7 +17510,7 @@
               <a:buNone/>
             </a:pPr>
             <a:endParaRPr lang="en-US" sz="2000" b="1" dirty="0">
-              <a:latin typeface="Inconsolata Medium" panose="020B0609030003000000" pitchFamily="49" charset="77"/>
+              <a:latin typeface="Inconsolata" panose="020B0609030003000000" pitchFamily="49" charset="77"/>
             </a:endParaRPr>
           </a:p>
           <a:p>
@@ -17190,7 +17518,7 @@
               <a:buNone/>
             </a:pPr>
             <a:endParaRPr lang="en-US" altLang="en-US" sz="2000" b="1" dirty="0">
-              <a:latin typeface="Inconsolata Medium" panose="020B0609030003000000" pitchFamily="49" charset="77"/>
+              <a:latin typeface="Inconsolata" panose="020B0609030003000000" pitchFamily="49" charset="77"/>
               <a:ea typeface="ＭＳ Ｐゴシック" panose="020B0600070205080204" pitchFamily="34" charset="-128"/>
             </a:endParaRPr>
           </a:p>
@@ -17333,7 +17661,7 @@
               <a:solidFill>
                 <a:srgbClr val="34A327"/>
               </a:solidFill>
-              <a:latin typeface="Inconsolata Medium" panose="020B0609030003000000" pitchFamily="49" charset="77"/>
+              <a:latin typeface="Inconsolata" panose="020B0609030003000000" pitchFamily="49" charset="77"/>
             </a:endParaRPr>
           </a:p>
           <a:p>
@@ -17345,7 +17673,7 @@
                 <a:solidFill>
                   <a:srgbClr val="34A327"/>
                 </a:solidFill>
-                <a:latin typeface="Inconsolata Medium" panose="020B0609030003000000" pitchFamily="49" charset="77"/>
+                <a:latin typeface="Inconsolata" panose="020B0609030003000000" pitchFamily="49" charset="77"/>
               </a:rPr>
               <a:t>import</a:t>
             </a:r>
@@ -17354,7 +17682,7 @@
                 <a:solidFill>
                   <a:srgbClr val="000000"/>
                 </a:solidFill>
-                <a:latin typeface="Inconsolata Medium" panose="020B0609030003000000" pitchFamily="49" charset="77"/>
+                <a:latin typeface="Inconsolata" panose="020B0609030003000000" pitchFamily="49" charset="77"/>
               </a:rPr>
               <a:t> </a:t>
             </a:r>
@@ -17363,7 +17691,7 @@
                 <a:solidFill>
                   <a:srgbClr val="3C9FF2"/>
                 </a:solidFill>
-                <a:latin typeface="Inconsolata Medium" panose="020B0609030003000000" pitchFamily="49" charset="77"/>
+                <a:latin typeface="Inconsolata" panose="020B0609030003000000" pitchFamily="49" charset="77"/>
               </a:rPr>
               <a:t>pandas</a:t>
             </a:r>
@@ -17372,7 +17700,7 @@
                 <a:solidFill>
                   <a:srgbClr val="000000"/>
                 </a:solidFill>
-                <a:latin typeface="Inconsolata Medium" panose="020B0609030003000000" pitchFamily="49" charset="77"/>
+                <a:latin typeface="Inconsolata" panose="020B0609030003000000" pitchFamily="49" charset="77"/>
               </a:rPr>
               <a:t> </a:t>
             </a:r>
@@ -17381,7 +17709,7 @@
                 <a:solidFill>
                   <a:srgbClr val="34A327"/>
                 </a:solidFill>
-                <a:latin typeface="Inconsolata Medium" panose="020B0609030003000000" pitchFamily="49" charset="77"/>
+                <a:latin typeface="Inconsolata" panose="020B0609030003000000" pitchFamily="49" charset="77"/>
               </a:rPr>
               <a:t>as</a:t>
             </a:r>
@@ -17390,7 +17718,7 @@
                 <a:solidFill>
                   <a:srgbClr val="000000"/>
                 </a:solidFill>
-                <a:latin typeface="Inconsolata Medium" panose="020B0609030003000000" pitchFamily="49" charset="77"/>
+                <a:latin typeface="Inconsolata" panose="020B0609030003000000" pitchFamily="49" charset="77"/>
               </a:rPr>
               <a:t> </a:t>
             </a:r>
@@ -17399,7 +17727,7 @@
                 <a:solidFill>
                   <a:srgbClr val="3C9FF2"/>
                 </a:solidFill>
-                <a:latin typeface="Inconsolata Medium" panose="020B0609030003000000" pitchFamily="49" charset="77"/>
+                <a:latin typeface="Inconsolata" panose="020B0609030003000000" pitchFamily="49" charset="77"/>
               </a:rPr>
               <a:t>pd</a:t>
             </a:r>
@@ -17408,7 +17736,7 @@
                 <a:solidFill>
                   <a:srgbClr val="000000"/>
                 </a:solidFill>
-                <a:latin typeface="Inconsolata Medium" panose="020B0609030003000000" pitchFamily="49" charset="77"/>
+                <a:latin typeface="Inconsolata" panose="020B0609030003000000" pitchFamily="49" charset="77"/>
               </a:rPr>
               <a:t> </a:t>
             </a:r>
@@ -17422,7 +17750,7 @@
                 <a:solidFill>
                   <a:srgbClr val="34A327"/>
                 </a:solidFill>
-                <a:latin typeface="Inconsolata Medium" panose="020B0609030003000000" pitchFamily="49" charset="77"/>
+                <a:latin typeface="Inconsolata" panose="020B0609030003000000" pitchFamily="49" charset="77"/>
               </a:rPr>
               <a:t>In[</a:t>
             </a:r>
@@ -17431,7 +17759,7 @@
                 <a:solidFill>
                   <a:srgbClr val="2EE721"/>
                 </a:solidFill>
-                <a:latin typeface="Inconsolata Medium" panose="020B0609030003000000" pitchFamily="49" charset="77"/>
+                <a:latin typeface="Inconsolata" panose="020B0609030003000000" pitchFamily="49" charset="77"/>
               </a:rPr>
               <a:t>1</a:t>
             </a:r>
@@ -17440,19 +17768,19 @@
                 <a:solidFill>
                   <a:srgbClr val="34A327"/>
                 </a:solidFill>
-                <a:latin typeface="Inconsolata Medium" panose="020B0609030003000000" pitchFamily="49" charset="77"/>
+                <a:latin typeface="Inconsolata" panose="020B0609030003000000" pitchFamily="49" charset="77"/>
               </a:rPr>
               <a:t>]: </a:t>
             </a:r>
             <a:r>
               <a:rPr lang="en-US" sz="2000" b="1" dirty="0" err="1">
-                <a:latin typeface="Inconsolata Medium" panose="020B0609030003000000" pitchFamily="49" charset="77"/>
+                <a:latin typeface="Inconsolata" panose="020B0609030003000000" pitchFamily="49" charset="77"/>
               </a:rPr>
               <a:t>grades.loc</a:t>
             </a:r>
             <a:r>
               <a:rPr lang="en-US" sz="2000" b="1" dirty="0">
-                <a:latin typeface="Inconsolata Medium" panose="020B0609030003000000" pitchFamily="49" charset="77"/>
+                <a:latin typeface="Inconsolata" panose="020B0609030003000000" pitchFamily="49" charset="77"/>
               </a:rPr>
               <a:t>['Test1'] </a:t>
             </a:r>
@@ -17460,7 +17788,7 @@
               <a:solidFill>
                 <a:srgbClr val="000000"/>
               </a:solidFill>
-              <a:latin typeface="Inconsolata Medium" panose="020B0609030003000000" pitchFamily="49" charset="77"/>
+              <a:latin typeface="Inconsolata" panose="020B0609030003000000" pitchFamily="49" charset="77"/>
             </a:endParaRPr>
           </a:p>
           <a:p>
@@ -17472,7 +17800,7 @@
                 <a:solidFill>
                   <a:srgbClr val="B23622"/>
                 </a:solidFill>
-                <a:latin typeface="Inconsolata Medium" panose="020B0609030003000000" pitchFamily="49" charset="77"/>
+                <a:latin typeface="Inconsolata" panose="020B0609030003000000" pitchFamily="49" charset="77"/>
               </a:rPr>
               <a:t>Out[</a:t>
             </a:r>
@@ -17481,7 +17809,7 @@
                 <a:solidFill>
                   <a:srgbClr val="FF3B1E"/>
                 </a:solidFill>
-                <a:latin typeface="Inconsolata Medium" panose="020B0609030003000000" pitchFamily="49" charset="77"/>
+                <a:latin typeface="Inconsolata" panose="020B0609030003000000" pitchFamily="49" charset="77"/>
               </a:rPr>
               <a:t>25</a:t>
             </a:r>
@@ -17490,7 +17818,7 @@
                 <a:solidFill>
                   <a:srgbClr val="B23622"/>
                 </a:solidFill>
-                <a:latin typeface="Inconsolata Medium" panose="020B0609030003000000" pitchFamily="49" charset="77"/>
+                <a:latin typeface="Inconsolata" panose="020B0609030003000000" pitchFamily="49" charset="77"/>
               </a:rPr>
               <a:t>]: </a:t>
             </a:r>
@@ -17504,7 +17832,7 @@
                 <a:solidFill>
                   <a:srgbClr val="000000"/>
                 </a:solidFill>
-                <a:latin typeface="Inconsolata Medium" panose="020B0609030003000000" pitchFamily="49" charset="77"/>
+                <a:latin typeface="Inconsolata" panose="020B0609030003000000" pitchFamily="49" charset="77"/>
               </a:rPr>
               <a:t>Wally     87</a:t>
             </a:r>
@@ -17518,7 +17846,7 @@
                 <a:solidFill>
                   <a:srgbClr val="000000"/>
                 </a:solidFill>
-                <a:latin typeface="Inconsolata Medium" panose="020B0609030003000000" pitchFamily="49" charset="77"/>
+                <a:latin typeface="Inconsolata" panose="020B0609030003000000" pitchFamily="49" charset="77"/>
               </a:rPr>
               <a:t>Eva      100</a:t>
             </a:r>
@@ -17532,7 +17860,7 @@
                 <a:solidFill>
                   <a:srgbClr val="000000"/>
                 </a:solidFill>
-                <a:latin typeface="Inconsolata Medium" panose="020B0609030003000000" pitchFamily="49" charset="77"/>
+                <a:latin typeface="Inconsolata" panose="020B0609030003000000" pitchFamily="49" charset="77"/>
               </a:rPr>
               <a:t>Sam       94</a:t>
             </a:r>
@@ -17546,7 +17874,7 @@
                 <a:solidFill>
                   <a:srgbClr val="000000"/>
                 </a:solidFill>
-                <a:latin typeface="Inconsolata Medium" panose="020B0609030003000000" pitchFamily="49" charset="77"/>
+                <a:latin typeface="Inconsolata" panose="020B0609030003000000" pitchFamily="49" charset="77"/>
               </a:rPr>
               <a:t>Katie    100</a:t>
             </a:r>
@@ -17560,7 +17888,7 @@
                 <a:solidFill>
                   <a:srgbClr val="000000"/>
                 </a:solidFill>
-                <a:latin typeface="Inconsolata Medium" panose="020B0609030003000000" pitchFamily="49" charset="77"/>
+                <a:latin typeface="Inconsolata" panose="020B0609030003000000" pitchFamily="49" charset="77"/>
               </a:rPr>
               <a:t>Bob       83</a:t>
             </a:r>
@@ -17574,7 +17902,7 @@
                 <a:solidFill>
                   <a:srgbClr val="000000"/>
                 </a:solidFill>
-                <a:latin typeface="Inconsolata Medium" panose="020B0609030003000000" pitchFamily="49" charset="77"/>
+                <a:latin typeface="Inconsolata" panose="020B0609030003000000" pitchFamily="49" charset="77"/>
               </a:rPr>
               <a:t>Name: Test1, </a:t>
             </a:r>
@@ -17583,7 +17911,7 @@
                 <a:solidFill>
                   <a:srgbClr val="000000"/>
                 </a:solidFill>
-                <a:latin typeface="Inconsolata Medium" panose="020B0609030003000000" pitchFamily="49" charset="77"/>
+                <a:latin typeface="Inconsolata" panose="020B0609030003000000" pitchFamily="49" charset="77"/>
               </a:rPr>
               <a:t>dtype</a:t>
             </a:r>
@@ -17592,7 +17920,7 @@
                 <a:solidFill>
                   <a:srgbClr val="000000"/>
                 </a:solidFill>
-                <a:latin typeface="Inconsolata Medium" panose="020B0609030003000000" pitchFamily="49" charset="77"/>
+                <a:latin typeface="Inconsolata" panose="020B0609030003000000" pitchFamily="49" charset="77"/>
               </a:rPr>
               <a:t>: int64</a:t>
             </a:r>
@@ -17602,7 +17930,7 @@
               <a:buNone/>
             </a:pPr>
             <a:endParaRPr lang="en-US" sz="2000" b="1" dirty="0">
-              <a:latin typeface="Inconsolata Medium" panose="020B0609030003000000" pitchFamily="49" charset="77"/>
+              <a:latin typeface="Inconsolata" panose="020B0609030003000000" pitchFamily="49" charset="77"/>
             </a:endParaRPr>
           </a:p>
           <a:p>
@@ -17610,7 +17938,7 @@
               <a:buNone/>
             </a:pPr>
             <a:endParaRPr lang="en-US" altLang="en-US" sz="2000" b="1" dirty="0">
-              <a:latin typeface="Inconsolata Medium" panose="020B0609030003000000" pitchFamily="49" charset="77"/>
+              <a:latin typeface="Inconsolata" panose="020B0609030003000000" pitchFamily="49" charset="77"/>
               <a:ea typeface="ＭＳ Ｐゴシック" panose="020B0600070205080204" pitchFamily="34" charset="-128"/>
             </a:endParaRPr>
           </a:p>
@@ -17764,7 +18092,7 @@
               <a:solidFill>
                 <a:srgbClr val="34A327"/>
               </a:solidFill>
-              <a:latin typeface="Inconsolata Medium" panose="020B0609030003000000" pitchFamily="49" charset="77"/>
+              <a:latin typeface="Inconsolata" panose="020B0609030003000000" pitchFamily="49" charset="77"/>
             </a:endParaRPr>
           </a:p>
           <a:p>
@@ -17776,7 +18104,7 @@
                 <a:solidFill>
                   <a:srgbClr val="34A327"/>
                 </a:solidFill>
-                <a:latin typeface="Inconsolata Medium" panose="020B0609030003000000" pitchFamily="49" charset="77"/>
+                <a:latin typeface="Inconsolata" panose="020B0609030003000000" pitchFamily="49" charset="77"/>
               </a:rPr>
               <a:t>import</a:t>
             </a:r>
@@ -17785,7 +18113,7 @@
                 <a:solidFill>
                   <a:srgbClr val="000000"/>
                 </a:solidFill>
-                <a:latin typeface="Inconsolata Medium" panose="020B0609030003000000" pitchFamily="49" charset="77"/>
+                <a:latin typeface="Inconsolata" panose="020B0609030003000000" pitchFamily="49" charset="77"/>
               </a:rPr>
               <a:t> </a:t>
             </a:r>
@@ -17794,7 +18122,7 @@
                 <a:solidFill>
                   <a:srgbClr val="3C9FF2"/>
                 </a:solidFill>
-                <a:latin typeface="Inconsolata Medium" panose="020B0609030003000000" pitchFamily="49" charset="77"/>
+                <a:latin typeface="Inconsolata" panose="020B0609030003000000" pitchFamily="49" charset="77"/>
               </a:rPr>
               <a:t>pandas</a:t>
             </a:r>
@@ -17803,7 +18131,7 @@
                 <a:solidFill>
                   <a:srgbClr val="000000"/>
                 </a:solidFill>
-                <a:latin typeface="Inconsolata Medium" panose="020B0609030003000000" pitchFamily="49" charset="77"/>
+                <a:latin typeface="Inconsolata" panose="020B0609030003000000" pitchFamily="49" charset="77"/>
               </a:rPr>
               <a:t> </a:t>
             </a:r>
@@ -17812,7 +18140,7 @@
                 <a:solidFill>
                   <a:srgbClr val="34A327"/>
                 </a:solidFill>
-                <a:latin typeface="Inconsolata Medium" panose="020B0609030003000000" pitchFamily="49" charset="77"/>
+                <a:latin typeface="Inconsolata" panose="020B0609030003000000" pitchFamily="49" charset="77"/>
               </a:rPr>
               <a:t>as</a:t>
             </a:r>
@@ -17821,7 +18149,7 @@
                 <a:solidFill>
                   <a:srgbClr val="000000"/>
                 </a:solidFill>
-                <a:latin typeface="Inconsolata Medium" panose="020B0609030003000000" pitchFamily="49" charset="77"/>
+                <a:latin typeface="Inconsolata" panose="020B0609030003000000" pitchFamily="49" charset="77"/>
               </a:rPr>
               <a:t> </a:t>
             </a:r>
@@ -17830,7 +18158,7 @@
                 <a:solidFill>
                   <a:srgbClr val="3C9FF2"/>
                 </a:solidFill>
-                <a:latin typeface="Inconsolata Medium" panose="020B0609030003000000" pitchFamily="49" charset="77"/>
+                <a:latin typeface="Inconsolata" panose="020B0609030003000000" pitchFamily="49" charset="77"/>
               </a:rPr>
               <a:t>pd</a:t>
             </a:r>
@@ -17839,7 +18167,7 @@
                 <a:solidFill>
                   <a:srgbClr val="000000"/>
                 </a:solidFill>
-                <a:latin typeface="Inconsolata Medium" panose="020B0609030003000000" pitchFamily="49" charset="77"/>
+                <a:latin typeface="Inconsolata" panose="020B0609030003000000" pitchFamily="49" charset="77"/>
               </a:rPr>
               <a:t> </a:t>
             </a:r>
@@ -17853,7 +18181,7 @@
                 <a:solidFill>
                   <a:srgbClr val="34A327"/>
                 </a:solidFill>
-                <a:latin typeface="Inconsolata Medium" panose="020B0609030003000000" pitchFamily="49" charset="77"/>
+                <a:latin typeface="Inconsolata" panose="020B0609030003000000" pitchFamily="49" charset="77"/>
               </a:rPr>
               <a:t>In[</a:t>
             </a:r>
@@ -17862,7 +18190,7 @@
                 <a:solidFill>
                   <a:srgbClr val="2EE721"/>
                 </a:solidFill>
-                <a:latin typeface="Inconsolata Medium" panose="020B0609030003000000" pitchFamily="49" charset="77"/>
+                <a:latin typeface="Inconsolata" panose="020B0609030003000000" pitchFamily="49" charset="77"/>
               </a:rPr>
               <a:t>1</a:t>
             </a:r>
@@ -17871,19 +18199,19 @@
                 <a:solidFill>
                   <a:srgbClr val="34A327"/>
                 </a:solidFill>
-                <a:latin typeface="Inconsolata Medium" panose="020B0609030003000000" pitchFamily="49" charset="77"/>
+                <a:latin typeface="Inconsolata" panose="020B0609030003000000" pitchFamily="49" charset="77"/>
               </a:rPr>
               <a:t>]: </a:t>
             </a:r>
             <a:r>
               <a:rPr lang="en-US" sz="2000" b="1" dirty="0" err="1">
-                <a:latin typeface="Inconsolata Medium" panose="020B0609030003000000" pitchFamily="49" charset="77"/>
+                <a:latin typeface="Inconsolata" panose="020B0609030003000000" pitchFamily="49" charset="77"/>
               </a:rPr>
               <a:t>grades.iloc</a:t>
             </a:r>
             <a:r>
               <a:rPr lang="en-US" sz="2000" b="1" dirty="0">
-                <a:latin typeface="Inconsolata Medium" panose="020B0609030003000000" pitchFamily="49" charset="77"/>
+                <a:latin typeface="Inconsolata" panose="020B0609030003000000" pitchFamily="49" charset="77"/>
               </a:rPr>
               <a:t>[1] </a:t>
             </a:r>
@@ -17891,7 +18219,7 @@
               <a:solidFill>
                 <a:srgbClr val="000000"/>
               </a:solidFill>
-              <a:latin typeface="Inconsolata Medium" panose="020B0609030003000000" pitchFamily="49" charset="77"/>
+              <a:latin typeface="Inconsolata" panose="020B0609030003000000" pitchFamily="49" charset="77"/>
             </a:endParaRPr>
           </a:p>
           <a:p>
@@ -17903,7 +18231,7 @@
                 <a:solidFill>
                   <a:srgbClr val="B23622"/>
                 </a:solidFill>
-                <a:latin typeface="Inconsolata Medium" panose="020B0609030003000000" pitchFamily="49" charset="77"/>
+                <a:latin typeface="Inconsolata" panose="020B0609030003000000" pitchFamily="49" charset="77"/>
               </a:rPr>
               <a:t>Out[</a:t>
             </a:r>
@@ -17912,7 +18240,7 @@
                 <a:solidFill>
                   <a:srgbClr val="FF3B1E"/>
                 </a:solidFill>
-                <a:latin typeface="Inconsolata Medium" panose="020B0609030003000000" pitchFamily="49" charset="77"/>
+                <a:latin typeface="Inconsolata" panose="020B0609030003000000" pitchFamily="49" charset="77"/>
               </a:rPr>
               <a:t>25</a:t>
             </a:r>
@@ -17921,7 +18249,7 @@
                 <a:solidFill>
                   <a:srgbClr val="B23622"/>
                 </a:solidFill>
-                <a:latin typeface="Inconsolata Medium" panose="020B0609030003000000" pitchFamily="49" charset="77"/>
+                <a:latin typeface="Inconsolata" panose="020B0609030003000000" pitchFamily="49" charset="77"/>
               </a:rPr>
               <a:t>]: </a:t>
             </a:r>
@@ -17932,7 +18260,7 @@
             </a:pPr>
             <a:r>
               <a:rPr lang="en-US" b="1" dirty="0">
-                <a:latin typeface="Inconsolata Medium" panose="020B0609030003000000" pitchFamily="49" charset="77"/>
+                <a:latin typeface="Inconsolata" panose="020B0609030003000000" pitchFamily="49" charset="77"/>
               </a:rPr>
               <a:t>Wally    96</a:t>
             </a:r>
@@ -17943,7 +18271,7 @@
             </a:pPr>
             <a:r>
               <a:rPr lang="en-US" b="1" dirty="0">
-                <a:latin typeface="Inconsolata Medium" panose="020B0609030003000000" pitchFamily="49" charset="77"/>
+                <a:latin typeface="Inconsolata" panose="020B0609030003000000" pitchFamily="49" charset="77"/>
               </a:rPr>
               <a:t>Eva      87</a:t>
             </a:r>
@@ -17954,7 +18282,7 @@
             </a:pPr>
             <a:r>
               <a:rPr lang="en-US" b="1" dirty="0">
-                <a:latin typeface="Inconsolata Medium" panose="020B0609030003000000" pitchFamily="49" charset="77"/>
+                <a:latin typeface="Inconsolata" panose="020B0609030003000000" pitchFamily="49" charset="77"/>
               </a:rPr>
               <a:t>Sam      77</a:t>
             </a:r>
@@ -17965,7 +18293,7 @@
             </a:pPr>
             <a:r>
               <a:rPr lang="en-US" b="1" dirty="0">
-                <a:latin typeface="Inconsolata Medium" panose="020B0609030003000000" pitchFamily="49" charset="77"/>
+                <a:latin typeface="Inconsolata" panose="020B0609030003000000" pitchFamily="49" charset="77"/>
               </a:rPr>
               <a:t>Katie    81</a:t>
             </a:r>
@@ -17976,7 +18304,7 @@
             </a:pPr>
             <a:r>
               <a:rPr lang="en-US" b="1" dirty="0">
-                <a:latin typeface="Inconsolata Medium" panose="020B0609030003000000" pitchFamily="49" charset="77"/>
+                <a:latin typeface="Inconsolata" panose="020B0609030003000000" pitchFamily="49" charset="77"/>
               </a:rPr>
               <a:t>Bob      65</a:t>
             </a:r>
@@ -17987,19 +18315,19 @@
             </a:pPr>
             <a:r>
               <a:rPr lang="en-US" b="1" dirty="0">
-                <a:latin typeface="Inconsolata Medium" panose="020B0609030003000000" pitchFamily="49" charset="77"/>
+                <a:latin typeface="Inconsolata" panose="020B0609030003000000" pitchFamily="49" charset="77"/>
               </a:rPr>
               <a:t>Name: Test2, </a:t>
             </a:r>
             <a:r>
               <a:rPr lang="en-US" b="1" dirty="0" err="1">
-                <a:latin typeface="Inconsolata Medium" panose="020B0609030003000000" pitchFamily="49" charset="77"/>
+                <a:latin typeface="Inconsolata" panose="020B0609030003000000" pitchFamily="49" charset="77"/>
               </a:rPr>
               <a:t>dtype</a:t>
             </a:r>
             <a:r>
               <a:rPr lang="en-US" b="1" dirty="0">
-                <a:latin typeface="Inconsolata Medium" panose="020B0609030003000000" pitchFamily="49" charset="77"/>
+                <a:latin typeface="Inconsolata" panose="020B0609030003000000" pitchFamily="49" charset="77"/>
               </a:rPr>
               <a:t>: int64</a:t>
             </a:r>
@@ -18009,7 +18337,7 @@
               <a:buNone/>
             </a:pPr>
             <a:endParaRPr lang="en-US" sz="2000" b="1" dirty="0">
-              <a:latin typeface="Inconsolata Medium" panose="020B0609030003000000" pitchFamily="49" charset="77"/>
+              <a:latin typeface="Inconsolata" panose="020B0609030003000000" pitchFamily="49" charset="77"/>
             </a:endParaRPr>
           </a:p>
           <a:p>
@@ -18017,7 +18345,7 @@
               <a:buNone/>
             </a:pPr>
             <a:endParaRPr lang="en-US" altLang="en-US" sz="2000" b="1" dirty="0">
-              <a:latin typeface="Inconsolata Medium" panose="020B0609030003000000" pitchFamily="49" charset="77"/>
+              <a:latin typeface="Inconsolata" panose="020B0609030003000000" pitchFamily="49" charset="77"/>
               <a:ea typeface="ＭＳ Ｐゴシック" panose="020B0600070205080204" pitchFamily="34" charset="-128"/>
             </a:endParaRPr>
           </a:p>
@@ -18133,7 +18461,7 @@
               <a:t>, the range you specify excludes the high index.</a:t>
             </a:r>
             <a:endParaRPr lang="en-US" sz="2000" b="1" dirty="0">
-              <a:latin typeface="Inconsolata Medium" panose="020B0609030003000000" pitchFamily="49" charset="77"/>
+              <a:latin typeface="Inconsolata" panose="020B0609030003000000" pitchFamily="49" charset="77"/>
             </a:endParaRPr>
           </a:p>
           <a:p>
@@ -18145,7 +18473,7 @@
                 <a:solidFill>
                   <a:srgbClr val="34A327"/>
                 </a:solidFill>
-                <a:latin typeface="Inconsolata Medium" panose="020B0609030003000000" pitchFamily="49" charset="77"/>
+                <a:latin typeface="Inconsolata" panose="020B0609030003000000" pitchFamily="49" charset="77"/>
               </a:rPr>
               <a:t>In[</a:t>
             </a:r>
@@ -18154,7 +18482,7 @@
                 <a:solidFill>
                   <a:srgbClr val="2EE721"/>
                 </a:solidFill>
-                <a:latin typeface="Inconsolata Medium" panose="020B0609030003000000" pitchFamily="49" charset="77"/>
+                <a:latin typeface="Inconsolata" panose="020B0609030003000000" pitchFamily="49" charset="77"/>
               </a:rPr>
               <a:t>1</a:t>
             </a:r>
@@ -18163,19 +18491,19 @@
                 <a:solidFill>
                   <a:srgbClr val="34A327"/>
                 </a:solidFill>
-                <a:latin typeface="Inconsolata Medium" panose="020B0609030003000000" pitchFamily="49" charset="77"/>
+                <a:latin typeface="Inconsolata" panose="020B0609030003000000" pitchFamily="49" charset="77"/>
               </a:rPr>
               <a:t>]: </a:t>
             </a:r>
             <a:r>
               <a:rPr lang="en-US" sz="1800" b="1" dirty="0" err="1">
-                <a:latin typeface="Inconsolata Medium" panose="020B0609030003000000" pitchFamily="49" charset="77"/>
+                <a:latin typeface="Inconsolata" panose="020B0609030003000000" pitchFamily="49" charset="77"/>
               </a:rPr>
               <a:t>grades.loc</a:t>
             </a:r>
             <a:r>
               <a:rPr lang="en-US" sz="1800" b="1" dirty="0">
-                <a:latin typeface="Inconsolata Medium" panose="020B0609030003000000" pitchFamily="49" charset="77"/>
+                <a:latin typeface="Inconsolata" panose="020B0609030003000000" pitchFamily="49" charset="77"/>
               </a:rPr>
               <a:t>['Test1':'Test3'] </a:t>
             </a:r>
@@ -18183,7 +18511,7 @@
               <a:solidFill>
                 <a:srgbClr val="000000"/>
               </a:solidFill>
-              <a:latin typeface="Inconsolata Medium" panose="020B0609030003000000" pitchFamily="49" charset="77"/>
+              <a:latin typeface="Inconsolata" panose="020B0609030003000000" pitchFamily="49" charset="77"/>
             </a:endParaRPr>
           </a:p>
           <a:p>
@@ -18195,7 +18523,7 @@
                 <a:solidFill>
                   <a:srgbClr val="B23622"/>
                 </a:solidFill>
-                <a:latin typeface="Inconsolata Medium" panose="020B0609030003000000" pitchFamily="49" charset="77"/>
+                <a:latin typeface="Inconsolata" panose="020B0609030003000000" pitchFamily="49" charset="77"/>
               </a:rPr>
               <a:t>Out[</a:t>
             </a:r>
@@ -18204,7 +18532,7 @@
                 <a:solidFill>
                   <a:srgbClr val="FF3B1E"/>
                 </a:solidFill>
-                <a:latin typeface="Inconsolata Medium" panose="020B0609030003000000" pitchFamily="49" charset="77"/>
+                <a:latin typeface="Inconsolata" panose="020B0609030003000000" pitchFamily="49" charset="77"/>
               </a:rPr>
               <a:t>25</a:t>
             </a:r>
@@ -18213,7 +18541,7 @@
                 <a:solidFill>
                   <a:srgbClr val="B23622"/>
                 </a:solidFill>
-                <a:latin typeface="Inconsolata Medium" panose="020B0609030003000000" pitchFamily="49" charset="77"/>
+                <a:latin typeface="Inconsolata" panose="020B0609030003000000" pitchFamily="49" charset="77"/>
               </a:rPr>
               <a:t>]: </a:t>
             </a:r>
@@ -18227,7 +18555,7 @@
                 <a:solidFill>
                   <a:srgbClr val="000000"/>
                 </a:solidFill>
-                <a:latin typeface="Inconsolata Medium" panose="020B0609030003000000" pitchFamily="49" charset="77"/>
+                <a:latin typeface="Inconsolata" panose="020B0609030003000000" pitchFamily="49" charset="77"/>
               </a:rPr>
               <a:t>       Wally  Eva  Sam  Katie  Bob</a:t>
             </a:r>
@@ -18241,7 +18569,7 @@
                 <a:solidFill>
                   <a:srgbClr val="000000"/>
                 </a:solidFill>
-                <a:latin typeface="Inconsolata Medium" panose="020B0609030003000000" pitchFamily="49" charset="77"/>
+                <a:latin typeface="Inconsolata" panose="020B0609030003000000" pitchFamily="49" charset="77"/>
               </a:rPr>
               <a:t>Test1    100  100   94    100   83</a:t>
             </a:r>
@@ -18255,7 +18583,7 @@
                 <a:solidFill>
                   <a:srgbClr val="000000"/>
                 </a:solidFill>
-                <a:latin typeface="Inconsolata Medium" panose="020B0609030003000000" pitchFamily="49" charset="77"/>
+                <a:latin typeface="Inconsolata" panose="020B0609030003000000" pitchFamily="49" charset="77"/>
               </a:rPr>
               <a:t>Test2     96   87   77     81   65</a:t>
             </a:r>
@@ -18269,7 +18597,7 @@
                 <a:solidFill>
                   <a:srgbClr val="000000"/>
                 </a:solidFill>
-                <a:latin typeface="Inconsolata Medium" panose="020B0609030003000000" pitchFamily="49" charset="77"/>
+                <a:latin typeface="Inconsolata" panose="020B0609030003000000" pitchFamily="49" charset="77"/>
               </a:rPr>
               <a:t>Test3     70   90   90     82   85</a:t>
             </a:r>
@@ -18282,7 +18610,7 @@
               <a:solidFill>
                 <a:srgbClr val="34A327"/>
               </a:solidFill>
-              <a:latin typeface="Inconsolata Medium" panose="020B0609030003000000" pitchFamily="49" charset="77"/>
+              <a:latin typeface="Inconsolata" panose="020B0609030003000000" pitchFamily="49" charset="77"/>
             </a:endParaRPr>
           </a:p>
           <a:p>
@@ -18294,7 +18622,7 @@
                 <a:solidFill>
                   <a:srgbClr val="34A327"/>
                 </a:solidFill>
-                <a:latin typeface="Inconsolata Medium" panose="020B0609030003000000" pitchFamily="49" charset="77"/>
+                <a:latin typeface="Inconsolata" panose="020B0609030003000000" pitchFamily="49" charset="77"/>
               </a:rPr>
               <a:t>In[</a:t>
             </a:r>
@@ -18303,7 +18631,7 @@
                 <a:solidFill>
                   <a:srgbClr val="2EE721"/>
                 </a:solidFill>
-                <a:latin typeface="Inconsolata Medium" panose="020B0609030003000000" pitchFamily="49" charset="77"/>
+                <a:latin typeface="Inconsolata" panose="020B0609030003000000" pitchFamily="49" charset="77"/>
               </a:rPr>
               <a:t>1</a:t>
             </a:r>
@@ -18312,19 +18640,19 @@
                 <a:solidFill>
                   <a:srgbClr val="34A327"/>
                 </a:solidFill>
-                <a:latin typeface="Inconsolata Medium" panose="020B0609030003000000" pitchFamily="49" charset="77"/>
+                <a:latin typeface="Inconsolata" panose="020B0609030003000000" pitchFamily="49" charset="77"/>
               </a:rPr>
               <a:t>]: </a:t>
             </a:r>
             <a:r>
               <a:rPr lang="en-US" sz="1800" b="1" dirty="0" err="1">
-                <a:latin typeface="Inconsolata Medium" panose="020B0609030003000000" pitchFamily="49" charset="77"/>
+                <a:latin typeface="Inconsolata" panose="020B0609030003000000" pitchFamily="49" charset="77"/>
               </a:rPr>
               <a:t>grades.iloc</a:t>
             </a:r>
             <a:r>
               <a:rPr lang="en-US" sz="1800" b="1" dirty="0">
-                <a:latin typeface="Inconsolata Medium" panose="020B0609030003000000" pitchFamily="49" charset="77"/>
+                <a:latin typeface="Inconsolata" panose="020B0609030003000000" pitchFamily="49" charset="77"/>
               </a:rPr>
               <a:t>[0:2] </a:t>
             </a:r>
@@ -18332,7 +18660,7 @@
               <a:solidFill>
                 <a:srgbClr val="000000"/>
               </a:solidFill>
-              <a:latin typeface="Inconsolata Medium" panose="020B0609030003000000" pitchFamily="49" charset="77"/>
+              <a:latin typeface="Inconsolata" panose="020B0609030003000000" pitchFamily="49" charset="77"/>
             </a:endParaRPr>
           </a:p>
           <a:p>
@@ -18344,7 +18672,7 @@
                 <a:solidFill>
                   <a:srgbClr val="B23622"/>
                 </a:solidFill>
-                <a:latin typeface="Inconsolata Medium" panose="020B0609030003000000" pitchFamily="49" charset="77"/>
+                <a:latin typeface="Inconsolata" panose="020B0609030003000000" pitchFamily="49" charset="77"/>
               </a:rPr>
               <a:t>Out[</a:t>
             </a:r>
@@ -18353,7 +18681,7 @@
                 <a:solidFill>
                   <a:srgbClr val="FF3B1E"/>
                 </a:solidFill>
-                <a:latin typeface="Inconsolata Medium" panose="020B0609030003000000" pitchFamily="49" charset="77"/>
+                <a:latin typeface="Inconsolata" panose="020B0609030003000000" pitchFamily="49" charset="77"/>
               </a:rPr>
               <a:t>25</a:t>
             </a:r>
@@ -18362,7 +18690,7 @@
                 <a:solidFill>
                   <a:srgbClr val="B23622"/>
                 </a:solidFill>
-                <a:latin typeface="Inconsolata Medium" panose="020B0609030003000000" pitchFamily="49" charset="77"/>
+                <a:latin typeface="Inconsolata" panose="020B0609030003000000" pitchFamily="49" charset="77"/>
               </a:rPr>
               <a:t>]: </a:t>
             </a:r>
@@ -18376,7 +18704,7 @@
                 <a:solidFill>
                   <a:srgbClr val="000000"/>
                 </a:solidFill>
-                <a:latin typeface="Inconsolata Medium" panose="020B0609030003000000" pitchFamily="49" charset="77"/>
+                <a:latin typeface="Inconsolata" panose="020B0609030003000000" pitchFamily="49" charset="77"/>
               </a:rPr>
               <a:t>       Wally  Eva  Sam  Katie  Bob</a:t>
             </a:r>
@@ -18390,7 +18718,7 @@
                 <a:solidFill>
                   <a:srgbClr val="000000"/>
                 </a:solidFill>
-                <a:latin typeface="Inconsolata Medium" panose="020B0609030003000000" pitchFamily="49" charset="77"/>
+                <a:latin typeface="Inconsolata" panose="020B0609030003000000" pitchFamily="49" charset="77"/>
               </a:rPr>
               <a:t>Test1    100  100   94    100   83</a:t>
             </a:r>
@@ -18404,7 +18732,7 @@
                 <a:solidFill>
                   <a:srgbClr val="000000"/>
                 </a:solidFill>
-                <a:latin typeface="Inconsolata Medium" panose="020B0609030003000000" pitchFamily="49" charset="77"/>
+                <a:latin typeface="Inconsolata" panose="020B0609030003000000" pitchFamily="49" charset="77"/>
               </a:rPr>
               <a:t>Test2     96   87   77     81   65</a:t>
             </a:r>
@@ -18414,7 +18742,7 @@
               <a:buNone/>
             </a:pPr>
             <a:endParaRPr lang="en-US" altLang="en-US" sz="2000" b="1" dirty="0">
-              <a:latin typeface="Inconsolata Medium" panose="020B0609030003000000" pitchFamily="49" charset="77"/>
+              <a:latin typeface="Inconsolata" panose="020B0609030003000000" pitchFamily="49" charset="77"/>
               <a:ea typeface="ＭＳ Ｐゴシック" panose="020B0600070205080204" pitchFamily="34" charset="-128"/>
             </a:endParaRPr>
           </a:p>
@@ -18616,7 +18944,7 @@
               <a:solidFill>
                 <a:srgbClr val="34A327"/>
               </a:solidFill>
-              <a:latin typeface="Inconsolata Medium" panose="020B0609030003000000" pitchFamily="49" charset="77"/>
+              <a:latin typeface="Inconsolata" panose="020B0609030003000000" pitchFamily="49" charset="77"/>
             </a:endParaRPr>
           </a:p>
           <a:p>
@@ -18628,7 +18956,7 @@
                 <a:solidFill>
                   <a:srgbClr val="34A327"/>
                 </a:solidFill>
-                <a:latin typeface="Inconsolata Medium" panose="020B0609030003000000" pitchFamily="49" charset="77"/>
+                <a:latin typeface="Inconsolata" panose="020B0609030003000000" pitchFamily="49" charset="77"/>
               </a:rPr>
               <a:t>In[</a:t>
             </a:r>
@@ -18637,7 +18965,7 @@
                 <a:solidFill>
                   <a:srgbClr val="2EE721"/>
                 </a:solidFill>
-                <a:latin typeface="Inconsolata Medium" panose="020B0609030003000000" pitchFamily="49" charset="77"/>
+                <a:latin typeface="Inconsolata" panose="020B0609030003000000" pitchFamily="49" charset="77"/>
               </a:rPr>
               <a:t>1</a:t>
             </a:r>
@@ -18646,19 +18974,19 @@
                 <a:solidFill>
                   <a:srgbClr val="34A327"/>
                 </a:solidFill>
-                <a:latin typeface="Inconsolata Medium" panose="020B0609030003000000" pitchFamily="49" charset="77"/>
+                <a:latin typeface="Inconsolata" panose="020B0609030003000000" pitchFamily="49" charset="77"/>
               </a:rPr>
               <a:t>]: </a:t>
             </a:r>
             <a:r>
               <a:rPr lang="en-US" sz="1800" b="1" dirty="0" err="1">
-                <a:latin typeface="Inconsolata Medium" panose="020B0609030003000000" pitchFamily="49" charset="77"/>
+                <a:latin typeface="Inconsolata" panose="020B0609030003000000" pitchFamily="49" charset="77"/>
               </a:rPr>
               <a:t>grades.loc</a:t>
             </a:r>
             <a:r>
               <a:rPr lang="en-US" sz="1800" b="1" dirty="0">
-                <a:latin typeface="Inconsolata Medium" panose="020B0609030003000000" pitchFamily="49" charset="77"/>
+                <a:latin typeface="Inconsolata" panose="020B0609030003000000" pitchFamily="49" charset="77"/>
               </a:rPr>
               <a:t>[['Test1','Test3']]</a:t>
             </a:r>
@@ -18666,7 +18994,7 @@
               <a:solidFill>
                 <a:srgbClr val="000000"/>
               </a:solidFill>
-              <a:latin typeface="Inconsolata Medium" panose="020B0609030003000000" pitchFamily="49" charset="77"/>
+              <a:latin typeface="Inconsolata" panose="020B0609030003000000" pitchFamily="49" charset="77"/>
             </a:endParaRPr>
           </a:p>
           <a:p>
@@ -18678,7 +19006,7 @@
                 <a:solidFill>
                   <a:srgbClr val="B23622"/>
                 </a:solidFill>
-                <a:latin typeface="Inconsolata Medium" panose="020B0609030003000000" pitchFamily="49" charset="77"/>
+                <a:latin typeface="Inconsolata" panose="020B0609030003000000" pitchFamily="49" charset="77"/>
               </a:rPr>
               <a:t>Out[</a:t>
             </a:r>
@@ -18687,7 +19015,7 @@
                 <a:solidFill>
                   <a:srgbClr val="FF3B1E"/>
                 </a:solidFill>
-                <a:latin typeface="Inconsolata Medium" panose="020B0609030003000000" pitchFamily="49" charset="77"/>
+                <a:latin typeface="Inconsolata" panose="020B0609030003000000" pitchFamily="49" charset="77"/>
               </a:rPr>
               <a:t>25</a:t>
             </a:r>
@@ -18696,7 +19024,7 @@
                 <a:solidFill>
                   <a:srgbClr val="B23622"/>
                 </a:solidFill>
-                <a:latin typeface="Inconsolata Medium" panose="020B0609030003000000" pitchFamily="49" charset="77"/>
+                <a:latin typeface="Inconsolata" panose="020B0609030003000000" pitchFamily="49" charset="77"/>
               </a:rPr>
               <a:t>]: </a:t>
             </a:r>
@@ -18710,7 +19038,7 @@
                 <a:solidFill>
                   <a:srgbClr val="000000"/>
                 </a:solidFill>
-                <a:latin typeface="Inconsolata Medium" panose="020B0609030003000000" pitchFamily="49" charset="77"/>
+                <a:latin typeface="Inconsolata" panose="020B0609030003000000" pitchFamily="49" charset="77"/>
               </a:rPr>
               <a:t>       Wally  Eva  Sam  Katie  Bob</a:t>
             </a:r>
@@ -18724,7 +19052,7 @@
                 <a:solidFill>
                   <a:srgbClr val="000000"/>
                 </a:solidFill>
-                <a:latin typeface="Inconsolata Medium" panose="020B0609030003000000" pitchFamily="49" charset="77"/>
+                <a:latin typeface="Inconsolata" panose="020B0609030003000000" pitchFamily="49" charset="77"/>
               </a:rPr>
               <a:t>Test1    100  100   94    100   83</a:t>
             </a:r>
@@ -18738,7 +19066,7 @@
                 <a:solidFill>
                   <a:srgbClr val="000000"/>
                 </a:solidFill>
-                <a:latin typeface="Inconsolata Medium" panose="020B0609030003000000" pitchFamily="49" charset="77"/>
+                <a:latin typeface="Inconsolata" panose="020B0609030003000000" pitchFamily="49" charset="77"/>
               </a:rPr>
               <a:t>Test3     70   90   90     82   85</a:t>
             </a:r>
@@ -18751,7 +19079,7 @@
               <a:solidFill>
                 <a:srgbClr val="34A327"/>
               </a:solidFill>
-              <a:latin typeface="Inconsolata Medium" panose="020B0609030003000000" pitchFamily="49" charset="77"/>
+              <a:latin typeface="Inconsolata" panose="020B0609030003000000" pitchFamily="49" charset="77"/>
             </a:endParaRPr>
           </a:p>
           <a:p>
@@ -18763,7 +19091,7 @@
                 <a:solidFill>
                   <a:srgbClr val="34A327"/>
                 </a:solidFill>
-                <a:latin typeface="Inconsolata Medium" panose="020B0609030003000000" pitchFamily="49" charset="77"/>
+                <a:latin typeface="Inconsolata" panose="020B0609030003000000" pitchFamily="49" charset="77"/>
               </a:rPr>
               <a:t>In[</a:t>
             </a:r>
@@ -18772,7 +19100,7 @@
                 <a:solidFill>
                   <a:srgbClr val="2EE721"/>
                 </a:solidFill>
-                <a:latin typeface="Inconsolata Medium" panose="020B0609030003000000" pitchFamily="49" charset="77"/>
+                <a:latin typeface="Inconsolata" panose="020B0609030003000000" pitchFamily="49" charset="77"/>
               </a:rPr>
               <a:t>1</a:t>
             </a:r>
@@ -18781,19 +19109,19 @@
                 <a:solidFill>
                   <a:srgbClr val="34A327"/>
                 </a:solidFill>
-                <a:latin typeface="Inconsolata Medium" panose="020B0609030003000000" pitchFamily="49" charset="77"/>
+                <a:latin typeface="Inconsolata" panose="020B0609030003000000" pitchFamily="49" charset="77"/>
               </a:rPr>
               <a:t>]: </a:t>
             </a:r>
             <a:r>
               <a:rPr lang="en-US" sz="1800" b="1" dirty="0" err="1">
-                <a:latin typeface="Inconsolata Medium" panose="020B0609030003000000" pitchFamily="49" charset="77"/>
+                <a:latin typeface="Inconsolata" panose="020B0609030003000000" pitchFamily="49" charset="77"/>
               </a:rPr>
               <a:t>grades.iloc</a:t>
             </a:r>
             <a:r>
               <a:rPr lang="en-US" sz="1800" b="1" dirty="0">
-                <a:latin typeface="Inconsolata Medium" panose="020B0609030003000000" pitchFamily="49" charset="77"/>
+                <a:latin typeface="Inconsolata" panose="020B0609030003000000" pitchFamily="49" charset="77"/>
               </a:rPr>
               <a:t>[[0, 2]] </a:t>
             </a:r>
@@ -18801,7 +19129,7 @@
               <a:solidFill>
                 <a:srgbClr val="000000"/>
               </a:solidFill>
-              <a:latin typeface="Inconsolata Medium" panose="020B0609030003000000" pitchFamily="49" charset="77"/>
+              <a:latin typeface="Inconsolata" panose="020B0609030003000000" pitchFamily="49" charset="77"/>
             </a:endParaRPr>
           </a:p>
           <a:p>
@@ -18813,7 +19141,7 @@
                 <a:solidFill>
                   <a:srgbClr val="B23622"/>
                 </a:solidFill>
-                <a:latin typeface="Inconsolata Medium" panose="020B0609030003000000" pitchFamily="49" charset="77"/>
+                <a:latin typeface="Inconsolata" panose="020B0609030003000000" pitchFamily="49" charset="77"/>
               </a:rPr>
               <a:t>Out[</a:t>
             </a:r>
@@ -18822,7 +19150,7 @@
                 <a:solidFill>
                   <a:srgbClr val="FF3B1E"/>
                 </a:solidFill>
-                <a:latin typeface="Inconsolata Medium" panose="020B0609030003000000" pitchFamily="49" charset="77"/>
+                <a:latin typeface="Inconsolata" panose="020B0609030003000000" pitchFamily="49" charset="77"/>
               </a:rPr>
               <a:t>25</a:t>
             </a:r>
@@ -18831,7 +19159,7 @@
                 <a:solidFill>
                   <a:srgbClr val="B23622"/>
                 </a:solidFill>
-                <a:latin typeface="Inconsolata Medium" panose="020B0609030003000000" pitchFamily="49" charset="77"/>
+                <a:latin typeface="Inconsolata" panose="020B0609030003000000" pitchFamily="49" charset="77"/>
               </a:rPr>
               <a:t>]: </a:t>
             </a:r>
@@ -18845,7 +19173,7 @@
                 <a:solidFill>
                   <a:srgbClr val="000000"/>
                 </a:solidFill>
-                <a:latin typeface="Inconsolata Medium" panose="020B0609030003000000" pitchFamily="49" charset="77"/>
+                <a:latin typeface="Inconsolata" panose="020B0609030003000000" pitchFamily="49" charset="77"/>
               </a:rPr>
               <a:t>       Wally  Eva  Sam  Katie  Bob</a:t>
             </a:r>
@@ -18859,7 +19187,7 @@
                 <a:solidFill>
                   <a:srgbClr val="000000"/>
                 </a:solidFill>
-                <a:latin typeface="Inconsolata Medium" panose="020B0609030003000000" pitchFamily="49" charset="77"/>
+                <a:latin typeface="Inconsolata" panose="020B0609030003000000" pitchFamily="49" charset="77"/>
               </a:rPr>
               <a:t>Test1    100  100   94    100   83</a:t>
             </a:r>
@@ -18873,7 +19201,7 @@
                 <a:solidFill>
                   <a:srgbClr val="000000"/>
                 </a:solidFill>
-                <a:latin typeface="Inconsolata Medium" panose="020B0609030003000000" pitchFamily="49" charset="77"/>
+                <a:latin typeface="Inconsolata" panose="020B0609030003000000" pitchFamily="49" charset="77"/>
               </a:rPr>
               <a:t>Test3     70   90   90     82   85</a:t>
             </a:r>
@@ -18883,7 +19211,7 @@
               <a:buNone/>
             </a:pPr>
             <a:endParaRPr lang="en-US" altLang="en-US" sz="2000" b="1" dirty="0">
-              <a:latin typeface="Inconsolata Medium" panose="020B0609030003000000" pitchFamily="49" charset="77"/>
+              <a:latin typeface="Inconsolata" panose="020B0609030003000000" pitchFamily="49" charset="77"/>
               <a:ea typeface="ＭＳ Ｐゴシック" panose="020B0600070205080204" pitchFamily="34" charset="-128"/>
             </a:endParaRPr>
           </a:p>
@@ -19002,7 +19330,7 @@
               <a:solidFill>
                 <a:srgbClr val="34A327"/>
               </a:solidFill>
-              <a:latin typeface="Inconsolata Medium" panose="020B0609030003000000" pitchFamily="49" charset="77"/>
+              <a:latin typeface="Inconsolata" panose="020B0609030003000000" pitchFamily="49" charset="77"/>
             </a:endParaRPr>
           </a:p>
           <a:p>
@@ -19014,7 +19342,7 @@
                 <a:solidFill>
                   <a:srgbClr val="34A327"/>
                 </a:solidFill>
-                <a:latin typeface="Inconsolata Medium" panose="020B0609030003000000" pitchFamily="49" charset="77"/>
+                <a:latin typeface="Inconsolata" panose="020B0609030003000000" pitchFamily="49" charset="77"/>
               </a:rPr>
               <a:t>In[</a:t>
             </a:r>
@@ -19023,7 +19351,7 @@
                 <a:solidFill>
                   <a:srgbClr val="2EE721"/>
                 </a:solidFill>
-                <a:latin typeface="Inconsolata Medium" panose="020B0609030003000000" pitchFamily="49" charset="77"/>
+                <a:latin typeface="Inconsolata" panose="020B0609030003000000" pitchFamily="49" charset="77"/>
               </a:rPr>
               <a:t>1</a:t>
             </a:r>
@@ -19032,19 +19360,19 @@
                 <a:solidFill>
                   <a:srgbClr val="34A327"/>
                 </a:solidFill>
-                <a:latin typeface="Inconsolata Medium" panose="020B0609030003000000" pitchFamily="49" charset="77"/>
+                <a:latin typeface="Inconsolata" panose="020B0609030003000000" pitchFamily="49" charset="77"/>
               </a:rPr>
               <a:t>]: </a:t>
             </a:r>
             <a:r>
               <a:rPr lang="en-US" sz="2000" b="1" dirty="0" err="1">
-                <a:latin typeface="Inconsolata Medium" panose="020B0609030003000000" pitchFamily="49" charset="77"/>
+                <a:latin typeface="Inconsolata" panose="020B0609030003000000" pitchFamily="49" charset="77"/>
               </a:rPr>
               <a:t>grades.loc</a:t>
             </a:r>
             <a:r>
               <a:rPr lang="en-US" sz="2000" b="1" dirty="0">
-                <a:latin typeface="Inconsolata Medium" panose="020B0609030003000000" pitchFamily="49" charset="77"/>
+                <a:latin typeface="Inconsolata" panose="020B0609030003000000" pitchFamily="49" charset="77"/>
               </a:rPr>
               <a:t>['Test1':'Test2', ['Eva', 'Katie']]  </a:t>
             </a:r>
@@ -19052,7 +19380,7 @@
               <a:solidFill>
                 <a:srgbClr val="000000"/>
               </a:solidFill>
-              <a:latin typeface="Inconsolata Medium" panose="020B0609030003000000" pitchFamily="49" charset="77"/>
+              <a:latin typeface="Inconsolata" panose="020B0609030003000000" pitchFamily="49" charset="77"/>
             </a:endParaRPr>
           </a:p>
           <a:p>
@@ -19064,7 +19392,7 @@
                 <a:solidFill>
                   <a:srgbClr val="B23622"/>
                 </a:solidFill>
-                <a:latin typeface="Inconsolata Medium" panose="020B0609030003000000" pitchFamily="49" charset="77"/>
+                <a:latin typeface="Inconsolata" panose="020B0609030003000000" pitchFamily="49" charset="77"/>
               </a:rPr>
               <a:t>Out[</a:t>
             </a:r>
@@ -19073,7 +19401,7 @@
                 <a:solidFill>
                   <a:srgbClr val="FF3B1E"/>
                 </a:solidFill>
-                <a:latin typeface="Inconsolata Medium" panose="020B0609030003000000" pitchFamily="49" charset="77"/>
+                <a:latin typeface="Inconsolata" panose="020B0609030003000000" pitchFamily="49" charset="77"/>
               </a:rPr>
               <a:t>25</a:t>
             </a:r>
@@ -19082,7 +19410,7 @@
                 <a:solidFill>
                   <a:srgbClr val="B23622"/>
                 </a:solidFill>
-                <a:latin typeface="Inconsolata Medium" panose="020B0609030003000000" pitchFamily="49" charset="77"/>
+                <a:latin typeface="Inconsolata" panose="020B0609030003000000" pitchFamily="49" charset="77"/>
               </a:rPr>
               <a:t>]: </a:t>
             </a:r>
@@ -19137,7 +19465,7 @@
               <a:solidFill>
                 <a:srgbClr val="34A327"/>
               </a:solidFill>
-              <a:latin typeface="Inconsolata Medium" panose="020B0609030003000000" pitchFamily="49" charset="77"/>
+              <a:latin typeface="Inconsolata" panose="020B0609030003000000" pitchFamily="49" charset="77"/>
             </a:endParaRPr>
           </a:p>
           <a:p>
@@ -19149,7 +19477,7 @@
                 <a:solidFill>
                   <a:srgbClr val="34A327"/>
                 </a:solidFill>
-                <a:latin typeface="Inconsolata Medium" panose="020B0609030003000000" pitchFamily="49" charset="77"/>
+                <a:latin typeface="Inconsolata" panose="020B0609030003000000" pitchFamily="49" charset="77"/>
               </a:rPr>
               <a:t>In[</a:t>
             </a:r>
@@ -19158,7 +19486,7 @@
                 <a:solidFill>
                   <a:srgbClr val="2EE721"/>
                 </a:solidFill>
-                <a:latin typeface="Inconsolata Medium" panose="020B0609030003000000" pitchFamily="49" charset="77"/>
+                <a:latin typeface="Inconsolata" panose="020B0609030003000000" pitchFamily="49" charset="77"/>
               </a:rPr>
               <a:t>1</a:t>
             </a:r>
@@ -19167,19 +19495,19 @@
                 <a:solidFill>
                   <a:srgbClr val="34A327"/>
                 </a:solidFill>
-                <a:latin typeface="Inconsolata Medium" panose="020B0609030003000000" pitchFamily="49" charset="77"/>
+                <a:latin typeface="Inconsolata" panose="020B0609030003000000" pitchFamily="49" charset="77"/>
               </a:rPr>
               <a:t>]: </a:t>
             </a:r>
             <a:r>
               <a:rPr lang="en-US" sz="2000" b="1" dirty="0" err="1">
-                <a:latin typeface="Inconsolata Medium" panose="020B0609030003000000" pitchFamily="49" charset="77"/>
+                <a:latin typeface="Inconsolata" panose="020B0609030003000000" pitchFamily="49" charset="77"/>
               </a:rPr>
               <a:t>grades.iloc</a:t>
             </a:r>
             <a:r>
               <a:rPr lang="en-US" sz="2000" b="1" dirty="0">
-                <a:latin typeface="Inconsolata Medium" panose="020B0609030003000000" pitchFamily="49" charset="77"/>
+                <a:latin typeface="Inconsolata" panose="020B0609030003000000" pitchFamily="49" charset="77"/>
               </a:rPr>
               <a:t>[[0, 2], 0:3]</a:t>
             </a:r>
@@ -19187,7 +19515,7 @@
               <a:solidFill>
                 <a:srgbClr val="000000"/>
               </a:solidFill>
-              <a:latin typeface="Inconsolata Medium" panose="020B0609030003000000" pitchFamily="49" charset="77"/>
+              <a:latin typeface="Inconsolata" panose="020B0609030003000000" pitchFamily="49" charset="77"/>
             </a:endParaRPr>
           </a:p>
           <a:p>
@@ -19199,7 +19527,7 @@
                 <a:solidFill>
                   <a:srgbClr val="B23622"/>
                 </a:solidFill>
-                <a:latin typeface="Inconsolata Medium" panose="020B0609030003000000" pitchFamily="49" charset="77"/>
+                <a:latin typeface="Inconsolata" panose="020B0609030003000000" pitchFamily="49" charset="77"/>
               </a:rPr>
               <a:t>Out[</a:t>
             </a:r>
@@ -19208,7 +19536,7 @@
                 <a:solidFill>
                   <a:srgbClr val="FF3B1E"/>
                 </a:solidFill>
-                <a:latin typeface="Inconsolata Medium" panose="020B0609030003000000" pitchFamily="49" charset="77"/>
+                <a:latin typeface="Inconsolata" panose="020B0609030003000000" pitchFamily="49" charset="77"/>
               </a:rPr>
               <a:t>25</a:t>
             </a:r>
@@ -19217,7 +19545,7 @@
                 <a:solidFill>
                   <a:srgbClr val="B23622"/>
                 </a:solidFill>
-                <a:latin typeface="Inconsolata Medium" panose="020B0609030003000000" pitchFamily="49" charset="77"/>
+                <a:latin typeface="Inconsolata" panose="020B0609030003000000" pitchFamily="49" charset="77"/>
               </a:rPr>
               <a:t>]: </a:t>
             </a:r>
@@ -19231,7 +19559,7 @@
                 <a:solidFill>
                   <a:srgbClr val="000000"/>
                 </a:solidFill>
-                <a:latin typeface="Inconsolata Medium" panose="020B0609030003000000" pitchFamily="49" charset="77"/>
+                <a:latin typeface="Inconsolata" panose="020B0609030003000000" pitchFamily="49" charset="77"/>
               </a:rPr>
               <a:t>       Wally  Eva  Sam</a:t>
             </a:r>
@@ -19245,7 +19573,7 @@
                 <a:solidFill>
                   <a:srgbClr val="000000"/>
                 </a:solidFill>
-                <a:latin typeface="Inconsolata Medium" panose="020B0609030003000000" pitchFamily="49" charset="77"/>
+                <a:latin typeface="Inconsolata" panose="020B0609030003000000" pitchFamily="49" charset="77"/>
               </a:rPr>
               <a:t>Test1    100  100   94</a:t>
             </a:r>
@@ -19259,7 +19587,7 @@
                 <a:solidFill>
                   <a:srgbClr val="000000"/>
                 </a:solidFill>
-                <a:latin typeface="Inconsolata Medium" panose="020B0609030003000000" pitchFamily="49" charset="77"/>
+                <a:latin typeface="Inconsolata" panose="020B0609030003000000" pitchFamily="49" charset="77"/>
               </a:rPr>
               <a:t>Test3     70   90   90</a:t>
             </a:r>
@@ -19269,7 +19597,7 @@
               <a:buNone/>
             </a:pPr>
             <a:endParaRPr lang="en-US" altLang="en-US" sz="2000" b="1" dirty="0">
-              <a:latin typeface="Inconsolata Medium" panose="020B0609030003000000" pitchFamily="49" charset="77"/>
+              <a:latin typeface="Inconsolata" panose="020B0609030003000000" pitchFamily="49" charset="77"/>
               <a:ea typeface="ＭＳ Ｐゴシック" panose="020B0600070205080204" pitchFamily="34" charset="-128"/>
             </a:endParaRPr>
           </a:p>
@@ -19386,7 +19714,7 @@
                 <a:solidFill>
                   <a:srgbClr val="34A327"/>
                 </a:solidFill>
-                <a:latin typeface="Inconsolata Medium" panose="020B0609030003000000" pitchFamily="49" charset="77"/>
+                <a:latin typeface="Inconsolata" panose="020B0609030003000000" pitchFamily="49" charset="77"/>
               </a:rPr>
               <a:t>In[</a:t>
             </a:r>
@@ -19395,7 +19723,7 @@
                 <a:solidFill>
                   <a:srgbClr val="2EE721"/>
                 </a:solidFill>
-                <a:latin typeface="Inconsolata Medium" panose="020B0609030003000000" pitchFamily="49" charset="77"/>
+                <a:latin typeface="Inconsolata" panose="020B0609030003000000" pitchFamily="49" charset="77"/>
               </a:rPr>
               <a:t>1</a:t>
             </a:r>
@@ -19404,13 +19732,13 @@
                 <a:solidFill>
                   <a:srgbClr val="34A327"/>
                 </a:solidFill>
-                <a:latin typeface="Inconsolata Medium" panose="020B0609030003000000" pitchFamily="49" charset="77"/>
+                <a:latin typeface="Inconsolata" panose="020B0609030003000000" pitchFamily="49" charset="77"/>
               </a:rPr>
               <a:t>]: </a:t>
             </a:r>
             <a:r>
               <a:rPr lang="en-US" sz="2000" b="1" dirty="0">
-                <a:latin typeface="Inconsolata Medium" panose="020B0609030003000000" pitchFamily="49" charset="77"/>
+                <a:latin typeface="Inconsolata" panose="020B0609030003000000" pitchFamily="49" charset="77"/>
               </a:rPr>
               <a:t>grades[grades &gt;= 90]   </a:t>
             </a:r>
@@ -19418,7 +19746,7 @@
               <a:solidFill>
                 <a:srgbClr val="000000"/>
               </a:solidFill>
-              <a:latin typeface="Inconsolata Medium" panose="020B0609030003000000" pitchFamily="49" charset="77"/>
+              <a:latin typeface="Inconsolata" panose="020B0609030003000000" pitchFamily="49" charset="77"/>
             </a:endParaRPr>
           </a:p>
           <a:p>
@@ -19430,7 +19758,7 @@
                 <a:solidFill>
                   <a:srgbClr val="B23622"/>
                 </a:solidFill>
-                <a:latin typeface="Inconsolata Medium" panose="020B0609030003000000" pitchFamily="49" charset="77"/>
+                <a:latin typeface="Inconsolata" panose="020B0609030003000000" pitchFamily="49" charset="77"/>
               </a:rPr>
               <a:t>Out[</a:t>
             </a:r>
@@ -19439,7 +19767,7 @@
                 <a:solidFill>
                   <a:srgbClr val="FF3B1E"/>
                 </a:solidFill>
-                <a:latin typeface="Inconsolata Medium" panose="020B0609030003000000" pitchFamily="49" charset="77"/>
+                <a:latin typeface="Inconsolata" panose="020B0609030003000000" pitchFamily="49" charset="77"/>
               </a:rPr>
               <a:t>25</a:t>
             </a:r>
@@ -19448,7 +19776,7 @@
                 <a:solidFill>
                   <a:srgbClr val="B23622"/>
                 </a:solidFill>
-                <a:latin typeface="Inconsolata Medium" panose="020B0609030003000000" pitchFamily="49" charset="77"/>
+                <a:latin typeface="Inconsolata" panose="020B0609030003000000" pitchFamily="49" charset="77"/>
               </a:rPr>
               <a:t>]: </a:t>
             </a:r>
@@ -19459,7 +19787,7 @@
             </a:pPr>
             <a:r>
               <a:rPr lang="en-US" sz="2000" b="1" dirty="0">
-                <a:latin typeface="Inconsolata Medium" panose="020B0609030003000000" pitchFamily="49" charset="77"/>
+                <a:latin typeface="Inconsolata" panose="020B0609030003000000" pitchFamily="49" charset="77"/>
               </a:rPr>
               <a:t>       Wally    Eva   Sam  Katie  Bob</a:t>
             </a:r>
@@ -19470,18 +19798,18 @@
             </a:pPr>
             <a:r>
               <a:rPr lang="en-US" sz="2000" b="1" dirty="0">
-                <a:latin typeface="Inconsolata Medium" panose="020B0609030003000000" pitchFamily="49" charset="77"/>
+                <a:latin typeface="Inconsolata" panose="020B0609030003000000" pitchFamily="49" charset="77"/>
               </a:rPr>
               <a:t>Test1  100.0  100.0  94.0  100.0  </a:t>
             </a:r>
             <a:r>
               <a:rPr lang="en-US" sz="2000" b="1" dirty="0" err="1">
-                <a:latin typeface="Inconsolata Medium" panose="020B0609030003000000" pitchFamily="49" charset="77"/>
+                <a:latin typeface="Inconsolata" panose="020B0609030003000000" pitchFamily="49" charset="77"/>
               </a:rPr>
               <a:t>NaN</a:t>
             </a:r>
             <a:endParaRPr lang="en-US" sz="2000" b="1" dirty="0">
-              <a:latin typeface="Inconsolata Medium" panose="020B0609030003000000" pitchFamily="49" charset="77"/>
+              <a:latin typeface="Inconsolata" panose="020B0609030003000000" pitchFamily="49" charset="77"/>
             </a:endParaRPr>
           </a:p>
           <a:p>
@@ -19490,54 +19818,54 @@
             </a:pPr>
             <a:r>
               <a:rPr lang="en-US" sz="2000" b="1" dirty="0">
-                <a:latin typeface="Inconsolata Medium" panose="020B0609030003000000" pitchFamily="49" charset="77"/>
+                <a:latin typeface="Inconsolata" panose="020B0609030003000000" pitchFamily="49" charset="77"/>
               </a:rPr>
               <a:t>Test2   96.0    </a:t>
             </a:r>
             <a:r>
               <a:rPr lang="en-US" sz="2000" b="1" dirty="0" err="1">
-                <a:latin typeface="Inconsolata Medium" panose="020B0609030003000000" pitchFamily="49" charset="77"/>
+                <a:latin typeface="Inconsolata" panose="020B0609030003000000" pitchFamily="49" charset="77"/>
               </a:rPr>
               <a:t>NaN</a:t>
             </a:r>
             <a:r>
               <a:rPr lang="en-US" sz="2000" b="1" dirty="0">
-                <a:latin typeface="Inconsolata Medium" panose="020B0609030003000000" pitchFamily="49" charset="77"/>
+                <a:latin typeface="Inconsolata" panose="020B0609030003000000" pitchFamily="49" charset="77"/>
               </a:rPr>
               <a:t>   </a:t>
             </a:r>
             <a:r>
               <a:rPr lang="en-US" sz="2000" b="1" dirty="0" err="1">
-                <a:latin typeface="Inconsolata Medium" panose="020B0609030003000000" pitchFamily="49" charset="77"/>
+                <a:latin typeface="Inconsolata" panose="020B0609030003000000" pitchFamily="49" charset="77"/>
               </a:rPr>
               <a:t>NaN</a:t>
             </a:r>
             <a:r>
               <a:rPr lang="en-US" sz="2000" b="1" dirty="0">
-                <a:latin typeface="Inconsolata Medium" panose="020B0609030003000000" pitchFamily="49" charset="77"/>
+                <a:latin typeface="Inconsolata" panose="020B0609030003000000" pitchFamily="49" charset="77"/>
               </a:rPr>
               <a:t>    </a:t>
             </a:r>
             <a:r>
               <a:rPr lang="en-US" sz="2000" b="1" dirty="0" err="1">
-                <a:latin typeface="Inconsolata Medium" panose="020B0609030003000000" pitchFamily="49" charset="77"/>
+                <a:latin typeface="Inconsolata" panose="020B0609030003000000" pitchFamily="49" charset="77"/>
               </a:rPr>
               <a:t>NaN</a:t>
             </a:r>
             <a:r>
               <a:rPr lang="en-US" sz="2000" b="1" dirty="0">
-                <a:latin typeface="Inconsolata Medium" panose="020B0609030003000000" pitchFamily="49" charset="77"/>
+                <a:latin typeface="Inconsolata" panose="020B0609030003000000" pitchFamily="49" charset="77"/>
               </a:rPr>
               <a:t>  </a:t>
             </a:r>
             <a:r>
               <a:rPr lang="en-US" sz="2000" b="1" dirty="0" err="1">
-                <a:latin typeface="Inconsolata Medium" panose="020B0609030003000000" pitchFamily="49" charset="77"/>
+                <a:latin typeface="Inconsolata" panose="020B0609030003000000" pitchFamily="49" charset="77"/>
               </a:rPr>
               <a:t>NaN</a:t>
             </a:r>
             <a:endParaRPr lang="en-US" sz="2000" b="1" dirty="0">
-              <a:latin typeface="Inconsolata Medium" panose="020B0609030003000000" pitchFamily="49" charset="77"/>
+              <a:latin typeface="Inconsolata" panose="020B0609030003000000" pitchFamily="49" charset="77"/>
             </a:endParaRPr>
           </a:p>
           <a:p>
@@ -19546,42 +19874,42 @@
             </a:pPr>
             <a:r>
               <a:rPr lang="en-US" sz="2000" b="1" dirty="0">
-                <a:latin typeface="Inconsolata Medium" panose="020B0609030003000000" pitchFamily="49" charset="77"/>
+                <a:latin typeface="Inconsolata" panose="020B0609030003000000" pitchFamily="49" charset="77"/>
               </a:rPr>
               <a:t>Test3    </a:t>
             </a:r>
             <a:r>
               <a:rPr lang="en-US" sz="2000" b="1" dirty="0" err="1">
-                <a:latin typeface="Inconsolata Medium" panose="020B0609030003000000" pitchFamily="49" charset="77"/>
+                <a:latin typeface="Inconsolata" panose="020B0609030003000000" pitchFamily="49" charset="77"/>
               </a:rPr>
               <a:t>NaN</a:t>
             </a:r>
             <a:r>
               <a:rPr lang="en-US" sz="2000" b="1" dirty="0">
-                <a:latin typeface="Inconsolata Medium" panose="020B0609030003000000" pitchFamily="49" charset="77"/>
+                <a:latin typeface="Inconsolata" panose="020B0609030003000000" pitchFamily="49" charset="77"/>
               </a:rPr>
               <a:t>   90.0  90.0    </a:t>
             </a:r>
             <a:r>
               <a:rPr lang="en-US" sz="2000" b="1" dirty="0" err="1">
-                <a:latin typeface="Inconsolata Medium" panose="020B0609030003000000" pitchFamily="49" charset="77"/>
+                <a:latin typeface="Inconsolata" panose="020B0609030003000000" pitchFamily="49" charset="77"/>
               </a:rPr>
               <a:t>NaN</a:t>
             </a:r>
             <a:r>
               <a:rPr lang="en-US" sz="2000" b="1" dirty="0">
-                <a:latin typeface="Inconsolata Medium" panose="020B0609030003000000" pitchFamily="49" charset="77"/>
+                <a:latin typeface="Inconsolata" panose="020B0609030003000000" pitchFamily="49" charset="77"/>
               </a:rPr>
               <a:t>  </a:t>
             </a:r>
             <a:r>
               <a:rPr lang="en-US" sz="2000" b="1" dirty="0" err="1">
-                <a:latin typeface="Inconsolata Medium" panose="020B0609030003000000" pitchFamily="49" charset="77"/>
+                <a:latin typeface="Inconsolata" panose="020B0609030003000000" pitchFamily="49" charset="77"/>
               </a:rPr>
               <a:t>NaN</a:t>
             </a:r>
             <a:endParaRPr lang="en-US" sz="2000" b="1" dirty="0">
-              <a:latin typeface="Inconsolata Medium" panose="020B0609030003000000" pitchFamily="49" charset="77"/>
+              <a:latin typeface="Inconsolata" panose="020B0609030003000000" pitchFamily="49" charset="77"/>
             </a:endParaRPr>
           </a:p>
           <a:p>
@@ -19592,7 +19920,7 @@
               <a:solidFill>
                 <a:srgbClr val="34A327"/>
               </a:solidFill>
-              <a:latin typeface="Inconsolata Medium" panose="020B0609030003000000" pitchFamily="49" charset="77"/>
+              <a:latin typeface="Inconsolata" panose="020B0609030003000000" pitchFamily="49" charset="77"/>
             </a:endParaRPr>
           </a:p>
           <a:p>
@@ -19636,7 +19964,7 @@
               <a:t> is pandas’ notation for missing values. </a:t>
             </a:r>
             <a:endParaRPr lang="en-US" altLang="en-US" sz="2000" b="1" dirty="0">
-              <a:latin typeface="Inconsolata Medium" panose="020B0609030003000000" pitchFamily="49" charset="77"/>
+              <a:latin typeface="Inconsolata" panose="020B0609030003000000" pitchFamily="49" charset="77"/>
               <a:ea typeface="ＭＳ Ｐゴシック" panose="020B0600070205080204" pitchFamily="34" charset="-128"/>
             </a:endParaRPr>
           </a:p>
@@ -19766,7 +20094,7 @@
               <a:solidFill>
                 <a:srgbClr val="34A327"/>
               </a:solidFill>
-              <a:latin typeface="Inconsolata Medium" panose="020B0609030003000000" pitchFamily="49" charset="77"/>
+              <a:latin typeface="Inconsolata" panose="020B0609030003000000" pitchFamily="49" charset="77"/>
             </a:endParaRPr>
           </a:p>
           <a:p>
@@ -19777,7 +20105,7 @@
               <a:solidFill>
                 <a:srgbClr val="34A327"/>
               </a:solidFill>
-              <a:latin typeface="Inconsolata Medium" panose="020B0609030003000000" pitchFamily="49" charset="77"/>
+              <a:latin typeface="Inconsolata" panose="020B0609030003000000" pitchFamily="49" charset="77"/>
             </a:endParaRPr>
           </a:p>
           <a:p>
@@ -19789,7 +20117,7 @@
                 <a:solidFill>
                   <a:srgbClr val="34A327"/>
                 </a:solidFill>
-                <a:latin typeface="Inconsolata Medium" panose="020B0609030003000000" pitchFamily="49" charset="77"/>
+                <a:latin typeface="Inconsolata" panose="020B0609030003000000" pitchFamily="49" charset="77"/>
               </a:rPr>
               <a:t>In[</a:t>
             </a:r>
@@ -19798,7 +20126,7 @@
                 <a:solidFill>
                   <a:srgbClr val="2EE721"/>
                 </a:solidFill>
-                <a:latin typeface="Inconsolata Medium" panose="020B0609030003000000" pitchFamily="49" charset="77"/>
+                <a:latin typeface="Inconsolata" panose="020B0609030003000000" pitchFamily="49" charset="77"/>
               </a:rPr>
               <a:t>1</a:t>
             </a:r>
@@ -19807,13 +20135,13 @@
                 <a:solidFill>
                   <a:srgbClr val="34A327"/>
                 </a:solidFill>
-                <a:latin typeface="Inconsolata Medium" panose="020B0609030003000000" pitchFamily="49" charset="77"/>
+                <a:latin typeface="Inconsolata" panose="020B0609030003000000" pitchFamily="49" charset="77"/>
               </a:rPr>
               <a:t>]: </a:t>
             </a:r>
             <a:r>
               <a:rPr lang="en-US" sz="2000" b="1" dirty="0">
-                <a:latin typeface="Inconsolata Medium" panose="020B0609030003000000" pitchFamily="49" charset="77"/>
+                <a:latin typeface="Inconsolata" panose="020B0609030003000000" pitchFamily="49" charset="77"/>
               </a:rPr>
               <a:t>grades[(grades &gt;= 80) &amp; (grades &lt; 90)]</a:t>
             </a:r>
@@ -19821,7 +20149,7 @@
               <a:solidFill>
                 <a:srgbClr val="000000"/>
               </a:solidFill>
-              <a:latin typeface="Inconsolata Medium" panose="020B0609030003000000" pitchFamily="49" charset="77"/>
+              <a:latin typeface="Inconsolata" panose="020B0609030003000000" pitchFamily="49" charset="77"/>
             </a:endParaRPr>
           </a:p>
           <a:p>
@@ -19833,7 +20161,7 @@
                 <a:solidFill>
                   <a:srgbClr val="B23622"/>
                 </a:solidFill>
-                <a:latin typeface="Inconsolata Medium" panose="020B0609030003000000" pitchFamily="49" charset="77"/>
+                <a:latin typeface="Inconsolata" panose="020B0609030003000000" pitchFamily="49" charset="77"/>
               </a:rPr>
               <a:t>Out[</a:t>
             </a:r>
@@ -19842,7 +20170,7 @@
                 <a:solidFill>
                   <a:srgbClr val="FF3B1E"/>
                 </a:solidFill>
-                <a:latin typeface="Inconsolata Medium" panose="020B0609030003000000" pitchFamily="49" charset="77"/>
+                <a:latin typeface="Inconsolata" panose="020B0609030003000000" pitchFamily="49" charset="77"/>
               </a:rPr>
               <a:t>25</a:t>
             </a:r>
@@ -19851,7 +20179,7 @@
                 <a:solidFill>
                   <a:srgbClr val="B23622"/>
                 </a:solidFill>
-                <a:latin typeface="Inconsolata Medium" panose="020B0609030003000000" pitchFamily="49" charset="77"/>
+                <a:latin typeface="Inconsolata" panose="020B0609030003000000" pitchFamily="49" charset="77"/>
               </a:rPr>
               <a:t>]: </a:t>
             </a:r>
@@ -19865,7 +20193,7 @@
                 <a:solidFill>
                   <a:srgbClr val="000000"/>
                 </a:solidFill>
-                <a:latin typeface="Inconsolata Medium" panose="020B0609030003000000" pitchFamily="49" charset="77"/>
+                <a:latin typeface="Inconsolata" panose="020B0609030003000000" pitchFamily="49" charset="77"/>
               </a:rPr>
               <a:t>       Wally   Eva  Sam  Katie   Bob</a:t>
             </a:r>
@@ -19879,7 +20207,7 @@
                 <a:solidFill>
                   <a:srgbClr val="000000"/>
                 </a:solidFill>
-                <a:latin typeface="Inconsolata Medium" panose="020B0609030003000000" pitchFamily="49" charset="77"/>
+                <a:latin typeface="Inconsolata" panose="020B0609030003000000" pitchFamily="49" charset="77"/>
               </a:rPr>
               <a:t>Test1    </a:t>
             </a:r>
@@ -19888,7 +20216,7 @@
                 <a:solidFill>
                   <a:srgbClr val="000000"/>
                 </a:solidFill>
-                <a:latin typeface="Inconsolata Medium" panose="020B0609030003000000" pitchFamily="49" charset="77"/>
+                <a:latin typeface="Inconsolata" panose="020B0609030003000000" pitchFamily="49" charset="77"/>
               </a:rPr>
               <a:t>NaN</a:t>
             </a:r>
@@ -19897,7 +20225,7 @@
                 <a:solidFill>
                   <a:srgbClr val="000000"/>
                 </a:solidFill>
-                <a:latin typeface="Inconsolata Medium" panose="020B0609030003000000" pitchFamily="49" charset="77"/>
+                <a:latin typeface="Inconsolata" panose="020B0609030003000000" pitchFamily="49" charset="77"/>
               </a:rPr>
               <a:t>   </a:t>
             </a:r>
@@ -19906,7 +20234,7 @@
                 <a:solidFill>
                   <a:srgbClr val="000000"/>
                 </a:solidFill>
-                <a:latin typeface="Inconsolata Medium" panose="020B0609030003000000" pitchFamily="49" charset="77"/>
+                <a:latin typeface="Inconsolata" panose="020B0609030003000000" pitchFamily="49" charset="77"/>
               </a:rPr>
               <a:t>NaN</a:t>
             </a:r>
@@ -19915,7 +20243,7 @@
                 <a:solidFill>
                   <a:srgbClr val="000000"/>
                 </a:solidFill>
-                <a:latin typeface="Inconsolata Medium" panose="020B0609030003000000" pitchFamily="49" charset="77"/>
+                <a:latin typeface="Inconsolata" panose="020B0609030003000000" pitchFamily="49" charset="77"/>
               </a:rPr>
               <a:t>  </a:t>
             </a:r>
@@ -19924,7 +20252,7 @@
                 <a:solidFill>
                   <a:srgbClr val="000000"/>
                 </a:solidFill>
-                <a:latin typeface="Inconsolata Medium" panose="020B0609030003000000" pitchFamily="49" charset="77"/>
+                <a:latin typeface="Inconsolata" panose="020B0609030003000000" pitchFamily="49" charset="77"/>
               </a:rPr>
               <a:t>NaN</a:t>
             </a:r>
@@ -19933,7 +20261,7 @@
                 <a:solidFill>
                   <a:srgbClr val="000000"/>
                 </a:solidFill>
-                <a:latin typeface="Inconsolata Medium" panose="020B0609030003000000" pitchFamily="49" charset="77"/>
+                <a:latin typeface="Inconsolata" panose="020B0609030003000000" pitchFamily="49" charset="77"/>
               </a:rPr>
               <a:t>    </a:t>
             </a:r>
@@ -19942,7 +20270,7 @@
                 <a:solidFill>
                   <a:srgbClr val="000000"/>
                 </a:solidFill>
-                <a:latin typeface="Inconsolata Medium" panose="020B0609030003000000" pitchFamily="49" charset="77"/>
+                <a:latin typeface="Inconsolata" panose="020B0609030003000000" pitchFamily="49" charset="77"/>
               </a:rPr>
               <a:t>NaN</a:t>
             </a:r>
@@ -19951,7 +20279,7 @@
                 <a:solidFill>
                   <a:srgbClr val="000000"/>
                 </a:solidFill>
-                <a:latin typeface="Inconsolata Medium" panose="020B0609030003000000" pitchFamily="49" charset="77"/>
+                <a:latin typeface="Inconsolata" panose="020B0609030003000000" pitchFamily="49" charset="77"/>
               </a:rPr>
               <a:t>  83.0</a:t>
             </a:r>
@@ -19965,7 +20293,7 @@
                 <a:solidFill>
                   <a:srgbClr val="000000"/>
                 </a:solidFill>
-                <a:latin typeface="Inconsolata Medium" panose="020B0609030003000000" pitchFamily="49" charset="77"/>
+                <a:latin typeface="Inconsolata" panose="020B0609030003000000" pitchFamily="49" charset="77"/>
               </a:rPr>
               <a:t>Test2    </a:t>
             </a:r>
@@ -19974,7 +20302,7 @@
                 <a:solidFill>
                   <a:srgbClr val="000000"/>
                 </a:solidFill>
-                <a:latin typeface="Inconsolata Medium" panose="020B0609030003000000" pitchFamily="49" charset="77"/>
+                <a:latin typeface="Inconsolata" panose="020B0609030003000000" pitchFamily="49" charset="77"/>
               </a:rPr>
               <a:t>NaN</a:t>
             </a:r>
@@ -19983,7 +20311,7 @@
                 <a:solidFill>
                   <a:srgbClr val="000000"/>
                 </a:solidFill>
-                <a:latin typeface="Inconsolata Medium" panose="020B0609030003000000" pitchFamily="49" charset="77"/>
+                <a:latin typeface="Inconsolata" panose="020B0609030003000000" pitchFamily="49" charset="77"/>
               </a:rPr>
               <a:t>  87.0  </a:t>
             </a:r>
@@ -19992,7 +20320,7 @@
                 <a:solidFill>
                   <a:srgbClr val="000000"/>
                 </a:solidFill>
-                <a:latin typeface="Inconsolata Medium" panose="020B0609030003000000" pitchFamily="49" charset="77"/>
+                <a:latin typeface="Inconsolata" panose="020B0609030003000000" pitchFamily="49" charset="77"/>
               </a:rPr>
               <a:t>NaN</a:t>
             </a:r>
@@ -20001,7 +20329,7 @@
                 <a:solidFill>
                   <a:srgbClr val="000000"/>
                 </a:solidFill>
-                <a:latin typeface="Inconsolata Medium" panose="020B0609030003000000" pitchFamily="49" charset="77"/>
+                <a:latin typeface="Inconsolata" panose="020B0609030003000000" pitchFamily="49" charset="77"/>
               </a:rPr>
               <a:t>   81.0   </a:t>
             </a:r>
@@ -20010,7 +20338,7 @@
                 <a:solidFill>
                   <a:srgbClr val="000000"/>
                 </a:solidFill>
-                <a:latin typeface="Inconsolata Medium" panose="020B0609030003000000" pitchFamily="49" charset="77"/>
+                <a:latin typeface="Inconsolata" panose="020B0609030003000000" pitchFamily="49" charset="77"/>
               </a:rPr>
               <a:t>NaN</a:t>
             </a:r>
@@ -20018,7 +20346,7 @@
               <a:solidFill>
                 <a:srgbClr val="000000"/>
               </a:solidFill>
-              <a:latin typeface="Inconsolata Medium" panose="020B0609030003000000" pitchFamily="49" charset="77"/>
+              <a:latin typeface="Inconsolata" panose="020B0609030003000000" pitchFamily="49" charset="77"/>
             </a:endParaRPr>
           </a:p>
           <a:p>
@@ -20030,7 +20358,7 @@
                 <a:solidFill>
                   <a:srgbClr val="000000"/>
                 </a:solidFill>
-                <a:latin typeface="Inconsolata Medium" panose="020B0609030003000000" pitchFamily="49" charset="77"/>
+                <a:latin typeface="Inconsolata" panose="020B0609030003000000" pitchFamily="49" charset="77"/>
               </a:rPr>
               <a:t>Test3    </a:t>
             </a:r>
@@ -20039,7 +20367,7 @@
                 <a:solidFill>
                   <a:srgbClr val="000000"/>
                 </a:solidFill>
-                <a:latin typeface="Inconsolata Medium" panose="020B0609030003000000" pitchFamily="49" charset="77"/>
+                <a:latin typeface="Inconsolata" panose="020B0609030003000000" pitchFamily="49" charset="77"/>
               </a:rPr>
               <a:t>NaN</a:t>
             </a:r>
@@ -20048,7 +20376,7 @@
                 <a:solidFill>
                   <a:srgbClr val="000000"/>
                 </a:solidFill>
-                <a:latin typeface="Inconsolata Medium" panose="020B0609030003000000" pitchFamily="49" charset="77"/>
+                <a:latin typeface="Inconsolata" panose="020B0609030003000000" pitchFamily="49" charset="77"/>
               </a:rPr>
               <a:t>   </a:t>
             </a:r>
@@ -20057,7 +20385,7 @@
                 <a:solidFill>
                   <a:srgbClr val="000000"/>
                 </a:solidFill>
-                <a:latin typeface="Inconsolata Medium" panose="020B0609030003000000" pitchFamily="49" charset="77"/>
+                <a:latin typeface="Inconsolata" panose="020B0609030003000000" pitchFamily="49" charset="77"/>
               </a:rPr>
               <a:t>NaN</a:t>
             </a:r>
@@ -20066,7 +20394,7 @@
                 <a:solidFill>
                   <a:srgbClr val="000000"/>
                 </a:solidFill>
-                <a:latin typeface="Inconsolata Medium" panose="020B0609030003000000" pitchFamily="49" charset="77"/>
+                <a:latin typeface="Inconsolata" panose="020B0609030003000000" pitchFamily="49" charset="77"/>
               </a:rPr>
               <a:t>  </a:t>
             </a:r>
@@ -20075,7 +20403,7 @@
                 <a:solidFill>
                   <a:srgbClr val="000000"/>
                 </a:solidFill>
-                <a:latin typeface="Inconsolata Medium" panose="020B0609030003000000" pitchFamily="49" charset="77"/>
+                <a:latin typeface="Inconsolata" panose="020B0609030003000000" pitchFamily="49" charset="77"/>
               </a:rPr>
               <a:t>NaN</a:t>
             </a:r>
@@ -20084,7 +20412,7 @@
                 <a:solidFill>
                   <a:srgbClr val="000000"/>
                 </a:solidFill>
-                <a:latin typeface="Inconsolata Medium" panose="020B0609030003000000" pitchFamily="49" charset="77"/>
+                <a:latin typeface="Inconsolata" panose="020B0609030003000000" pitchFamily="49" charset="77"/>
               </a:rPr>
               <a:t>   82.0  85.0</a:t>
             </a:r>
@@ -20097,7 +20425,7 @@
               <a:solidFill>
                 <a:srgbClr val="34A327"/>
               </a:solidFill>
-              <a:latin typeface="Inconsolata Medium" panose="020B0609030003000000" pitchFamily="49" charset="77"/>
+              <a:latin typeface="Inconsolata" panose="020B0609030003000000" pitchFamily="49" charset="77"/>
             </a:endParaRPr>
           </a:p>
         </p:txBody>
@@ -20355,7 +20683,7 @@
                 <a:latin typeface="Tahoma" panose="020B0604030504040204" pitchFamily="34" charset="0"/>
                 <a:ea typeface="ＭＳ Ｐゴシック" panose="020B0600070205080204" pitchFamily="34" charset="-128"/>
               </a:rPr>
-              <a:t>Descriptive Statistics</a:t>
+              <a:t>Boolean Indexing</a:t>
             </a:r>
           </a:p>
         </p:txBody>
@@ -20391,37 +20719,33 @@
             </a:pPr>
             <a:r>
               <a:rPr lang="en-US" sz="2000" dirty="0"/>
-              <a:t>Both Series and </a:t>
-            </a:r>
-            <a:r>
-              <a:rPr lang="en-US" sz="2000" dirty="0" err="1"/>
-              <a:t>DataFrames</a:t>
-            </a:r>
+              <a:t>Boolean indexing can be done on specific columns. For example, suppose we like to see only tests where Bob scores at least 70. </a:t>
+            </a:r>
+          </a:p>
+          <a:p>
+            <a:pPr marL="0" indent="0">
+              <a:buNone/>
+            </a:pPr>
+            <a:endParaRPr lang="en-US" sz="2000" b="1" dirty="0"/>
+          </a:p>
+          <a:p>
+            <a:pPr marL="0" indent="0">
+              <a:buNone/>
+            </a:pPr>
             <a:r>
               <a:rPr lang="en-US" sz="2000" dirty="0"/>
-              <a:t> have a describe method that calculates basic descriptive statistics for the data and returns them as a </a:t>
-            </a:r>
-            <a:r>
-              <a:rPr lang="en-US" sz="2000" dirty="0" err="1"/>
-              <a:t>DataFrame</a:t>
-            </a:r>
-            <a:r>
-              <a:rPr lang="en-US" sz="2000" dirty="0"/>
-              <a:t>. In a </a:t>
-            </a:r>
-            <a:r>
-              <a:rPr lang="en-US" sz="2000" dirty="0" err="1"/>
-              <a:t>DataFrame</a:t>
-            </a:r>
-            <a:r>
-              <a:rPr lang="en-US" sz="2000" dirty="0"/>
-              <a:t>, the statistics are calculated by column.</a:t>
-            </a:r>
+              <a:t>We first select the "Bob" column by using [] notation than specify the appropriate inequality. </a:t>
+            </a:r>
+          </a:p>
+          <a:p>
+            <a:pPr marL="0" indent="0">
+              <a:buNone/>
+            </a:pPr>
             <a:endParaRPr lang="en-US" sz="2000" b="1" dirty="0">
               <a:solidFill>
                 <a:srgbClr val="34A327"/>
               </a:solidFill>
-              <a:latin typeface="Inconsolata Medium" panose="020B0609030003000000" pitchFamily="49" charset="77"/>
+              <a:latin typeface="Inconsolata" panose="020B0609030003000000" pitchFamily="49" charset="77"/>
             </a:endParaRPr>
           </a:p>
           <a:p>
@@ -20429,73 +20753,73 @@
               <a:buNone/>
             </a:pPr>
             <a:r>
-              <a:rPr lang="en-US" sz="1800" b="1" dirty="0">
+              <a:rPr lang="en-US" sz="2000" b="1" dirty="0">
                 <a:solidFill>
                   <a:srgbClr val="34A327"/>
                 </a:solidFill>
-                <a:latin typeface="Inconsolata Medium" panose="020B0609030003000000" pitchFamily="49" charset="77"/>
+                <a:latin typeface="Inconsolata" panose="020B0609030003000000" pitchFamily="49" charset="77"/>
               </a:rPr>
               <a:t>In[</a:t>
             </a:r>
             <a:r>
-              <a:rPr lang="en-US" sz="1800" b="1" dirty="0">
+              <a:rPr lang="en-US" sz="2000" b="1" dirty="0">
                 <a:solidFill>
                   <a:srgbClr val="2EE721"/>
                 </a:solidFill>
-                <a:latin typeface="Inconsolata Medium" panose="020B0609030003000000" pitchFamily="49" charset="77"/>
+                <a:latin typeface="Inconsolata" panose="020B0609030003000000" pitchFamily="49" charset="77"/>
               </a:rPr>
               <a:t>1</a:t>
             </a:r>
             <a:r>
-              <a:rPr lang="en-US" sz="1800" b="1" dirty="0">
+              <a:rPr lang="en-US" sz="2000" b="1" dirty="0">
                 <a:solidFill>
                   <a:srgbClr val="34A327"/>
                 </a:solidFill>
-                <a:latin typeface="Inconsolata Medium" panose="020B0609030003000000" pitchFamily="49" charset="77"/>
+                <a:latin typeface="Inconsolata" panose="020B0609030003000000" pitchFamily="49" charset="77"/>
               </a:rPr>
               <a:t>]: </a:t>
             </a:r>
             <a:r>
-              <a:rPr lang="en-US" sz="1800" b="1" dirty="0" err="1">
-                <a:latin typeface="Inconsolata Medium" panose="020B0609030003000000" pitchFamily="49" charset="77"/>
-              </a:rPr>
-              <a:t>grades.describe</a:t>
-            </a:r>
-            <a:r>
-              <a:rPr lang="en-US" sz="1800" b="1" dirty="0">
-                <a:latin typeface="Inconsolata Medium" panose="020B0609030003000000" pitchFamily="49" charset="77"/>
-              </a:rPr>
-              <a:t>()</a:t>
-            </a:r>
-          </a:p>
-          <a:p>
-            <a:pPr marL="0" indent="0">
-              <a:buNone/>
-            </a:pPr>
-            <a:r>
-              <a:rPr lang="en-US" sz="1800" b="1" dirty="0">
+              <a:rPr lang="en-US" sz="2000" b="1" dirty="0">
+                <a:latin typeface="Inconsolata" panose="020B0609030003000000" pitchFamily="49" charset="77"/>
+              </a:rPr>
+              <a:t>grades[grades["Bob"] &gt;= 70]</a:t>
+            </a:r>
+            <a:endParaRPr lang="en-US" sz="2000" b="1" dirty="0">
+              <a:solidFill>
+                <a:srgbClr val="000000"/>
+              </a:solidFill>
+              <a:latin typeface="Inconsolata" panose="020B0609030003000000" pitchFamily="49" charset="77"/>
+            </a:endParaRPr>
+          </a:p>
+          <a:p>
+            <a:pPr marL="0" indent="0">
+              <a:buNone/>
+            </a:pPr>
+            <a:r>
+              <a:rPr lang="en-US" sz="2000" b="1" dirty="0">
                 <a:solidFill>
                   <a:srgbClr val="B23622"/>
                 </a:solidFill>
-                <a:latin typeface="Inconsolata Medium" panose="020B0609030003000000" pitchFamily="49" charset="77"/>
+                <a:latin typeface="Inconsolata" panose="020B0609030003000000" pitchFamily="49" charset="77"/>
               </a:rPr>
               <a:t>Out[</a:t>
             </a:r>
             <a:r>
-              <a:rPr lang="en-US" sz="1800" b="1" dirty="0">
+              <a:rPr lang="en-US" sz="2000" b="1" dirty="0">
                 <a:solidFill>
                   <a:srgbClr val="FF3B1E"/>
                 </a:solidFill>
-                <a:latin typeface="Inconsolata Medium" panose="020B0609030003000000" pitchFamily="49" charset="77"/>
+                <a:latin typeface="Inconsolata" panose="020B0609030003000000" pitchFamily="49" charset="77"/>
               </a:rPr>
               <a:t>25</a:t>
             </a:r>
             <a:r>
-              <a:rPr lang="en-US" sz="1800" b="1" dirty="0">
+              <a:rPr lang="en-US" sz="2000" b="1" dirty="0">
                 <a:solidFill>
                   <a:srgbClr val="B23622"/>
                 </a:solidFill>
-                <a:latin typeface="Inconsolata Medium" panose="020B0609030003000000" pitchFamily="49" charset="77"/>
+                <a:latin typeface="Inconsolata" panose="020B0609030003000000" pitchFamily="49" charset="77"/>
               </a:rPr>
               <a:t>]: </a:t>
             </a:r>
@@ -20505,99 +20829,78 @@
               <a:buNone/>
             </a:pPr>
             <a:r>
-              <a:rPr lang="en-US" sz="1800" b="1" dirty="0">
-                <a:latin typeface="Inconsolata Medium" panose="020B0609030003000000" pitchFamily="49" charset="77"/>
-              </a:rPr>
-              <a:t>            Wally         Eva        Sam       Katie        Bob</a:t>
-            </a:r>
-          </a:p>
-          <a:p>
-            <a:pPr marL="0" indent="0">
-              <a:buNone/>
-            </a:pPr>
-            <a:r>
-              <a:rPr lang="en-US" sz="1800" b="1" dirty="0">
-                <a:latin typeface="Inconsolata Medium" panose="020B0609030003000000" pitchFamily="49" charset="77"/>
-              </a:rPr>
-              <a:t>count    3.000000    3.000000   3.000000    3.000000   3.000000</a:t>
-            </a:r>
-          </a:p>
-          <a:p>
-            <a:pPr marL="0" indent="0">
-              <a:buNone/>
-            </a:pPr>
-            <a:r>
-              <a:rPr lang="en-US" sz="1800" b="1" dirty="0">
-                <a:latin typeface="Inconsolata Medium" panose="020B0609030003000000" pitchFamily="49" charset="77"/>
-              </a:rPr>
-              <a:t>mean    88.666667   92.333333  87.000000   87.666667  77.666667</a:t>
-            </a:r>
-          </a:p>
-          <a:p>
-            <a:pPr marL="0" indent="0">
-              <a:buNone/>
-            </a:pPr>
-            <a:r>
-              <a:rPr lang="en-US" sz="1800" b="1" dirty="0">
-                <a:latin typeface="Inconsolata Medium" panose="020B0609030003000000" pitchFamily="49" charset="77"/>
-              </a:rPr>
-              <a:t>std     16.289056    6.806859   8.888194   10.692677  11.015141</a:t>
-            </a:r>
-          </a:p>
-          <a:p>
-            <a:pPr marL="0" indent="0">
-              <a:buNone/>
-            </a:pPr>
-            <a:r>
-              <a:rPr lang="en-US" sz="1800" b="1" dirty="0">
-                <a:latin typeface="Inconsolata Medium" panose="020B0609030003000000" pitchFamily="49" charset="77"/>
-              </a:rPr>
-              <a:t>min     70.000000   87.000000  77.000000   81.000000  65.000000</a:t>
-            </a:r>
-          </a:p>
-          <a:p>
-            <a:pPr marL="0" indent="0">
-              <a:buNone/>
-            </a:pPr>
-            <a:r>
-              <a:rPr lang="en-US" sz="1800" b="1" dirty="0">
-                <a:latin typeface="Inconsolata Medium" panose="020B0609030003000000" pitchFamily="49" charset="77"/>
-              </a:rPr>
-              <a:t>25%     83.000000   88.500000  83.500000   81.500000  74.000000</a:t>
-            </a:r>
-          </a:p>
-          <a:p>
-            <a:pPr marL="0" indent="0">
-              <a:buNone/>
-            </a:pPr>
-            <a:r>
-              <a:rPr lang="en-US" sz="1800" b="1" dirty="0">
-                <a:latin typeface="Inconsolata Medium" panose="020B0609030003000000" pitchFamily="49" charset="77"/>
-              </a:rPr>
-              <a:t>50%     96.000000   90.000000  90.000000   82.000000  83.000000</a:t>
-            </a:r>
-          </a:p>
-          <a:p>
-            <a:pPr marL="0" indent="0">
-              <a:buNone/>
-            </a:pPr>
-            <a:r>
-              <a:rPr lang="en-US" sz="1800" b="1" dirty="0">
-                <a:latin typeface="Inconsolata Medium" panose="020B0609030003000000" pitchFamily="49" charset="77"/>
-              </a:rPr>
-              <a:t>75%     98.000000   95.000000  92.000000   91.000000  84.000000</a:t>
-            </a:r>
-          </a:p>
-          <a:p>
-            <a:pPr marL="0" indent="0">
-              <a:buNone/>
-            </a:pPr>
-            <a:r>
-              <a:rPr lang="en-US" sz="1800" b="1" dirty="0">
-                <a:latin typeface="Inconsolata Medium" panose="020B0609030003000000" pitchFamily="49" charset="77"/>
-              </a:rPr>
-              <a:t>max    100.000000  100.000000  94.000000  100.000000  85.000000</a:t>
-            </a:r>
+              <a:rPr lang="en-US" sz="2000" b="1" dirty="0">
+                <a:solidFill>
+                  <a:srgbClr val="000000"/>
+                </a:solidFill>
+                <a:latin typeface="Inconsolata" panose="020B0609030003000000" pitchFamily="49" charset="77"/>
+              </a:rPr>
+              <a:t>       Wally  Eva  Sam  Katie  Bob</a:t>
+            </a:r>
+          </a:p>
+          <a:p>
+            <a:pPr marL="0" indent="0">
+              <a:buNone/>
+            </a:pPr>
+            <a:r>
+              <a:rPr lang="en-US" sz="2000" b="1" dirty="0">
+                <a:solidFill>
+                  <a:srgbClr val="000000"/>
+                </a:solidFill>
+                <a:latin typeface="Inconsolata" panose="020B0609030003000000" pitchFamily="49" charset="77"/>
+              </a:rPr>
+              <a:t>Test1    100  100   94    100   83</a:t>
+            </a:r>
+          </a:p>
+          <a:p>
+            <a:pPr marL="0" indent="0">
+              <a:buNone/>
+            </a:pPr>
+            <a:r>
+              <a:rPr lang="en-US" sz="2000" b="1" dirty="0">
+                <a:solidFill>
+                  <a:srgbClr val="000000"/>
+                </a:solidFill>
+                <a:latin typeface="Inconsolata" panose="020B0609030003000000" pitchFamily="49" charset="77"/>
+              </a:rPr>
+              <a:t>Test3     70   90   90     82   85</a:t>
+            </a:r>
+          </a:p>
+          <a:p>
+            <a:pPr marL="0" indent="0">
+              <a:buNone/>
+            </a:pPr>
+            <a:endParaRPr lang="en-US" sz="2000" b="1" dirty="0">
+              <a:solidFill>
+                <a:srgbClr val="000000"/>
+              </a:solidFill>
+              <a:latin typeface="Inconsolata" panose="020B0609030003000000" pitchFamily="49" charset="77"/>
+            </a:endParaRPr>
+          </a:p>
+          <a:p>
+            <a:pPr marL="0" indent="0">
+              <a:buNone/>
+            </a:pPr>
+            <a:r>
+              <a:rPr lang="en-US" sz="2000" dirty="0">
+                <a:solidFill>
+                  <a:srgbClr val="000000"/>
+                </a:solidFill>
+                <a:latin typeface="Gill Sans MT" panose="020B0502020104020203" pitchFamily="34" charset="77"/>
+              </a:rPr>
+              <a:t>Notice that Bob scores at least a 70 only on Test1 and Test3. </a:t>
+            </a:r>
+          </a:p>
+          <a:p>
+            <a:pPr marL="0" indent="0">
+              <a:buNone/>
+            </a:pPr>
+            <a:endParaRPr lang="en-US" sz="2000" b="1" dirty="0">
+              <a:solidFill>
+                <a:srgbClr val="34A327"/>
+              </a:solidFill>
+              <a:latin typeface="Inconsolata" panose="020B0609030003000000" pitchFamily="49" charset="77"/>
+            </a:endParaRPr>
           </a:p>
           <a:p>
             <a:pPr marL="0" indent="0">
@@ -20607,7 +20910,7 @@
               <a:solidFill>
                 <a:srgbClr val="34A327"/>
               </a:solidFill>
-              <a:latin typeface="Inconsolata Medium" panose="020B0609030003000000" pitchFamily="49" charset="77"/>
+              <a:latin typeface="Inconsolata" panose="020B0609030003000000" pitchFamily="49" charset="77"/>
             </a:endParaRPr>
           </a:p>
         </p:txBody>
@@ -20615,7 +20918,7 @@
     </p:spTree>
     <p:extLst>
       <p:ext uri="{BB962C8B-B14F-4D97-AF65-F5344CB8AC3E}">
-        <p14:creationId xmlns:p14="http://schemas.microsoft.com/office/powerpoint/2010/main" val="897880812"/>
+        <p14:creationId xmlns:p14="http://schemas.microsoft.com/office/powerpoint/2010/main" val="1749191800"/>
       </p:ext>
     </p:extLst>
   </p:cSld>
@@ -20709,188 +21012,233 @@
             <a:pPr marL="0" indent="0">
               <a:buNone/>
             </a:pPr>
+            <a:r>
+              <a:rPr lang="en-US" sz="2000" dirty="0"/>
+              <a:t>Both Series and </a:t>
+            </a:r>
+            <a:r>
+              <a:rPr lang="en-US" sz="2000" dirty="0" err="1"/>
+              <a:t>DataFrames</a:t>
+            </a:r>
+            <a:r>
+              <a:rPr lang="en-US" sz="2000" dirty="0"/>
+              <a:t> have a describe method that calculates basic descriptive statistics for the data and returns them as a </a:t>
+            </a:r>
+            <a:r>
+              <a:rPr lang="en-US" sz="2000" dirty="0" err="1"/>
+              <a:t>DataFrame</a:t>
+            </a:r>
+            <a:r>
+              <a:rPr lang="en-US" sz="2000" dirty="0"/>
+              <a:t>. In a </a:t>
+            </a:r>
+            <a:r>
+              <a:rPr lang="en-US" sz="2000" dirty="0" err="1"/>
+              <a:t>DataFrame</a:t>
+            </a:r>
+            <a:r>
+              <a:rPr lang="en-US" sz="2000" dirty="0"/>
+              <a:t>, the statistics are calculated by column.</a:t>
+            </a:r>
+            <a:endParaRPr lang="en-US" sz="2000" b="1" dirty="0">
+              <a:solidFill>
+                <a:srgbClr val="34A327"/>
+              </a:solidFill>
+              <a:latin typeface="Inconsolata" panose="020B0609030003000000" pitchFamily="49" charset="77"/>
+            </a:endParaRPr>
+          </a:p>
+          <a:p>
+            <a:pPr marL="0" indent="0">
+              <a:buNone/>
+            </a:pPr>
+            <a:r>
+              <a:rPr lang="en-US" sz="1800" b="1" dirty="0">
+                <a:solidFill>
+                  <a:srgbClr val="34A327"/>
+                </a:solidFill>
+                <a:latin typeface="Inconsolata" panose="020B0609030003000000" pitchFamily="49" charset="77"/>
+              </a:rPr>
+              <a:t>In[</a:t>
+            </a:r>
+            <a:r>
+              <a:rPr lang="en-US" sz="1800" b="1" dirty="0">
+                <a:solidFill>
+                  <a:srgbClr val="2EE721"/>
+                </a:solidFill>
+                <a:latin typeface="Inconsolata" panose="020B0609030003000000" pitchFamily="49" charset="77"/>
+              </a:rPr>
+              <a:t>1</a:t>
+            </a:r>
+            <a:r>
+              <a:rPr lang="en-US" sz="1800" b="1" dirty="0">
+                <a:solidFill>
+                  <a:srgbClr val="34A327"/>
+                </a:solidFill>
+                <a:latin typeface="Inconsolata" panose="020B0609030003000000" pitchFamily="49" charset="77"/>
+              </a:rPr>
+              <a:t>]: </a:t>
+            </a:r>
+            <a:r>
+              <a:rPr lang="en-US" sz="1800" b="1" dirty="0" err="1">
+                <a:latin typeface="Inconsolata" panose="020B0609030003000000" pitchFamily="49" charset="77"/>
+              </a:rPr>
+              <a:t>grades.describe</a:t>
+            </a:r>
+            <a:r>
+              <a:rPr lang="en-US" sz="1800" b="1" dirty="0">
+                <a:latin typeface="Inconsolata" panose="020B0609030003000000" pitchFamily="49" charset="77"/>
+              </a:rPr>
+              <a:t>()</a:t>
+            </a:r>
+          </a:p>
+          <a:p>
+            <a:pPr marL="0" indent="0">
+              <a:buNone/>
+            </a:pPr>
+            <a:r>
+              <a:rPr lang="en-US" sz="1800" b="1" dirty="0">
+                <a:solidFill>
+                  <a:srgbClr val="B23622"/>
+                </a:solidFill>
+                <a:latin typeface="Inconsolata" panose="020B0609030003000000" pitchFamily="49" charset="77"/>
+              </a:rPr>
+              <a:t>Out[</a:t>
+            </a:r>
+            <a:r>
+              <a:rPr lang="en-US" sz="1800" b="1" dirty="0">
+                <a:solidFill>
+                  <a:srgbClr val="FF3B1E"/>
+                </a:solidFill>
+                <a:latin typeface="Inconsolata" panose="020B0609030003000000" pitchFamily="49" charset="77"/>
+              </a:rPr>
+              <a:t>25</a:t>
+            </a:r>
+            <a:r>
+              <a:rPr lang="en-US" sz="1800" b="1" dirty="0">
+                <a:solidFill>
+                  <a:srgbClr val="B23622"/>
+                </a:solidFill>
+                <a:latin typeface="Inconsolata" panose="020B0609030003000000" pitchFamily="49" charset="77"/>
+              </a:rPr>
+              <a:t>]: </a:t>
+            </a:r>
+          </a:p>
+          <a:p>
+            <a:pPr marL="0" indent="0">
+              <a:buNone/>
+            </a:pPr>
+            <a:r>
+              <a:rPr lang="en-US" sz="1800" b="1" dirty="0">
+                <a:latin typeface="Inconsolata" panose="020B0609030003000000" pitchFamily="49" charset="77"/>
+              </a:rPr>
+              <a:t>            Wally         Eva        Sam       Katie        Bob</a:t>
+            </a:r>
+          </a:p>
+          <a:p>
+            <a:pPr marL="0" indent="0">
+              <a:buNone/>
+            </a:pPr>
+            <a:r>
+              <a:rPr lang="en-US" sz="1800" b="1" dirty="0">
+                <a:latin typeface="Inconsolata" panose="020B0609030003000000" pitchFamily="49" charset="77"/>
+              </a:rPr>
+              <a:t>count    3.000000    3.000000   3.000000    3.000000   3.000000</a:t>
+            </a:r>
+          </a:p>
+          <a:p>
+            <a:pPr marL="0" indent="0">
+              <a:buNone/>
+            </a:pPr>
+            <a:r>
+              <a:rPr lang="en-US" sz="1800" b="1" dirty="0">
+                <a:latin typeface="Inconsolata" panose="020B0609030003000000" pitchFamily="49" charset="77"/>
+              </a:rPr>
+              <a:t>mean    88.666667   92.333333  87.000000   87.666667  77.666667</a:t>
+            </a:r>
+          </a:p>
+          <a:p>
+            <a:pPr marL="0" indent="0">
+              <a:buNone/>
+            </a:pPr>
+            <a:r>
+              <a:rPr lang="en-US" sz="1800" b="1" dirty="0">
+                <a:latin typeface="Inconsolata" panose="020B0609030003000000" pitchFamily="49" charset="77"/>
+              </a:rPr>
+              <a:t>std     16.289056    6.806859   8.888194   10.692677  11.015141</a:t>
+            </a:r>
+          </a:p>
+          <a:p>
+            <a:pPr marL="0" indent="0">
+              <a:buNone/>
+            </a:pPr>
+            <a:r>
+              <a:rPr lang="en-US" sz="1800" b="1" dirty="0">
+                <a:latin typeface="Inconsolata" panose="020B0609030003000000" pitchFamily="49" charset="77"/>
+              </a:rPr>
+              <a:t>min     70.000000   87.000000  77.000000   81.000000  65.000000</a:t>
+            </a:r>
+          </a:p>
+          <a:p>
+            <a:pPr marL="0" indent="0">
+              <a:buNone/>
+            </a:pPr>
+            <a:r>
+              <a:rPr lang="en-US" sz="1800" b="1" dirty="0">
+                <a:latin typeface="Inconsolata" panose="020B0609030003000000" pitchFamily="49" charset="77"/>
+              </a:rPr>
+              <a:t>25%     83.000000   88.500000  83.500000   81.500000  74.000000</a:t>
+            </a:r>
+          </a:p>
+          <a:p>
+            <a:pPr marL="0" indent="0">
+              <a:buNone/>
+            </a:pPr>
+            <a:r>
+              <a:rPr lang="en-US" sz="1800" b="1" dirty="0">
+                <a:latin typeface="Inconsolata" panose="020B0609030003000000" pitchFamily="49" charset="77"/>
+              </a:rPr>
+              <a:t>50%     96.000000   90.000000  90.000000   82.000000  83.000000</a:t>
+            </a:r>
+          </a:p>
+          <a:p>
+            <a:pPr marL="0" indent="0">
+              <a:buNone/>
+            </a:pPr>
+            <a:r>
+              <a:rPr lang="en-US" sz="1800" b="1" dirty="0">
+                <a:latin typeface="Inconsolata" panose="020B0609030003000000" pitchFamily="49" charset="77"/>
+              </a:rPr>
+              <a:t>75%     98.000000   95.000000  92.000000   91.000000  84.000000</a:t>
+            </a:r>
+          </a:p>
+          <a:p>
+            <a:pPr marL="0" indent="0">
+              <a:buNone/>
+            </a:pPr>
+            <a:r>
+              <a:rPr lang="en-US" sz="1800" b="1" dirty="0">
+                <a:latin typeface="Inconsolata" panose="020B0609030003000000" pitchFamily="49" charset="77"/>
+              </a:rPr>
+              <a:t>max    100.000000  100.000000  94.000000  100.000000  85.000000</a:t>
+            </a:r>
+          </a:p>
+          <a:p>
+            <a:pPr marL="0" indent="0">
+              <a:buNone/>
+            </a:pPr>
             <a:endParaRPr lang="en-US" sz="1800" b="1" dirty="0">
               <a:solidFill>
                 <a:srgbClr val="34A327"/>
               </a:solidFill>
-              <a:latin typeface="Inconsolata Medium" panose="020B0609030003000000" pitchFamily="49" charset="77"/>
+              <a:latin typeface="Inconsolata" panose="020B0609030003000000" pitchFamily="49" charset="77"/>
             </a:endParaRPr>
-          </a:p>
-          <a:p>
-            <a:pPr marL="0" indent="0">
-              <a:buNone/>
-            </a:pPr>
-            <a:r>
-              <a:rPr lang="en-US" sz="1800" b="1" dirty="0">
-                <a:solidFill>
-                  <a:srgbClr val="34A327"/>
-                </a:solidFill>
-                <a:latin typeface="Inconsolata Medium" panose="020B0609030003000000" pitchFamily="49" charset="77"/>
-              </a:rPr>
-              <a:t>In[</a:t>
-            </a:r>
-            <a:r>
-              <a:rPr lang="en-US" sz="1800" b="1" dirty="0">
-                <a:solidFill>
-                  <a:srgbClr val="2EE721"/>
-                </a:solidFill>
-                <a:latin typeface="Inconsolata Medium" panose="020B0609030003000000" pitchFamily="49" charset="77"/>
-              </a:rPr>
-              <a:t>1</a:t>
-            </a:r>
-            <a:r>
-              <a:rPr lang="en-US" sz="1800" b="1" dirty="0">
-                <a:solidFill>
-                  <a:srgbClr val="34A327"/>
-                </a:solidFill>
-                <a:latin typeface="Inconsolata Medium" panose="020B0609030003000000" pitchFamily="49" charset="77"/>
-              </a:rPr>
-              <a:t>]: </a:t>
-            </a:r>
-            <a:r>
-              <a:rPr lang="en-US" sz="1800" b="1" dirty="0" err="1">
-                <a:latin typeface="Inconsolata Medium" panose="020B0609030003000000" pitchFamily="49" charset="77"/>
-              </a:rPr>
-              <a:t>grades.mean</a:t>
-            </a:r>
-            <a:r>
-              <a:rPr lang="en-US" sz="1800" b="1" dirty="0">
-                <a:latin typeface="Inconsolata Medium" panose="020B0609030003000000" pitchFamily="49" charset="77"/>
-              </a:rPr>
-              <a:t>()</a:t>
-            </a:r>
-          </a:p>
-          <a:p>
-            <a:pPr marL="0" indent="0">
-              <a:buNone/>
-            </a:pPr>
-            <a:r>
-              <a:rPr lang="en-US" sz="1800" b="1" dirty="0">
-                <a:solidFill>
-                  <a:srgbClr val="B23622"/>
-                </a:solidFill>
-                <a:latin typeface="Inconsolata Medium" panose="020B0609030003000000" pitchFamily="49" charset="77"/>
-              </a:rPr>
-              <a:t>Out[</a:t>
-            </a:r>
-            <a:r>
-              <a:rPr lang="en-US" sz="1800" b="1" dirty="0">
-                <a:solidFill>
-                  <a:srgbClr val="FF3B1E"/>
-                </a:solidFill>
-                <a:latin typeface="Inconsolata Medium" panose="020B0609030003000000" pitchFamily="49" charset="77"/>
-              </a:rPr>
-              <a:t>25</a:t>
-            </a:r>
-            <a:r>
-              <a:rPr lang="en-US" sz="1800" b="1" dirty="0">
-                <a:solidFill>
-                  <a:srgbClr val="B23622"/>
-                </a:solidFill>
-                <a:latin typeface="Inconsolata Medium" panose="020B0609030003000000" pitchFamily="49" charset="77"/>
-              </a:rPr>
-              <a:t>]: </a:t>
-            </a:r>
-          </a:p>
-          <a:p>
-            <a:pPr marL="0" indent="0">
-              <a:buNone/>
-            </a:pPr>
-            <a:r>
-              <a:rPr lang="en-US" sz="2000" b="1" dirty="0">
-                <a:solidFill>
-                  <a:srgbClr val="000000"/>
-                </a:solidFill>
-                <a:latin typeface="Inconsolata Medium" panose="020B0609030003000000" pitchFamily="49" charset="77"/>
-              </a:rPr>
-              <a:t>Wally    88.666667</a:t>
-            </a:r>
-          </a:p>
-          <a:p>
-            <a:pPr marL="0" indent="0">
-              <a:buNone/>
-            </a:pPr>
-            <a:r>
-              <a:rPr lang="en-US" sz="2000" b="1" dirty="0">
-                <a:solidFill>
-                  <a:srgbClr val="000000"/>
-                </a:solidFill>
-                <a:latin typeface="Inconsolata Medium" panose="020B0609030003000000" pitchFamily="49" charset="77"/>
-              </a:rPr>
-              <a:t>Eva      92.333333</a:t>
-            </a:r>
-          </a:p>
-          <a:p>
-            <a:pPr marL="0" indent="0">
-              <a:buNone/>
-            </a:pPr>
-            <a:r>
-              <a:rPr lang="en-US" sz="2000" b="1" dirty="0">
-                <a:solidFill>
-                  <a:srgbClr val="000000"/>
-                </a:solidFill>
-                <a:latin typeface="Inconsolata Medium" panose="020B0609030003000000" pitchFamily="49" charset="77"/>
-              </a:rPr>
-              <a:t>Sam      87.000000</a:t>
-            </a:r>
-          </a:p>
-          <a:p>
-            <a:pPr marL="0" indent="0">
-              <a:buNone/>
-            </a:pPr>
-            <a:r>
-              <a:rPr lang="en-US" sz="2000" b="1" dirty="0">
-                <a:solidFill>
-                  <a:srgbClr val="000000"/>
-                </a:solidFill>
-                <a:latin typeface="Inconsolata Medium" panose="020B0609030003000000" pitchFamily="49" charset="77"/>
-              </a:rPr>
-              <a:t>Katie    87.666667</a:t>
-            </a:r>
-          </a:p>
-          <a:p>
-            <a:pPr marL="0" indent="0">
-              <a:buNone/>
-            </a:pPr>
-            <a:r>
-              <a:rPr lang="en-US" sz="2000" b="1" dirty="0">
-                <a:solidFill>
-                  <a:srgbClr val="000000"/>
-                </a:solidFill>
-                <a:latin typeface="Inconsolata Medium" panose="020B0609030003000000" pitchFamily="49" charset="77"/>
-              </a:rPr>
-              <a:t>Bob      77.666667</a:t>
-            </a:r>
-          </a:p>
-          <a:p>
-            <a:pPr marL="0" indent="0">
-              <a:buNone/>
-            </a:pPr>
-            <a:r>
-              <a:rPr lang="en-US" sz="2000" b="1" dirty="0" err="1">
-                <a:solidFill>
-                  <a:srgbClr val="000000"/>
-                </a:solidFill>
-                <a:latin typeface="Inconsolata Medium" panose="020B0609030003000000" pitchFamily="49" charset="77"/>
-              </a:rPr>
-              <a:t>dtype</a:t>
-            </a:r>
-            <a:r>
-              <a:rPr lang="en-US" sz="2000" b="1" dirty="0">
-                <a:solidFill>
-                  <a:srgbClr val="000000"/>
-                </a:solidFill>
-                <a:latin typeface="Inconsolata Medium" panose="020B0609030003000000" pitchFamily="49" charset="77"/>
-              </a:rPr>
-              <a:t>: float64</a:t>
-            </a:r>
           </a:p>
         </p:txBody>
       </p:sp>
     </p:spTree>
     <p:extLst>
       <p:ext uri="{BB962C8B-B14F-4D97-AF65-F5344CB8AC3E}">
-        <p14:creationId xmlns:p14="http://schemas.microsoft.com/office/powerpoint/2010/main" val="486412261"/>
+        <p14:creationId xmlns:p14="http://schemas.microsoft.com/office/powerpoint/2010/main" val="897880812"/>
       </p:ext>
     </p:extLst>
   </p:cSld>
@@ -20984,15 +21332,11 @@
             <a:pPr marL="0" indent="0">
               <a:buNone/>
             </a:pPr>
-            <a:r>
-              <a:rPr lang="en-US" sz="2000" dirty="0"/>
-              <a:t>You can quickly transpose the rows and columns—so the rows become the columns, and the columns become the rows—by using the T attribute:</a:t>
-            </a:r>
-            <a:endParaRPr lang="en-US" sz="2000" b="1" dirty="0">
+            <a:endParaRPr lang="en-US" sz="1800" b="1" dirty="0">
               <a:solidFill>
                 <a:srgbClr val="34A327"/>
               </a:solidFill>
-              <a:latin typeface="Inconsolata Medium" panose="020B0609030003000000" pitchFamily="49" charset="77"/>
+              <a:latin typeface="Inconsolata" panose="020B0609030003000000" pitchFamily="49" charset="77"/>
             </a:endParaRPr>
           </a:p>
           <a:p>
@@ -21004,7 +21348,7 @@
                 <a:solidFill>
                   <a:srgbClr val="34A327"/>
                 </a:solidFill>
-                <a:latin typeface="Inconsolata Medium" panose="020B0609030003000000" pitchFamily="49" charset="77"/>
+                <a:latin typeface="Inconsolata" panose="020B0609030003000000" pitchFamily="49" charset="77"/>
               </a:rPr>
               <a:t>In[</a:t>
             </a:r>
@@ -21013,7 +21357,7 @@
                 <a:solidFill>
                   <a:srgbClr val="2EE721"/>
                 </a:solidFill>
-                <a:latin typeface="Inconsolata Medium" panose="020B0609030003000000" pitchFamily="49" charset="77"/>
+                <a:latin typeface="Inconsolata" panose="020B0609030003000000" pitchFamily="49" charset="77"/>
               </a:rPr>
               <a:t>1</a:t>
             </a:r>
@@ -21022,30 +21366,33 @@
                 <a:solidFill>
                   <a:srgbClr val="34A327"/>
                 </a:solidFill>
-                <a:latin typeface="Inconsolata Medium" panose="020B0609030003000000" pitchFamily="49" charset="77"/>
+                <a:latin typeface="Inconsolata" panose="020B0609030003000000" pitchFamily="49" charset="77"/>
               </a:rPr>
               <a:t>]: </a:t>
             </a:r>
             <a:r>
               <a:rPr lang="en-US" sz="1800" b="1" dirty="0" err="1">
-                <a:latin typeface="Inconsolata Medium" panose="020B0609030003000000" pitchFamily="49" charset="77"/>
-              </a:rPr>
-              <a:t>grades.T</a:t>
-            </a:r>
-            <a:endParaRPr lang="en-US" sz="1800" b="1" dirty="0">
-              <a:latin typeface="Inconsolata Medium" panose="020B0609030003000000" pitchFamily="49" charset="77"/>
-            </a:endParaRPr>
-          </a:p>
-          <a:p>
-            <a:pPr marL="0" indent="0">
-              <a:buNone/>
-            </a:pPr>
+                <a:latin typeface="Inconsolata" panose="020B0609030003000000" pitchFamily="49" charset="77"/>
+              </a:rPr>
+              <a:t>grades.mean</a:t>
+            </a:r>
             <a:r>
               <a:rPr lang="en-US" sz="1800" b="1" dirty="0">
+                <a:latin typeface="Inconsolata" panose="020B0609030003000000" pitchFamily="49" charset="77"/>
+              </a:rPr>
+              <a:t>()</a:t>
+            </a:r>
+          </a:p>
+          <a:p>
+            <a:pPr marL="0" indent="0">
+              <a:buNone/>
+            </a:pPr>
+            <a:r>
+              <a:rPr lang="en-US" sz="1800" b="1" dirty="0">
                 <a:solidFill>
                   <a:srgbClr val="B23622"/>
                 </a:solidFill>
-                <a:latin typeface="Inconsolata Medium" panose="020B0609030003000000" pitchFamily="49" charset="77"/>
+                <a:latin typeface="Inconsolata" panose="020B0609030003000000" pitchFamily="49" charset="77"/>
               </a:rPr>
               <a:t>Out[</a:t>
             </a:r>
@@ -21054,7 +21401,7 @@
                 <a:solidFill>
                   <a:srgbClr val="FF3B1E"/>
                 </a:solidFill>
-                <a:latin typeface="Inconsolata Medium" panose="020B0609030003000000" pitchFamily="49" charset="77"/>
+                <a:latin typeface="Inconsolata" panose="020B0609030003000000" pitchFamily="49" charset="77"/>
               </a:rPr>
               <a:t>25</a:t>
             </a:r>
@@ -21063,7 +21410,7 @@
                 <a:solidFill>
                   <a:srgbClr val="B23622"/>
                 </a:solidFill>
-                <a:latin typeface="Inconsolata Medium" panose="020B0609030003000000" pitchFamily="49" charset="77"/>
+                <a:latin typeface="Inconsolata" panose="020B0609030003000000" pitchFamily="49" charset="77"/>
               </a:rPr>
               <a:t>]: </a:t>
             </a:r>
@@ -21077,9 +21424,9 @@
                 <a:solidFill>
                   <a:srgbClr val="000000"/>
                 </a:solidFill>
-                <a:latin typeface="Inconsolata Medium" panose="020B0609030003000000" pitchFamily="49" charset="77"/>
-              </a:rPr>
-              <a:t>       Test1  Test2  Test3</a:t>
+                <a:latin typeface="Inconsolata" panose="020B0609030003000000" pitchFamily="49" charset="77"/>
+              </a:rPr>
+              <a:t>Wally    88.666667</a:t>
             </a:r>
           </a:p>
           <a:p>
@@ -21091,9 +21438,9 @@
                 <a:solidFill>
                   <a:srgbClr val="000000"/>
                 </a:solidFill>
-                <a:latin typeface="Inconsolata Medium" panose="020B0609030003000000" pitchFamily="49" charset="77"/>
-              </a:rPr>
-              <a:t>Wally    100     96     70</a:t>
+                <a:latin typeface="Inconsolata" panose="020B0609030003000000" pitchFamily="49" charset="77"/>
+              </a:rPr>
+              <a:t>Eva      92.333333</a:t>
             </a:r>
           </a:p>
           <a:p>
@@ -21105,9 +21452,9 @@
                 <a:solidFill>
                   <a:srgbClr val="000000"/>
                 </a:solidFill>
-                <a:latin typeface="Inconsolata Medium" panose="020B0609030003000000" pitchFamily="49" charset="77"/>
-              </a:rPr>
-              <a:t>Eva      100     87     90</a:t>
+                <a:latin typeface="Inconsolata" panose="020B0609030003000000" pitchFamily="49" charset="77"/>
+              </a:rPr>
+              <a:t>Sam      87.000000</a:t>
             </a:r>
           </a:p>
           <a:p>
@@ -21119,9 +21466,9 @@
                 <a:solidFill>
                   <a:srgbClr val="000000"/>
                 </a:solidFill>
-                <a:latin typeface="Inconsolata Medium" panose="020B0609030003000000" pitchFamily="49" charset="77"/>
-              </a:rPr>
-              <a:t>Sam       94     77     90</a:t>
+                <a:latin typeface="Inconsolata" panose="020B0609030003000000" pitchFamily="49" charset="77"/>
+              </a:rPr>
+              <a:t>Katie    87.666667</a:t>
             </a:r>
           </a:p>
           <a:p>
@@ -21133,42 +21480,40 @@
                 <a:solidFill>
                   <a:srgbClr val="000000"/>
                 </a:solidFill>
-                <a:latin typeface="Inconsolata Medium" panose="020B0609030003000000" pitchFamily="49" charset="77"/>
-              </a:rPr>
-              <a:t>Katie    100     81     82</a:t>
-            </a:r>
-          </a:p>
-          <a:p>
-            <a:pPr marL="0" indent="0">
-              <a:buNone/>
-            </a:pPr>
-            <a:r>
-              <a:rPr lang="en-US" sz="2000" b="1" dirty="0">
+                <a:latin typeface="Inconsolata" panose="020B0609030003000000" pitchFamily="49" charset="77"/>
+              </a:rPr>
+              <a:t>Bob      77.666667</a:t>
+            </a:r>
+          </a:p>
+          <a:p>
+            <a:pPr marL="0" indent="0">
+              <a:buNone/>
+            </a:pPr>
+            <a:r>
+              <a:rPr lang="en-US" sz="2000" b="1" dirty="0" err="1">
                 <a:solidFill>
                   <a:srgbClr val="000000"/>
                 </a:solidFill>
-                <a:latin typeface="Inconsolata Medium" panose="020B0609030003000000" pitchFamily="49" charset="77"/>
-              </a:rPr>
-              <a:t>Bob       83     65     85</a:t>
-            </a:r>
-          </a:p>
-          <a:p>
-            <a:pPr marL="0" indent="0">
-              <a:buNone/>
-            </a:pPr>
-            <a:endParaRPr lang="en-US" sz="2000" b="1" dirty="0">
-              <a:solidFill>
-                <a:srgbClr val="000000"/>
-              </a:solidFill>
-              <a:latin typeface="Inconsolata Medium" panose="020B0609030003000000" pitchFamily="49" charset="77"/>
-            </a:endParaRPr>
+                <a:latin typeface="Inconsolata" panose="020B0609030003000000" pitchFamily="49" charset="77"/>
+              </a:rPr>
+              <a:t>dtype</a:t>
+            </a:r>
+            <a:r>
+              <a:rPr lang="en-US" sz="2000" b="1" dirty="0">
+                <a:solidFill>
+                  <a:srgbClr val="000000"/>
+                </a:solidFill>
+                <a:latin typeface="Inconsolata" panose="020B0609030003000000" pitchFamily="49" charset="77"/>
+              </a:rPr>
+              <a:t>: float64</a:t>
+            </a:r>
           </a:p>
         </p:txBody>
       </p:sp>
     </p:spTree>
     <p:extLst>
       <p:ext uri="{BB962C8B-B14F-4D97-AF65-F5344CB8AC3E}">
-        <p14:creationId xmlns:p14="http://schemas.microsoft.com/office/powerpoint/2010/main" val="2930537147"/>
+        <p14:creationId xmlns:p14="http://schemas.microsoft.com/office/powerpoint/2010/main" val="486412261"/>
       </p:ext>
     </p:extLst>
   </p:cSld>
@@ -21263,27 +21608,14 @@
               <a:buNone/>
             </a:pPr>
             <a:r>
-              <a:rPr lang="en-US" sz="1800" dirty="0"/>
-              <a:t>Let’s assume that rather than getting the summary statistics by student, you want to get them by test. Simply call describe on </a:t>
-            </a:r>
-            <a:r>
-              <a:rPr lang="en-US" sz="1800" dirty="0" err="1"/>
-              <a:t>grades.T</a:t>
-            </a:r>
-            <a:r>
-              <a:rPr lang="en-US" sz="1800" dirty="0"/>
-              <a:t>, as in:</a:t>
-            </a:r>
-          </a:p>
-          <a:p>
-            <a:pPr marL="0" indent="0">
-              <a:buNone/>
-            </a:pPr>
-            <a:endParaRPr lang="en-US" sz="1800" b="1" dirty="0">
+              <a:rPr lang="en-US" sz="2000" dirty="0"/>
+              <a:t>You can quickly transpose the rows and columns—so the rows become the columns, and the columns become the rows—by using the T attribute:</a:t>
+            </a:r>
+            <a:endParaRPr lang="en-US" sz="2000" b="1" dirty="0">
               <a:solidFill>
                 <a:srgbClr val="34A327"/>
               </a:solidFill>
-              <a:latin typeface="Inconsolata Medium" panose="020B0609030003000000" pitchFamily="49" charset="77"/>
+              <a:latin typeface="Inconsolata" panose="020B0609030003000000" pitchFamily="49" charset="77"/>
             </a:endParaRPr>
           </a:p>
           <a:p>
@@ -21295,7 +21627,7 @@
                 <a:solidFill>
                   <a:srgbClr val="34A327"/>
                 </a:solidFill>
-                <a:latin typeface="Inconsolata Medium" panose="020B0609030003000000" pitchFamily="49" charset="77"/>
+                <a:latin typeface="Inconsolata" panose="020B0609030003000000" pitchFamily="49" charset="77"/>
               </a:rPr>
               <a:t>In[</a:t>
             </a:r>
@@ -21304,7 +21636,7 @@
                 <a:solidFill>
                   <a:srgbClr val="2EE721"/>
                 </a:solidFill>
-                <a:latin typeface="Inconsolata Medium" panose="020B0609030003000000" pitchFamily="49" charset="77"/>
+                <a:latin typeface="Inconsolata" panose="020B0609030003000000" pitchFamily="49" charset="77"/>
               </a:rPr>
               <a:t>1</a:t>
             </a:r>
@@ -21313,51 +21645,48 @@
                 <a:solidFill>
                   <a:srgbClr val="34A327"/>
                 </a:solidFill>
-                <a:latin typeface="Inconsolata Medium" panose="020B0609030003000000" pitchFamily="49" charset="77"/>
+                <a:latin typeface="Inconsolata" panose="020B0609030003000000" pitchFamily="49" charset="77"/>
               </a:rPr>
               <a:t>]: </a:t>
             </a:r>
             <a:r>
               <a:rPr lang="en-US" sz="1800" b="1" dirty="0" err="1">
-                <a:latin typeface="Inconsolata Medium" panose="020B0609030003000000" pitchFamily="49" charset="77"/>
-              </a:rPr>
-              <a:t>grades.T.describe</a:t>
-            </a:r>
+                <a:latin typeface="Inconsolata" panose="020B0609030003000000" pitchFamily="49" charset="77"/>
+              </a:rPr>
+              <a:t>grades.T</a:t>
+            </a:r>
+            <a:endParaRPr lang="en-US" sz="1800" b="1" dirty="0">
+              <a:latin typeface="Inconsolata" panose="020B0609030003000000" pitchFamily="49" charset="77"/>
+            </a:endParaRPr>
+          </a:p>
+          <a:p>
+            <a:pPr marL="0" indent="0">
+              <a:buNone/>
+            </a:pPr>
             <a:r>
               <a:rPr lang="en-US" sz="1800" b="1" dirty="0">
-                <a:latin typeface="Inconsolata Medium" panose="020B0609030003000000" pitchFamily="49" charset="77"/>
-              </a:rPr>
-              <a:t>()</a:t>
-            </a:r>
-          </a:p>
-          <a:p>
-            <a:pPr marL="0" indent="0">
-              <a:buNone/>
-            </a:pPr>
+                <a:solidFill>
+                  <a:srgbClr val="B23622"/>
+                </a:solidFill>
+                <a:latin typeface="Inconsolata" panose="020B0609030003000000" pitchFamily="49" charset="77"/>
+              </a:rPr>
+              <a:t>Out[</a:t>
+            </a:r>
             <a:r>
               <a:rPr lang="en-US" sz="1800" b="1" dirty="0">
                 <a:solidFill>
+                  <a:srgbClr val="FF3B1E"/>
+                </a:solidFill>
+                <a:latin typeface="Inconsolata" panose="020B0609030003000000" pitchFamily="49" charset="77"/>
+              </a:rPr>
+              <a:t>25</a:t>
+            </a:r>
+            <a:r>
+              <a:rPr lang="en-US" sz="1800" b="1" dirty="0">
+                <a:solidFill>
                   <a:srgbClr val="B23622"/>
                 </a:solidFill>
-                <a:latin typeface="Inconsolata Medium" panose="020B0609030003000000" pitchFamily="49" charset="77"/>
-              </a:rPr>
-              <a:t>Out[</a:t>
-            </a:r>
-            <a:r>
-              <a:rPr lang="en-US" sz="1800" b="1" dirty="0">
-                <a:solidFill>
-                  <a:srgbClr val="FF3B1E"/>
-                </a:solidFill>
-                <a:latin typeface="Inconsolata Medium" panose="020B0609030003000000" pitchFamily="49" charset="77"/>
-              </a:rPr>
-              <a:t>25</a:t>
-            </a:r>
-            <a:r>
-              <a:rPr lang="en-US" sz="1800" b="1" dirty="0">
-                <a:solidFill>
-                  <a:srgbClr val="B23622"/>
-                </a:solidFill>
-                <a:latin typeface="Inconsolata Medium" panose="020B0609030003000000" pitchFamily="49" charset="77"/>
+                <a:latin typeface="Inconsolata" panose="020B0609030003000000" pitchFamily="49" charset="77"/>
               </a:rPr>
               <a:t>]: </a:t>
             </a:r>
@@ -21371,9 +21700,9 @@
                 <a:solidFill>
                   <a:srgbClr val="000000"/>
                 </a:solidFill>
-                <a:latin typeface="Inconsolata Medium" panose="020B0609030003000000" pitchFamily="49" charset="77"/>
-              </a:rPr>
-              <a:t>            Test1     Test2      Test3</a:t>
+                <a:latin typeface="Inconsolata" panose="020B0609030003000000" pitchFamily="49" charset="77"/>
+              </a:rPr>
+              <a:t>       Test1  Test2  Test3</a:t>
             </a:r>
           </a:p>
           <a:p>
@@ -21385,9 +21714,9 @@
                 <a:solidFill>
                   <a:srgbClr val="000000"/>
                 </a:solidFill>
-                <a:latin typeface="Inconsolata Medium" panose="020B0609030003000000" pitchFamily="49" charset="77"/>
-              </a:rPr>
-              <a:t>count    5.000000   5.00000   5.000000</a:t>
+                <a:latin typeface="Inconsolata" panose="020B0609030003000000" pitchFamily="49" charset="77"/>
+              </a:rPr>
+              <a:t>Wally    100     96     70</a:t>
             </a:r>
           </a:p>
           <a:p>
@@ -21399,9 +21728,9 @@
                 <a:solidFill>
                   <a:srgbClr val="000000"/>
                 </a:solidFill>
-                <a:latin typeface="Inconsolata Medium" panose="020B0609030003000000" pitchFamily="49" charset="77"/>
-              </a:rPr>
-              <a:t>mean    95.400000  81.20000  83.400000</a:t>
+                <a:latin typeface="Inconsolata" panose="020B0609030003000000" pitchFamily="49" charset="77"/>
+              </a:rPr>
+              <a:t>Eva      100     87     90</a:t>
             </a:r>
           </a:p>
           <a:p>
@@ -21413,9 +21742,9 @@
                 <a:solidFill>
                   <a:srgbClr val="000000"/>
                 </a:solidFill>
-                <a:latin typeface="Inconsolata Medium" panose="020B0609030003000000" pitchFamily="49" charset="77"/>
-              </a:rPr>
-              <a:t>std      7.402702  11.54123   8.234076</a:t>
+                <a:latin typeface="Inconsolata" panose="020B0609030003000000" pitchFamily="49" charset="77"/>
+              </a:rPr>
+              <a:t>Sam       94     77     90</a:t>
             </a:r>
           </a:p>
           <a:p>
@@ -21427,9 +21756,9 @@
                 <a:solidFill>
                   <a:srgbClr val="000000"/>
                 </a:solidFill>
-                <a:latin typeface="Inconsolata Medium" panose="020B0609030003000000" pitchFamily="49" charset="77"/>
-              </a:rPr>
-              <a:t>min     83.000000  65.00000  70.000000</a:t>
+                <a:latin typeface="Inconsolata" panose="020B0609030003000000" pitchFamily="49" charset="77"/>
+              </a:rPr>
+              <a:t>Katie    100     81     82</a:t>
             </a:r>
           </a:p>
           <a:p>
@@ -21441,51 +21770,9 @@
                 <a:solidFill>
                   <a:srgbClr val="000000"/>
                 </a:solidFill>
-                <a:latin typeface="Inconsolata Medium" panose="020B0609030003000000" pitchFamily="49" charset="77"/>
-              </a:rPr>
-              <a:t>25%     94.000000  77.00000  82.000000</a:t>
-            </a:r>
-          </a:p>
-          <a:p>
-            <a:pPr marL="0" indent="0">
-              <a:buNone/>
-            </a:pPr>
-            <a:r>
-              <a:rPr lang="en-US" sz="2000" b="1" dirty="0">
-                <a:solidFill>
-                  <a:srgbClr val="000000"/>
-                </a:solidFill>
-                <a:latin typeface="Inconsolata Medium" panose="020B0609030003000000" pitchFamily="49" charset="77"/>
-              </a:rPr>
-              <a:t>50%    100.000000  81.00000  85.000000</a:t>
-            </a:r>
-          </a:p>
-          <a:p>
-            <a:pPr marL="0" indent="0">
-              <a:buNone/>
-            </a:pPr>
-            <a:r>
-              <a:rPr lang="en-US" sz="2000" b="1" dirty="0">
-                <a:solidFill>
-                  <a:srgbClr val="000000"/>
-                </a:solidFill>
-                <a:latin typeface="Inconsolata Medium" panose="020B0609030003000000" pitchFamily="49" charset="77"/>
-              </a:rPr>
-              <a:t>75%    100.000000  87.00000  90.000000</a:t>
-            </a:r>
-          </a:p>
-          <a:p>
-            <a:pPr marL="0" indent="0">
-              <a:buNone/>
-            </a:pPr>
-            <a:r>
-              <a:rPr lang="en-US" sz="2000" b="1" dirty="0">
-                <a:solidFill>
-                  <a:srgbClr val="000000"/>
-                </a:solidFill>
-                <a:latin typeface="Inconsolata Medium" panose="020B0609030003000000" pitchFamily="49" charset="77"/>
-              </a:rPr>
-              <a:t>max    100.000000  96.00000  90.000000</a:t>
+                <a:latin typeface="Inconsolata" panose="020B0609030003000000" pitchFamily="49" charset="77"/>
+              </a:rPr>
+              <a:t>Bob       83     65     85</a:t>
             </a:r>
           </a:p>
           <a:p>
@@ -21496,7 +21783,7 @@
               <a:solidFill>
                 <a:srgbClr val="000000"/>
               </a:solidFill>
-              <a:latin typeface="Inconsolata Medium" panose="020B0609030003000000" pitchFamily="49" charset="77"/>
+              <a:latin typeface="Inconsolata" panose="020B0609030003000000" pitchFamily="49" charset="77"/>
             </a:endParaRPr>
           </a:p>
         </p:txBody>
@@ -21504,7 +21791,7 @@
     </p:spTree>
     <p:extLst>
       <p:ext uri="{BB962C8B-B14F-4D97-AF65-F5344CB8AC3E}">
-        <p14:creationId xmlns:p14="http://schemas.microsoft.com/office/powerpoint/2010/main" val="845456246"/>
+        <p14:creationId xmlns:p14="http://schemas.microsoft.com/office/powerpoint/2010/main" val="2930537147"/>
       </p:ext>
     </p:extLst>
   </p:cSld>
@@ -21600,7 +21887,15 @@
             </a:pPr>
             <a:r>
               <a:rPr lang="en-US" sz="1800" dirty="0"/>
-              <a:t>To see the average of all the students’ grades on each test, just call mean on the T attribute:</a:t>
+              <a:t>Let’s assume that rather than getting the summary statistics by student, you want to get them by test. Simply call describe on </a:t>
+            </a:r>
+            <a:r>
+              <a:rPr lang="en-US" sz="1800" dirty="0" err="1"/>
+              <a:t>grades.T</a:t>
+            </a:r>
+            <a:r>
+              <a:rPr lang="en-US" sz="1800" dirty="0"/>
+              <a:t>, as in:</a:t>
             </a:r>
           </a:p>
           <a:p>
@@ -21611,7 +21906,7 @@
               <a:solidFill>
                 <a:srgbClr val="34A327"/>
               </a:solidFill>
-              <a:latin typeface="Inconsolata Medium" panose="020B0609030003000000" pitchFamily="49" charset="77"/>
+              <a:latin typeface="Inconsolata" panose="020B0609030003000000" pitchFamily="49" charset="77"/>
             </a:endParaRPr>
           </a:p>
           <a:p>
@@ -21623,7 +21918,7 @@
                 <a:solidFill>
                   <a:srgbClr val="34A327"/>
                 </a:solidFill>
-                <a:latin typeface="Inconsolata Medium" panose="020B0609030003000000" pitchFamily="49" charset="77"/>
+                <a:latin typeface="Inconsolata" panose="020B0609030003000000" pitchFamily="49" charset="77"/>
               </a:rPr>
               <a:t>In[</a:t>
             </a:r>
@@ -21632,7 +21927,7 @@
                 <a:solidFill>
                   <a:srgbClr val="2EE721"/>
                 </a:solidFill>
-                <a:latin typeface="Inconsolata Medium" panose="020B0609030003000000" pitchFamily="49" charset="77"/>
+                <a:latin typeface="Inconsolata" panose="020B0609030003000000" pitchFamily="49" charset="77"/>
               </a:rPr>
               <a:t>1</a:t>
             </a:r>
@@ -21641,19 +21936,19 @@
                 <a:solidFill>
                   <a:srgbClr val="34A327"/>
                 </a:solidFill>
-                <a:latin typeface="Inconsolata Medium" panose="020B0609030003000000" pitchFamily="49" charset="77"/>
+                <a:latin typeface="Inconsolata" panose="020B0609030003000000" pitchFamily="49" charset="77"/>
               </a:rPr>
               <a:t>]: </a:t>
             </a:r>
             <a:r>
               <a:rPr lang="en-US" sz="1800" b="1" dirty="0" err="1">
-                <a:latin typeface="Inconsolata Medium" panose="020B0609030003000000" pitchFamily="49" charset="77"/>
-              </a:rPr>
-              <a:t>grades.T.mean</a:t>
+                <a:latin typeface="Inconsolata" panose="020B0609030003000000" pitchFamily="49" charset="77"/>
+              </a:rPr>
+              <a:t>grades.T.describe</a:t>
             </a:r>
             <a:r>
               <a:rPr lang="en-US" sz="1800" b="1" dirty="0">
-                <a:latin typeface="Inconsolata Medium" panose="020B0609030003000000" pitchFamily="49" charset="77"/>
+                <a:latin typeface="Inconsolata" panose="020B0609030003000000" pitchFamily="49" charset="77"/>
               </a:rPr>
               <a:t>()</a:t>
             </a:r>
@@ -21667,7 +21962,7 @@
                 <a:solidFill>
                   <a:srgbClr val="B23622"/>
                 </a:solidFill>
-                <a:latin typeface="Inconsolata Medium" panose="020B0609030003000000" pitchFamily="49" charset="77"/>
+                <a:latin typeface="Inconsolata" panose="020B0609030003000000" pitchFamily="49" charset="77"/>
               </a:rPr>
               <a:t>Out[</a:t>
             </a:r>
@@ -21676,7 +21971,7 @@
                 <a:solidFill>
                   <a:srgbClr val="FF3B1E"/>
                 </a:solidFill>
-                <a:latin typeface="Inconsolata Medium" panose="020B0609030003000000" pitchFamily="49" charset="77"/>
+                <a:latin typeface="Inconsolata" panose="020B0609030003000000" pitchFamily="49" charset="77"/>
               </a:rPr>
               <a:t>25</a:t>
             </a:r>
@@ -21685,7 +21980,7 @@
                 <a:solidFill>
                   <a:srgbClr val="B23622"/>
                 </a:solidFill>
-                <a:latin typeface="Inconsolata Medium" panose="020B0609030003000000" pitchFamily="49" charset="77"/>
+                <a:latin typeface="Inconsolata" panose="020B0609030003000000" pitchFamily="49" charset="77"/>
               </a:rPr>
               <a:t>]: </a:t>
             </a:r>
@@ -21699,9 +21994,9 @@
                 <a:solidFill>
                   <a:srgbClr val="000000"/>
                 </a:solidFill>
-                <a:latin typeface="Inconsolata Medium" panose="020B0609030003000000" pitchFamily="49" charset="77"/>
-              </a:rPr>
-              <a:t>Test1    95.4</a:t>
+                <a:latin typeface="Inconsolata" panose="020B0609030003000000" pitchFamily="49" charset="77"/>
+              </a:rPr>
+              <a:t>            Test1     Test2      Test3</a:t>
             </a:r>
           </a:p>
           <a:p>
@@ -21713,9 +22008,9 @@
                 <a:solidFill>
                   <a:srgbClr val="000000"/>
                 </a:solidFill>
-                <a:latin typeface="Inconsolata Medium" panose="020B0609030003000000" pitchFamily="49" charset="77"/>
-              </a:rPr>
-              <a:t>Test2    81.2</a:t>
+                <a:latin typeface="Inconsolata" panose="020B0609030003000000" pitchFamily="49" charset="77"/>
+              </a:rPr>
+              <a:t>count    5.000000   5.00000   5.000000</a:t>
             </a:r>
           </a:p>
           <a:p>
@@ -21727,32 +22022,93 @@
                 <a:solidFill>
                   <a:srgbClr val="000000"/>
                 </a:solidFill>
-                <a:latin typeface="Inconsolata Medium" panose="020B0609030003000000" pitchFamily="49" charset="77"/>
-              </a:rPr>
-              <a:t>Test3    83.4</a:t>
-            </a:r>
-          </a:p>
-          <a:p>
-            <a:pPr marL="0" indent="0">
-              <a:buNone/>
-            </a:pPr>
-            <a:r>
-              <a:rPr lang="en-US" sz="2000" b="1" dirty="0" err="1">
+                <a:latin typeface="Inconsolata" panose="020B0609030003000000" pitchFamily="49" charset="77"/>
+              </a:rPr>
+              <a:t>mean    95.400000  81.20000  83.400000</a:t>
+            </a:r>
+          </a:p>
+          <a:p>
+            <a:pPr marL="0" indent="0">
+              <a:buNone/>
+            </a:pPr>
+            <a:r>
+              <a:rPr lang="en-US" sz="2000" b="1" dirty="0">
                 <a:solidFill>
                   <a:srgbClr val="000000"/>
                 </a:solidFill>
-                <a:latin typeface="Inconsolata Medium" panose="020B0609030003000000" pitchFamily="49" charset="77"/>
-              </a:rPr>
-              <a:t>dtype</a:t>
-            </a:r>
+                <a:latin typeface="Inconsolata" panose="020B0609030003000000" pitchFamily="49" charset="77"/>
+              </a:rPr>
+              <a:t>std      7.402702  11.54123   8.234076</a:t>
+            </a:r>
+          </a:p>
+          <a:p>
+            <a:pPr marL="0" indent="0">
+              <a:buNone/>
+            </a:pPr>
             <a:r>
               <a:rPr lang="en-US" sz="2000" b="1" dirty="0">
                 <a:solidFill>
                   <a:srgbClr val="000000"/>
                 </a:solidFill>
-                <a:latin typeface="Inconsolata Medium" panose="020B0609030003000000" pitchFamily="49" charset="77"/>
-              </a:rPr>
-              <a:t>: float64</a:t>
+                <a:latin typeface="Inconsolata" panose="020B0609030003000000" pitchFamily="49" charset="77"/>
+              </a:rPr>
+              <a:t>min     83.000000  65.00000  70.000000</a:t>
+            </a:r>
+          </a:p>
+          <a:p>
+            <a:pPr marL="0" indent="0">
+              <a:buNone/>
+            </a:pPr>
+            <a:r>
+              <a:rPr lang="en-US" sz="2000" b="1" dirty="0">
+                <a:solidFill>
+                  <a:srgbClr val="000000"/>
+                </a:solidFill>
+                <a:latin typeface="Inconsolata" panose="020B0609030003000000" pitchFamily="49" charset="77"/>
+              </a:rPr>
+              <a:t>25%     94.000000  77.00000  82.000000</a:t>
+            </a:r>
+          </a:p>
+          <a:p>
+            <a:pPr marL="0" indent="0">
+              <a:buNone/>
+            </a:pPr>
+            <a:r>
+              <a:rPr lang="en-US" sz="2000" b="1" dirty="0">
+                <a:solidFill>
+                  <a:srgbClr val="000000"/>
+                </a:solidFill>
+                <a:latin typeface="Inconsolata" panose="020B0609030003000000" pitchFamily="49" charset="77"/>
+              </a:rPr>
+              <a:t>50%    100.000000  81.00000  85.000000</a:t>
+            </a:r>
+          </a:p>
+          <a:p>
+            <a:pPr marL="0" indent="0">
+              <a:buNone/>
+            </a:pPr>
+            <a:r>
+              <a:rPr lang="en-US" sz="2000" b="1" dirty="0">
+                <a:solidFill>
+                  <a:srgbClr val="000000"/>
+                </a:solidFill>
+                <a:latin typeface="Inconsolata" panose="020B0609030003000000" pitchFamily="49" charset="77"/>
+              </a:rPr>
+              <a:t>75%    100.000000  87.00000  90.000000</a:t>
+            </a:r>
+          </a:p>
+          <a:p>
+            <a:pPr marL="0" indent="0">
+              <a:buNone/>
+            </a:pPr>
+            <a:r>
+              <a:rPr lang="en-US" sz="2000" b="1" dirty="0">
+                <a:solidFill>
+                  <a:srgbClr val="000000"/>
+                </a:solidFill>
+                <a:latin typeface="Inconsolata" panose="020B0609030003000000" pitchFamily="49" charset="77"/>
+              </a:rPr>
+              <a:t>max    100.000000  96.00000  90.000000</a:t>
             </a:r>
           </a:p>
           <a:p>
@@ -21763,7 +22119,7 @@
               <a:solidFill>
                 <a:srgbClr val="000000"/>
               </a:solidFill>
-              <a:latin typeface="Inconsolata Medium" panose="020B0609030003000000" pitchFamily="49" charset="77"/>
+              <a:latin typeface="Inconsolata" panose="020B0609030003000000" pitchFamily="49" charset="77"/>
             </a:endParaRPr>
           </a:p>
         </p:txBody>
@@ -21771,7 +22127,7 @@
     </p:spTree>
     <p:extLst>
       <p:ext uri="{BB962C8B-B14F-4D97-AF65-F5344CB8AC3E}">
-        <p14:creationId xmlns:p14="http://schemas.microsoft.com/office/powerpoint/2010/main" val="3437993011"/>
+        <p14:creationId xmlns:p14="http://schemas.microsoft.com/office/powerpoint/2010/main" val="845456246"/>
       </p:ext>
     </p:extLst>
   </p:cSld>
@@ -21831,7 +22187,7 @@
                 <a:latin typeface="Tahoma" panose="020B0604030504040204" pitchFamily="34" charset="0"/>
                 <a:ea typeface="ＭＳ Ｐゴシック" panose="020B0600070205080204" pitchFamily="34" charset="-128"/>
               </a:rPr>
-              <a:t>Sorting by Row Indices</a:t>
+              <a:t>Descriptive Statistics</a:t>
             </a:r>
           </a:p>
         </p:txBody>
@@ -21867,75 +22223,342 @@
             </a:pPr>
             <a:r>
               <a:rPr lang="en-US" sz="1800" dirty="0"/>
-              <a:t>You’ll often sort data for easier readability. You can sort a </a:t>
-            </a:r>
-            <a:r>
-              <a:rPr lang="en-US" sz="1800" dirty="0" err="1"/>
-              <a:t>DataFrame</a:t>
-            </a:r>
-            <a:r>
-              <a:rPr lang="en-US" sz="1800" dirty="0"/>
-              <a:t> by its rows or columns, based on their indices or values. </a:t>
-            </a:r>
-          </a:p>
-          <a:p>
-            <a:pPr marL="0" indent="0">
-              <a:buNone/>
-            </a:pPr>
-            <a:endParaRPr lang="en-US" sz="1800" dirty="0"/>
-          </a:p>
-          <a:p>
-            <a:pPr marL="0" indent="0">
-              <a:buNone/>
-            </a:pPr>
-            <a:r>
-              <a:rPr lang="en-US" sz="1800" dirty="0"/>
-              <a:t>Let’s sort the rows by their indices in descending order using </a:t>
-            </a:r>
-            <a:r>
-              <a:rPr lang="en-US" sz="1800" dirty="0" err="1"/>
-              <a:t>sort_index</a:t>
-            </a:r>
-            <a:r>
-              <a:rPr lang="en-US" sz="1800" dirty="0"/>
-              <a:t> and its keyword argument ascending=False (the default is to sort in ascending order). This returns a new </a:t>
-            </a:r>
-            <a:r>
-              <a:rPr lang="en-US" sz="1800" dirty="0" err="1"/>
-              <a:t>DataFrame</a:t>
-            </a:r>
-            <a:r>
-              <a:rPr lang="en-US" sz="1800" dirty="0"/>
-              <a:t> containing the sorted data:</a:t>
-            </a:r>
+              <a:t>To see the average of all the students’ grades on each test, just call mean on the T attribute:</a:t>
+            </a:r>
+          </a:p>
+          <a:p>
+            <a:pPr marL="0" indent="0">
+              <a:buNone/>
+            </a:pPr>
             <a:endParaRPr lang="en-US" sz="1800" b="1" dirty="0">
               <a:solidFill>
                 <a:srgbClr val="34A327"/>
               </a:solidFill>
-              <a:latin typeface="Inconsolata Medium" panose="020B0609030003000000" pitchFamily="49" charset="77"/>
+              <a:latin typeface="Inconsolata" panose="020B0609030003000000" pitchFamily="49" charset="77"/>
             </a:endParaRPr>
           </a:p>
           <a:p>
             <a:pPr marL="0" indent="0">
               <a:buNone/>
             </a:pPr>
+            <a:r>
+              <a:rPr lang="en-US" sz="1800" b="1" dirty="0">
+                <a:solidFill>
+                  <a:srgbClr val="34A327"/>
+                </a:solidFill>
+                <a:latin typeface="Inconsolata" panose="020B0609030003000000" pitchFamily="49" charset="77"/>
+              </a:rPr>
+              <a:t>In[</a:t>
+            </a:r>
+            <a:r>
+              <a:rPr lang="en-US" sz="1800" b="1" dirty="0">
+                <a:solidFill>
+                  <a:srgbClr val="2EE721"/>
+                </a:solidFill>
+                <a:latin typeface="Inconsolata" panose="020B0609030003000000" pitchFamily="49" charset="77"/>
+              </a:rPr>
+              <a:t>1</a:t>
+            </a:r>
+            <a:r>
+              <a:rPr lang="en-US" sz="1800" b="1" dirty="0">
+                <a:solidFill>
+                  <a:srgbClr val="34A327"/>
+                </a:solidFill>
+                <a:latin typeface="Inconsolata" panose="020B0609030003000000" pitchFamily="49" charset="77"/>
+              </a:rPr>
+              <a:t>]: </a:t>
+            </a:r>
+            <a:r>
+              <a:rPr lang="en-US" sz="1800" b="1" dirty="0" err="1">
+                <a:latin typeface="Inconsolata" panose="020B0609030003000000" pitchFamily="49" charset="77"/>
+              </a:rPr>
+              <a:t>grades.T.mean</a:t>
+            </a:r>
+            <a:r>
+              <a:rPr lang="en-US" sz="1800" b="1" dirty="0">
+                <a:latin typeface="Inconsolata" panose="020B0609030003000000" pitchFamily="49" charset="77"/>
+              </a:rPr>
+              <a:t>()</a:t>
+            </a:r>
+          </a:p>
+          <a:p>
+            <a:pPr marL="0" indent="0">
+              <a:buNone/>
+            </a:pPr>
+            <a:r>
+              <a:rPr lang="en-US" sz="1800" b="1" dirty="0">
+                <a:solidFill>
+                  <a:srgbClr val="B23622"/>
+                </a:solidFill>
+                <a:latin typeface="Inconsolata" panose="020B0609030003000000" pitchFamily="49" charset="77"/>
+              </a:rPr>
+              <a:t>Out[</a:t>
+            </a:r>
+            <a:r>
+              <a:rPr lang="en-US" sz="1800" b="1" dirty="0">
+                <a:solidFill>
+                  <a:srgbClr val="FF3B1E"/>
+                </a:solidFill>
+                <a:latin typeface="Inconsolata" panose="020B0609030003000000" pitchFamily="49" charset="77"/>
+              </a:rPr>
+              <a:t>25</a:t>
+            </a:r>
+            <a:r>
+              <a:rPr lang="en-US" sz="1800" b="1" dirty="0">
+                <a:solidFill>
+                  <a:srgbClr val="B23622"/>
+                </a:solidFill>
+                <a:latin typeface="Inconsolata" panose="020B0609030003000000" pitchFamily="49" charset="77"/>
+              </a:rPr>
+              <a:t>]: </a:t>
+            </a:r>
+          </a:p>
+          <a:p>
+            <a:pPr marL="0" indent="0">
+              <a:buNone/>
+            </a:pPr>
+            <a:r>
+              <a:rPr lang="en-US" sz="2000" b="1" dirty="0">
+                <a:solidFill>
+                  <a:srgbClr val="000000"/>
+                </a:solidFill>
+                <a:latin typeface="Inconsolata" panose="020B0609030003000000" pitchFamily="49" charset="77"/>
+              </a:rPr>
+              <a:t>Test1    95.4</a:t>
+            </a:r>
+          </a:p>
+          <a:p>
+            <a:pPr marL="0" indent="0">
+              <a:buNone/>
+            </a:pPr>
+            <a:r>
+              <a:rPr lang="en-US" sz="2000" b="1" dirty="0">
+                <a:solidFill>
+                  <a:srgbClr val="000000"/>
+                </a:solidFill>
+                <a:latin typeface="Inconsolata" panose="020B0609030003000000" pitchFamily="49" charset="77"/>
+              </a:rPr>
+              <a:t>Test2    81.2</a:t>
+            </a:r>
+          </a:p>
+          <a:p>
+            <a:pPr marL="0" indent="0">
+              <a:buNone/>
+            </a:pPr>
+            <a:r>
+              <a:rPr lang="en-US" sz="2000" b="1" dirty="0">
+                <a:solidFill>
+                  <a:srgbClr val="000000"/>
+                </a:solidFill>
+                <a:latin typeface="Inconsolata" panose="020B0609030003000000" pitchFamily="49" charset="77"/>
+              </a:rPr>
+              <a:t>Test3    83.4</a:t>
+            </a:r>
+          </a:p>
+          <a:p>
+            <a:pPr marL="0" indent="0">
+              <a:buNone/>
+            </a:pPr>
+            <a:r>
+              <a:rPr lang="en-US" sz="2000" b="1" dirty="0" err="1">
+                <a:solidFill>
+                  <a:srgbClr val="000000"/>
+                </a:solidFill>
+                <a:latin typeface="Inconsolata" panose="020B0609030003000000" pitchFamily="49" charset="77"/>
+              </a:rPr>
+              <a:t>dtype</a:t>
+            </a:r>
+            <a:r>
+              <a:rPr lang="en-US" sz="2000" b="1" dirty="0">
+                <a:solidFill>
+                  <a:srgbClr val="000000"/>
+                </a:solidFill>
+                <a:latin typeface="Inconsolata" panose="020B0609030003000000" pitchFamily="49" charset="77"/>
+              </a:rPr>
+              <a:t>: float64</a:t>
+            </a:r>
+          </a:p>
+          <a:p>
+            <a:pPr marL="0" indent="0">
+              <a:buNone/>
+            </a:pPr>
+            <a:endParaRPr lang="en-US" sz="2000" b="1" dirty="0">
+              <a:solidFill>
+                <a:srgbClr val="000000"/>
+              </a:solidFill>
+              <a:latin typeface="Inconsolata" panose="020B0609030003000000" pitchFamily="49" charset="77"/>
+            </a:endParaRPr>
+          </a:p>
+        </p:txBody>
+      </p:sp>
+    </p:spTree>
+    <p:extLst>
+      <p:ext uri="{BB962C8B-B14F-4D97-AF65-F5344CB8AC3E}">
+        <p14:creationId xmlns:p14="http://schemas.microsoft.com/office/powerpoint/2010/main" val="3437993011"/>
+      </p:ext>
+    </p:extLst>
+  </p:cSld>
+  <p:clrMapOvr>
+    <a:masterClrMapping/>
+  </p:clrMapOvr>
+  <p:transition/>
+</p:sld>
+</file>
+
+<file path=ppt/slides/slide26.xml><?xml version="1.0" encoding="utf-8"?>
+<p:sld xmlns:a="http://schemas.openxmlformats.org/drawingml/2006/main" xmlns:r="http://schemas.openxmlformats.org/officeDocument/2006/relationships" xmlns:p="http://schemas.openxmlformats.org/presentationml/2006/main">
+  <p:cSld>
+    <p:spTree>
+      <p:nvGrpSpPr>
+        <p:cNvPr id="1" name=""/>
+        <p:cNvGrpSpPr/>
+        <p:nvPr/>
+      </p:nvGrpSpPr>
+      <p:grpSpPr>
+        <a:xfrm>
+          <a:off x="0" y="0"/>
+          <a:ext cx="0" cy="0"/>
+          <a:chOff x="0" y="0"/>
+          <a:chExt cx="0" cy="0"/>
+        </a:xfrm>
+      </p:grpSpPr>
+      <p:sp>
+        <p:nvSpPr>
+          <p:cNvPr id="38913" name="Rectangle 2">
+            <a:extLst>
+              <a:ext uri="{FF2B5EF4-FFF2-40B4-BE49-F238E27FC236}">
+                <a16:creationId xmlns:a16="http://schemas.microsoft.com/office/drawing/2014/main" id="{01ABAB85-1B1D-E842-8BF4-B8AF13377E9C}"/>
+              </a:ext>
+            </a:extLst>
+          </p:cNvPr>
+          <p:cNvSpPr>
+            <a:spLocks noGrp="1" noChangeArrowheads="1"/>
+          </p:cNvSpPr>
+          <p:nvPr>
+            <p:ph type="title"/>
+          </p:nvPr>
+        </p:nvSpPr>
+        <p:spPr>
+          <a:xfrm>
+            <a:off x="0" y="-14915"/>
+            <a:ext cx="7886700" cy="832591"/>
+          </a:xfrm>
+        </p:spPr>
+        <p:txBody>
+          <a:bodyPr/>
+          <a:lstStyle/>
+          <a:p>
+            <a:pPr eaLnBrk="1" hangingPunct="1"/>
+            <a:r>
+              <a:rPr lang="en-US" altLang="en-US" dirty="0">
+                <a:latin typeface="Tahoma" panose="020B0604030504040204" pitchFamily="34" charset="0"/>
+                <a:ea typeface="ＭＳ Ｐゴシック" panose="020B0600070205080204" pitchFamily="34" charset="-128"/>
+              </a:rPr>
+              <a:t>Sorting by Row Indices</a:t>
+            </a:r>
+          </a:p>
+        </p:txBody>
+      </p:sp>
+      <p:sp>
+        <p:nvSpPr>
+          <p:cNvPr id="16386" name="Rectangle 3">
+            <a:extLst>
+              <a:ext uri="{FF2B5EF4-FFF2-40B4-BE49-F238E27FC236}">
+                <a16:creationId xmlns:a16="http://schemas.microsoft.com/office/drawing/2014/main" id="{B58E18ED-8D49-8844-A857-3DC2CAD817CB}"/>
+              </a:ext>
+            </a:extLst>
+          </p:cNvPr>
+          <p:cNvSpPr>
+            <a:spLocks noGrp="1" noChangeArrowheads="1"/>
+          </p:cNvSpPr>
+          <p:nvPr>
+            <p:ph type="body" idx="1"/>
+          </p:nvPr>
+        </p:nvSpPr>
+        <p:spPr>
+          <a:xfrm>
+            <a:off x="182880" y="658761"/>
+            <a:ext cx="8538210" cy="5056239"/>
+          </a:xfrm>
+        </p:spPr>
+        <p:txBody>
+          <a:bodyPr/>
+          <a:lstStyle/>
+          <a:p>
+            <a:pPr marL="0" indent="0">
+              <a:buNone/>
+            </a:pPr>
+            <a:r>
+              <a:rPr lang="en-US" sz="1800" dirty="0"/>
+              <a:t>You’ll often sort data for easier readability. You can sort a </a:t>
+            </a:r>
+            <a:r>
+              <a:rPr lang="en-US" sz="1800" dirty="0" err="1"/>
+              <a:t>DataFrame</a:t>
+            </a:r>
+            <a:r>
+              <a:rPr lang="en-US" sz="1800" dirty="0"/>
+              <a:t> by its rows or columns, based on their indices or values. </a:t>
+            </a:r>
+          </a:p>
+          <a:p>
+            <a:pPr marL="0" indent="0">
+              <a:buNone/>
+            </a:pPr>
+            <a:endParaRPr lang="en-US" sz="1800" dirty="0"/>
+          </a:p>
+          <a:p>
+            <a:pPr marL="0" indent="0">
+              <a:buNone/>
+            </a:pPr>
+            <a:r>
+              <a:rPr lang="en-US" sz="1800" dirty="0"/>
+              <a:t>Let’s sort the rows by their indices in descending order using </a:t>
+            </a:r>
+            <a:r>
+              <a:rPr lang="en-US" sz="1800" dirty="0" err="1"/>
+              <a:t>sort_index</a:t>
+            </a:r>
+            <a:r>
+              <a:rPr lang="en-US" sz="1800" dirty="0"/>
+              <a:t> and its keyword argument ascending=False (the default is to sort in ascending order). This returns a new </a:t>
+            </a:r>
+            <a:r>
+              <a:rPr lang="en-US" sz="1800" dirty="0" err="1"/>
+              <a:t>DataFrame</a:t>
+            </a:r>
+            <a:r>
+              <a:rPr lang="en-US" sz="1800" dirty="0"/>
+              <a:t> containing the sorted data:</a:t>
+            </a:r>
             <a:endParaRPr lang="en-US" sz="1800" b="1" dirty="0">
               <a:solidFill>
                 <a:srgbClr val="34A327"/>
               </a:solidFill>
-              <a:latin typeface="Inconsolata Medium" panose="020B0609030003000000" pitchFamily="49" charset="77"/>
+              <a:latin typeface="Inconsolata" panose="020B0609030003000000" pitchFamily="49" charset="77"/>
             </a:endParaRPr>
           </a:p>
           <a:p>
             <a:pPr marL="0" indent="0">
               <a:buNone/>
             </a:pPr>
+            <a:endParaRPr lang="en-US" sz="1800" b="1" dirty="0">
+              <a:solidFill>
+                <a:srgbClr val="34A327"/>
+              </a:solidFill>
+              <a:latin typeface="Inconsolata" panose="020B0609030003000000" pitchFamily="49" charset="77"/>
+            </a:endParaRPr>
+          </a:p>
+          <a:p>
+            <a:pPr marL="0" indent="0">
+              <a:buNone/>
+            </a:pPr>
             <a:r>
               <a:rPr lang="en-US" sz="1800" b="1" dirty="0">
                 <a:solidFill>
                   <a:srgbClr val="34A327"/>
                 </a:solidFill>
-                <a:latin typeface="Inconsolata Medium" panose="020B0609030003000000" pitchFamily="49" charset="77"/>
+                <a:latin typeface="Inconsolata" panose="020B0609030003000000" pitchFamily="49" charset="77"/>
               </a:rPr>
               <a:t>In[</a:t>
             </a:r>
@@ -21944,7 +22567,7 @@
                 <a:solidFill>
                   <a:srgbClr val="2EE721"/>
                 </a:solidFill>
-                <a:latin typeface="Inconsolata Medium" panose="020B0609030003000000" pitchFamily="49" charset="77"/>
+                <a:latin typeface="Inconsolata" panose="020B0609030003000000" pitchFamily="49" charset="77"/>
               </a:rPr>
               <a:t>1</a:t>
             </a:r>
@@ -21953,7 +22576,7 @@
                 <a:solidFill>
                   <a:srgbClr val="34A327"/>
                 </a:solidFill>
-                <a:latin typeface="Inconsolata Medium" panose="020B0609030003000000" pitchFamily="49" charset="77"/>
+                <a:latin typeface="Inconsolata" panose="020B0609030003000000" pitchFamily="49" charset="77"/>
               </a:rPr>
               <a:t>]: </a:t>
             </a:r>
@@ -21962,7 +22585,7 @@
                 <a:solidFill>
                   <a:srgbClr val="000000"/>
                 </a:solidFill>
-                <a:latin typeface="Inconsolata Medium" panose="020B0609030003000000" pitchFamily="49" charset="77"/>
+                <a:latin typeface="Inconsolata" panose="020B0609030003000000" pitchFamily="49" charset="77"/>
               </a:rPr>
               <a:t>grades.sort_index</a:t>
             </a:r>
@@ -21971,7 +22594,7 @@
                 <a:solidFill>
                   <a:srgbClr val="000000"/>
                 </a:solidFill>
-                <a:latin typeface="Inconsolata Medium" panose="020B0609030003000000" pitchFamily="49" charset="77"/>
+                <a:latin typeface="Inconsolata" panose="020B0609030003000000" pitchFamily="49" charset="77"/>
               </a:rPr>
               <a:t>(ascending=</a:t>
             </a:r>
@@ -21980,7 +22603,7 @@
                 <a:solidFill>
                   <a:srgbClr val="34A327"/>
                 </a:solidFill>
-                <a:latin typeface="Inconsolata Medium" panose="020B0609030003000000" pitchFamily="49" charset="77"/>
+                <a:latin typeface="Inconsolata" panose="020B0609030003000000" pitchFamily="49" charset="77"/>
               </a:rPr>
               <a:t>False</a:t>
             </a:r>
@@ -21989,12 +22612,12 @@
                 <a:solidFill>
                   <a:srgbClr val="000000"/>
                 </a:solidFill>
-                <a:latin typeface="Inconsolata Medium" panose="020B0609030003000000" pitchFamily="49" charset="77"/>
+                <a:latin typeface="Inconsolata" panose="020B0609030003000000" pitchFamily="49" charset="77"/>
               </a:rPr>
               <a:t>)  </a:t>
             </a:r>
             <a:endParaRPr lang="en-US" sz="1800" b="1" dirty="0">
-              <a:latin typeface="Inconsolata Medium" panose="020B0609030003000000" pitchFamily="49" charset="77"/>
+              <a:latin typeface="Inconsolata" panose="020B0609030003000000" pitchFamily="49" charset="77"/>
             </a:endParaRPr>
           </a:p>
           <a:p>
@@ -22006,7 +22629,7 @@
                 <a:solidFill>
                   <a:srgbClr val="B23622"/>
                 </a:solidFill>
-                <a:latin typeface="Inconsolata Medium" panose="020B0609030003000000" pitchFamily="49" charset="77"/>
+                <a:latin typeface="Inconsolata" panose="020B0609030003000000" pitchFamily="49" charset="77"/>
               </a:rPr>
               <a:t>Out[</a:t>
             </a:r>
@@ -22015,7 +22638,7 @@
                 <a:solidFill>
                   <a:srgbClr val="FF3B1E"/>
                 </a:solidFill>
-                <a:latin typeface="Inconsolata Medium" panose="020B0609030003000000" pitchFamily="49" charset="77"/>
+                <a:latin typeface="Inconsolata" panose="020B0609030003000000" pitchFamily="49" charset="77"/>
               </a:rPr>
               <a:t>25</a:t>
             </a:r>
@@ -22024,7 +22647,7 @@
                 <a:solidFill>
                   <a:srgbClr val="B23622"/>
                 </a:solidFill>
-                <a:latin typeface="Inconsolata Medium" panose="020B0609030003000000" pitchFamily="49" charset="77"/>
+                <a:latin typeface="Inconsolata" panose="020B0609030003000000" pitchFamily="49" charset="77"/>
               </a:rPr>
               <a:t>]: </a:t>
             </a:r>
@@ -22038,7 +22661,7 @@
                 <a:solidFill>
                   <a:srgbClr val="000000"/>
                 </a:solidFill>
-                <a:latin typeface="Inconsolata Medium" panose="020B0609030003000000" pitchFamily="49" charset="77"/>
+                <a:latin typeface="Inconsolata" panose="020B0609030003000000" pitchFamily="49" charset="77"/>
               </a:rPr>
               <a:t>       Wally  Eva  Sam  Katie  Bob</a:t>
             </a:r>
@@ -22052,7 +22675,7 @@
                 <a:solidFill>
                   <a:srgbClr val="000000"/>
                 </a:solidFill>
-                <a:latin typeface="Inconsolata Medium" panose="020B0609030003000000" pitchFamily="49" charset="77"/>
+                <a:latin typeface="Inconsolata" panose="020B0609030003000000" pitchFamily="49" charset="77"/>
               </a:rPr>
               <a:t>Test3     70   90   90     82   85</a:t>
             </a:r>
@@ -22066,7 +22689,7 @@
                 <a:solidFill>
                   <a:srgbClr val="000000"/>
                 </a:solidFill>
-                <a:latin typeface="Inconsolata Medium" panose="020B0609030003000000" pitchFamily="49" charset="77"/>
+                <a:latin typeface="Inconsolata" panose="020B0609030003000000" pitchFamily="49" charset="77"/>
               </a:rPr>
               <a:t>Test2     96   87   77     81   65</a:t>
             </a:r>
@@ -22080,7 +22703,7 @@
                 <a:solidFill>
                   <a:srgbClr val="000000"/>
                 </a:solidFill>
-                <a:latin typeface="Inconsolata Medium" panose="020B0609030003000000" pitchFamily="49" charset="77"/>
+                <a:latin typeface="Inconsolata" panose="020B0609030003000000" pitchFamily="49" charset="77"/>
               </a:rPr>
               <a:t>Test1    100  100   94    100   83</a:t>
             </a:r>
@@ -22093,7 +22716,7 @@
               <a:solidFill>
                 <a:srgbClr val="000000"/>
               </a:solidFill>
-              <a:latin typeface="Inconsolata Medium" panose="020B0609030003000000" pitchFamily="49" charset="77"/>
+              <a:latin typeface="Inconsolata" panose="020B0609030003000000" pitchFamily="49" charset="77"/>
             </a:endParaRPr>
           </a:p>
         </p:txBody>
@@ -22273,7 +22896,7 @@
 </p:sld>
 </file>
 
-<file path=ppt/slides/slide26.xml><?xml version="1.0" encoding="utf-8"?>
+<file path=ppt/slides/slide27.xml><?xml version="1.0" encoding="utf-8"?>
 <p:sld xmlns:a="http://schemas.openxmlformats.org/drawingml/2006/main" xmlns:r="http://schemas.openxmlformats.org/officeDocument/2006/relationships" xmlns:p="http://schemas.openxmlformats.org/presentationml/2006/main">
   <p:cSld>
     <p:spTree>
@@ -22364,7 +22987,7 @@
               <a:solidFill>
                 <a:srgbClr val="34A327"/>
               </a:solidFill>
-              <a:latin typeface="Inconsolata Medium" panose="020B0609030003000000" pitchFamily="49" charset="77"/>
+              <a:latin typeface="Inconsolata" panose="020B0609030003000000" pitchFamily="49" charset="77"/>
             </a:endParaRPr>
           </a:p>
           <a:p>
@@ -22375,7 +22998,7 @@
               <a:solidFill>
                 <a:srgbClr val="34A327"/>
               </a:solidFill>
-              <a:latin typeface="Inconsolata Medium" panose="020B0609030003000000" pitchFamily="49" charset="77"/>
+              <a:latin typeface="Inconsolata" panose="020B0609030003000000" pitchFamily="49" charset="77"/>
             </a:endParaRPr>
           </a:p>
           <a:p>
@@ -22387,7 +23010,7 @@
                 <a:solidFill>
                   <a:srgbClr val="34A327"/>
                 </a:solidFill>
-                <a:latin typeface="Inconsolata Medium" panose="020B0609030003000000" pitchFamily="49" charset="77"/>
+                <a:latin typeface="Inconsolata" panose="020B0609030003000000" pitchFamily="49" charset="77"/>
               </a:rPr>
               <a:t>In[</a:t>
             </a:r>
@@ -22396,7 +23019,7 @@
                 <a:solidFill>
                   <a:srgbClr val="2EE721"/>
                 </a:solidFill>
-                <a:latin typeface="Inconsolata Medium" panose="020B0609030003000000" pitchFamily="49" charset="77"/>
+                <a:latin typeface="Inconsolata" panose="020B0609030003000000" pitchFamily="49" charset="77"/>
               </a:rPr>
               <a:t>1</a:t>
             </a:r>
@@ -22405,19 +23028,19 @@
                 <a:solidFill>
                   <a:srgbClr val="34A327"/>
                 </a:solidFill>
-                <a:latin typeface="Inconsolata Medium" panose="020B0609030003000000" pitchFamily="49" charset="77"/>
+                <a:latin typeface="Inconsolata" panose="020B0609030003000000" pitchFamily="49" charset="77"/>
               </a:rPr>
               <a:t>]: </a:t>
             </a:r>
             <a:r>
               <a:rPr lang="en-US" sz="2000" b="1" dirty="0" err="1">
-                <a:latin typeface="Inconsolata Medium" panose="020B0609030003000000" pitchFamily="49" charset="77"/>
+                <a:latin typeface="Inconsolata" panose="020B0609030003000000" pitchFamily="49" charset="77"/>
               </a:rPr>
               <a:t>grades.sort_index</a:t>
             </a:r>
             <a:r>
               <a:rPr lang="en-US" sz="2000" b="1" dirty="0">
-                <a:latin typeface="Inconsolata Medium" panose="020B0609030003000000" pitchFamily="49" charset="77"/>
+                <a:latin typeface="Inconsolata" panose="020B0609030003000000" pitchFamily="49" charset="77"/>
               </a:rPr>
               <a:t>(axis=1)</a:t>
             </a:r>
@@ -22431,7 +23054,7 @@
                 <a:solidFill>
                   <a:srgbClr val="B23622"/>
                 </a:solidFill>
-                <a:latin typeface="Inconsolata Medium" panose="020B0609030003000000" pitchFamily="49" charset="77"/>
+                <a:latin typeface="Inconsolata" panose="020B0609030003000000" pitchFamily="49" charset="77"/>
               </a:rPr>
               <a:t>Out[</a:t>
             </a:r>
@@ -22440,7 +23063,7 @@
                 <a:solidFill>
                   <a:srgbClr val="FF3B1E"/>
                 </a:solidFill>
-                <a:latin typeface="Inconsolata Medium" panose="020B0609030003000000" pitchFamily="49" charset="77"/>
+                <a:latin typeface="Inconsolata" panose="020B0609030003000000" pitchFamily="49" charset="77"/>
               </a:rPr>
               <a:t>25</a:t>
             </a:r>
@@ -22449,7 +23072,7 @@
                 <a:solidFill>
                   <a:srgbClr val="B23622"/>
                 </a:solidFill>
-                <a:latin typeface="Inconsolata Medium" panose="020B0609030003000000" pitchFamily="49" charset="77"/>
+                <a:latin typeface="Inconsolata" panose="020B0609030003000000" pitchFamily="49" charset="77"/>
               </a:rPr>
               <a:t>]: </a:t>
             </a:r>
@@ -22463,7 +23086,7 @@
                 <a:solidFill>
                   <a:srgbClr val="000000"/>
                 </a:solidFill>
-                <a:latin typeface="Inconsolata Medium" panose="020B0609030003000000" pitchFamily="49" charset="77"/>
+                <a:latin typeface="Inconsolata" panose="020B0609030003000000" pitchFamily="49" charset="77"/>
               </a:rPr>
               <a:t>       Bob  Eva  Katie  Sam  Wally</a:t>
             </a:r>
@@ -22477,7 +23100,7 @@
                 <a:solidFill>
                   <a:srgbClr val="000000"/>
                 </a:solidFill>
-                <a:latin typeface="Inconsolata Medium" panose="020B0609030003000000" pitchFamily="49" charset="77"/>
+                <a:latin typeface="Inconsolata" panose="020B0609030003000000" pitchFamily="49" charset="77"/>
               </a:rPr>
               <a:t>Test1   83  100    100   94    100</a:t>
             </a:r>
@@ -22491,7 +23114,7 @@
                 <a:solidFill>
                   <a:srgbClr val="000000"/>
                 </a:solidFill>
-                <a:latin typeface="Inconsolata Medium" panose="020B0609030003000000" pitchFamily="49" charset="77"/>
+                <a:latin typeface="Inconsolata" panose="020B0609030003000000" pitchFamily="49" charset="77"/>
               </a:rPr>
               <a:t>Test2   65   87     81   77     96</a:t>
             </a:r>
@@ -22505,7 +23128,7 @@
                 <a:solidFill>
                   <a:srgbClr val="000000"/>
                 </a:solidFill>
-                <a:latin typeface="Inconsolata Medium" panose="020B0609030003000000" pitchFamily="49" charset="77"/>
+                <a:latin typeface="Inconsolata" panose="020B0609030003000000" pitchFamily="49" charset="77"/>
               </a:rPr>
               <a:t>Test3   85   90     82   90     70</a:t>
             </a:r>
@@ -22518,7 +23141,7 @@
               <a:solidFill>
                 <a:srgbClr val="000000"/>
               </a:solidFill>
-              <a:latin typeface="Inconsolata Medium" panose="020B0609030003000000" pitchFamily="49" charset="77"/>
+              <a:latin typeface="Inconsolata" panose="020B0609030003000000" pitchFamily="49" charset="77"/>
             </a:endParaRPr>
           </a:p>
         </p:txBody>
@@ -22708,7 +23331,7 @@
 </p:sld>
 </file>
 
-<file path=ppt/slides/slide27.xml><?xml version="1.0" encoding="utf-8"?>
+<file path=ppt/slides/slide28.xml><?xml version="1.0" encoding="utf-8"?>
 <p:sld xmlns:a="http://schemas.openxmlformats.org/drawingml/2006/main" xmlns:r="http://schemas.openxmlformats.org/officeDocument/2006/relationships" xmlns:p="http://schemas.openxmlformats.org/presentationml/2006/main">
   <p:cSld>
     <p:spTree>
@@ -22809,7 +23432,7 @@
               <a:solidFill>
                 <a:srgbClr val="34A327"/>
               </a:solidFill>
-              <a:latin typeface="Inconsolata Medium" panose="020B0609030003000000" pitchFamily="49" charset="77"/>
+              <a:latin typeface="Inconsolata" panose="020B0609030003000000" pitchFamily="49" charset="77"/>
             </a:endParaRPr>
           </a:p>
           <a:p>
@@ -22821,7 +23444,7 @@
                 <a:solidFill>
                   <a:srgbClr val="34A327"/>
                 </a:solidFill>
-                <a:latin typeface="Inconsolata Medium" panose="020B0609030003000000" pitchFamily="49" charset="77"/>
+                <a:latin typeface="Inconsolata" panose="020B0609030003000000" pitchFamily="49" charset="77"/>
               </a:rPr>
               <a:t>In[</a:t>
             </a:r>
@@ -22830,7 +23453,7 @@
                 <a:solidFill>
                   <a:srgbClr val="2EE721"/>
                 </a:solidFill>
-                <a:latin typeface="Inconsolata Medium" panose="020B0609030003000000" pitchFamily="49" charset="77"/>
+                <a:latin typeface="Inconsolata" panose="020B0609030003000000" pitchFamily="49" charset="77"/>
               </a:rPr>
               <a:t>1</a:t>
             </a:r>
@@ -22839,7 +23462,7 @@
                 <a:solidFill>
                   <a:srgbClr val="34A327"/>
                 </a:solidFill>
-                <a:latin typeface="Inconsolata Medium" panose="020B0609030003000000" pitchFamily="49" charset="77"/>
+                <a:latin typeface="Inconsolata" panose="020B0609030003000000" pitchFamily="49" charset="77"/>
               </a:rPr>
               <a:t>]: </a:t>
             </a:r>
@@ -22848,7 +23471,7 @@
                 <a:solidFill>
                   <a:srgbClr val="000000"/>
                 </a:solidFill>
-                <a:latin typeface="Inconsolata Medium" panose="020B0609030003000000" pitchFamily="49" charset="77"/>
+                <a:latin typeface="Inconsolata" panose="020B0609030003000000" pitchFamily="49" charset="77"/>
               </a:rPr>
               <a:t>grades </a:t>
             </a:r>
@@ -22862,7 +23485,7 @@
                 <a:solidFill>
                   <a:srgbClr val="B23622"/>
                 </a:solidFill>
-                <a:latin typeface="Inconsolata Medium" panose="020B0609030003000000" pitchFamily="49" charset="77"/>
+                <a:latin typeface="Inconsolata" panose="020B0609030003000000" pitchFamily="49" charset="77"/>
               </a:rPr>
               <a:t>Out[</a:t>
             </a:r>
@@ -22871,7 +23494,7 @@
                 <a:solidFill>
                   <a:srgbClr val="FF3B1E"/>
                 </a:solidFill>
-                <a:latin typeface="Inconsolata Medium" panose="020B0609030003000000" pitchFamily="49" charset="77"/>
+                <a:latin typeface="Inconsolata" panose="020B0609030003000000" pitchFamily="49" charset="77"/>
               </a:rPr>
               <a:t>25</a:t>
             </a:r>
@@ -22880,7 +23503,7 @@
                 <a:solidFill>
                   <a:srgbClr val="B23622"/>
                 </a:solidFill>
-                <a:latin typeface="Inconsolata Medium" panose="020B0609030003000000" pitchFamily="49" charset="77"/>
+                <a:latin typeface="Inconsolata" panose="020B0609030003000000" pitchFamily="49" charset="77"/>
               </a:rPr>
               <a:t>]: </a:t>
             </a:r>
@@ -22894,7 +23517,7 @@
                 <a:solidFill>
                   <a:srgbClr val="000000"/>
                 </a:solidFill>
-                <a:latin typeface="Inconsolata Medium" panose="020B0609030003000000" pitchFamily="49" charset="77"/>
+                <a:latin typeface="Inconsolata" panose="020B0609030003000000" pitchFamily="49" charset="77"/>
               </a:rPr>
               <a:t>       Wally  Eva  Sam  Katie  Bob</a:t>
             </a:r>
@@ -22908,7 +23531,7 @@
                 <a:solidFill>
                   <a:srgbClr val="000000"/>
                 </a:solidFill>
-                <a:latin typeface="Inconsolata Medium" panose="020B0609030003000000" pitchFamily="49" charset="77"/>
+                <a:latin typeface="Inconsolata" panose="020B0609030003000000" pitchFamily="49" charset="77"/>
               </a:rPr>
               <a:t>Test1     87  100   94    100   83</a:t>
             </a:r>
@@ -22922,7 +23545,7 @@
                 <a:solidFill>
                   <a:srgbClr val="000000"/>
                 </a:solidFill>
-                <a:latin typeface="Inconsolata Medium" panose="020B0609030003000000" pitchFamily="49" charset="77"/>
+                <a:latin typeface="Inconsolata" panose="020B0609030003000000" pitchFamily="49" charset="77"/>
               </a:rPr>
               <a:t>Test2     96   87   77     81   65</a:t>
             </a:r>
@@ -22936,7 +23559,7 @@
                 <a:solidFill>
                   <a:srgbClr val="000000"/>
                 </a:solidFill>
-                <a:latin typeface="Inconsolata Medium" panose="020B0609030003000000" pitchFamily="49" charset="77"/>
+                <a:latin typeface="Inconsolata" panose="020B0609030003000000" pitchFamily="49" charset="77"/>
               </a:rPr>
               <a:t>Test3     70   90   90     82   85</a:t>
             </a:r>
@@ -22949,7 +23572,7 @@
               <a:solidFill>
                 <a:srgbClr val="34A327"/>
               </a:solidFill>
-              <a:latin typeface="Inconsolata Medium" panose="020B0609030003000000" pitchFamily="49" charset="77"/>
+              <a:latin typeface="Inconsolata" panose="020B0609030003000000" pitchFamily="49" charset="77"/>
             </a:endParaRPr>
           </a:p>
           <a:p>
@@ -22961,7 +23584,7 @@
                 <a:solidFill>
                   <a:srgbClr val="34A327"/>
                 </a:solidFill>
-                <a:latin typeface="Inconsolata Medium" panose="020B0609030003000000" pitchFamily="49" charset="77"/>
+                <a:latin typeface="Inconsolata" panose="020B0609030003000000" pitchFamily="49" charset="77"/>
               </a:rPr>
               <a:t>In[</a:t>
             </a:r>
@@ -22970,7 +23593,7 @@
                 <a:solidFill>
                   <a:srgbClr val="2EE721"/>
                 </a:solidFill>
-                <a:latin typeface="Inconsolata Medium" panose="020B0609030003000000" pitchFamily="49" charset="77"/>
+                <a:latin typeface="Inconsolata" panose="020B0609030003000000" pitchFamily="49" charset="77"/>
               </a:rPr>
               <a:t>1</a:t>
             </a:r>
@@ -22979,19 +23602,19 @@
                 <a:solidFill>
                   <a:srgbClr val="34A327"/>
                 </a:solidFill>
-                <a:latin typeface="Inconsolata Medium" panose="020B0609030003000000" pitchFamily="49" charset="77"/>
+                <a:latin typeface="Inconsolata" panose="020B0609030003000000" pitchFamily="49" charset="77"/>
               </a:rPr>
               <a:t>]: </a:t>
             </a:r>
             <a:r>
               <a:rPr lang="en-US" sz="1800" b="1" dirty="0" err="1">
-                <a:latin typeface="Inconsolata Medium" panose="020B0609030003000000" pitchFamily="49" charset="77"/>
+                <a:latin typeface="Inconsolata" panose="020B0609030003000000" pitchFamily="49" charset="77"/>
               </a:rPr>
               <a:t>grades.sort_values</a:t>
             </a:r>
             <a:r>
               <a:rPr lang="en-US" sz="1800" b="1" dirty="0">
-                <a:latin typeface="Inconsolata Medium" panose="020B0609030003000000" pitchFamily="49" charset="77"/>
+                <a:latin typeface="Inconsolata" panose="020B0609030003000000" pitchFamily="49" charset="77"/>
               </a:rPr>
               <a:t>(by='Wally')</a:t>
             </a:r>
@@ -23005,7 +23628,7 @@
                 <a:solidFill>
                   <a:srgbClr val="B23622"/>
                 </a:solidFill>
-                <a:latin typeface="Inconsolata Medium" panose="020B0609030003000000" pitchFamily="49" charset="77"/>
+                <a:latin typeface="Inconsolata" panose="020B0609030003000000" pitchFamily="49" charset="77"/>
               </a:rPr>
               <a:t>Out[</a:t>
             </a:r>
@@ -23014,7 +23637,7 @@
                 <a:solidFill>
                   <a:srgbClr val="FF3B1E"/>
                 </a:solidFill>
-                <a:latin typeface="Inconsolata Medium" panose="020B0609030003000000" pitchFamily="49" charset="77"/>
+                <a:latin typeface="Inconsolata" panose="020B0609030003000000" pitchFamily="49" charset="77"/>
               </a:rPr>
               <a:t>25</a:t>
             </a:r>
@@ -23023,7 +23646,7 @@
                 <a:solidFill>
                   <a:srgbClr val="B23622"/>
                 </a:solidFill>
-                <a:latin typeface="Inconsolata Medium" panose="020B0609030003000000" pitchFamily="49" charset="77"/>
+                <a:latin typeface="Inconsolata" panose="020B0609030003000000" pitchFamily="49" charset="77"/>
               </a:rPr>
               <a:t>]: </a:t>
             </a:r>
@@ -23037,7 +23660,7 @@
                 <a:solidFill>
                   <a:srgbClr val="000000"/>
                 </a:solidFill>
-                <a:latin typeface="Inconsolata Medium" panose="020B0609030003000000" pitchFamily="49" charset="77"/>
+                <a:latin typeface="Inconsolata" panose="020B0609030003000000" pitchFamily="49" charset="77"/>
               </a:rPr>
               <a:t>       Wally  Eva  Sam  Katie  Bob</a:t>
             </a:r>
@@ -23051,7 +23674,7 @@
                 <a:solidFill>
                   <a:srgbClr val="000000"/>
                 </a:solidFill>
-                <a:latin typeface="Inconsolata Medium" panose="020B0609030003000000" pitchFamily="49" charset="77"/>
+                <a:latin typeface="Inconsolata" panose="020B0609030003000000" pitchFamily="49" charset="77"/>
               </a:rPr>
               <a:t>Test3     70   90   90     82   85</a:t>
             </a:r>
@@ -23065,7 +23688,7 @@
                 <a:solidFill>
                   <a:srgbClr val="000000"/>
                 </a:solidFill>
-                <a:latin typeface="Inconsolata Medium" panose="020B0609030003000000" pitchFamily="49" charset="77"/>
+                <a:latin typeface="Inconsolata" panose="020B0609030003000000" pitchFamily="49" charset="77"/>
               </a:rPr>
               <a:t>Test2     96   87   77     81   65</a:t>
             </a:r>
@@ -23079,7 +23702,7 @@
                 <a:solidFill>
                   <a:srgbClr val="000000"/>
                 </a:solidFill>
-                <a:latin typeface="Inconsolata Medium" panose="020B0609030003000000" pitchFamily="49" charset="77"/>
+                <a:latin typeface="Inconsolata" panose="020B0609030003000000" pitchFamily="49" charset="77"/>
               </a:rPr>
               <a:t>Test1    100  100   94    100   83</a:t>
             </a:r>
@@ -23092,7 +23715,7 @@
               <a:solidFill>
                 <a:srgbClr val="000000"/>
               </a:solidFill>
-              <a:latin typeface="Inconsolata Medium" panose="020B0609030003000000" pitchFamily="49" charset="77"/>
+              <a:latin typeface="Inconsolata" panose="020B0609030003000000" pitchFamily="49" charset="77"/>
             </a:endParaRPr>
           </a:p>
         </p:txBody>
@@ -23282,7 +23905,7 @@
 </p:sld>
 </file>
 
-<file path=ppt/slides/slide28.xml><?xml version="1.0" encoding="utf-8"?>
+<file path=ppt/slides/slide29.xml><?xml version="1.0" encoding="utf-8"?>
 <p:sld xmlns:a="http://schemas.openxmlformats.org/drawingml/2006/main" xmlns:r="http://schemas.openxmlformats.org/officeDocument/2006/relationships" xmlns:p="http://schemas.openxmlformats.org/presentationml/2006/main">
   <p:cSld>
     <p:spTree>
@@ -23375,7 +23998,7 @@
               <a:solidFill>
                 <a:srgbClr val="34A327"/>
               </a:solidFill>
-              <a:latin typeface="Inconsolata Medium" panose="020B0609030003000000" pitchFamily="49" charset="77"/>
+              <a:latin typeface="Inconsolata" panose="020B0609030003000000" pitchFamily="49" charset="77"/>
             </a:endParaRPr>
           </a:p>
           <a:p>
@@ -23387,7 +24010,7 @@
                 <a:solidFill>
                   <a:srgbClr val="34A327"/>
                 </a:solidFill>
-                <a:latin typeface="Inconsolata Medium" panose="020B0609030003000000" pitchFamily="49" charset="77"/>
+                <a:latin typeface="Inconsolata" panose="020B0609030003000000" pitchFamily="49" charset="77"/>
               </a:rPr>
               <a:t>In[</a:t>
             </a:r>
@@ -23396,7 +24019,7 @@
                 <a:solidFill>
                   <a:srgbClr val="2EE721"/>
                 </a:solidFill>
-                <a:latin typeface="Inconsolata Medium" panose="020B0609030003000000" pitchFamily="49" charset="77"/>
+                <a:latin typeface="Inconsolata" panose="020B0609030003000000" pitchFamily="49" charset="77"/>
               </a:rPr>
               <a:t>1</a:t>
             </a:r>
@@ -23405,7 +24028,7 @@
                 <a:solidFill>
                   <a:srgbClr val="34A327"/>
                 </a:solidFill>
-                <a:latin typeface="Inconsolata Medium" panose="020B0609030003000000" pitchFamily="49" charset="77"/>
+                <a:latin typeface="Inconsolata" panose="020B0609030003000000" pitchFamily="49" charset="77"/>
               </a:rPr>
               <a:t>]: </a:t>
             </a:r>
@@ -23414,7 +24037,7 @@
                 <a:solidFill>
                   <a:srgbClr val="000000"/>
                 </a:solidFill>
-                <a:latin typeface="Inconsolata Medium" panose="020B0609030003000000" pitchFamily="49" charset="77"/>
+                <a:latin typeface="Inconsolata" panose="020B0609030003000000" pitchFamily="49" charset="77"/>
               </a:rPr>
               <a:t>grades </a:t>
             </a:r>
@@ -23428,7 +24051,7 @@
                 <a:solidFill>
                   <a:srgbClr val="B23622"/>
                 </a:solidFill>
-                <a:latin typeface="Inconsolata Medium" panose="020B0609030003000000" pitchFamily="49" charset="77"/>
+                <a:latin typeface="Inconsolata" panose="020B0609030003000000" pitchFamily="49" charset="77"/>
               </a:rPr>
               <a:t>Out[</a:t>
             </a:r>
@@ -23437,7 +24060,7 @@
                 <a:solidFill>
                   <a:srgbClr val="FF3B1E"/>
                 </a:solidFill>
-                <a:latin typeface="Inconsolata Medium" panose="020B0609030003000000" pitchFamily="49" charset="77"/>
+                <a:latin typeface="Inconsolata" panose="020B0609030003000000" pitchFamily="49" charset="77"/>
               </a:rPr>
               <a:t>25</a:t>
             </a:r>
@@ -23446,7 +24069,7 @@
                 <a:solidFill>
                   <a:srgbClr val="B23622"/>
                 </a:solidFill>
-                <a:latin typeface="Inconsolata Medium" panose="020B0609030003000000" pitchFamily="49" charset="77"/>
+                <a:latin typeface="Inconsolata" panose="020B0609030003000000" pitchFamily="49" charset="77"/>
               </a:rPr>
               <a:t>]: </a:t>
             </a:r>
@@ -23460,7 +24083,7 @@
                 <a:solidFill>
                   <a:srgbClr val="000000"/>
                 </a:solidFill>
-                <a:latin typeface="Inconsolata Medium" panose="020B0609030003000000" pitchFamily="49" charset="77"/>
+                <a:latin typeface="Inconsolata" panose="020B0609030003000000" pitchFamily="49" charset="77"/>
               </a:rPr>
               <a:t>       Wally  Eva  Sam  Katie  Bob</a:t>
             </a:r>
@@ -23474,7 +24097,7 @@
                 <a:solidFill>
                   <a:srgbClr val="000000"/>
                 </a:solidFill>
-                <a:latin typeface="Inconsolata Medium" panose="020B0609030003000000" pitchFamily="49" charset="77"/>
+                <a:latin typeface="Inconsolata" panose="020B0609030003000000" pitchFamily="49" charset="77"/>
               </a:rPr>
               <a:t>Test1     87  100   94    100   83</a:t>
             </a:r>
@@ -23488,7 +24111,7 @@
                 <a:solidFill>
                   <a:srgbClr val="000000"/>
                 </a:solidFill>
-                <a:latin typeface="Inconsolata Medium" panose="020B0609030003000000" pitchFamily="49" charset="77"/>
+                <a:latin typeface="Inconsolata" panose="020B0609030003000000" pitchFamily="49" charset="77"/>
               </a:rPr>
               <a:t>Test2     96   87   77     81   65</a:t>
             </a:r>
@@ -23502,7 +24125,7 @@
                 <a:solidFill>
                   <a:srgbClr val="000000"/>
                 </a:solidFill>
-                <a:latin typeface="Inconsolata Medium" panose="020B0609030003000000" pitchFamily="49" charset="77"/>
+                <a:latin typeface="Inconsolata" panose="020B0609030003000000" pitchFamily="49" charset="77"/>
               </a:rPr>
               <a:t>Test3     70   90   90     82   85</a:t>
             </a:r>
@@ -23515,7 +24138,7 @@
               <a:solidFill>
                 <a:srgbClr val="34A327"/>
               </a:solidFill>
-              <a:latin typeface="Inconsolata Medium" panose="020B0609030003000000" pitchFamily="49" charset="77"/>
+              <a:latin typeface="Inconsolata" panose="020B0609030003000000" pitchFamily="49" charset="77"/>
             </a:endParaRPr>
           </a:p>
           <a:p>
@@ -23527,7 +24150,7 @@
                 <a:solidFill>
                   <a:srgbClr val="34A327"/>
                 </a:solidFill>
-                <a:latin typeface="Inconsolata Medium" panose="020B0609030003000000" pitchFamily="49" charset="77"/>
+                <a:latin typeface="Inconsolata" panose="020B0609030003000000" pitchFamily="49" charset="77"/>
               </a:rPr>
               <a:t>In[</a:t>
             </a:r>
@@ -23536,7 +24159,7 @@
                 <a:solidFill>
                   <a:srgbClr val="2EE721"/>
                 </a:solidFill>
-                <a:latin typeface="Inconsolata Medium" panose="020B0609030003000000" pitchFamily="49" charset="77"/>
+                <a:latin typeface="Inconsolata" panose="020B0609030003000000" pitchFamily="49" charset="77"/>
               </a:rPr>
               <a:t>1</a:t>
             </a:r>
@@ -23545,19 +24168,19 @@
                 <a:solidFill>
                   <a:srgbClr val="34A327"/>
                 </a:solidFill>
-                <a:latin typeface="Inconsolata Medium" panose="020B0609030003000000" pitchFamily="49" charset="77"/>
+                <a:latin typeface="Inconsolata" panose="020B0609030003000000" pitchFamily="49" charset="77"/>
               </a:rPr>
               <a:t>]: </a:t>
             </a:r>
             <a:r>
               <a:rPr lang="en-US" sz="1800" b="1" dirty="0" err="1">
-                <a:latin typeface="Inconsolata Medium" panose="020B0609030003000000" pitchFamily="49" charset="77"/>
+                <a:latin typeface="Inconsolata" panose="020B0609030003000000" pitchFamily="49" charset="77"/>
               </a:rPr>
               <a:t>grades.sort_values</a:t>
             </a:r>
             <a:r>
               <a:rPr lang="en-US" sz="1800" b="1" dirty="0">
-                <a:latin typeface="Inconsolata Medium" panose="020B0609030003000000" pitchFamily="49" charset="77"/>
+                <a:latin typeface="Inconsolata" panose="020B0609030003000000" pitchFamily="49" charset="77"/>
               </a:rPr>
               <a:t>(by='Test1', axis=1)</a:t>
             </a:r>
@@ -23571,7 +24194,7 @@
                 <a:solidFill>
                   <a:srgbClr val="B23622"/>
                 </a:solidFill>
-                <a:latin typeface="Inconsolata Medium" panose="020B0609030003000000" pitchFamily="49" charset="77"/>
+                <a:latin typeface="Inconsolata" panose="020B0609030003000000" pitchFamily="49" charset="77"/>
               </a:rPr>
               <a:t>Out[</a:t>
             </a:r>
@@ -23580,7 +24203,7 @@
                 <a:solidFill>
                   <a:srgbClr val="FF3B1E"/>
                 </a:solidFill>
-                <a:latin typeface="Inconsolata Medium" panose="020B0609030003000000" pitchFamily="49" charset="77"/>
+                <a:latin typeface="Inconsolata" panose="020B0609030003000000" pitchFamily="49" charset="77"/>
               </a:rPr>
               <a:t>25</a:t>
             </a:r>
@@ -23589,7 +24212,7 @@
                 <a:solidFill>
                   <a:srgbClr val="B23622"/>
                 </a:solidFill>
-                <a:latin typeface="Inconsolata Medium" panose="020B0609030003000000" pitchFamily="49" charset="77"/>
+                <a:latin typeface="Inconsolata" panose="020B0609030003000000" pitchFamily="49" charset="77"/>
               </a:rPr>
               <a:t>]: </a:t>
             </a:r>
@@ -23603,7 +24226,7 @@
                 <a:solidFill>
                   <a:srgbClr val="000000"/>
                 </a:solidFill>
-                <a:latin typeface="Inconsolata Medium" panose="020B0609030003000000" pitchFamily="49" charset="77"/>
+                <a:latin typeface="Inconsolata" panose="020B0609030003000000" pitchFamily="49" charset="77"/>
               </a:rPr>
               <a:t>       Bob  Sam  Wally  Eva  Katie</a:t>
             </a:r>
@@ -23617,7 +24240,7 @@
                 <a:solidFill>
                   <a:srgbClr val="000000"/>
                 </a:solidFill>
-                <a:latin typeface="Inconsolata Medium" panose="020B0609030003000000" pitchFamily="49" charset="77"/>
+                <a:latin typeface="Inconsolata" panose="020B0609030003000000" pitchFamily="49" charset="77"/>
               </a:rPr>
               <a:t>Test1   83   94    100  100    100</a:t>
             </a:r>
@@ -23631,7 +24254,7 @@
                 <a:solidFill>
                   <a:srgbClr val="000000"/>
                 </a:solidFill>
-                <a:latin typeface="Inconsolata Medium" panose="020B0609030003000000" pitchFamily="49" charset="77"/>
+                <a:latin typeface="Inconsolata" panose="020B0609030003000000" pitchFamily="49" charset="77"/>
               </a:rPr>
               <a:t>Test2   65   77     96   87     81</a:t>
             </a:r>
@@ -23645,7 +24268,7 @@
                 <a:solidFill>
                   <a:srgbClr val="000000"/>
                 </a:solidFill>
-                <a:latin typeface="Inconsolata Medium" panose="020B0609030003000000" pitchFamily="49" charset="77"/>
+                <a:latin typeface="Inconsolata" panose="020B0609030003000000" pitchFamily="49" charset="77"/>
               </a:rPr>
               <a:t>Test3   85   90     70   90     82</a:t>
             </a:r>
@@ -23658,7 +24281,7 @@
               <a:solidFill>
                 <a:srgbClr val="000000"/>
               </a:solidFill>
-              <a:latin typeface="Inconsolata Medium" panose="020B0609030003000000" pitchFamily="49" charset="77"/>
+              <a:latin typeface="Inconsolata" panose="020B0609030003000000" pitchFamily="49" charset="77"/>
             </a:endParaRPr>
           </a:p>
         </p:txBody>
@@ -23838,291 +24461,6 @@
 </p:sld>
 </file>
 
-<file path=ppt/slides/slide29.xml><?xml version="1.0" encoding="utf-8"?>
-<p:sld xmlns:a="http://schemas.openxmlformats.org/drawingml/2006/main" xmlns:r="http://schemas.openxmlformats.org/officeDocument/2006/relationships" xmlns:p="http://schemas.openxmlformats.org/presentationml/2006/main">
-  <p:cSld>
-    <p:spTree>
-      <p:nvGrpSpPr>
-        <p:cNvPr id="1" name=""/>
-        <p:cNvGrpSpPr/>
-        <p:nvPr/>
-      </p:nvGrpSpPr>
-      <p:grpSpPr>
-        <a:xfrm>
-          <a:off x="0" y="0"/>
-          <a:ext cx="0" cy="0"/>
-          <a:chOff x="0" y="0"/>
-          <a:chExt cx="0" cy="0"/>
-        </a:xfrm>
-      </p:grpSpPr>
-      <p:sp>
-        <p:nvSpPr>
-          <p:cNvPr id="38913" name="Rectangle 2">
-            <a:extLst>
-              <a:ext uri="{FF2B5EF4-FFF2-40B4-BE49-F238E27FC236}">
-                <a16:creationId xmlns:a16="http://schemas.microsoft.com/office/drawing/2014/main" id="{01ABAB85-1B1D-E842-8BF4-B8AF13377E9C}"/>
-              </a:ext>
-            </a:extLst>
-          </p:cNvPr>
-          <p:cNvSpPr>
-            <a:spLocks noGrp="1" noChangeArrowheads="1"/>
-          </p:cNvSpPr>
-          <p:nvPr>
-            <p:ph type="title"/>
-          </p:nvPr>
-        </p:nvSpPr>
-        <p:spPr>
-          <a:xfrm>
-            <a:off x="0" y="-14915"/>
-            <a:ext cx="7886700" cy="832591"/>
-          </a:xfrm>
-        </p:spPr>
-        <p:txBody>
-          <a:bodyPr/>
-          <a:lstStyle/>
-          <a:p>
-            <a:pPr eaLnBrk="1" hangingPunct="1"/>
-            <a:r>
-              <a:rPr lang="en-US" altLang="en-US" dirty="0">
-                <a:latin typeface="Tahoma" panose="020B0604030504040204" pitchFamily="34" charset="0"/>
-                <a:ea typeface="ＭＳ Ｐゴシック" panose="020B0600070205080204" pitchFamily="34" charset="-128"/>
-              </a:rPr>
-              <a:t>Sorting the Transpose.</a:t>
-            </a:r>
-          </a:p>
-        </p:txBody>
-      </p:sp>
-      <p:sp>
-        <p:nvSpPr>
-          <p:cNvPr id="16386" name="Rectangle 3">
-            <a:extLst>
-              <a:ext uri="{FF2B5EF4-FFF2-40B4-BE49-F238E27FC236}">
-                <a16:creationId xmlns:a16="http://schemas.microsoft.com/office/drawing/2014/main" id="{B58E18ED-8D49-8844-A857-3DC2CAD817CB}"/>
-              </a:ext>
-            </a:extLst>
-          </p:cNvPr>
-          <p:cNvSpPr>
-            <a:spLocks noGrp="1" noChangeArrowheads="1"/>
-          </p:cNvSpPr>
-          <p:nvPr>
-            <p:ph type="body" idx="1"/>
-          </p:nvPr>
-        </p:nvSpPr>
-        <p:spPr>
-          <a:xfrm>
-            <a:off x="182880" y="658761"/>
-            <a:ext cx="8538210" cy="5056239"/>
-          </a:xfrm>
-        </p:spPr>
-        <p:txBody>
-          <a:bodyPr>
-            <a:normAutofit/>
-          </a:bodyPr>
-          <a:lstStyle/>
-          <a:p>
-            <a:pPr marL="0" indent="0">
-              <a:buNone/>
-            </a:pPr>
-            <a:endParaRPr lang="en-US" sz="2000" dirty="0">
-              <a:solidFill>
-                <a:srgbClr val="34A327"/>
-              </a:solidFill>
-              <a:latin typeface="Gill Sans MT" panose="020B0502020104020203" pitchFamily="34" charset="77"/>
-            </a:endParaRPr>
-          </a:p>
-          <a:p>
-            <a:pPr marL="0" indent="0">
-              <a:buNone/>
-            </a:pPr>
-            <a:r>
-              <a:rPr lang="en-US" sz="1800" b="1" dirty="0">
-                <a:solidFill>
-                  <a:srgbClr val="34A327"/>
-                </a:solidFill>
-                <a:latin typeface="Inconsolata Medium" panose="020B0609030003000000" pitchFamily="49" charset="77"/>
-              </a:rPr>
-              <a:t>In[</a:t>
-            </a:r>
-            <a:r>
-              <a:rPr lang="en-US" sz="1800" b="1" dirty="0">
-                <a:solidFill>
-                  <a:srgbClr val="2EE721"/>
-                </a:solidFill>
-                <a:latin typeface="Inconsolata Medium" panose="020B0609030003000000" pitchFamily="49" charset="77"/>
-              </a:rPr>
-              <a:t>1</a:t>
-            </a:r>
-            <a:r>
-              <a:rPr lang="en-US" sz="1800" b="1" dirty="0">
-                <a:solidFill>
-                  <a:srgbClr val="34A327"/>
-                </a:solidFill>
-                <a:latin typeface="Inconsolata Medium" panose="020B0609030003000000" pitchFamily="49" charset="77"/>
-              </a:rPr>
-              <a:t>]: </a:t>
-            </a:r>
-            <a:r>
-              <a:rPr lang="en-US" sz="1800" b="1" dirty="0" err="1">
-                <a:latin typeface="Inconsolata Medium" panose="020B0609030003000000" pitchFamily="49" charset="77"/>
-              </a:rPr>
-              <a:t>grades.T.sort_values</a:t>
-            </a:r>
-            <a:r>
-              <a:rPr lang="en-US" sz="1800" b="1" dirty="0">
-                <a:latin typeface="Inconsolata Medium" panose="020B0609030003000000" pitchFamily="49" charset="77"/>
-              </a:rPr>
-              <a:t>(by='Test1', ascending=False)</a:t>
-            </a:r>
-          </a:p>
-          <a:p>
-            <a:pPr marL="0" indent="0">
-              <a:buNone/>
-            </a:pPr>
-            <a:r>
-              <a:rPr lang="en-US" sz="1800" b="1" dirty="0">
-                <a:solidFill>
-                  <a:srgbClr val="B23622"/>
-                </a:solidFill>
-                <a:latin typeface="Inconsolata Medium" panose="020B0609030003000000" pitchFamily="49" charset="77"/>
-              </a:rPr>
-              <a:t>Out[</a:t>
-            </a:r>
-            <a:r>
-              <a:rPr lang="en-US" sz="1800" b="1" dirty="0">
-                <a:solidFill>
-                  <a:srgbClr val="FF3B1E"/>
-                </a:solidFill>
-                <a:latin typeface="Inconsolata Medium" panose="020B0609030003000000" pitchFamily="49" charset="77"/>
-              </a:rPr>
-              <a:t>25</a:t>
-            </a:r>
-            <a:r>
-              <a:rPr lang="en-US" sz="1800" b="1" dirty="0">
-                <a:solidFill>
-                  <a:srgbClr val="B23622"/>
-                </a:solidFill>
-                <a:latin typeface="Inconsolata Medium" panose="020B0609030003000000" pitchFamily="49" charset="77"/>
-              </a:rPr>
-              <a:t>]: </a:t>
-            </a:r>
-            <a:endParaRPr lang="en-US" sz="1800" b="1" dirty="0">
-              <a:solidFill>
-                <a:srgbClr val="000000"/>
-              </a:solidFill>
-              <a:latin typeface="Inconsolata Medium" panose="020B0609030003000000" pitchFamily="49" charset="77"/>
-            </a:endParaRPr>
-          </a:p>
-          <a:p>
-            <a:pPr marL="0" indent="0">
-              <a:buNone/>
-            </a:pPr>
-            <a:r>
-              <a:rPr lang="en-US" sz="1800" b="1" dirty="0">
-                <a:solidFill>
-                  <a:srgbClr val="000000"/>
-                </a:solidFill>
-                <a:latin typeface="Inconsolata Medium" panose="020B0609030003000000" pitchFamily="49" charset="77"/>
-              </a:rPr>
-              <a:t>       Test1  Test2  Test3</a:t>
-            </a:r>
-          </a:p>
-          <a:p>
-            <a:pPr marL="0" indent="0">
-              <a:buNone/>
-            </a:pPr>
-            <a:r>
-              <a:rPr lang="en-US" sz="1800" b="1" dirty="0">
-                <a:solidFill>
-                  <a:srgbClr val="000000"/>
-                </a:solidFill>
-                <a:latin typeface="Inconsolata Medium" panose="020B0609030003000000" pitchFamily="49" charset="77"/>
-              </a:rPr>
-              <a:t>Wally    100     96     70</a:t>
-            </a:r>
-          </a:p>
-          <a:p>
-            <a:pPr marL="0" indent="0">
-              <a:buNone/>
-            </a:pPr>
-            <a:r>
-              <a:rPr lang="en-US" sz="1800" b="1" dirty="0">
-                <a:solidFill>
-                  <a:srgbClr val="000000"/>
-                </a:solidFill>
-                <a:latin typeface="Inconsolata Medium" panose="020B0609030003000000" pitchFamily="49" charset="77"/>
-              </a:rPr>
-              <a:t>Eva      100     87     90</a:t>
-            </a:r>
-          </a:p>
-          <a:p>
-            <a:pPr marL="0" indent="0">
-              <a:buNone/>
-            </a:pPr>
-            <a:r>
-              <a:rPr lang="en-US" sz="1800" b="1" dirty="0">
-                <a:solidFill>
-                  <a:srgbClr val="000000"/>
-                </a:solidFill>
-                <a:latin typeface="Inconsolata Medium" panose="020B0609030003000000" pitchFamily="49" charset="77"/>
-              </a:rPr>
-              <a:t>Katie    100     81     82</a:t>
-            </a:r>
-          </a:p>
-          <a:p>
-            <a:pPr marL="0" indent="0">
-              <a:buNone/>
-            </a:pPr>
-            <a:r>
-              <a:rPr lang="en-US" sz="1800" b="1" dirty="0">
-                <a:solidFill>
-                  <a:srgbClr val="000000"/>
-                </a:solidFill>
-                <a:latin typeface="Inconsolata Medium" panose="020B0609030003000000" pitchFamily="49" charset="77"/>
-              </a:rPr>
-              <a:t>Sam       94     77     90</a:t>
-            </a:r>
-          </a:p>
-          <a:p>
-            <a:pPr marL="0" indent="0">
-              <a:buNone/>
-            </a:pPr>
-            <a:r>
-              <a:rPr lang="en-US" sz="1800" b="1" dirty="0">
-                <a:solidFill>
-                  <a:srgbClr val="000000"/>
-                </a:solidFill>
-                <a:latin typeface="Inconsolata Medium" panose="020B0609030003000000" pitchFamily="49" charset="77"/>
-              </a:rPr>
-              <a:t>Bob       83     65     85</a:t>
-            </a:r>
-          </a:p>
-          <a:p>
-            <a:pPr marL="0" indent="0">
-              <a:buNone/>
-            </a:pPr>
-            <a:endParaRPr lang="en-US" sz="1800" b="1" dirty="0">
-              <a:solidFill>
-                <a:srgbClr val="000000"/>
-              </a:solidFill>
-              <a:latin typeface="Inconsolata Medium" panose="020B0609030003000000" pitchFamily="49" charset="77"/>
-            </a:endParaRPr>
-          </a:p>
-        </p:txBody>
-      </p:sp>
-    </p:spTree>
-    <p:extLst>
-      <p:ext uri="{BB962C8B-B14F-4D97-AF65-F5344CB8AC3E}">
-        <p14:creationId xmlns:p14="http://schemas.microsoft.com/office/powerpoint/2010/main" val="2630939437"/>
-      </p:ext>
-    </p:extLst>
-  </p:cSld>
-  <p:clrMapOvr>
-    <a:masterClrMapping/>
-  </p:clrMapOvr>
-  <p:transition/>
-</p:sld>
-</file>
-
 <file path=ppt/slides/slide3.xml><?xml version="1.0" encoding="utf-8"?>
 <p:sld xmlns:a="http://schemas.openxmlformats.org/drawingml/2006/main" xmlns:r="http://schemas.openxmlformats.org/officeDocument/2006/relationships" xmlns:p="http://schemas.openxmlformats.org/presentationml/2006/main">
   <p:cSld>
@@ -24288,7 +24626,7 @@
               <a:t> for two-dimensional collections.</a:t>
             </a:r>
             <a:endParaRPr lang="en-US" altLang="en-US" sz="2000" b="1" dirty="0">
-              <a:latin typeface="Inconsolata Medium" panose="020B0609030003000000" pitchFamily="49" charset="77"/>
+              <a:latin typeface="Inconsolata" panose="020B0609030003000000" pitchFamily="49" charset="77"/>
               <a:ea typeface="ＭＳ Ｐゴシック" panose="020B0600070205080204" pitchFamily="34" charset="-128"/>
             </a:endParaRPr>
           </a:p>
@@ -24583,7 +24921,7 @@
                 <a:latin typeface="Tahoma" panose="020B0604030504040204" pitchFamily="34" charset="0"/>
                 <a:ea typeface="ＭＳ Ｐゴシック" panose="020B0600070205080204" pitchFamily="34" charset="-128"/>
               </a:rPr>
-              <a:t>Sorting a particular Series</a:t>
+              <a:t>Sorting the Transpose.</a:t>
             </a:r>
           </a:p>
         </p:txBody>
@@ -24619,40 +24957,23 @@
             <a:pPr marL="0" indent="0">
               <a:buNone/>
             </a:pPr>
-            <a:r>
-              <a:rPr lang="en-US" sz="2000" dirty="0">
-                <a:latin typeface="Gill Sans MT" panose="020B0502020104020203" pitchFamily="34" charset="77"/>
-              </a:rPr>
-              <a:t>In the previous example, since we're only sorting Test1, we might not want to see the other tests. </a:t>
-            </a:r>
-            <a:endParaRPr lang="en-US" sz="2000" b="1" dirty="0">
+            <a:endParaRPr lang="en-US" sz="2000" dirty="0">
               <a:solidFill>
                 <a:srgbClr val="34A327"/>
               </a:solidFill>
-              <a:latin typeface="Inconsolata Medium" panose="020B0609030003000000" pitchFamily="49" charset="77"/>
+              <a:latin typeface="Gill Sans MT" panose="020B0502020104020203" pitchFamily="34" charset="77"/>
             </a:endParaRPr>
           </a:p>
           <a:p>
             <a:pPr marL="0" indent="0">
               <a:buNone/>
             </a:pPr>
-            <a:endParaRPr lang="en-US" sz="1800" b="1" dirty="0">
-              <a:solidFill>
-                <a:srgbClr val="34A327"/>
-              </a:solidFill>
-              <a:latin typeface="Inconsolata Medium" panose="020B0609030003000000" pitchFamily="49" charset="77"/>
-            </a:endParaRPr>
-          </a:p>
-          <a:p>
-            <a:pPr marL="0" indent="0">
-              <a:buNone/>
-            </a:pPr>
             <a:r>
               <a:rPr lang="en-US" sz="1800" b="1" dirty="0">
                 <a:solidFill>
                   <a:srgbClr val="34A327"/>
                 </a:solidFill>
-                <a:latin typeface="Inconsolata Medium" panose="020B0609030003000000" pitchFamily="49" charset="77"/>
+                <a:latin typeface="Inconsolata" panose="020B0609030003000000" pitchFamily="49" charset="77"/>
               </a:rPr>
               <a:t>In[</a:t>
             </a:r>
@@ -24661,142 +24982,163 @@
                 <a:solidFill>
                   <a:srgbClr val="2EE721"/>
                 </a:solidFill>
-                <a:latin typeface="Inconsolata Medium" panose="020B0609030003000000" pitchFamily="49" charset="77"/>
-              </a:rPr>
-              <a:t>2</a:t>
+                <a:latin typeface="Inconsolata" panose="020B0609030003000000" pitchFamily="49" charset="77"/>
+              </a:rPr>
+              <a:t>1</a:t>
             </a:r>
             <a:r>
               <a:rPr lang="en-US" sz="1800" b="1" dirty="0">
                 <a:solidFill>
                   <a:srgbClr val="34A327"/>
                 </a:solidFill>
-                <a:latin typeface="Inconsolata Medium" panose="020B0609030003000000" pitchFamily="49" charset="77"/>
+                <a:latin typeface="Inconsolata" panose="020B0609030003000000" pitchFamily="49" charset="77"/>
               </a:rPr>
               <a:t>]: </a:t>
             </a:r>
             <a:r>
               <a:rPr lang="en-US" sz="1800" b="1" dirty="0" err="1">
-                <a:latin typeface="Inconsolata Medium" panose="020B0609030003000000" pitchFamily="49" charset="77"/>
-              </a:rPr>
-              <a:t>grades.loc</a:t>
+                <a:latin typeface="Inconsolata" panose="020B0609030003000000" pitchFamily="49" charset="77"/>
+              </a:rPr>
+              <a:t>grades.T.sort_values</a:t>
             </a:r>
             <a:r>
               <a:rPr lang="en-US" sz="1800" b="1" dirty="0">
-                <a:latin typeface="Inconsolata Medium" panose="020B0609030003000000" pitchFamily="49" charset="77"/>
-              </a:rPr>
-              <a:t>['Test1'].</a:t>
-            </a:r>
-            <a:r>
-              <a:rPr lang="en-US" sz="1800" b="1" dirty="0" err="1">
-                <a:latin typeface="Inconsolata Medium" panose="020B0609030003000000" pitchFamily="49" charset="77"/>
-              </a:rPr>
-              <a:t>sort_values</a:t>
-            </a:r>
+                <a:latin typeface="Inconsolata" panose="020B0609030003000000" pitchFamily="49" charset="77"/>
+              </a:rPr>
+              <a:t>(by='Test1', ascending=False)</a:t>
+            </a:r>
+          </a:p>
+          <a:p>
+            <a:pPr marL="0" indent="0">
+              <a:buNone/>
+            </a:pPr>
             <a:r>
               <a:rPr lang="en-US" sz="1800" b="1" dirty="0">
-                <a:latin typeface="Inconsolata Medium" panose="020B0609030003000000" pitchFamily="49" charset="77"/>
-              </a:rPr>
-              <a:t>(ascending=False)</a:t>
-            </a:r>
-          </a:p>
-          <a:p>
-            <a:pPr marL="0" indent="0">
-              <a:buNone/>
-            </a:pPr>
-            <a:r>
-              <a:rPr lang="en-US" sz="2000" b="1" dirty="0">
-                <a:latin typeface="Inconsolata Medium" panose="020B0609030003000000" pitchFamily="49" charset="77"/>
-              </a:rPr>
-              <a:t>Out[65]: </a:t>
-            </a:r>
-          </a:p>
-          <a:p>
-            <a:pPr marL="0" indent="0">
-              <a:buNone/>
-            </a:pPr>
-            <a:r>
-              <a:rPr lang="en-US" sz="2000" b="1" dirty="0">
-                <a:latin typeface="Inconsolata Medium" panose="020B0609030003000000" pitchFamily="49" charset="77"/>
-              </a:rPr>
-              <a:t>Katie    100</a:t>
-            </a:r>
-          </a:p>
-          <a:p>
-            <a:pPr marL="0" indent="0">
-              <a:buNone/>
-            </a:pPr>
-            <a:r>
-              <a:rPr lang="en-US" sz="2000" b="1" dirty="0">
-                <a:latin typeface="Inconsolata Medium" panose="020B0609030003000000" pitchFamily="49" charset="77"/>
-              </a:rPr>
-              <a:t>Eva      100</a:t>
-            </a:r>
-          </a:p>
-          <a:p>
-            <a:pPr marL="0" indent="0">
-              <a:buNone/>
-            </a:pPr>
-            <a:r>
-              <a:rPr lang="en-US" sz="2000" b="1" dirty="0">
-                <a:latin typeface="Inconsolata Medium" panose="020B0609030003000000" pitchFamily="49" charset="77"/>
-              </a:rPr>
-              <a:t>Wally    100</a:t>
-            </a:r>
-          </a:p>
-          <a:p>
-            <a:pPr marL="0" indent="0">
-              <a:buNone/>
-            </a:pPr>
-            <a:r>
-              <a:rPr lang="en-US" sz="2000" b="1" dirty="0">
-                <a:latin typeface="Inconsolata Medium" panose="020B0609030003000000" pitchFamily="49" charset="77"/>
-              </a:rPr>
-              <a:t>Sam       94</a:t>
-            </a:r>
-          </a:p>
-          <a:p>
-            <a:pPr marL="0" indent="0">
-              <a:buNone/>
-            </a:pPr>
-            <a:r>
-              <a:rPr lang="en-US" sz="2000" b="1" dirty="0">
-                <a:latin typeface="Inconsolata Medium" panose="020B0609030003000000" pitchFamily="49" charset="77"/>
-              </a:rPr>
-              <a:t>Bob       83</a:t>
-            </a:r>
-          </a:p>
-          <a:p>
-            <a:pPr marL="0" indent="0">
-              <a:buNone/>
-            </a:pPr>
-            <a:r>
-              <a:rPr lang="en-US" sz="2000" b="1" dirty="0">
-                <a:latin typeface="Inconsolata Medium" panose="020B0609030003000000" pitchFamily="49" charset="77"/>
-              </a:rPr>
-              <a:t>Name: Test1, </a:t>
-            </a:r>
-            <a:r>
-              <a:rPr lang="en-US" sz="2000" b="1" dirty="0" err="1">
-                <a:latin typeface="Inconsolata Medium" panose="020B0609030003000000" pitchFamily="49" charset="77"/>
-              </a:rPr>
-              <a:t>dtype</a:t>
-            </a:r>
-            <a:r>
-              <a:rPr lang="en-US" sz="2000" b="1" dirty="0">
-                <a:latin typeface="Inconsolata Medium" panose="020B0609030003000000" pitchFamily="49" charset="77"/>
-              </a:rPr>
-              <a:t>: int64</a:t>
-            </a:r>
-          </a:p>
-          <a:p>
-            <a:pPr marL="0" indent="0">
-              <a:buNone/>
-            </a:pPr>
+                <a:solidFill>
+                  <a:srgbClr val="B23622"/>
+                </a:solidFill>
+                <a:latin typeface="Inconsolata" panose="020B0609030003000000" pitchFamily="49" charset="77"/>
+              </a:rPr>
+              <a:t>Out[</a:t>
+            </a:r>
+            <a:r>
+              <a:rPr lang="en-US" sz="1800" b="1" dirty="0">
+                <a:solidFill>
+                  <a:srgbClr val="FF3B1E"/>
+                </a:solidFill>
+                <a:latin typeface="Inconsolata" panose="020B0609030003000000" pitchFamily="49" charset="77"/>
+              </a:rPr>
+              <a:t>25</a:t>
+            </a:r>
+            <a:r>
+              <a:rPr lang="en-US" sz="1800" b="1" dirty="0">
+                <a:solidFill>
+                  <a:srgbClr val="B23622"/>
+                </a:solidFill>
+                <a:latin typeface="Inconsolata" panose="020B0609030003000000" pitchFamily="49" charset="77"/>
+              </a:rPr>
+              <a:t>]: </a:t>
+            </a:r>
             <a:endParaRPr lang="en-US" sz="1800" b="1" dirty="0">
               <a:solidFill>
                 <a:srgbClr val="000000"/>
               </a:solidFill>
-              <a:latin typeface="Inconsolata Medium" panose="020B0609030003000000" pitchFamily="49" charset="77"/>
+              <a:latin typeface="Inconsolata" panose="020B0609030003000000" pitchFamily="49" charset="77"/>
+            </a:endParaRPr>
+          </a:p>
+          <a:p>
+            <a:pPr marL="0" indent="0">
+              <a:buNone/>
+            </a:pPr>
+            <a:r>
+              <a:rPr lang="en-US" sz="1800" b="1" dirty="0">
+                <a:solidFill>
+                  <a:srgbClr val="000000"/>
+                </a:solidFill>
+                <a:latin typeface="Inconsolata" panose="020B0609030003000000" pitchFamily="49" charset="77"/>
+              </a:rPr>
+              <a:t>       Test1  Test2  Test3</a:t>
+            </a:r>
+          </a:p>
+          <a:p>
+            <a:pPr marL="0" indent="0">
+              <a:buNone/>
+            </a:pPr>
+            <a:r>
+              <a:rPr lang="en-US" sz="1800" b="1" dirty="0">
+                <a:solidFill>
+                  <a:srgbClr val="000000"/>
+                </a:solidFill>
+                <a:latin typeface="Inconsolata" panose="020B0609030003000000" pitchFamily="49" charset="77"/>
+              </a:rPr>
+              <a:t>Wally    100     96     70</a:t>
+            </a:r>
+          </a:p>
+          <a:p>
+            <a:pPr marL="0" indent="0">
+              <a:buNone/>
+            </a:pPr>
+            <a:r>
+              <a:rPr lang="en-US" sz="1800" b="1" dirty="0">
+                <a:solidFill>
+                  <a:srgbClr val="000000"/>
+                </a:solidFill>
+                <a:latin typeface="Inconsolata" panose="020B0609030003000000" pitchFamily="49" charset="77"/>
+              </a:rPr>
+              <a:t>Eva      100     87     90</a:t>
+            </a:r>
+          </a:p>
+          <a:p>
+            <a:pPr marL="0" indent="0">
+              <a:buNone/>
+            </a:pPr>
+            <a:r>
+              <a:rPr lang="en-US" sz="1800" b="1" dirty="0">
+                <a:solidFill>
+                  <a:srgbClr val="000000"/>
+                </a:solidFill>
+                <a:latin typeface="Inconsolata" panose="020B0609030003000000" pitchFamily="49" charset="77"/>
+              </a:rPr>
+              <a:t>Katie    100     81     82</a:t>
+            </a:r>
+          </a:p>
+          <a:p>
+            <a:pPr marL="0" indent="0">
+              <a:buNone/>
+            </a:pPr>
+            <a:r>
+              <a:rPr lang="en-US" sz="1800" b="1" dirty="0">
+                <a:solidFill>
+                  <a:srgbClr val="000000"/>
+                </a:solidFill>
+                <a:latin typeface="Inconsolata" panose="020B0609030003000000" pitchFamily="49" charset="77"/>
+              </a:rPr>
+              <a:t>Sam       94     77     90</a:t>
+            </a:r>
+          </a:p>
+          <a:p>
+            <a:pPr marL="0" indent="0">
+              <a:buNone/>
+            </a:pPr>
+            <a:r>
+              <a:rPr lang="en-US" sz="1800" b="1" dirty="0">
+                <a:solidFill>
+                  <a:srgbClr val="000000"/>
+                </a:solidFill>
+                <a:latin typeface="Inconsolata" panose="020B0609030003000000" pitchFamily="49" charset="77"/>
+              </a:rPr>
+              <a:t>Bob       83     65     85</a:t>
+            </a:r>
+          </a:p>
+          <a:p>
+            <a:pPr marL="0" indent="0">
+              <a:buNone/>
+            </a:pPr>
+            <a:endParaRPr lang="en-US" sz="1800" b="1" dirty="0">
+              <a:solidFill>
+                <a:srgbClr val="000000"/>
+              </a:solidFill>
+              <a:latin typeface="Inconsolata" panose="020B0609030003000000" pitchFamily="49" charset="77"/>
             </a:endParaRPr>
           </a:p>
         </p:txBody>
@@ -24804,7 +25146,7 @@
     </p:spTree>
     <p:extLst>
       <p:ext uri="{BB962C8B-B14F-4D97-AF65-F5344CB8AC3E}">
-        <p14:creationId xmlns:p14="http://schemas.microsoft.com/office/powerpoint/2010/main" val="3327919964"/>
+        <p14:creationId xmlns:p14="http://schemas.microsoft.com/office/powerpoint/2010/main" val="2630939437"/>
       </p:ext>
     </p:extLst>
   </p:cSld>
@@ -24864,7 +25206,7 @@
                 <a:latin typeface="Tahoma" panose="020B0604030504040204" pitchFamily="34" charset="0"/>
                 <a:ea typeface="ＭＳ Ｐゴシック" panose="020B0600070205080204" pitchFamily="34" charset="-128"/>
               </a:rPr>
-              <a:t>Lab</a:t>
+              <a:t>Sorting a particular Series</a:t>
             </a:r>
           </a:p>
         </p:txBody>
@@ -24900,11 +25242,292 @@
             <a:pPr marL="0" indent="0">
               <a:buNone/>
             </a:pPr>
+            <a:r>
+              <a:rPr lang="en-US" sz="2000" dirty="0">
+                <a:latin typeface="Gill Sans MT" panose="020B0502020104020203" pitchFamily="34" charset="77"/>
+              </a:rPr>
+              <a:t>In the previous example, since we're only sorting Test1, we might not want to see the other tests. </a:t>
+            </a:r>
+            <a:endParaRPr lang="en-US" sz="2000" b="1" dirty="0">
+              <a:solidFill>
+                <a:srgbClr val="34A327"/>
+              </a:solidFill>
+              <a:latin typeface="Inconsolata" panose="020B0609030003000000" pitchFamily="49" charset="77"/>
+            </a:endParaRPr>
+          </a:p>
+          <a:p>
+            <a:pPr marL="0" indent="0">
+              <a:buNone/>
+            </a:pPr>
             <a:endParaRPr lang="en-US" sz="1800" b="1" dirty="0">
               <a:solidFill>
                 <a:srgbClr val="34A327"/>
               </a:solidFill>
-              <a:latin typeface="Inconsolata Medium" panose="020B0609030003000000" pitchFamily="49" charset="77"/>
+              <a:latin typeface="Inconsolata" panose="020B0609030003000000" pitchFamily="49" charset="77"/>
+            </a:endParaRPr>
+          </a:p>
+          <a:p>
+            <a:pPr marL="0" indent="0">
+              <a:buNone/>
+            </a:pPr>
+            <a:r>
+              <a:rPr lang="en-US" sz="1800" b="1" dirty="0">
+                <a:solidFill>
+                  <a:srgbClr val="34A327"/>
+                </a:solidFill>
+                <a:latin typeface="Inconsolata" panose="020B0609030003000000" pitchFamily="49" charset="77"/>
+              </a:rPr>
+              <a:t>In[</a:t>
+            </a:r>
+            <a:r>
+              <a:rPr lang="en-US" sz="1800" b="1" dirty="0">
+                <a:solidFill>
+                  <a:srgbClr val="2EE721"/>
+                </a:solidFill>
+                <a:latin typeface="Inconsolata" panose="020B0609030003000000" pitchFamily="49" charset="77"/>
+              </a:rPr>
+              <a:t>2</a:t>
+            </a:r>
+            <a:r>
+              <a:rPr lang="en-US" sz="1800" b="1" dirty="0">
+                <a:solidFill>
+                  <a:srgbClr val="34A327"/>
+                </a:solidFill>
+                <a:latin typeface="Inconsolata" panose="020B0609030003000000" pitchFamily="49" charset="77"/>
+              </a:rPr>
+              <a:t>]: </a:t>
+            </a:r>
+            <a:r>
+              <a:rPr lang="en-US" sz="1800" b="1" dirty="0" err="1">
+                <a:latin typeface="Inconsolata" panose="020B0609030003000000" pitchFamily="49" charset="77"/>
+              </a:rPr>
+              <a:t>grades.loc</a:t>
+            </a:r>
+            <a:r>
+              <a:rPr lang="en-US" sz="1800" b="1" dirty="0">
+                <a:latin typeface="Inconsolata" panose="020B0609030003000000" pitchFamily="49" charset="77"/>
+              </a:rPr>
+              <a:t>['Test1'].</a:t>
+            </a:r>
+            <a:r>
+              <a:rPr lang="en-US" sz="1800" b="1" dirty="0" err="1">
+                <a:latin typeface="Inconsolata" panose="020B0609030003000000" pitchFamily="49" charset="77"/>
+              </a:rPr>
+              <a:t>sort_values</a:t>
+            </a:r>
+            <a:r>
+              <a:rPr lang="en-US" sz="1800" b="1" dirty="0">
+                <a:latin typeface="Inconsolata" panose="020B0609030003000000" pitchFamily="49" charset="77"/>
+              </a:rPr>
+              <a:t>(ascending=False)</a:t>
+            </a:r>
+          </a:p>
+          <a:p>
+            <a:pPr marL="0" indent="0">
+              <a:buNone/>
+            </a:pPr>
+            <a:r>
+              <a:rPr lang="en-US" sz="2000" b="1" dirty="0">
+                <a:latin typeface="Inconsolata" panose="020B0609030003000000" pitchFamily="49" charset="77"/>
+              </a:rPr>
+              <a:t>Out[65]: </a:t>
+            </a:r>
+          </a:p>
+          <a:p>
+            <a:pPr marL="0" indent="0">
+              <a:buNone/>
+            </a:pPr>
+            <a:r>
+              <a:rPr lang="en-US" sz="2000" b="1" dirty="0">
+                <a:latin typeface="Inconsolata" panose="020B0609030003000000" pitchFamily="49" charset="77"/>
+              </a:rPr>
+              <a:t>Katie    100</a:t>
+            </a:r>
+          </a:p>
+          <a:p>
+            <a:pPr marL="0" indent="0">
+              <a:buNone/>
+            </a:pPr>
+            <a:r>
+              <a:rPr lang="en-US" sz="2000" b="1" dirty="0">
+                <a:latin typeface="Inconsolata" panose="020B0609030003000000" pitchFamily="49" charset="77"/>
+              </a:rPr>
+              <a:t>Eva      100</a:t>
+            </a:r>
+          </a:p>
+          <a:p>
+            <a:pPr marL="0" indent="0">
+              <a:buNone/>
+            </a:pPr>
+            <a:r>
+              <a:rPr lang="en-US" sz="2000" b="1" dirty="0">
+                <a:latin typeface="Inconsolata" panose="020B0609030003000000" pitchFamily="49" charset="77"/>
+              </a:rPr>
+              <a:t>Wally    100</a:t>
+            </a:r>
+          </a:p>
+          <a:p>
+            <a:pPr marL="0" indent="0">
+              <a:buNone/>
+            </a:pPr>
+            <a:r>
+              <a:rPr lang="en-US" sz="2000" b="1" dirty="0">
+                <a:latin typeface="Inconsolata" panose="020B0609030003000000" pitchFamily="49" charset="77"/>
+              </a:rPr>
+              <a:t>Sam       94</a:t>
+            </a:r>
+          </a:p>
+          <a:p>
+            <a:pPr marL="0" indent="0">
+              <a:buNone/>
+            </a:pPr>
+            <a:r>
+              <a:rPr lang="en-US" sz="2000" b="1" dirty="0">
+                <a:latin typeface="Inconsolata" panose="020B0609030003000000" pitchFamily="49" charset="77"/>
+              </a:rPr>
+              <a:t>Bob       83</a:t>
+            </a:r>
+          </a:p>
+          <a:p>
+            <a:pPr marL="0" indent="0">
+              <a:buNone/>
+            </a:pPr>
+            <a:r>
+              <a:rPr lang="en-US" sz="2000" b="1" dirty="0">
+                <a:latin typeface="Inconsolata" panose="020B0609030003000000" pitchFamily="49" charset="77"/>
+              </a:rPr>
+              <a:t>Name: Test1, </a:t>
+            </a:r>
+            <a:r>
+              <a:rPr lang="en-US" sz="2000" b="1" dirty="0" err="1">
+                <a:latin typeface="Inconsolata" panose="020B0609030003000000" pitchFamily="49" charset="77"/>
+              </a:rPr>
+              <a:t>dtype</a:t>
+            </a:r>
+            <a:r>
+              <a:rPr lang="en-US" sz="2000" b="1" dirty="0">
+                <a:latin typeface="Inconsolata" panose="020B0609030003000000" pitchFamily="49" charset="77"/>
+              </a:rPr>
+              <a:t>: int64</a:t>
+            </a:r>
+          </a:p>
+          <a:p>
+            <a:pPr marL="0" indent="0">
+              <a:buNone/>
+            </a:pPr>
+            <a:endParaRPr lang="en-US" sz="1800" b="1" dirty="0">
+              <a:solidFill>
+                <a:srgbClr val="000000"/>
+              </a:solidFill>
+              <a:latin typeface="Inconsolata" panose="020B0609030003000000" pitchFamily="49" charset="77"/>
+            </a:endParaRPr>
+          </a:p>
+        </p:txBody>
+      </p:sp>
+    </p:spTree>
+    <p:extLst>
+      <p:ext uri="{BB962C8B-B14F-4D97-AF65-F5344CB8AC3E}">
+        <p14:creationId xmlns:p14="http://schemas.microsoft.com/office/powerpoint/2010/main" val="3327919964"/>
+      </p:ext>
+    </p:extLst>
+  </p:cSld>
+  <p:clrMapOvr>
+    <a:masterClrMapping/>
+  </p:clrMapOvr>
+  <p:transition/>
+</p:sld>
+</file>
+
+<file path=ppt/slides/slide32.xml><?xml version="1.0" encoding="utf-8"?>
+<p:sld xmlns:a="http://schemas.openxmlformats.org/drawingml/2006/main" xmlns:r="http://schemas.openxmlformats.org/officeDocument/2006/relationships" xmlns:p="http://schemas.openxmlformats.org/presentationml/2006/main">
+  <p:cSld>
+    <p:spTree>
+      <p:nvGrpSpPr>
+        <p:cNvPr id="1" name=""/>
+        <p:cNvGrpSpPr/>
+        <p:nvPr/>
+      </p:nvGrpSpPr>
+      <p:grpSpPr>
+        <a:xfrm>
+          <a:off x="0" y="0"/>
+          <a:ext cx="0" cy="0"/>
+          <a:chOff x="0" y="0"/>
+          <a:chExt cx="0" cy="0"/>
+        </a:xfrm>
+      </p:grpSpPr>
+      <p:sp>
+        <p:nvSpPr>
+          <p:cNvPr id="38913" name="Rectangle 2">
+            <a:extLst>
+              <a:ext uri="{FF2B5EF4-FFF2-40B4-BE49-F238E27FC236}">
+                <a16:creationId xmlns:a16="http://schemas.microsoft.com/office/drawing/2014/main" id="{01ABAB85-1B1D-E842-8BF4-B8AF13377E9C}"/>
+              </a:ext>
+            </a:extLst>
+          </p:cNvPr>
+          <p:cNvSpPr>
+            <a:spLocks noGrp="1" noChangeArrowheads="1"/>
+          </p:cNvSpPr>
+          <p:nvPr>
+            <p:ph type="title"/>
+          </p:nvPr>
+        </p:nvSpPr>
+        <p:spPr>
+          <a:xfrm>
+            <a:off x="0" y="-14915"/>
+            <a:ext cx="7886700" cy="832591"/>
+          </a:xfrm>
+        </p:spPr>
+        <p:txBody>
+          <a:bodyPr/>
+          <a:lstStyle/>
+          <a:p>
+            <a:pPr eaLnBrk="1" hangingPunct="1"/>
+            <a:r>
+              <a:rPr lang="en-US" altLang="en-US" dirty="0">
+                <a:latin typeface="Tahoma" panose="020B0604030504040204" pitchFamily="34" charset="0"/>
+                <a:ea typeface="ＭＳ Ｐゴシック" panose="020B0600070205080204" pitchFamily="34" charset="-128"/>
+              </a:rPr>
+              <a:t>Lab</a:t>
+            </a:r>
+          </a:p>
+        </p:txBody>
+      </p:sp>
+      <p:sp>
+        <p:nvSpPr>
+          <p:cNvPr id="16386" name="Rectangle 3">
+            <a:extLst>
+              <a:ext uri="{FF2B5EF4-FFF2-40B4-BE49-F238E27FC236}">
+                <a16:creationId xmlns:a16="http://schemas.microsoft.com/office/drawing/2014/main" id="{B58E18ED-8D49-8844-A857-3DC2CAD817CB}"/>
+              </a:ext>
+            </a:extLst>
+          </p:cNvPr>
+          <p:cNvSpPr>
+            <a:spLocks noGrp="1" noChangeArrowheads="1"/>
+          </p:cNvSpPr>
+          <p:nvPr>
+            <p:ph type="body" idx="1"/>
+          </p:nvPr>
+        </p:nvSpPr>
+        <p:spPr>
+          <a:xfrm>
+            <a:off x="182880" y="658761"/>
+            <a:ext cx="8538210" cy="5056239"/>
+          </a:xfrm>
+        </p:spPr>
+        <p:txBody>
+          <a:bodyPr>
+            <a:normAutofit/>
+          </a:bodyPr>
+          <a:lstStyle/>
+          <a:p>
+            <a:pPr marL="0" indent="0">
+              <a:buNone/>
+            </a:pPr>
+            <a:endParaRPr lang="en-US" sz="1800" b="1" dirty="0">
+              <a:solidFill>
+                <a:srgbClr val="34A327"/>
+              </a:solidFill>
+              <a:latin typeface="Inconsolata" panose="020B0609030003000000" pitchFamily="49" charset="77"/>
             </a:endParaRPr>
           </a:p>
           <a:p>
@@ -24945,7 +25568,19 @@
               <a:rPr lang="en-US" sz="2000" dirty="0">
                 <a:latin typeface="Gill Sans MT" panose="020B0502020104020203" pitchFamily="34" charset="77"/>
               </a:rPr>
-              <a:t>What is the highest rated movies of all time?</a:t>
+              <a:t>What is the highest rated movies of all time? What is the lowest rated movie from this list? Hint: Use </a:t>
+            </a:r>
+            <a:r>
+              <a:rPr lang="en-US" sz="2000" dirty="0" err="1">
+                <a:latin typeface="Gill Sans MT" panose="020B0502020104020203" pitchFamily="34" charset="77"/>
+              </a:rPr>
+              <a:t>sort_values</a:t>
+            </a:r>
+            <a:r>
+              <a:rPr lang="en-US" sz="2000" dirty="0">
+                <a:latin typeface="Gill Sans MT" panose="020B0502020104020203" pitchFamily="34" charset="77"/>
+              </a:rPr>
+              <a:t>().</a:t>
             </a:r>
           </a:p>
           <a:p>
@@ -24967,8 +25602,23 @@
               <a:rPr lang="en-US" sz="2000" dirty="0">
                 <a:latin typeface="Gill Sans MT" panose="020B0502020104020203" pitchFamily="34" charset="77"/>
               </a:rPr>
-              <a:t>What movie genre has the largest number of movies in this list?</a:t>
-            </a:r>
+              <a:t>What movie genre has the largest number of movies in this list? Hint: Select the column "genre" then call </a:t>
+            </a:r>
+            <a:r>
+              <a:rPr lang="en-US" sz="2000" dirty="0" err="1">
+                <a:latin typeface="Gill Sans MT" panose="020B0502020104020203" pitchFamily="34" charset="77"/>
+              </a:rPr>
+              <a:t>value_counts</a:t>
+            </a:r>
+            <a:r>
+              <a:rPr lang="en-US" sz="2000">
+                <a:latin typeface="Gill Sans MT" panose="020B0502020104020203" pitchFamily="34" charset="77"/>
+              </a:rPr>
+              <a:t>().</a:t>
+            </a:r>
+            <a:endParaRPr lang="en-US" sz="2000" dirty="0">
+              <a:latin typeface="Gill Sans MT" panose="020B0502020104020203" pitchFamily="34" charset="77"/>
+            </a:endParaRPr>
           </a:p>
           <a:p>
             <a:pPr marL="457200" indent="-457200">
@@ -25035,7 +25685,7 @@
 </p:sld>
 </file>
 
-<file path=ppt/slides/slide32.xml><?xml version="1.0" encoding="utf-8"?>
+<file path=ppt/slides/slide33.xml><?xml version="1.0" encoding="utf-8"?>
 <p:sld xmlns:a="http://schemas.openxmlformats.org/drawingml/2006/main" xmlns:r="http://schemas.openxmlformats.org/officeDocument/2006/relationships" xmlns:p="http://schemas.openxmlformats.org/presentationml/2006/main">
   <p:cSld>
     <p:spTree>
@@ -25294,7 +25944,7 @@
               <a:t>Series also offer additional capabilities that make them more convenient for many data-science oriented tasks. For example, Series may have missing data, and many Series operations ignore missing data by default.</a:t>
             </a:r>
             <a:endParaRPr lang="en-US" altLang="en-US" sz="2000" b="1" dirty="0">
-              <a:latin typeface="Inconsolata Medium" panose="020B0609030003000000" pitchFamily="49" charset="77"/>
+              <a:latin typeface="Inconsolata" panose="020B0609030003000000" pitchFamily="49" charset="77"/>
               <a:ea typeface="ＭＳ Ｐゴシック" panose="020B0600070205080204" pitchFamily="34" charset="-128"/>
             </a:endParaRPr>
           </a:p>
@@ -25579,7 +26229,7 @@
               <a:t>By default, a Series has integer indices numbered sequentially from 0. The following creates a Series of student grades from a list of integers. The initializer also may be a tuple, a dictionary, an array, another Series or a single value.</a:t>
             </a:r>
             <a:endParaRPr lang="en-US" altLang="en-US" sz="2000" b="1" dirty="0">
-              <a:latin typeface="Inconsolata Medium" panose="020B0609030003000000" pitchFamily="49" charset="77"/>
+              <a:latin typeface="Inconsolata" panose="020B0609030003000000" pitchFamily="49" charset="77"/>
               <a:ea typeface="ＭＳ Ｐゴシック" panose="020B0600070205080204" pitchFamily="34" charset="-128"/>
             </a:endParaRPr>
           </a:p>
@@ -25592,7 +26242,7 @@
                 <a:solidFill>
                   <a:srgbClr val="34A327"/>
                 </a:solidFill>
-                <a:latin typeface="Inconsolata Medium" panose="020B0609030003000000" pitchFamily="49" charset="77"/>
+                <a:latin typeface="Inconsolata" panose="020B0609030003000000" pitchFamily="49" charset="77"/>
               </a:rPr>
               <a:t>import</a:t>
             </a:r>
@@ -25601,7 +26251,7 @@
                 <a:solidFill>
                   <a:srgbClr val="000000"/>
                 </a:solidFill>
-                <a:latin typeface="Inconsolata Medium" panose="020B0609030003000000" pitchFamily="49" charset="77"/>
+                <a:latin typeface="Inconsolata" panose="020B0609030003000000" pitchFamily="49" charset="77"/>
               </a:rPr>
               <a:t> </a:t>
             </a:r>
@@ -25610,7 +26260,7 @@
                 <a:solidFill>
                   <a:srgbClr val="3C9FF2"/>
                 </a:solidFill>
-                <a:latin typeface="Inconsolata Medium" panose="020B0609030003000000" pitchFamily="49" charset="77"/>
+                <a:latin typeface="Inconsolata" panose="020B0609030003000000" pitchFamily="49" charset="77"/>
               </a:rPr>
               <a:t>pandas</a:t>
             </a:r>
@@ -25619,7 +26269,7 @@
                 <a:solidFill>
                   <a:srgbClr val="000000"/>
                 </a:solidFill>
-                <a:latin typeface="Inconsolata Medium" panose="020B0609030003000000" pitchFamily="49" charset="77"/>
+                <a:latin typeface="Inconsolata" panose="020B0609030003000000" pitchFamily="49" charset="77"/>
               </a:rPr>
               <a:t> </a:t>
             </a:r>
@@ -25628,7 +26278,7 @@
                 <a:solidFill>
                   <a:srgbClr val="34A327"/>
                 </a:solidFill>
-                <a:latin typeface="Inconsolata Medium" panose="020B0609030003000000" pitchFamily="49" charset="77"/>
+                <a:latin typeface="Inconsolata" panose="020B0609030003000000" pitchFamily="49" charset="77"/>
               </a:rPr>
               <a:t>as</a:t>
             </a:r>
@@ -25637,7 +26287,7 @@
                 <a:solidFill>
                   <a:srgbClr val="000000"/>
                 </a:solidFill>
-                <a:latin typeface="Inconsolata Medium" panose="020B0609030003000000" pitchFamily="49" charset="77"/>
+                <a:latin typeface="Inconsolata" panose="020B0609030003000000" pitchFamily="49" charset="77"/>
               </a:rPr>
               <a:t> </a:t>
             </a:r>
@@ -25646,7 +26296,7 @@
                 <a:solidFill>
                   <a:srgbClr val="3C9FF2"/>
                 </a:solidFill>
-                <a:latin typeface="Inconsolata Medium" panose="020B0609030003000000" pitchFamily="49" charset="77"/>
+                <a:latin typeface="Inconsolata" panose="020B0609030003000000" pitchFamily="49" charset="77"/>
               </a:rPr>
               <a:t>pd</a:t>
             </a:r>
@@ -25655,7 +26305,7 @@
                 <a:solidFill>
                   <a:srgbClr val="000000"/>
                 </a:solidFill>
-                <a:latin typeface="Inconsolata Medium" panose="020B0609030003000000" pitchFamily="49" charset="77"/>
+                <a:latin typeface="Inconsolata" panose="020B0609030003000000" pitchFamily="49" charset="77"/>
               </a:rPr>
               <a:t> </a:t>
             </a:r>
@@ -25669,7 +26319,7 @@
                 <a:solidFill>
                   <a:srgbClr val="34A327"/>
                 </a:solidFill>
-                <a:latin typeface="Inconsolata Medium" panose="020B0609030003000000" pitchFamily="49" charset="77"/>
+                <a:latin typeface="Inconsolata" panose="020B0609030003000000" pitchFamily="49" charset="77"/>
               </a:rPr>
               <a:t>In[</a:t>
             </a:r>
@@ -25678,7 +26328,7 @@
                 <a:solidFill>
                   <a:srgbClr val="2EE721"/>
                 </a:solidFill>
-                <a:latin typeface="Inconsolata Medium" panose="020B0609030003000000" pitchFamily="49" charset="77"/>
+                <a:latin typeface="Inconsolata" panose="020B0609030003000000" pitchFamily="49" charset="77"/>
               </a:rPr>
               <a:t>1</a:t>
             </a:r>
@@ -25687,25 +26337,25 @@
                 <a:solidFill>
                   <a:srgbClr val="34A327"/>
                 </a:solidFill>
-                <a:latin typeface="Inconsolata Medium" panose="020B0609030003000000" pitchFamily="49" charset="77"/>
+                <a:latin typeface="Inconsolata" panose="020B0609030003000000" pitchFamily="49" charset="77"/>
               </a:rPr>
               <a:t>]: </a:t>
             </a:r>
             <a:r>
               <a:rPr lang="en-US" sz="2000" b="1" dirty="0">
-                <a:latin typeface="Inconsolata Medium" panose="020B0609030003000000" pitchFamily="49" charset="77"/>
+                <a:latin typeface="Inconsolata" panose="020B0609030003000000" pitchFamily="49" charset="77"/>
               </a:rPr>
               <a:t>grades = </a:t>
             </a:r>
             <a:r>
               <a:rPr lang="en-US" sz="2000" b="1" dirty="0" err="1">
-                <a:latin typeface="Inconsolata Medium" panose="020B0609030003000000" pitchFamily="49" charset="77"/>
+                <a:latin typeface="Inconsolata" panose="020B0609030003000000" pitchFamily="49" charset="77"/>
               </a:rPr>
               <a:t>pd.Series</a:t>
             </a:r>
             <a:r>
               <a:rPr lang="en-US" sz="2000" b="1" dirty="0">
-                <a:latin typeface="Inconsolata Medium" panose="020B0609030003000000" pitchFamily="49" charset="77"/>
+                <a:latin typeface="Inconsolata" panose="020B0609030003000000" pitchFamily="49" charset="77"/>
               </a:rPr>
               <a:t>([87, 100, 94]) </a:t>
             </a:r>
@@ -25719,7 +26369,7 @@
                 <a:solidFill>
                   <a:srgbClr val="34A327"/>
                 </a:solidFill>
-                <a:latin typeface="Inconsolata Medium" panose="020B0609030003000000" pitchFamily="49" charset="77"/>
+                <a:latin typeface="Inconsolata" panose="020B0609030003000000" pitchFamily="49" charset="77"/>
               </a:rPr>
               <a:t>In[</a:t>
             </a:r>
@@ -25728,7 +26378,7 @@
                 <a:solidFill>
                   <a:srgbClr val="2EE721"/>
                 </a:solidFill>
-                <a:latin typeface="Inconsolata Medium" panose="020B0609030003000000" pitchFamily="49" charset="77"/>
+                <a:latin typeface="Inconsolata" panose="020B0609030003000000" pitchFamily="49" charset="77"/>
               </a:rPr>
               <a:t>2</a:t>
             </a:r>
@@ -25737,13 +26387,13 @@
                 <a:solidFill>
                   <a:srgbClr val="34A327"/>
                 </a:solidFill>
-                <a:latin typeface="Inconsolata Medium" panose="020B0609030003000000" pitchFamily="49" charset="77"/>
+                <a:latin typeface="Inconsolata" panose="020B0609030003000000" pitchFamily="49" charset="77"/>
               </a:rPr>
               <a:t>]: </a:t>
             </a:r>
             <a:r>
               <a:rPr lang="en-US" sz="2000" b="1" dirty="0">
-                <a:latin typeface="Inconsolata Medium" panose="020B0609030003000000" pitchFamily="49" charset="77"/>
+                <a:latin typeface="Inconsolata" panose="020B0609030003000000" pitchFamily="49" charset="77"/>
               </a:rPr>
               <a:t>grades </a:t>
             </a:r>
@@ -25757,7 +26407,7 @@
                 <a:solidFill>
                   <a:srgbClr val="B23622"/>
                 </a:solidFill>
-                <a:latin typeface="Inconsolata Medium" panose="020B0609030003000000" pitchFamily="49" charset="77"/>
+                <a:latin typeface="Inconsolata" panose="020B0609030003000000" pitchFamily="49" charset="77"/>
               </a:rPr>
               <a:t>Out[</a:t>
             </a:r>
@@ -25766,7 +26416,7 @@
                 <a:solidFill>
                   <a:srgbClr val="FF3B1E"/>
                 </a:solidFill>
-                <a:latin typeface="Inconsolata Medium" panose="020B0609030003000000" pitchFamily="49" charset="77"/>
+                <a:latin typeface="Inconsolata" panose="020B0609030003000000" pitchFamily="49" charset="77"/>
               </a:rPr>
               <a:t>25</a:t>
             </a:r>
@@ -25775,7 +26425,7 @@
                 <a:solidFill>
                   <a:srgbClr val="B23622"/>
                 </a:solidFill>
-                <a:latin typeface="Inconsolata Medium" panose="020B0609030003000000" pitchFamily="49" charset="77"/>
+                <a:latin typeface="Inconsolata" panose="020B0609030003000000" pitchFamily="49" charset="77"/>
               </a:rPr>
               <a:t>]: </a:t>
             </a:r>
@@ -25789,7 +26439,7 @@
                 <a:solidFill>
                   <a:srgbClr val="000000"/>
                 </a:solidFill>
-                <a:latin typeface="Inconsolata Medium" panose="020B0609030003000000" pitchFamily="49" charset="77"/>
+                <a:latin typeface="Inconsolata" panose="020B0609030003000000" pitchFamily="49" charset="77"/>
               </a:rPr>
               <a:t>0     87</a:t>
             </a:r>
@@ -25803,7 +26453,7 @@
                 <a:solidFill>
                   <a:srgbClr val="000000"/>
                 </a:solidFill>
-                <a:latin typeface="Inconsolata Medium" panose="020B0609030003000000" pitchFamily="49" charset="77"/>
+                <a:latin typeface="Inconsolata" panose="020B0609030003000000" pitchFamily="49" charset="77"/>
               </a:rPr>
               <a:t>1    100</a:t>
             </a:r>
@@ -25817,7 +26467,7 @@
                 <a:solidFill>
                   <a:srgbClr val="000000"/>
                 </a:solidFill>
-                <a:latin typeface="Inconsolata Medium" panose="020B0609030003000000" pitchFamily="49" charset="77"/>
+                <a:latin typeface="Inconsolata" panose="020B0609030003000000" pitchFamily="49" charset="77"/>
               </a:rPr>
               <a:t>2     94</a:t>
             </a:r>
@@ -25831,7 +26481,7 @@
                 <a:solidFill>
                   <a:srgbClr val="000000"/>
                 </a:solidFill>
-                <a:latin typeface="Inconsolata Medium" panose="020B0609030003000000" pitchFamily="49" charset="77"/>
+                <a:latin typeface="Inconsolata" panose="020B0609030003000000" pitchFamily="49" charset="77"/>
               </a:rPr>
               <a:t>dtype</a:t>
             </a:r>
@@ -25840,7 +26490,7 @@
                 <a:solidFill>
                   <a:srgbClr val="000000"/>
                 </a:solidFill>
-                <a:latin typeface="Inconsolata Medium" panose="020B0609030003000000" pitchFamily="49" charset="77"/>
+                <a:latin typeface="Inconsolata" panose="020B0609030003000000" pitchFamily="49" charset="77"/>
               </a:rPr>
               <a:t>: int64</a:t>
             </a:r>
@@ -25853,7 +26503,7 @@
               <a:solidFill>
                 <a:srgbClr val="000000"/>
               </a:solidFill>
-              <a:latin typeface="Inconsolata Medium" panose="020B0609030003000000" pitchFamily="49" charset="77"/>
+              <a:latin typeface="Inconsolata" panose="020B0609030003000000" pitchFamily="49" charset="77"/>
             </a:endParaRPr>
           </a:p>
           <a:p>
@@ -25865,7 +26515,7 @@
                 <a:solidFill>
                   <a:srgbClr val="34A327"/>
                 </a:solidFill>
-                <a:latin typeface="Inconsolata Medium" panose="020B0609030003000000" pitchFamily="49" charset="77"/>
+                <a:latin typeface="Inconsolata" panose="020B0609030003000000" pitchFamily="49" charset="77"/>
               </a:rPr>
               <a:t>In[</a:t>
             </a:r>
@@ -25874,7 +26524,7 @@
                 <a:solidFill>
                   <a:srgbClr val="2EE721"/>
                 </a:solidFill>
-                <a:latin typeface="Inconsolata Medium" panose="020B0609030003000000" pitchFamily="49" charset="77"/>
+                <a:latin typeface="Inconsolata" panose="020B0609030003000000" pitchFamily="49" charset="77"/>
               </a:rPr>
               <a:t>3</a:t>
             </a:r>
@@ -25883,7 +26533,7 @@
                 <a:solidFill>
                   <a:srgbClr val="34A327"/>
                 </a:solidFill>
-                <a:latin typeface="Inconsolata Medium" panose="020B0609030003000000" pitchFamily="49" charset="77"/>
+                <a:latin typeface="Inconsolata" panose="020B0609030003000000" pitchFamily="49" charset="77"/>
               </a:rPr>
               <a:t>]: </a:t>
             </a:r>
@@ -25892,7 +26542,7 @@
                 <a:solidFill>
                   <a:srgbClr val="000000"/>
                 </a:solidFill>
-                <a:latin typeface="Inconsolata Medium" panose="020B0609030003000000" pitchFamily="49" charset="77"/>
+                <a:latin typeface="Inconsolata" panose="020B0609030003000000" pitchFamily="49" charset="77"/>
               </a:rPr>
               <a:t>grades[</a:t>
             </a:r>
@@ -25901,7 +26551,7 @@
                 <a:solidFill>
                   <a:srgbClr val="34A327"/>
                 </a:solidFill>
-                <a:latin typeface="Inconsolata Medium" panose="020B0609030003000000" pitchFamily="49" charset="77"/>
+                <a:latin typeface="Inconsolata" panose="020B0609030003000000" pitchFamily="49" charset="77"/>
               </a:rPr>
               <a:t>0</a:t>
             </a:r>
@@ -25910,7 +26560,7 @@
                 <a:solidFill>
                   <a:srgbClr val="000000"/>
                 </a:solidFill>
-                <a:latin typeface="Inconsolata Medium" panose="020B0609030003000000" pitchFamily="49" charset="77"/>
+                <a:latin typeface="Inconsolata" panose="020B0609030003000000" pitchFamily="49" charset="77"/>
               </a:rPr>
               <a:t>] </a:t>
             </a:r>
@@ -25924,7 +26574,7 @@
                 <a:solidFill>
                   <a:srgbClr val="B23622"/>
                 </a:solidFill>
-                <a:latin typeface="Inconsolata Medium" panose="020B0609030003000000" pitchFamily="49" charset="77"/>
+                <a:latin typeface="Inconsolata" panose="020B0609030003000000" pitchFamily="49" charset="77"/>
               </a:rPr>
               <a:t>Out[</a:t>
             </a:r>
@@ -25933,7 +26583,7 @@
                 <a:solidFill>
                   <a:srgbClr val="FF3B1E"/>
                 </a:solidFill>
-                <a:latin typeface="Inconsolata Medium" panose="020B0609030003000000" pitchFamily="49" charset="77"/>
+                <a:latin typeface="Inconsolata" panose="020B0609030003000000" pitchFamily="49" charset="77"/>
               </a:rPr>
               <a:t>25</a:t>
             </a:r>
@@ -25942,13 +26592,13 @@
                 <a:solidFill>
                   <a:srgbClr val="B23622"/>
                 </a:solidFill>
-                <a:latin typeface="Inconsolata Medium" panose="020B0609030003000000" pitchFamily="49" charset="77"/>
+                <a:latin typeface="Inconsolata" panose="020B0609030003000000" pitchFamily="49" charset="77"/>
               </a:rPr>
               <a:t>]: </a:t>
             </a:r>
             <a:r>
               <a:rPr lang="en-US" sz="2000" b="1" dirty="0">
-                <a:latin typeface="Inconsolata Medium" panose="020B0609030003000000" pitchFamily="49" charset="77"/>
+                <a:latin typeface="Inconsolata" panose="020B0609030003000000" pitchFamily="49" charset="77"/>
               </a:rPr>
               <a:t>87</a:t>
             </a:r>
@@ -25961,7 +26611,7 @@
               <a:solidFill>
                 <a:srgbClr val="000000"/>
               </a:solidFill>
-              <a:latin typeface="Inconsolata Medium" panose="020B0609030003000000" pitchFamily="49" charset="77"/>
+              <a:latin typeface="Inconsolata" panose="020B0609030003000000" pitchFamily="49" charset="77"/>
             </a:endParaRPr>
           </a:p>
           <a:p>
@@ -25969,7 +26619,7 @@
               <a:buNone/>
             </a:pPr>
             <a:endParaRPr lang="en-US" altLang="en-US" sz="2000" b="1" dirty="0">
-              <a:latin typeface="Inconsolata Medium" panose="020B0609030003000000" pitchFamily="49" charset="77"/>
+              <a:latin typeface="Inconsolata" panose="020B0609030003000000" pitchFamily="49" charset="77"/>
               <a:ea typeface="ＭＳ Ｐゴシック" panose="020B0600070205080204" pitchFamily="34" charset="-128"/>
             </a:endParaRPr>
           </a:p>
@@ -26077,7 +26727,7 @@
                 <a:solidFill>
                   <a:srgbClr val="34A327"/>
                 </a:solidFill>
-                <a:latin typeface="Inconsolata Medium" panose="020B0609030003000000" pitchFamily="49" charset="77"/>
+                <a:latin typeface="Inconsolata" panose="020B0609030003000000" pitchFamily="49" charset="77"/>
               </a:rPr>
               <a:t>import</a:t>
             </a:r>
@@ -26086,7 +26736,7 @@
                 <a:solidFill>
                   <a:srgbClr val="000000"/>
                 </a:solidFill>
-                <a:latin typeface="Inconsolata Medium" panose="020B0609030003000000" pitchFamily="49" charset="77"/>
+                <a:latin typeface="Inconsolata" panose="020B0609030003000000" pitchFamily="49" charset="77"/>
               </a:rPr>
               <a:t> </a:t>
             </a:r>
@@ -26095,7 +26745,7 @@
                 <a:solidFill>
                   <a:srgbClr val="3C9FF2"/>
                 </a:solidFill>
-                <a:latin typeface="Inconsolata Medium" panose="020B0609030003000000" pitchFamily="49" charset="77"/>
+                <a:latin typeface="Inconsolata" panose="020B0609030003000000" pitchFamily="49" charset="77"/>
               </a:rPr>
               <a:t>pandas</a:t>
             </a:r>
@@ -26104,7 +26754,7 @@
                 <a:solidFill>
                   <a:srgbClr val="000000"/>
                 </a:solidFill>
-                <a:latin typeface="Inconsolata Medium" panose="020B0609030003000000" pitchFamily="49" charset="77"/>
+                <a:latin typeface="Inconsolata" panose="020B0609030003000000" pitchFamily="49" charset="77"/>
               </a:rPr>
               <a:t> </a:t>
             </a:r>
@@ -26113,7 +26763,7 @@
                 <a:solidFill>
                   <a:srgbClr val="34A327"/>
                 </a:solidFill>
-                <a:latin typeface="Inconsolata Medium" panose="020B0609030003000000" pitchFamily="49" charset="77"/>
+                <a:latin typeface="Inconsolata" panose="020B0609030003000000" pitchFamily="49" charset="77"/>
               </a:rPr>
               <a:t>as</a:t>
             </a:r>
@@ -26122,7 +26772,7 @@
                 <a:solidFill>
                   <a:srgbClr val="000000"/>
                 </a:solidFill>
-                <a:latin typeface="Inconsolata Medium" panose="020B0609030003000000" pitchFamily="49" charset="77"/>
+                <a:latin typeface="Inconsolata" panose="020B0609030003000000" pitchFamily="49" charset="77"/>
               </a:rPr>
               <a:t> </a:t>
             </a:r>
@@ -26131,7 +26781,7 @@
                 <a:solidFill>
                   <a:srgbClr val="3C9FF2"/>
                 </a:solidFill>
-                <a:latin typeface="Inconsolata Medium" panose="020B0609030003000000" pitchFamily="49" charset="77"/>
+                <a:latin typeface="Inconsolata" panose="020B0609030003000000" pitchFamily="49" charset="77"/>
               </a:rPr>
               <a:t>pd</a:t>
             </a:r>
@@ -26140,7 +26790,7 @@
                 <a:solidFill>
                   <a:srgbClr val="000000"/>
                 </a:solidFill>
-                <a:latin typeface="Inconsolata Medium" panose="020B0609030003000000" pitchFamily="49" charset="77"/>
+                <a:latin typeface="Inconsolata" panose="020B0609030003000000" pitchFamily="49" charset="77"/>
               </a:rPr>
               <a:t> </a:t>
             </a:r>
@@ -26153,7 +26803,7 @@
               <a:solidFill>
                 <a:srgbClr val="34A327"/>
               </a:solidFill>
-              <a:latin typeface="Inconsolata Medium" panose="020B0609030003000000" pitchFamily="49" charset="77"/>
+              <a:latin typeface="Inconsolata" panose="020B0609030003000000" pitchFamily="49" charset="77"/>
             </a:endParaRPr>
           </a:p>
           <a:p>
@@ -26165,7 +26815,7 @@
                 <a:solidFill>
                   <a:srgbClr val="34A327"/>
                 </a:solidFill>
-                <a:latin typeface="Inconsolata Medium" panose="020B0609030003000000" pitchFamily="49" charset="77"/>
+                <a:latin typeface="Inconsolata" panose="020B0609030003000000" pitchFamily="49" charset="77"/>
               </a:rPr>
               <a:t>In[</a:t>
             </a:r>
@@ -26174,7 +26824,7 @@
                 <a:solidFill>
                   <a:srgbClr val="2EE721"/>
                 </a:solidFill>
-                <a:latin typeface="Inconsolata Medium" panose="020B0609030003000000" pitchFamily="49" charset="77"/>
+                <a:latin typeface="Inconsolata" panose="020B0609030003000000" pitchFamily="49" charset="77"/>
               </a:rPr>
               <a:t>2</a:t>
             </a:r>
@@ -26183,19 +26833,19 @@
                 <a:solidFill>
                   <a:srgbClr val="34A327"/>
                 </a:solidFill>
-                <a:latin typeface="Inconsolata Medium" panose="020B0609030003000000" pitchFamily="49" charset="77"/>
+                <a:latin typeface="Inconsolata" panose="020B0609030003000000" pitchFamily="49" charset="77"/>
               </a:rPr>
               <a:t>]: </a:t>
             </a:r>
             <a:r>
               <a:rPr lang="en-US" sz="2000" b="1" dirty="0" err="1">
-                <a:latin typeface="Inconsolata Medium" panose="020B0609030003000000" pitchFamily="49" charset="77"/>
+                <a:latin typeface="Inconsolata" panose="020B0609030003000000" pitchFamily="49" charset="77"/>
               </a:rPr>
               <a:t>grades.count</a:t>
             </a:r>
             <a:r>
               <a:rPr lang="en-US" sz="2000" b="1" dirty="0">
-                <a:latin typeface="Inconsolata Medium" panose="020B0609030003000000" pitchFamily="49" charset="77"/>
+                <a:latin typeface="Inconsolata" panose="020B0609030003000000" pitchFamily="49" charset="77"/>
               </a:rPr>
               <a:t>()</a:t>
             </a:r>
@@ -26209,7 +26859,7 @@
                 <a:solidFill>
                   <a:srgbClr val="B23622"/>
                 </a:solidFill>
-                <a:latin typeface="Inconsolata Medium" panose="020B0609030003000000" pitchFamily="49" charset="77"/>
+                <a:latin typeface="Inconsolata" panose="020B0609030003000000" pitchFamily="49" charset="77"/>
               </a:rPr>
               <a:t>Out[</a:t>
             </a:r>
@@ -26218,7 +26868,7 @@
                 <a:solidFill>
                   <a:srgbClr val="FF3B1E"/>
                 </a:solidFill>
-                <a:latin typeface="Inconsolata Medium" panose="020B0609030003000000" pitchFamily="49" charset="77"/>
+                <a:latin typeface="Inconsolata" panose="020B0609030003000000" pitchFamily="49" charset="77"/>
               </a:rPr>
               <a:t>2</a:t>
             </a:r>
@@ -26227,18 +26877,18 @@
                 <a:solidFill>
                   <a:srgbClr val="B23622"/>
                 </a:solidFill>
-                <a:latin typeface="Inconsolata Medium" panose="020B0609030003000000" pitchFamily="49" charset="77"/>
+                <a:latin typeface="Inconsolata" panose="020B0609030003000000" pitchFamily="49" charset="77"/>
               </a:rPr>
               <a:t>]: </a:t>
             </a:r>
             <a:r>
               <a:rPr lang="en-US" sz="2000" b="1" dirty="0">
-                <a:latin typeface="Inconsolata Medium" panose="020B0609030003000000" pitchFamily="49" charset="77"/>
+                <a:latin typeface="Inconsolata" panose="020B0609030003000000" pitchFamily="49" charset="77"/>
               </a:rPr>
               <a:t>3</a:t>
             </a:r>
             <a:endParaRPr lang="en-US" altLang="en-US" sz="2000" b="1" dirty="0">
-              <a:latin typeface="Inconsolata Medium" panose="020B0609030003000000" pitchFamily="49" charset="77"/>
+              <a:latin typeface="Inconsolata" panose="020B0609030003000000" pitchFamily="49" charset="77"/>
               <a:ea typeface="ＭＳ Ｐゴシック" panose="020B0600070205080204" pitchFamily="34" charset="-128"/>
             </a:endParaRPr>
           </a:p>
@@ -26251,7 +26901,7 @@
                 <a:solidFill>
                   <a:srgbClr val="34A327"/>
                 </a:solidFill>
-                <a:latin typeface="Inconsolata Medium" panose="020B0609030003000000" pitchFamily="49" charset="77"/>
+                <a:latin typeface="Inconsolata" panose="020B0609030003000000" pitchFamily="49" charset="77"/>
               </a:rPr>
               <a:t>In[</a:t>
             </a:r>
@@ -26260,7 +26910,7 @@
                 <a:solidFill>
                   <a:srgbClr val="2EE721"/>
                 </a:solidFill>
-                <a:latin typeface="Inconsolata Medium" panose="020B0609030003000000" pitchFamily="49" charset="77"/>
+                <a:latin typeface="Inconsolata" panose="020B0609030003000000" pitchFamily="49" charset="77"/>
               </a:rPr>
               <a:t>2</a:t>
             </a:r>
@@ -26269,19 +26919,19 @@
                 <a:solidFill>
                   <a:srgbClr val="34A327"/>
                 </a:solidFill>
-                <a:latin typeface="Inconsolata Medium" panose="020B0609030003000000" pitchFamily="49" charset="77"/>
+                <a:latin typeface="Inconsolata" panose="020B0609030003000000" pitchFamily="49" charset="77"/>
               </a:rPr>
               <a:t>]: </a:t>
             </a:r>
             <a:r>
               <a:rPr lang="en-US" sz="2000" b="1" dirty="0" err="1">
-                <a:latin typeface="Inconsolata Medium" panose="020B0609030003000000" pitchFamily="49" charset="77"/>
+                <a:latin typeface="Inconsolata" panose="020B0609030003000000" pitchFamily="49" charset="77"/>
               </a:rPr>
               <a:t>grades.mean</a:t>
             </a:r>
             <a:r>
               <a:rPr lang="en-US" sz="2000" b="1" dirty="0">
-                <a:latin typeface="Inconsolata Medium" panose="020B0609030003000000" pitchFamily="49" charset="77"/>
+                <a:latin typeface="Inconsolata" panose="020B0609030003000000" pitchFamily="49" charset="77"/>
               </a:rPr>
               <a:t>()</a:t>
             </a:r>
@@ -26295,7 +26945,7 @@
                 <a:solidFill>
                   <a:srgbClr val="B23622"/>
                 </a:solidFill>
-                <a:latin typeface="Inconsolata Medium" panose="020B0609030003000000" pitchFamily="49" charset="77"/>
+                <a:latin typeface="Inconsolata" panose="020B0609030003000000" pitchFamily="49" charset="77"/>
               </a:rPr>
               <a:t>Out[</a:t>
             </a:r>
@@ -26304,7 +26954,7 @@
                 <a:solidFill>
                   <a:srgbClr val="FF3B1E"/>
                 </a:solidFill>
-                <a:latin typeface="Inconsolata Medium" panose="020B0609030003000000" pitchFamily="49" charset="77"/>
+                <a:latin typeface="Inconsolata" panose="020B0609030003000000" pitchFamily="49" charset="77"/>
               </a:rPr>
               <a:t>2</a:t>
             </a:r>
@@ -26313,13 +26963,13 @@
                 <a:solidFill>
                   <a:srgbClr val="B23622"/>
                 </a:solidFill>
-                <a:latin typeface="Inconsolata Medium" panose="020B0609030003000000" pitchFamily="49" charset="77"/>
+                <a:latin typeface="Inconsolata" panose="020B0609030003000000" pitchFamily="49" charset="77"/>
               </a:rPr>
               <a:t>]: </a:t>
             </a:r>
             <a:r>
               <a:rPr lang="en-US" sz="2000" b="1" dirty="0">
-                <a:latin typeface="Inconsolata Medium" panose="020B0609030003000000" pitchFamily="49" charset="77"/>
+                <a:latin typeface="Inconsolata" panose="020B0609030003000000" pitchFamily="49" charset="77"/>
               </a:rPr>
               <a:t>93.66666666666667</a:t>
             </a:r>
@@ -26333,7 +26983,7 @@
                 <a:solidFill>
                   <a:srgbClr val="34A327"/>
                 </a:solidFill>
-                <a:latin typeface="Inconsolata Medium" panose="020B0609030003000000" pitchFamily="49" charset="77"/>
+                <a:latin typeface="Inconsolata" panose="020B0609030003000000" pitchFamily="49" charset="77"/>
               </a:rPr>
               <a:t>In[</a:t>
             </a:r>
@@ -26342,7 +26992,7 @@
                 <a:solidFill>
                   <a:srgbClr val="2EE721"/>
                 </a:solidFill>
-                <a:latin typeface="Inconsolata Medium" panose="020B0609030003000000" pitchFamily="49" charset="77"/>
+                <a:latin typeface="Inconsolata" panose="020B0609030003000000" pitchFamily="49" charset="77"/>
               </a:rPr>
               <a:t>2</a:t>
             </a:r>
@@ -26351,19 +27001,19 @@
                 <a:solidFill>
                   <a:srgbClr val="34A327"/>
                 </a:solidFill>
-                <a:latin typeface="Inconsolata Medium" panose="020B0609030003000000" pitchFamily="49" charset="77"/>
+                <a:latin typeface="Inconsolata" panose="020B0609030003000000" pitchFamily="49" charset="77"/>
               </a:rPr>
               <a:t>]: </a:t>
             </a:r>
             <a:r>
               <a:rPr lang="en-US" sz="2000" b="1" dirty="0" err="1">
-                <a:latin typeface="Inconsolata Medium" panose="020B0609030003000000" pitchFamily="49" charset="77"/>
+                <a:latin typeface="Inconsolata" panose="020B0609030003000000" pitchFamily="49" charset="77"/>
               </a:rPr>
               <a:t>grades.std</a:t>
             </a:r>
             <a:r>
               <a:rPr lang="en-US" sz="2000" b="1" dirty="0">
-                <a:latin typeface="Inconsolata Medium" panose="020B0609030003000000" pitchFamily="49" charset="77"/>
+                <a:latin typeface="Inconsolata" panose="020B0609030003000000" pitchFamily="49" charset="77"/>
               </a:rPr>
               <a:t>()</a:t>
             </a:r>
@@ -26377,7 +27027,7 @@
                 <a:solidFill>
                   <a:srgbClr val="B23622"/>
                 </a:solidFill>
-                <a:latin typeface="Inconsolata Medium" panose="020B0609030003000000" pitchFamily="49" charset="77"/>
+                <a:latin typeface="Inconsolata" panose="020B0609030003000000" pitchFamily="49" charset="77"/>
               </a:rPr>
               <a:t>Out[</a:t>
             </a:r>
@@ -26386,7 +27036,7 @@
                 <a:solidFill>
                   <a:srgbClr val="FF3B1E"/>
                 </a:solidFill>
-                <a:latin typeface="Inconsolata Medium" panose="020B0609030003000000" pitchFamily="49" charset="77"/>
+                <a:latin typeface="Inconsolata" panose="020B0609030003000000" pitchFamily="49" charset="77"/>
               </a:rPr>
               <a:t>2</a:t>
             </a:r>
@@ -26395,13 +27045,13 @@
                 <a:solidFill>
                   <a:srgbClr val="B23622"/>
                 </a:solidFill>
-                <a:latin typeface="Inconsolata Medium" panose="020B0609030003000000" pitchFamily="49" charset="77"/>
+                <a:latin typeface="Inconsolata" panose="020B0609030003000000" pitchFamily="49" charset="77"/>
               </a:rPr>
               <a:t>]: </a:t>
             </a:r>
             <a:r>
               <a:rPr lang="en-US" sz="2000" b="1" dirty="0">
-                <a:latin typeface="Inconsolata Medium" panose="020B0609030003000000" pitchFamily="49" charset="77"/>
+                <a:latin typeface="Inconsolata" panose="020B0609030003000000" pitchFamily="49" charset="77"/>
               </a:rPr>
               <a:t>6.506407098647712</a:t>
             </a:r>
@@ -26411,7 +27061,7 @@
               <a:buNone/>
             </a:pPr>
             <a:endParaRPr lang="en-US" sz="2000" b="1" dirty="0">
-              <a:latin typeface="Inconsolata Medium" panose="020B0609030003000000" pitchFamily="49" charset="77"/>
+              <a:latin typeface="Inconsolata" panose="020B0609030003000000" pitchFamily="49" charset="77"/>
             </a:endParaRPr>
           </a:p>
           <a:p>
@@ -26419,7 +27069,7 @@
               <a:buNone/>
             </a:pPr>
             <a:endParaRPr lang="en-US" altLang="en-US" sz="2000" b="1" dirty="0">
-              <a:latin typeface="Inconsolata Medium" panose="020B0609030003000000" pitchFamily="49" charset="77"/>
+              <a:latin typeface="Inconsolata" panose="020B0609030003000000" pitchFamily="49" charset="77"/>
               <a:ea typeface="ＭＳ Ｐゴシック" panose="020B0600070205080204" pitchFamily="34" charset="-128"/>
             </a:endParaRPr>
           </a:p>
@@ -26428,7 +27078,7 @@
               <a:buNone/>
             </a:pPr>
             <a:endParaRPr lang="en-US" altLang="en-US" sz="2000" b="1" dirty="0">
-              <a:latin typeface="Inconsolata Medium" panose="020B0609030003000000" pitchFamily="49" charset="77"/>
+              <a:latin typeface="Inconsolata" panose="020B0609030003000000" pitchFamily="49" charset="77"/>
               <a:ea typeface="ＭＳ Ｐゴシック" panose="020B0600070205080204" pitchFamily="34" charset="-128"/>
             </a:endParaRPr>
           </a:p>
@@ -26664,7 +27314,7 @@
           <a:p>
             <a:r>
               <a:rPr lang="en-US" sz="2000" b="1" dirty="0">
-                <a:latin typeface="Inconsolata Medium" panose="020B0609030003000000" pitchFamily="49" charset="77"/>
+                <a:latin typeface="Inconsolata" panose="020B0609030003000000" pitchFamily="49" charset="77"/>
               </a:rPr>
               <a:t> </a:t>
             </a:r>
@@ -26673,7 +27323,7 @@
                 <a:solidFill>
                   <a:srgbClr val="34A327"/>
                 </a:solidFill>
-                <a:latin typeface="Inconsolata Medium" panose="020B0609030003000000" pitchFamily="49" charset="77"/>
+                <a:latin typeface="Inconsolata" panose="020B0609030003000000" pitchFamily="49" charset="77"/>
               </a:rPr>
               <a:t>In[</a:t>
             </a:r>
@@ -26682,7 +27332,7 @@
                 <a:solidFill>
                   <a:srgbClr val="2EE721"/>
                 </a:solidFill>
-                <a:latin typeface="Inconsolata Medium" panose="020B0609030003000000" pitchFamily="49" charset="77"/>
+                <a:latin typeface="Inconsolata" panose="020B0609030003000000" pitchFamily="49" charset="77"/>
               </a:rPr>
               <a:t>2</a:t>
             </a:r>
@@ -26691,19 +27341,19 @@
                 <a:solidFill>
                   <a:srgbClr val="34A327"/>
                 </a:solidFill>
-                <a:latin typeface="Inconsolata Medium" panose="020B0609030003000000" pitchFamily="49" charset="77"/>
+                <a:latin typeface="Inconsolata" panose="020B0609030003000000" pitchFamily="49" charset="77"/>
               </a:rPr>
               <a:t>]: </a:t>
             </a:r>
             <a:r>
               <a:rPr lang="en-US" sz="2000" b="1" dirty="0" err="1">
-                <a:latin typeface="Inconsolata Medium" panose="020B0609030003000000" pitchFamily="49" charset="77"/>
+                <a:latin typeface="Inconsolata" panose="020B0609030003000000" pitchFamily="49" charset="77"/>
               </a:rPr>
               <a:t>grades.describe</a:t>
             </a:r>
             <a:r>
               <a:rPr lang="en-US" sz="2000" b="1" dirty="0">
-                <a:latin typeface="Inconsolata Medium" panose="020B0609030003000000" pitchFamily="49" charset="77"/>
+                <a:latin typeface="Inconsolata" panose="020B0609030003000000" pitchFamily="49" charset="77"/>
               </a:rPr>
               <a:t>()</a:t>
             </a:r>
@@ -26714,7 +27364,7 @@
                 <a:solidFill>
                   <a:srgbClr val="B23622"/>
                 </a:solidFill>
-                <a:latin typeface="Inconsolata Medium" panose="020B0609030003000000" pitchFamily="49" charset="77"/>
+                <a:latin typeface="Inconsolata" panose="020B0609030003000000" pitchFamily="49" charset="77"/>
               </a:rPr>
               <a:t>Out[</a:t>
             </a:r>
@@ -26723,7 +27373,7 @@
                 <a:solidFill>
                   <a:srgbClr val="FF3B1E"/>
                 </a:solidFill>
-                <a:latin typeface="Inconsolata Medium" panose="020B0609030003000000" pitchFamily="49" charset="77"/>
+                <a:latin typeface="Inconsolata" panose="020B0609030003000000" pitchFamily="49" charset="77"/>
               </a:rPr>
               <a:t>2</a:t>
             </a:r>
@@ -26732,7 +27382,7 @@
                 <a:solidFill>
                   <a:srgbClr val="B23622"/>
                 </a:solidFill>
-                <a:latin typeface="Inconsolata Medium" panose="020B0609030003000000" pitchFamily="49" charset="77"/>
+                <a:latin typeface="Inconsolata" panose="020B0609030003000000" pitchFamily="49" charset="77"/>
               </a:rPr>
               <a:t>]: </a:t>
             </a:r>
@@ -26740,7 +27390,7 @@
           <a:p>
             <a:r>
               <a:rPr lang="en-US" sz="2000" b="1" dirty="0">
-                <a:latin typeface="Inconsolata Medium" panose="020B0609030003000000" pitchFamily="49" charset="77"/>
+                <a:latin typeface="Inconsolata" panose="020B0609030003000000" pitchFamily="49" charset="77"/>
               </a:rPr>
               <a:t>count      3.000000</a:t>
             </a:r>
@@ -26748,7 +27398,7 @@
           <a:p>
             <a:r>
               <a:rPr lang="en-US" sz="2000" b="1" dirty="0">
-                <a:latin typeface="Inconsolata Medium" panose="020B0609030003000000" pitchFamily="49" charset="77"/>
+                <a:latin typeface="Inconsolata" panose="020B0609030003000000" pitchFamily="49" charset="77"/>
               </a:rPr>
               <a:t>mean      93.666667</a:t>
             </a:r>
@@ -26756,7 +27406,7 @@
           <a:p>
             <a:r>
               <a:rPr lang="en-US" sz="2000" b="1" dirty="0">
-                <a:latin typeface="Inconsolata Medium" panose="020B0609030003000000" pitchFamily="49" charset="77"/>
+                <a:latin typeface="Inconsolata" panose="020B0609030003000000" pitchFamily="49" charset="77"/>
               </a:rPr>
               <a:t>std        6.506407</a:t>
             </a:r>
@@ -26764,7 +27414,7 @@
           <a:p>
             <a:r>
               <a:rPr lang="en-US" sz="2000" b="1" dirty="0">
-                <a:latin typeface="Inconsolata Medium" panose="020B0609030003000000" pitchFamily="49" charset="77"/>
+                <a:latin typeface="Inconsolata" panose="020B0609030003000000" pitchFamily="49" charset="77"/>
               </a:rPr>
               <a:t>min       87.000000</a:t>
             </a:r>
@@ -26772,7 +27422,7 @@
           <a:p>
             <a:r>
               <a:rPr lang="en-US" sz="2000" b="1" dirty="0">
-                <a:latin typeface="Inconsolata Medium" panose="020B0609030003000000" pitchFamily="49" charset="77"/>
+                <a:latin typeface="Inconsolata" panose="020B0609030003000000" pitchFamily="49" charset="77"/>
               </a:rPr>
               <a:t>25%       90.500000</a:t>
             </a:r>
@@ -26780,7 +27430,7 @@
           <a:p>
             <a:r>
               <a:rPr lang="en-US" sz="2000" b="1" dirty="0">
-                <a:latin typeface="Inconsolata Medium" panose="020B0609030003000000" pitchFamily="49" charset="77"/>
+                <a:latin typeface="Inconsolata" panose="020B0609030003000000" pitchFamily="49" charset="77"/>
               </a:rPr>
               <a:t>50%       94.000000</a:t>
             </a:r>
@@ -26788,7 +27438,7 @@
           <a:p>
             <a:r>
               <a:rPr lang="en-US" sz="2000" b="1" dirty="0">
-                <a:latin typeface="Inconsolata Medium" panose="020B0609030003000000" pitchFamily="49" charset="77"/>
+                <a:latin typeface="Inconsolata" panose="020B0609030003000000" pitchFamily="49" charset="77"/>
               </a:rPr>
               <a:t>75%       97.000000</a:t>
             </a:r>
@@ -26796,7 +27446,7 @@
           <a:p>
             <a:r>
               <a:rPr lang="en-US" sz="2000" b="1" dirty="0">
-                <a:latin typeface="Inconsolata Medium" panose="020B0609030003000000" pitchFamily="49" charset="77"/>
+                <a:latin typeface="Inconsolata" panose="020B0609030003000000" pitchFamily="49" charset="77"/>
               </a:rPr>
               <a:t>max      100.000000</a:t>
             </a:r>
@@ -26804,26 +27454,26 @@
           <a:p>
             <a:r>
               <a:rPr lang="en-US" sz="2000" b="1" dirty="0" err="1">
-                <a:latin typeface="Inconsolata Medium" panose="020B0609030003000000" pitchFamily="49" charset="77"/>
+                <a:latin typeface="Inconsolata" panose="020B0609030003000000" pitchFamily="49" charset="77"/>
               </a:rPr>
               <a:t>dtype</a:t>
             </a:r>
             <a:r>
               <a:rPr lang="en-US" sz="2000" b="1" dirty="0">
-                <a:latin typeface="Inconsolata Medium" panose="020B0609030003000000" pitchFamily="49" charset="77"/>
+                <a:latin typeface="Inconsolata" panose="020B0609030003000000" pitchFamily="49" charset="77"/>
               </a:rPr>
               <a:t>: float64</a:t>
             </a:r>
           </a:p>
           <a:p>
             <a:endParaRPr lang="en-US" altLang="en-US" sz="2000" b="1" dirty="0">
-              <a:latin typeface="Inconsolata Medium" panose="020B0609030003000000" pitchFamily="49" charset="77"/>
+              <a:latin typeface="Inconsolata" panose="020B0609030003000000" pitchFamily="49" charset="77"/>
               <a:ea typeface="ＭＳ Ｐゴシック" panose="020B0600070205080204" pitchFamily="34" charset="-128"/>
             </a:endParaRPr>
           </a:p>
           <a:p>
             <a:endParaRPr lang="en-US" sz="2000" b="1" dirty="0">
-              <a:latin typeface="Inconsolata Medium" panose="020B0609030003000000" pitchFamily="49" charset="77"/>
+              <a:latin typeface="Inconsolata" panose="020B0609030003000000" pitchFamily="49" charset="77"/>
             </a:endParaRPr>
           </a:p>
         </p:txBody>
@@ -27207,7 +27857,7 @@
                 <a:solidFill>
                   <a:srgbClr val="34A327"/>
                 </a:solidFill>
-                <a:latin typeface="Inconsolata Medium" panose="020B0609030003000000" pitchFamily="49" charset="77"/>
+                <a:latin typeface="Inconsolata" panose="020B0609030003000000" pitchFamily="49" charset="77"/>
               </a:rPr>
               <a:t>import</a:t>
             </a:r>
@@ -27216,7 +27866,7 @@
                 <a:solidFill>
                   <a:srgbClr val="000000"/>
                 </a:solidFill>
-                <a:latin typeface="Inconsolata Medium" panose="020B0609030003000000" pitchFamily="49" charset="77"/>
+                <a:latin typeface="Inconsolata" panose="020B0609030003000000" pitchFamily="49" charset="77"/>
               </a:rPr>
               <a:t> </a:t>
             </a:r>
@@ -27225,7 +27875,7 @@
                 <a:solidFill>
                   <a:srgbClr val="3C9FF2"/>
                 </a:solidFill>
-                <a:latin typeface="Inconsolata Medium" panose="020B0609030003000000" pitchFamily="49" charset="77"/>
+                <a:latin typeface="Inconsolata" panose="020B0609030003000000" pitchFamily="49" charset="77"/>
               </a:rPr>
               <a:t>pandas</a:t>
             </a:r>
@@ -27234,7 +27884,7 @@
                 <a:solidFill>
                   <a:srgbClr val="000000"/>
                 </a:solidFill>
-                <a:latin typeface="Inconsolata Medium" panose="020B0609030003000000" pitchFamily="49" charset="77"/>
+                <a:latin typeface="Inconsolata" panose="020B0609030003000000" pitchFamily="49" charset="77"/>
               </a:rPr>
               <a:t> </a:t>
             </a:r>
@@ -27243,7 +27893,7 @@
                 <a:solidFill>
                   <a:srgbClr val="34A327"/>
                 </a:solidFill>
-                <a:latin typeface="Inconsolata Medium" panose="020B0609030003000000" pitchFamily="49" charset="77"/>
+                <a:latin typeface="Inconsolata" panose="020B0609030003000000" pitchFamily="49" charset="77"/>
               </a:rPr>
               <a:t>as</a:t>
             </a:r>
@@ -27252,7 +27902,7 @@
                 <a:solidFill>
                   <a:srgbClr val="000000"/>
                 </a:solidFill>
-                <a:latin typeface="Inconsolata Medium" panose="020B0609030003000000" pitchFamily="49" charset="77"/>
+                <a:latin typeface="Inconsolata" panose="020B0609030003000000" pitchFamily="49" charset="77"/>
               </a:rPr>
               <a:t> </a:t>
             </a:r>
@@ -27261,7 +27911,7 @@
                 <a:solidFill>
                   <a:srgbClr val="3C9FF2"/>
                 </a:solidFill>
-                <a:latin typeface="Inconsolata Medium" panose="020B0609030003000000" pitchFamily="49" charset="77"/>
+                <a:latin typeface="Inconsolata" panose="020B0609030003000000" pitchFamily="49" charset="77"/>
               </a:rPr>
               <a:t>pd</a:t>
             </a:r>
@@ -27270,7 +27920,7 @@
                 <a:solidFill>
                   <a:srgbClr val="000000"/>
                 </a:solidFill>
-                <a:latin typeface="Inconsolata Medium" panose="020B0609030003000000" pitchFamily="49" charset="77"/>
+                <a:latin typeface="Inconsolata" panose="020B0609030003000000" pitchFamily="49" charset="77"/>
               </a:rPr>
               <a:t> </a:t>
             </a:r>
@@ -27284,7 +27934,7 @@
                 <a:solidFill>
                   <a:srgbClr val="34A327"/>
                 </a:solidFill>
-                <a:latin typeface="Inconsolata Medium" panose="020B0609030003000000" pitchFamily="49" charset="77"/>
+                <a:latin typeface="Inconsolata" panose="020B0609030003000000" pitchFamily="49" charset="77"/>
               </a:rPr>
               <a:t>In[</a:t>
             </a:r>
@@ -27293,7 +27943,7 @@
                 <a:solidFill>
                   <a:srgbClr val="2EE721"/>
                 </a:solidFill>
-                <a:latin typeface="Inconsolata Medium" panose="020B0609030003000000" pitchFamily="49" charset="77"/>
+                <a:latin typeface="Inconsolata" panose="020B0609030003000000" pitchFamily="49" charset="77"/>
               </a:rPr>
               <a:t>1</a:t>
             </a:r>
@@ -27302,37 +27952,37 @@
                 <a:solidFill>
                   <a:srgbClr val="34A327"/>
                 </a:solidFill>
-                <a:latin typeface="Inconsolata Medium" panose="020B0609030003000000" pitchFamily="49" charset="77"/>
+                <a:latin typeface="Inconsolata" panose="020B0609030003000000" pitchFamily="49" charset="77"/>
               </a:rPr>
               <a:t>]: </a:t>
             </a:r>
             <a:r>
               <a:rPr lang="en-US" sz="2000" b="1" dirty="0">
-                <a:latin typeface="Inconsolata Medium" panose="020B0609030003000000" pitchFamily="49" charset="77"/>
+                <a:latin typeface="Inconsolata" panose="020B0609030003000000" pitchFamily="49" charset="77"/>
               </a:rPr>
               <a:t>grades = </a:t>
             </a:r>
             <a:r>
               <a:rPr lang="en-US" sz="2000" b="1" dirty="0" err="1">
-                <a:latin typeface="Inconsolata Medium" panose="020B0609030003000000" pitchFamily="49" charset="77"/>
+                <a:latin typeface="Inconsolata" panose="020B0609030003000000" pitchFamily="49" charset="77"/>
               </a:rPr>
               <a:t>pd.Series</a:t>
             </a:r>
             <a:r>
               <a:rPr lang="en-US" sz="2000" b="1" dirty="0">
-                <a:latin typeface="Inconsolata Medium" panose="020B0609030003000000" pitchFamily="49" charset="77"/>
+                <a:latin typeface="Inconsolata" panose="020B0609030003000000" pitchFamily="49" charset="77"/>
               </a:rPr>
               <a:t>([87, 100, 94], 						                       index=['</a:t>
             </a:r>
             <a:r>
               <a:rPr lang="en-US" sz="2000" b="1" dirty="0" err="1">
-                <a:latin typeface="Inconsolata Medium" panose="020B0609030003000000" pitchFamily="49" charset="77"/>
+                <a:latin typeface="Inconsolata" panose="020B0609030003000000" pitchFamily="49" charset="77"/>
               </a:rPr>
               <a:t>John','Sara','Mike</a:t>
             </a:r>
             <a:r>
               <a:rPr lang="en-US" sz="2000" b="1" dirty="0">
-                <a:latin typeface="Inconsolata Medium" panose="020B0609030003000000" pitchFamily="49" charset="77"/>
+                <a:latin typeface="Inconsolata" panose="020B0609030003000000" pitchFamily="49" charset="77"/>
               </a:rPr>
               <a:t>'])    </a:t>
             </a:r>
@@ -27346,7 +27996,7 @@
                 <a:solidFill>
                   <a:srgbClr val="34A327"/>
                 </a:solidFill>
-                <a:latin typeface="Inconsolata Medium" panose="020B0609030003000000" pitchFamily="49" charset="77"/>
+                <a:latin typeface="Inconsolata" panose="020B0609030003000000" pitchFamily="49" charset="77"/>
               </a:rPr>
               <a:t>In[</a:t>
             </a:r>
@@ -27355,7 +28005,7 @@
                 <a:solidFill>
                   <a:srgbClr val="2EE721"/>
                 </a:solidFill>
-                <a:latin typeface="Inconsolata Medium" panose="020B0609030003000000" pitchFamily="49" charset="77"/>
+                <a:latin typeface="Inconsolata" panose="020B0609030003000000" pitchFamily="49" charset="77"/>
               </a:rPr>
               <a:t>2</a:t>
             </a:r>
@@ -27364,13 +28014,13 @@
                 <a:solidFill>
                   <a:srgbClr val="34A327"/>
                 </a:solidFill>
-                <a:latin typeface="Inconsolata Medium" panose="020B0609030003000000" pitchFamily="49" charset="77"/>
+                <a:latin typeface="Inconsolata" panose="020B0609030003000000" pitchFamily="49" charset="77"/>
               </a:rPr>
               <a:t>]: </a:t>
             </a:r>
             <a:r>
               <a:rPr lang="en-US" sz="2000" b="1" dirty="0">
-                <a:latin typeface="Inconsolata Medium" panose="020B0609030003000000" pitchFamily="49" charset="77"/>
+                <a:latin typeface="Inconsolata" panose="020B0609030003000000" pitchFamily="49" charset="77"/>
               </a:rPr>
               <a:t>grades </a:t>
             </a:r>
@@ -27384,7 +28034,7 @@
                 <a:solidFill>
                   <a:srgbClr val="B23622"/>
                 </a:solidFill>
-                <a:latin typeface="Inconsolata Medium" panose="020B0609030003000000" pitchFamily="49" charset="77"/>
+                <a:latin typeface="Inconsolata" panose="020B0609030003000000" pitchFamily="49" charset="77"/>
               </a:rPr>
               <a:t>Out[</a:t>
             </a:r>
@@ -27393,7 +28043,7 @@
                 <a:solidFill>
                   <a:srgbClr val="FF3B1E"/>
                 </a:solidFill>
-                <a:latin typeface="Inconsolata Medium" panose="020B0609030003000000" pitchFamily="49" charset="77"/>
+                <a:latin typeface="Inconsolata" panose="020B0609030003000000" pitchFamily="49" charset="77"/>
               </a:rPr>
               <a:t>25</a:t>
             </a:r>
@@ -27402,7 +28052,7 @@
                 <a:solidFill>
                   <a:srgbClr val="B23622"/>
                 </a:solidFill>
-                <a:latin typeface="Inconsolata Medium" panose="020B0609030003000000" pitchFamily="49" charset="77"/>
+                <a:latin typeface="Inconsolata" panose="020B0609030003000000" pitchFamily="49" charset="77"/>
               </a:rPr>
               <a:t>]: </a:t>
             </a:r>
@@ -27416,7 +28066,7 @@
                 <a:solidFill>
                   <a:srgbClr val="000000"/>
                 </a:solidFill>
-                <a:latin typeface="Inconsolata Medium" panose="020B0609030003000000" pitchFamily="49" charset="77"/>
+                <a:latin typeface="Inconsolata" panose="020B0609030003000000" pitchFamily="49" charset="77"/>
               </a:rPr>
               <a:t>John     87</a:t>
             </a:r>
@@ -27430,7 +28080,7 @@
                 <a:solidFill>
                   <a:srgbClr val="000000"/>
                 </a:solidFill>
-                <a:latin typeface="Inconsolata Medium" panose="020B0609030003000000" pitchFamily="49" charset="77"/>
+                <a:latin typeface="Inconsolata" panose="020B0609030003000000" pitchFamily="49" charset="77"/>
               </a:rPr>
               <a:t>Sara    100</a:t>
             </a:r>
@@ -27444,7 +28094,7 @@
                 <a:solidFill>
                   <a:srgbClr val="000000"/>
                 </a:solidFill>
-                <a:latin typeface="Inconsolata Medium" panose="020B0609030003000000" pitchFamily="49" charset="77"/>
+                <a:latin typeface="Inconsolata" panose="020B0609030003000000" pitchFamily="49" charset="77"/>
               </a:rPr>
               <a:t>Mike     94</a:t>
             </a:r>
@@ -27458,7 +28108,7 @@
                 <a:solidFill>
                   <a:srgbClr val="000000"/>
                 </a:solidFill>
-                <a:latin typeface="Inconsolata Medium" panose="020B0609030003000000" pitchFamily="49" charset="77"/>
+                <a:latin typeface="Inconsolata" panose="020B0609030003000000" pitchFamily="49" charset="77"/>
               </a:rPr>
               <a:t>dtype</a:t>
             </a:r>
@@ -27467,7 +28117,7 @@
                 <a:solidFill>
                   <a:srgbClr val="000000"/>
                 </a:solidFill>
-                <a:latin typeface="Inconsolata Medium" panose="020B0609030003000000" pitchFamily="49" charset="77"/>
+                <a:latin typeface="Inconsolata" panose="020B0609030003000000" pitchFamily="49" charset="77"/>
               </a:rPr>
               <a:t>: int64</a:t>
             </a:r>
@@ -27480,7 +28130,7 @@
               <a:solidFill>
                 <a:srgbClr val="000000"/>
               </a:solidFill>
-              <a:latin typeface="Inconsolata Medium" panose="020B0609030003000000" pitchFamily="49" charset="77"/>
+              <a:latin typeface="Inconsolata" panose="020B0609030003000000" pitchFamily="49" charset="77"/>
             </a:endParaRPr>
           </a:p>
           <a:p>
@@ -27508,7 +28158,7 @@
               <a:solidFill>
                 <a:srgbClr val="000000"/>
               </a:solidFill>
-              <a:latin typeface="Inconsolata Medium" panose="020B0609030003000000" pitchFamily="49" charset="77"/>
+              <a:latin typeface="Inconsolata" panose="020B0609030003000000" pitchFamily="49" charset="77"/>
             </a:endParaRPr>
           </a:p>
           <a:p>
@@ -27516,7 +28166,7 @@
               <a:buNone/>
             </a:pPr>
             <a:endParaRPr lang="en-US" altLang="en-US" sz="2000" b="1" dirty="0">
-              <a:latin typeface="Inconsolata Medium" panose="020B0609030003000000" pitchFamily="49" charset="77"/>
+              <a:latin typeface="Inconsolata" panose="020B0609030003000000" pitchFamily="49" charset="77"/>
               <a:ea typeface="ＭＳ Ｐゴシック" panose="020B0600070205080204" pitchFamily="34" charset="-128"/>
             </a:endParaRPr>
           </a:p>
@@ -27575,7 +28225,7 @@
                 <a:solidFill>
                   <a:srgbClr val="000000"/>
                 </a:solidFill>
-                <a:latin typeface="Inconsolata Medium" panose="020B0609030003000000" pitchFamily="49" charset="77"/>
+                <a:latin typeface="Inconsolata" panose="020B0609030003000000" pitchFamily="49" charset="77"/>
               </a:rPr>
               <a:t>grades = </a:t>
             </a:r>
@@ -27584,7 +28234,7 @@
                 <a:solidFill>
                   <a:srgbClr val="000000"/>
                 </a:solidFill>
-                <a:latin typeface="Inconsolata Medium" panose="020B0609030003000000" pitchFamily="49" charset="77"/>
+                <a:latin typeface="Inconsolata" panose="020B0609030003000000" pitchFamily="49" charset="77"/>
               </a:rPr>
               <a:t>pd.Series</a:t>
             </a:r>
@@ -27593,7 +28243,7 @@
                 <a:solidFill>
                   <a:srgbClr val="000000"/>
                 </a:solidFill>
-                <a:latin typeface="Inconsolata Medium" panose="020B0609030003000000" pitchFamily="49" charset="77"/>
+                <a:latin typeface="Inconsolata" panose="020B0609030003000000" pitchFamily="49" charset="77"/>
               </a:rPr>
               <a:t>({</a:t>
             </a:r>
@@ -27602,7 +28252,7 @@
                 <a:solidFill>
                   <a:srgbClr val="CD7923"/>
                 </a:solidFill>
-                <a:latin typeface="Inconsolata Medium" panose="020B0609030003000000" pitchFamily="49" charset="77"/>
+                <a:latin typeface="Inconsolata" panose="020B0609030003000000" pitchFamily="49" charset="77"/>
               </a:rPr>
               <a:t>'John'</a:t>
             </a:r>
@@ -27611,7 +28261,7 @@
                 <a:solidFill>
                   <a:srgbClr val="000000"/>
                 </a:solidFill>
-                <a:latin typeface="Inconsolata Medium" panose="020B0609030003000000" pitchFamily="49" charset="77"/>
+                <a:latin typeface="Inconsolata" panose="020B0609030003000000" pitchFamily="49" charset="77"/>
               </a:rPr>
               <a:t>: </a:t>
             </a:r>
@@ -27620,7 +28270,7 @@
                 <a:solidFill>
                   <a:srgbClr val="34A327"/>
                 </a:solidFill>
-                <a:latin typeface="Inconsolata Medium" panose="020B0609030003000000" pitchFamily="49" charset="77"/>
+                <a:latin typeface="Inconsolata" panose="020B0609030003000000" pitchFamily="49" charset="77"/>
               </a:rPr>
               <a:t>87</a:t>
             </a:r>
@@ -27629,7 +28279,7 @@
                 <a:solidFill>
                   <a:srgbClr val="000000"/>
                 </a:solidFill>
-                <a:latin typeface="Inconsolata Medium" panose="020B0609030003000000" pitchFamily="49" charset="77"/>
+                <a:latin typeface="Inconsolata" panose="020B0609030003000000" pitchFamily="49" charset="77"/>
               </a:rPr>
               <a:t>, </a:t>
             </a:r>
@@ -27638,7 +28288,7 @@
                 <a:solidFill>
                   <a:srgbClr val="CD7923"/>
                 </a:solidFill>
-                <a:latin typeface="Inconsolata Medium" panose="020B0609030003000000" pitchFamily="49" charset="77"/>
+                <a:latin typeface="Inconsolata" panose="020B0609030003000000" pitchFamily="49" charset="77"/>
               </a:rPr>
               <a:t>'Sara'</a:t>
             </a:r>
@@ -27647,7 +28297,7 @@
                 <a:solidFill>
                   <a:srgbClr val="000000"/>
                 </a:solidFill>
-                <a:latin typeface="Inconsolata Medium" panose="020B0609030003000000" pitchFamily="49" charset="77"/>
+                <a:latin typeface="Inconsolata" panose="020B0609030003000000" pitchFamily="49" charset="77"/>
               </a:rPr>
               <a:t>: </a:t>
             </a:r>
@@ -27656,7 +28306,7 @@
                 <a:solidFill>
                   <a:srgbClr val="34A327"/>
                 </a:solidFill>
-                <a:latin typeface="Inconsolata Medium" panose="020B0609030003000000" pitchFamily="49" charset="77"/>
+                <a:latin typeface="Inconsolata" panose="020B0609030003000000" pitchFamily="49" charset="77"/>
               </a:rPr>
               <a:t>100</a:t>
             </a:r>
@@ -27665,7 +28315,7 @@
                 <a:solidFill>
                   <a:srgbClr val="000000"/>
                 </a:solidFill>
-                <a:latin typeface="Inconsolata Medium" panose="020B0609030003000000" pitchFamily="49" charset="77"/>
+                <a:latin typeface="Inconsolata" panose="020B0609030003000000" pitchFamily="49" charset="77"/>
               </a:rPr>
               <a:t>, </a:t>
             </a:r>
@@ -27674,7 +28324,7 @@
                 <a:solidFill>
                   <a:srgbClr val="CD7923"/>
                 </a:solidFill>
-                <a:latin typeface="Inconsolata Medium" panose="020B0609030003000000" pitchFamily="49" charset="77"/>
+                <a:latin typeface="Inconsolata" panose="020B0609030003000000" pitchFamily="49" charset="77"/>
               </a:rPr>
               <a:t>'Mike'</a:t>
             </a:r>
@@ -27683,7 +28333,7 @@
                 <a:solidFill>
                   <a:srgbClr val="000000"/>
                 </a:solidFill>
-                <a:latin typeface="Inconsolata Medium" panose="020B0609030003000000" pitchFamily="49" charset="77"/>
+                <a:latin typeface="Inconsolata" panose="020B0609030003000000" pitchFamily="49" charset="77"/>
               </a:rPr>
               <a:t>: </a:t>
             </a:r>
@@ -27692,7 +28342,7 @@
                 <a:solidFill>
                   <a:srgbClr val="34A327"/>
                 </a:solidFill>
-                <a:latin typeface="Inconsolata Medium" panose="020B0609030003000000" pitchFamily="49" charset="77"/>
+                <a:latin typeface="Inconsolata" panose="020B0609030003000000" pitchFamily="49" charset="77"/>
               </a:rPr>
               <a:t>94</a:t>
             </a:r>
@@ -27701,7 +28351,7 @@
                 <a:solidFill>
                   <a:srgbClr val="000000"/>
                 </a:solidFill>
-                <a:latin typeface="Inconsolata Medium" panose="020B0609030003000000" pitchFamily="49" charset="77"/>
+                <a:latin typeface="Inconsolata" panose="020B0609030003000000" pitchFamily="49" charset="77"/>
               </a:rPr>
               <a:t>})</a:t>
             </a:r>
@@ -27822,7 +28472,7 @@
                 <a:solidFill>
                   <a:srgbClr val="34A327"/>
                 </a:solidFill>
-                <a:latin typeface="Inconsolata Medium" panose="020B0609030003000000" pitchFamily="49" charset="77"/>
+                <a:latin typeface="Inconsolata" panose="020B0609030003000000" pitchFamily="49" charset="77"/>
               </a:rPr>
               <a:t>import</a:t>
             </a:r>
@@ -27831,7 +28481,7 @@
                 <a:solidFill>
                   <a:srgbClr val="000000"/>
                 </a:solidFill>
-                <a:latin typeface="Inconsolata Medium" panose="020B0609030003000000" pitchFamily="49" charset="77"/>
+                <a:latin typeface="Inconsolata" panose="020B0609030003000000" pitchFamily="49" charset="77"/>
               </a:rPr>
               <a:t> </a:t>
             </a:r>
@@ -27840,7 +28490,7 @@
                 <a:solidFill>
                   <a:srgbClr val="3C9FF2"/>
                 </a:solidFill>
-                <a:latin typeface="Inconsolata Medium" panose="020B0609030003000000" pitchFamily="49" charset="77"/>
+                <a:latin typeface="Inconsolata" panose="020B0609030003000000" pitchFamily="49" charset="77"/>
               </a:rPr>
               <a:t>pandas</a:t>
             </a:r>
@@ -27849,7 +28499,7 @@
                 <a:solidFill>
                   <a:srgbClr val="000000"/>
                 </a:solidFill>
-                <a:latin typeface="Inconsolata Medium" panose="020B0609030003000000" pitchFamily="49" charset="77"/>
+                <a:latin typeface="Inconsolata" panose="020B0609030003000000" pitchFamily="49" charset="77"/>
               </a:rPr>
               <a:t> </a:t>
             </a:r>
@@ -27858,7 +28508,7 @@
                 <a:solidFill>
                   <a:srgbClr val="34A327"/>
                 </a:solidFill>
-                <a:latin typeface="Inconsolata Medium" panose="020B0609030003000000" pitchFamily="49" charset="77"/>
+                <a:latin typeface="Inconsolata" panose="020B0609030003000000" pitchFamily="49" charset="77"/>
               </a:rPr>
               <a:t>as</a:t>
             </a:r>
@@ -27867,7 +28517,7 @@
                 <a:solidFill>
                   <a:srgbClr val="000000"/>
                 </a:solidFill>
-                <a:latin typeface="Inconsolata Medium" panose="020B0609030003000000" pitchFamily="49" charset="77"/>
+                <a:latin typeface="Inconsolata" panose="020B0609030003000000" pitchFamily="49" charset="77"/>
               </a:rPr>
               <a:t> </a:t>
             </a:r>
@@ -27876,7 +28526,7 @@
                 <a:solidFill>
                   <a:srgbClr val="3C9FF2"/>
                 </a:solidFill>
-                <a:latin typeface="Inconsolata Medium" panose="020B0609030003000000" pitchFamily="49" charset="77"/>
+                <a:latin typeface="Inconsolata" panose="020B0609030003000000" pitchFamily="49" charset="77"/>
               </a:rPr>
               <a:t>pd</a:t>
             </a:r>
@@ -27885,7 +28535,7 @@
                 <a:solidFill>
                   <a:srgbClr val="000000"/>
                 </a:solidFill>
-                <a:latin typeface="Inconsolata Medium" panose="020B0609030003000000" pitchFamily="49" charset="77"/>
+                <a:latin typeface="Inconsolata" panose="020B0609030003000000" pitchFamily="49" charset="77"/>
               </a:rPr>
               <a:t> </a:t>
             </a:r>
@@ -27899,7 +28549,7 @@
                 <a:solidFill>
                   <a:srgbClr val="34A327"/>
                 </a:solidFill>
-                <a:latin typeface="Inconsolata Medium" panose="020B0609030003000000" pitchFamily="49" charset="77"/>
+                <a:latin typeface="Inconsolata" panose="020B0609030003000000" pitchFamily="49" charset="77"/>
               </a:rPr>
               <a:t>In[</a:t>
             </a:r>
@@ -27908,7 +28558,7 @@
                 <a:solidFill>
                   <a:srgbClr val="2EE721"/>
                 </a:solidFill>
-                <a:latin typeface="Inconsolata Medium" panose="020B0609030003000000" pitchFamily="49" charset="77"/>
+                <a:latin typeface="Inconsolata" panose="020B0609030003000000" pitchFamily="49" charset="77"/>
               </a:rPr>
               <a:t>1</a:t>
             </a:r>
@@ -27917,37 +28567,37 @@
                 <a:solidFill>
                   <a:srgbClr val="34A327"/>
                 </a:solidFill>
-                <a:latin typeface="Inconsolata Medium" panose="020B0609030003000000" pitchFamily="49" charset="77"/>
+                <a:latin typeface="Inconsolata" panose="020B0609030003000000" pitchFamily="49" charset="77"/>
               </a:rPr>
               <a:t>]: </a:t>
             </a:r>
             <a:r>
               <a:rPr lang="en-US" sz="2000" b="1" dirty="0">
-                <a:latin typeface="Inconsolata Medium" panose="020B0609030003000000" pitchFamily="49" charset="77"/>
+                <a:latin typeface="Inconsolata" panose="020B0609030003000000" pitchFamily="49" charset="77"/>
               </a:rPr>
               <a:t>grades = </a:t>
             </a:r>
             <a:r>
               <a:rPr lang="en-US" sz="2000" b="1" dirty="0" err="1">
-                <a:latin typeface="Inconsolata Medium" panose="020B0609030003000000" pitchFamily="49" charset="77"/>
+                <a:latin typeface="Inconsolata" panose="020B0609030003000000" pitchFamily="49" charset="77"/>
               </a:rPr>
               <a:t>pd.Series</a:t>
             </a:r>
             <a:r>
               <a:rPr lang="en-US" sz="2000" b="1" dirty="0">
-                <a:latin typeface="Inconsolata Medium" panose="020B0609030003000000" pitchFamily="49" charset="77"/>
+                <a:latin typeface="Inconsolata" panose="020B0609030003000000" pitchFamily="49" charset="77"/>
               </a:rPr>
               <a:t>([87, 100, 94], 						                       index=['</a:t>
             </a:r>
             <a:r>
               <a:rPr lang="en-US" sz="2000" b="1" dirty="0" err="1">
-                <a:latin typeface="Inconsolata Medium" panose="020B0609030003000000" pitchFamily="49" charset="77"/>
+                <a:latin typeface="Inconsolata" panose="020B0609030003000000" pitchFamily="49" charset="77"/>
               </a:rPr>
               <a:t>John','Sara','Mike</a:t>
             </a:r>
             <a:r>
               <a:rPr lang="en-US" sz="2000" b="1" dirty="0">
-                <a:latin typeface="Inconsolata Medium" panose="020B0609030003000000" pitchFamily="49" charset="77"/>
+                <a:latin typeface="Inconsolata" panose="020B0609030003000000" pitchFamily="49" charset="77"/>
               </a:rPr>
               <a:t>'])    </a:t>
             </a:r>
@@ -27961,7 +28611,7 @@
                 <a:solidFill>
                   <a:srgbClr val="34A327"/>
                 </a:solidFill>
-                <a:latin typeface="Inconsolata Medium" panose="020B0609030003000000" pitchFamily="49" charset="77"/>
+                <a:latin typeface="Inconsolata" panose="020B0609030003000000" pitchFamily="49" charset="77"/>
               </a:rPr>
               <a:t>In[</a:t>
             </a:r>
@@ -27970,7 +28620,7 @@
                 <a:solidFill>
                   <a:srgbClr val="2EE721"/>
                 </a:solidFill>
-                <a:latin typeface="Inconsolata Medium" panose="020B0609030003000000" pitchFamily="49" charset="77"/>
+                <a:latin typeface="Inconsolata" panose="020B0609030003000000" pitchFamily="49" charset="77"/>
               </a:rPr>
               <a:t>2</a:t>
             </a:r>
@@ -27979,13 +28629,13 @@
                 <a:solidFill>
                   <a:srgbClr val="34A327"/>
                 </a:solidFill>
-                <a:latin typeface="Inconsolata Medium" panose="020B0609030003000000" pitchFamily="49" charset="77"/>
+                <a:latin typeface="Inconsolata" panose="020B0609030003000000" pitchFamily="49" charset="77"/>
               </a:rPr>
               <a:t>]: </a:t>
             </a:r>
             <a:r>
               <a:rPr lang="en-US" sz="2000" b="1" dirty="0">
-                <a:latin typeface="Inconsolata Medium" panose="020B0609030003000000" pitchFamily="49" charset="77"/>
+                <a:latin typeface="Inconsolata" panose="020B0609030003000000" pitchFamily="49" charset="77"/>
               </a:rPr>
               <a:t>grades['John']</a:t>
             </a:r>
@@ -27999,7 +28649,7 @@
                 <a:solidFill>
                   <a:srgbClr val="B23622"/>
                 </a:solidFill>
-                <a:latin typeface="Inconsolata Medium" panose="020B0609030003000000" pitchFamily="49" charset="77"/>
+                <a:latin typeface="Inconsolata" panose="020B0609030003000000" pitchFamily="49" charset="77"/>
               </a:rPr>
               <a:t>Out[</a:t>
             </a:r>
@@ -28008,7 +28658,7 @@
                 <a:solidFill>
                   <a:srgbClr val="FF3B1E"/>
                 </a:solidFill>
-                <a:latin typeface="Inconsolata Medium" panose="020B0609030003000000" pitchFamily="49" charset="77"/>
+                <a:latin typeface="Inconsolata" panose="020B0609030003000000" pitchFamily="49" charset="77"/>
               </a:rPr>
               <a:t>25</a:t>
             </a:r>
@@ -28017,13 +28667,13 @@
                 <a:solidFill>
                   <a:srgbClr val="B23622"/>
                 </a:solidFill>
-                <a:latin typeface="Inconsolata Medium" panose="020B0609030003000000" pitchFamily="49" charset="77"/>
+                <a:latin typeface="Inconsolata" panose="020B0609030003000000" pitchFamily="49" charset="77"/>
               </a:rPr>
               <a:t>]: </a:t>
             </a:r>
             <a:r>
               <a:rPr lang="en-US" sz="2000" b="1" dirty="0">
-                <a:latin typeface="Inconsolata Medium" panose="020B0609030003000000" pitchFamily="49" charset="77"/>
+                <a:latin typeface="Inconsolata" panose="020B0609030003000000" pitchFamily="49" charset="77"/>
               </a:rPr>
               <a:t>87</a:t>
             </a:r>
@@ -28036,7 +28686,7 @@
               <a:solidFill>
                 <a:srgbClr val="000000"/>
               </a:solidFill>
-              <a:latin typeface="Inconsolata Medium" panose="020B0609030003000000" pitchFamily="49" charset="77"/>
+              <a:latin typeface="Inconsolata" panose="020B0609030003000000" pitchFamily="49" charset="77"/>
             </a:endParaRPr>
           </a:p>
           <a:p>
@@ -28048,7 +28698,7 @@
                 <a:solidFill>
                   <a:srgbClr val="34A327"/>
                 </a:solidFill>
-                <a:latin typeface="Inconsolata Medium" panose="020B0609030003000000" pitchFamily="49" charset="77"/>
+                <a:latin typeface="Inconsolata" panose="020B0609030003000000" pitchFamily="49" charset="77"/>
               </a:rPr>
               <a:t>In[</a:t>
             </a:r>
@@ -28057,7 +28707,7 @@
                 <a:solidFill>
                   <a:srgbClr val="2EE721"/>
                 </a:solidFill>
-                <a:latin typeface="Inconsolata Medium" panose="020B0609030003000000" pitchFamily="49" charset="77"/>
+                <a:latin typeface="Inconsolata" panose="020B0609030003000000" pitchFamily="49" charset="77"/>
               </a:rPr>
               <a:t>2</a:t>
             </a:r>
@@ -28066,18 +28716,18 @@
                 <a:solidFill>
                   <a:srgbClr val="34A327"/>
                 </a:solidFill>
-                <a:latin typeface="Inconsolata Medium" panose="020B0609030003000000" pitchFamily="49" charset="77"/>
+                <a:latin typeface="Inconsolata" panose="020B0609030003000000" pitchFamily="49" charset="77"/>
               </a:rPr>
               <a:t>]: </a:t>
             </a:r>
             <a:r>
               <a:rPr lang="en-US" sz="2000" b="1" dirty="0" err="1">
-                <a:latin typeface="Inconsolata Medium" panose="020B0609030003000000" pitchFamily="49" charset="77"/>
+                <a:latin typeface="Inconsolata" panose="020B0609030003000000" pitchFamily="49" charset="77"/>
               </a:rPr>
               <a:t>grades.dtype</a:t>
             </a:r>
             <a:endParaRPr lang="en-US" sz="2000" b="1" dirty="0">
-              <a:latin typeface="Inconsolata Medium" panose="020B0609030003000000" pitchFamily="49" charset="77"/>
+              <a:latin typeface="Inconsolata" panose="020B0609030003000000" pitchFamily="49" charset="77"/>
             </a:endParaRPr>
           </a:p>
           <a:p>
@@ -28089,7 +28739,7 @@
                 <a:solidFill>
                   <a:srgbClr val="B23622"/>
                 </a:solidFill>
-                <a:latin typeface="Inconsolata Medium" panose="020B0609030003000000" pitchFamily="49" charset="77"/>
+                <a:latin typeface="Inconsolata" panose="020B0609030003000000" pitchFamily="49" charset="77"/>
               </a:rPr>
               <a:t>Out[</a:t>
             </a:r>
@@ -28098,7 +28748,7 @@
                 <a:solidFill>
                   <a:srgbClr val="FF3B1E"/>
                 </a:solidFill>
-                <a:latin typeface="Inconsolata Medium" panose="020B0609030003000000" pitchFamily="49" charset="77"/>
+                <a:latin typeface="Inconsolata" panose="020B0609030003000000" pitchFamily="49" charset="77"/>
               </a:rPr>
               <a:t>25</a:t>
             </a:r>
@@ -28107,13 +28757,13 @@
                 <a:solidFill>
                   <a:srgbClr val="B23622"/>
                 </a:solidFill>
-                <a:latin typeface="Inconsolata Medium" panose="020B0609030003000000" pitchFamily="49" charset="77"/>
+                <a:latin typeface="Inconsolata" panose="020B0609030003000000" pitchFamily="49" charset="77"/>
               </a:rPr>
               <a:t>]: </a:t>
             </a:r>
             <a:r>
               <a:rPr lang="en-US" sz="2000" b="1" dirty="0">
-                <a:latin typeface="Inconsolata Medium" panose="020B0609030003000000" pitchFamily="49" charset="77"/>
+                <a:latin typeface="Inconsolata" panose="020B0609030003000000" pitchFamily="49" charset="77"/>
               </a:rPr>
               <a:t>int64</a:t>
             </a:r>
@@ -28123,7 +28773,7 @@
               <a:buNone/>
             </a:pPr>
             <a:endParaRPr lang="en-US" sz="2000" b="1" dirty="0">
-              <a:latin typeface="Inconsolata Medium" panose="020B0609030003000000" pitchFamily="49" charset="77"/>
+              <a:latin typeface="Inconsolata" panose="020B0609030003000000" pitchFamily="49" charset="77"/>
             </a:endParaRPr>
           </a:p>
           <a:p>
@@ -28135,7 +28785,7 @@
                 <a:solidFill>
                   <a:srgbClr val="34A327"/>
                 </a:solidFill>
-                <a:latin typeface="Inconsolata Medium" panose="020B0609030003000000" pitchFamily="49" charset="77"/>
+                <a:latin typeface="Inconsolata" panose="020B0609030003000000" pitchFamily="49" charset="77"/>
               </a:rPr>
               <a:t>In[</a:t>
             </a:r>
@@ -28144,7 +28794,7 @@
                 <a:solidFill>
                   <a:srgbClr val="2EE721"/>
                 </a:solidFill>
-                <a:latin typeface="Inconsolata Medium" panose="020B0609030003000000" pitchFamily="49" charset="77"/>
+                <a:latin typeface="Inconsolata" panose="020B0609030003000000" pitchFamily="49" charset="77"/>
               </a:rPr>
               <a:t>2</a:t>
             </a:r>
@@ -28153,18 +28803,18 @@
                 <a:solidFill>
                   <a:srgbClr val="34A327"/>
                 </a:solidFill>
-                <a:latin typeface="Inconsolata Medium" panose="020B0609030003000000" pitchFamily="49" charset="77"/>
+                <a:latin typeface="Inconsolata" panose="020B0609030003000000" pitchFamily="49" charset="77"/>
               </a:rPr>
               <a:t>]: </a:t>
             </a:r>
             <a:r>
               <a:rPr lang="en-US" sz="2000" b="1" dirty="0" err="1">
-                <a:latin typeface="Inconsolata Medium" panose="020B0609030003000000" pitchFamily="49" charset="77"/>
+                <a:latin typeface="Inconsolata" panose="020B0609030003000000" pitchFamily="49" charset="77"/>
               </a:rPr>
               <a:t>grades.values</a:t>
             </a:r>
             <a:endParaRPr lang="en-US" sz="2000" b="1" dirty="0">
-              <a:latin typeface="Inconsolata Medium" panose="020B0609030003000000" pitchFamily="49" charset="77"/>
+              <a:latin typeface="Inconsolata" panose="020B0609030003000000" pitchFamily="49" charset="77"/>
             </a:endParaRPr>
           </a:p>
           <a:p>
@@ -28176,7 +28826,7 @@
                 <a:solidFill>
                   <a:srgbClr val="B23622"/>
                 </a:solidFill>
-                <a:latin typeface="Inconsolata Medium" panose="020B0609030003000000" pitchFamily="49" charset="77"/>
+                <a:latin typeface="Inconsolata" panose="020B0609030003000000" pitchFamily="49" charset="77"/>
               </a:rPr>
               <a:t>Out[</a:t>
             </a:r>
@@ -28185,7 +28835,7 @@
                 <a:solidFill>
                   <a:srgbClr val="FF3B1E"/>
                 </a:solidFill>
-                <a:latin typeface="Inconsolata Medium" panose="020B0609030003000000" pitchFamily="49" charset="77"/>
+                <a:latin typeface="Inconsolata" panose="020B0609030003000000" pitchFamily="49" charset="77"/>
               </a:rPr>
               <a:t>25</a:t>
             </a:r>
@@ -28194,13 +28844,13 @@
                 <a:solidFill>
                   <a:srgbClr val="B23622"/>
                 </a:solidFill>
-                <a:latin typeface="Inconsolata Medium" panose="020B0609030003000000" pitchFamily="49" charset="77"/>
+                <a:latin typeface="Inconsolata" panose="020B0609030003000000" pitchFamily="49" charset="77"/>
               </a:rPr>
               <a:t>]: </a:t>
             </a:r>
             <a:r>
               <a:rPr lang="en-US" sz="2000" b="1" dirty="0">
-                <a:latin typeface="Inconsolata Medium" panose="020B0609030003000000" pitchFamily="49" charset="77"/>
+                <a:latin typeface="Inconsolata" panose="020B0609030003000000" pitchFamily="49" charset="77"/>
               </a:rPr>
               <a:t>array([ 87, 100, 94])</a:t>
             </a:r>
@@ -28210,7 +28860,7 @@
               <a:buNone/>
             </a:pPr>
             <a:endParaRPr lang="en-US" sz="2000" b="1" dirty="0">
-              <a:latin typeface="Inconsolata Medium" panose="020B0609030003000000" pitchFamily="49" charset="77"/>
+              <a:latin typeface="Inconsolata" panose="020B0609030003000000" pitchFamily="49" charset="77"/>
             </a:endParaRPr>
           </a:p>
           <a:p>
@@ -28221,7 +28871,7 @@
               <a:solidFill>
                 <a:srgbClr val="000000"/>
               </a:solidFill>
-              <a:latin typeface="Inconsolata Medium" panose="020B0609030003000000" pitchFamily="49" charset="77"/>
+              <a:latin typeface="Inconsolata" panose="020B0609030003000000" pitchFamily="49" charset="77"/>
             </a:endParaRPr>
           </a:p>
           <a:p>
@@ -28229,7 +28879,7 @@
               <a:buNone/>
             </a:pPr>
             <a:endParaRPr lang="en-US" altLang="en-US" sz="2000" b="1" dirty="0">
-              <a:latin typeface="Inconsolata Medium" panose="020B0609030003000000" pitchFamily="49" charset="77"/>
+              <a:latin typeface="Inconsolata" panose="020B0609030003000000" pitchFamily="49" charset="77"/>
               <a:ea typeface="ＭＳ Ｐゴシック" panose="020B0600070205080204" pitchFamily="34" charset="-128"/>
             </a:endParaRPr>
           </a:p>
@@ -28593,7 +29243,7 @@
               <a:t>.</a:t>
             </a:r>
             <a:endParaRPr lang="en-US" altLang="en-US" sz="2000" b="1" dirty="0">
-              <a:latin typeface="Inconsolata Medium" panose="020B0609030003000000" pitchFamily="49" charset="77"/>
+              <a:latin typeface="Inconsolata" panose="020B0609030003000000" pitchFamily="49" charset="77"/>
               <a:ea typeface="ＭＳ Ｐゴシック" panose="020B0600070205080204" pitchFamily="34" charset="-128"/>
             </a:endParaRPr>
           </a:p>

--- a/courses/apcsp/lect11.pptx
+++ b/courses/apcsp/lect11.pptx
@@ -717,18 +717,18 @@
   <pc:docChgLst>
     <pc:chgData name="Long B Nguyen" userId="f59fb8f3-a021-417a-8bc1-65c8d471c621" providerId="ADAL" clId="{A1F93660-6D8D-A340-9687-A0738057EDB1}"/>
     <pc:docChg chg="addSld modSld">
-      <pc:chgData name="Long B Nguyen" userId="f59fb8f3-a021-417a-8bc1-65c8d471c621" providerId="ADAL" clId="{A1F93660-6D8D-A340-9687-A0738057EDB1}" dt="2021-05-23T11:23:29.742" v="641" actId="20577"/>
+      <pc:chgData name="Long B Nguyen" userId="f59fb8f3-a021-417a-8bc1-65c8d471c621" providerId="ADAL" clId="{A1F93660-6D8D-A340-9687-A0738057EDB1}" dt="2021-05-23T11:46:36.300" v="722" actId="20577"/>
       <pc:docMkLst>
         <pc:docMk/>
       </pc:docMkLst>
       <pc:sldChg chg="modSp mod">
-        <pc:chgData name="Long B Nguyen" userId="f59fb8f3-a021-417a-8bc1-65c8d471c621" providerId="ADAL" clId="{A1F93660-6D8D-A340-9687-A0738057EDB1}" dt="2021-05-23T11:23:29.742" v="641" actId="20577"/>
+        <pc:chgData name="Long B Nguyen" userId="f59fb8f3-a021-417a-8bc1-65c8d471c621" providerId="ADAL" clId="{A1F93660-6D8D-A340-9687-A0738057EDB1}" dt="2021-05-23T11:46:36.300" v="722" actId="20577"/>
         <pc:sldMkLst>
           <pc:docMk/>
           <pc:sldMk cId="3091957207" sldId="650"/>
         </pc:sldMkLst>
         <pc:spChg chg="mod">
-          <ac:chgData name="Long B Nguyen" userId="f59fb8f3-a021-417a-8bc1-65c8d471c621" providerId="ADAL" clId="{A1F93660-6D8D-A340-9687-A0738057EDB1}" dt="2021-05-23T11:23:29.742" v="641" actId="20577"/>
+          <ac:chgData name="Long B Nguyen" userId="f59fb8f3-a021-417a-8bc1-65c8d471c621" providerId="ADAL" clId="{A1F93660-6D8D-A340-9687-A0738057EDB1}" dt="2021-05-23T11:46:36.300" v="722" actId="20577"/>
           <ac:spMkLst>
             <pc:docMk/>
             <pc:sldMk cId="3091957207" sldId="650"/>
@@ -25611,25 +25611,37 @@
               <a:t>value_counts</a:t>
             </a:r>
             <a:r>
+              <a:rPr lang="en-US" sz="2000" dirty="0">
+                <a:latin typeface="Gill Sans MT" panose="020B0502020104020203" pitchFamily="34" charset="77"/>
+              </a:rPr>
+              <a:t>().</a:t>
+            </a:r>
+          </a:p>
+          <a:p>
+            <a:pPr marL="457200" indent="-457200">
+              <a:buAutoNum type="arabicParenR"/>
+            </a:pPr>
+            <a:r>
+              <a:rPr lang="en-US" sz="2000" dirty="0">
+                <a:latin typeface="Gill Sans MT" panose="020B0502020104020203" pitchFamily="34" charset="77"/>
+              </a:rPr>
+              <a:t>Compute the average rating of all movies from this list. Compute the average rating for movies from each genre(Hint: use </a:t>
+            </a:r>
+            <a:r>
+              <a:rPr lang="en-US" sz="2000" dirty="0" err="1">
+                <a:latin typeface="Gill Sans MT" panose="020B0502020104020203" pitchFamily="34" charset="77"/>
+              </a:rPr>
+              <a:t>groupby</a:t>
+            </a:r>
+            <a:r>
               <a:rPr lang="en-US" sz="2000">
                 <a:latin typeface="Gill Sans MT" panose="020B0502020104020203" pitchFamily="34" charset="77"/>
               </a:rPr>
-              <a:t>().</a:t>
+              <a:t>()).</a:t>
             </a:r>
             <a:endParaRPr lang="en-US" sz="2000" dirty="0">
               <a:latin typeface="Gill Sans MT" panose="020B0502020104020203" pitchFamily="34" charset="77"/>
             </a:endParaRPr>
-          </a:p>
-          <a:p>
-            <a:pPr marL="457200" indent="-457200">
-              <a:buAutoNum type="arabicParenR"/>
-            </a:pPr>
-            <a:r>
-              <a:rPr lang="en-US" sz="2000" dirty="0">
-                <a:latin typeface="Gill Sans MT" panose="020B0502020104020203" pitchFamily="34" charset="77"/>
-              </a:rPr>
-              <a:t>Compute the average rating of movies from each genre.</a:t>
-            </a:r>
           </a:p>
           <a:p>
             <a:pPr marL="457200" indent="-457200">
